--- a/presentations/28March2023_committee.pptx
+++ b/presentations/28March2023_committee.pptx
@@ -12,49 +12,48 @@
     <p:sldId id="260" r:id="rId6"/>
     <p:sldId id="305" r:id="rId7"/>
     <p:sldId id="306" r:id="rId8"/>
-    <p:sldId id="261" r:id="rId9"/>
-    <p:sldId id="313" r:id="rId10"/>
+    <p:sldId id="313" r:id="rId9"/>
+    <p:sldId id="314" r:id="rId10"/>
     <p:sldId id="307" r:id="rId11"/>
     <p:sldId id="311" r:id="rId12"/>
-    <p:sldId id="309" r:id="rId13"/>
-    <p:sldId id="312" r:id="rId14"/>
-    <p:sldId id="308" r:id="rId15"/>
-    <p:sldId id="310" r:id="rId16"/>
-    <p:sldId id="264" r:id="rId17"/>
-    <p:sldId id="266" r:id="rId18"/>
-    <p:sldId id="267" r:id="rId19"/>
-    <p:sldId id="270" r:id="rId20"/>
-    <p:sldId id="271" r:id="rId21"/>
-    <p:sldId id="268" r:id="rId22"/>
-    <p:sldId id="272" r:id="rId23"/>
-    <p:sldId id="273" r:id="rId24"/>
-    <p:sldId id="275" r:id="rId25"/>
-    <p:sldId id="276" r:id="rId26"/>
-    <p:sldId id="277" r:id="rId27"/>
-    <p:sldId id="278" r:id="rId28"/>
-    <p:sldId id="279" r:id="rId29"/>
-    <p:sldId id="280" r:id="rId30"/>
-    <p:sldId id="281" r:id="rId31"/>
-    <p:sldId id="282" r:id="rId32"/>
-    <p:sldId id="283" r:id="rId33"/>
-    <p:sldId id="284" r:id="rId34"/>
-    <p:sldId id="285" r:id="rId35"/>
-    <p:sldId id="286" r:id="rId36"/>
-    <p:sldId id="287" r:id="rId37"/>
-    <p:sldId id="288" r:id="rId38"/>
-    <p:sldId id="289" r:id="rId39"/>
-    <p:sldId id="290" r:id="rId40"/>
-    <p:sldId id="291" r:id="rId41"/>
-    <p:sldId id="292" r:id="rId42"/>
-    <p:sldId id="293" r:id="rId43"/>
-    <p:sldId id="294" r:id="rId44"/>
-    <p:sldId id="295" r:id="rId45"/>
-    <p:sldId id="296" r:id="rId46"/>
-    <p:sldId id="297" r:id="rId47"/>
-    <p:sldId id="298" r:id="rId48"/>
-    <p:sldId id="301" r:id="rId49"/>
-    <p:sldId id="302" r:id="rId50"/>
-    <p:sldId id="300" r:id="rId51"/>
+    <p:sldId id="261" r:id="rId13"/>
+    <p:sldId id="309" r:id="rId14"/>
+    <p:sldId id="312" r:id="rId15"/>
+    <p:sldId id="264" r:id="rId16"/>
+    <p:sldId id="266" r:id="rId17"/>
+    <p:sldId id="267" r:id="rId18"/>
+    <p:sldId id="270" r:id="rId19"/>
+    <p:sldId id="271" r:id="rId20"/>
+    <p:sldId id="268" r:id="rId21"/>
+    <p:sldId id="272" r:id="rId22"/>
+    <p:sldId id="273" r:id="rId23"/>
+    <p:sldId id="275" r:id="rId24"/>
+    <p:sldId id="276" r:id="rId25"/>
+    <p:sldId id="277" r:id="rId26"/>
+    <p:sldId id="278" r:id="rId27"/>
+    <p:sldId id="279" r:id="rId28"/>
+    <p:sldId id="280" r:id="rId29"/>
+    <p:sldId id="281" r:id="rId30"/>
+    <p:sldId id="282" r:id="rId31"/>
+    <p:sldId id="283" r:id="rId32"/>
+    <p:sldId id="284" r:id="rId33"/>
+    <p:sldId id="285" r:id="rId34"/>
+    <p:sldId id="286" r:id="rId35"/>
+    <p:sldId id="287" r:id="rId36"/>
+    <p:sldId id="288" r:id="rId37"/>
+    <p:sldId id="289" r:id="rId38"/>
+    <p:sldId id="290" r:id="rId39"/>
+    <p:sldId id="291" r:id="rId40"/>
+    <p:sldId id="292" r:id="rId41"/>
+    <p:sldId id="293" r:id="rId42"/>
+    <p:sldId id="294" r:id="rId43"/>
+    <p:sldId id="295" r:id="rId44"/>
+    <p:sldId id="296" r:id="rId45"/>
+    <p:sldId id="297" r:id="rId46"/>
+    <p:sldId id="298" r:id="rId47"/>
+    <p:sldId id="301" r:id="rId48"/>
+    <p:sldId id="302" r:id="rId49"/>
+    <p:sldId id="300" r:id="rId50"/>
   </p:sldIdLst>
   <p:sldSz cx="12192000" cy="6858000"/>
   <p:notesSz cx="6858000" cy="9144000"/>
@@ -3537,7 +3536,7 @@
         </p:blipFill>
         <p:spPr>
           <a:xfrm>
-            <a:off x="228600" y="1171575"/>
+            <a:off x="228600" y="1280904"/>
             <a:ext cx="11734800" cy="5562600"/>
           </a:xfrm>
           <a:prstGeom prst="rect">
@@ -3975,10 +3974,10 @@
       </p:grpSpPr>
       <p:pic>
         <p:nvPicPr>
-          <p:cNvPr id="9" name="Picture 8" descr="A picture containing worm&#10;&#10;Description automatically generated">
+          <p:cNvPr id="3" name="Picture 2" descr="A picture containing green, dark&#10;&#10;Description automatically generated">
             <a:extLst>
               <a:ext uri="{FF2B5EF4-FFF2-40B4-BE49-F238E27FC236}">
-                <a16:creationId xmlns:a16="http://schemas.microsoft.com/office/drawing/2014/main" id="{81D1EE73-95F7-6DD2-C503-00E4E09255D9}"/>
+                <a16:creationId xmlns:a16="http://schemas.microsoft.com/office/drawing/2014/main" id="{60D79174-4036-277C-73E7-477126658769}"/>
               </a:ext>
             </a:extLst>
           </p:cNvPr>
@@ -4001,8 +4000,8 @@
         </p:blipFill>
         <p:spPr>
           <a:xfrm>
-            <a:off x="233362" y="1323975"/>
-            <a:ext cx="11725275" cy="5534025"/>
+            <a:off x="195262" y="1447800"/>
+            <a:ext cx="11801475" cy="5410200"/>
           </a:xfrm>
           <a:prstGeom prst="rect">
             <a:avLst/>
@@ -4011,10 +4010,10 @@
       </p:pic>
       <p:sp>
         <p:nvSpPr>
-          <p:cNvPr id="2" name="Title 1">
+          <p:cNvPr id="4" name="Title 1">
             <a:extLst>
               <a:ext uri="{FF2B5EF4-FFF2-40B4-BE49-F238E27FC236}">
-                <a16:creationId xmlns:a16="http://schemas.microsoft.com/office/drawing/2014/main" id="{E5873187-2CEA-54B4-1797-36BDEA649102}"/>
+                <a16:creationId xmlns:a16="http://schemas.microsoft.com/office/drawing/2014/main" id="{F7C7B42F-3164-3D77-700F-2F19479E3B86}"/>
               </a:ext>
             </a:extLst>
           </p:cNvPr>
@@ -4034,7 +4033,7 @@
         </p:spPr>
         <p:txBody>
           <a:bodyPr vert="horz" lIns="91440" tIns="45720" rIns="91440" bIns="45720" rtlCol="0" anchor="b">
-            <a:normAutofit fontScale="67500" lnSpcReduction="20000"/>
+            <a:normAutofit fontScale="97500"/>
           </a:bodyPr>
           <a:lstStyle>
             <a:lvl1pPr algn="ctr" defTabSz="914400" rtl="0" eaLnBrk="1" latinLnBrk="0" hangingPunct="1">
@@ -4057,22 +4056,27 @@
           </a:lstStyle>
           <a:p>
             <a:r>
-              <a:rPr lang="en-US" sz="8000" dirty="0">
+              <a:rPr lang="en-US" sz="5500" dirty="0">
                 <a:solidFill>
                   <a:schemeClr val="bg1"/>
                 </a:solidFill>
               </a:rPr>
-              <a:t>Dissimilar Neighbor</a:t>
+              <a:t>Average</a:t>
             </a:r>
+            <a:endParaRPr lang="en-US" sz="8000" dirty="0">
+              <a:solidFill>
+                <a:schemeClr val="bg1"/>
+              </a:solidFill>
+            </a:endParaRPr>
           </a:p>
         </p:txBody>
       </p:sp>
       <p:sp>
         <p:nvSpPr>
-          <p:cNvPr id="4" name="Title 1">
+          <p:cNvPr id="5" name="Title 1">
             <a:extLst>
               <a:ext uri="{FF2B5EF4-FFF2-40B4-BE49-F238E27FC236}">
-                <a16:creationId xmlns:a16="http://schemas.microsoft.com/office/drawing/2014/main" id="{F4D14457-D28C-8ADE-3B2D-0FE67AC39B9A}"/>
+                <a16:creationId xmlns:a16="http://schemas.microsoft.com/office/drawing/2014/main" id="{AF8A2803-513D-C1B0-3206-2E1FE0287A7F}"/>
               </a:ext>
             </a:extLst>
           </p:cNvPr>
@@ -4128,7 +4132,7 @@
     </p:spTree>
     <p:extLst>
       <p:ext uri="{BB962C8B-B14F-4D97-AF65-F5344CB8AC3E}">
-        <p14:creationId xmlns:p14="http://schemas.microsoft.com/office/powerpoint/2010/main" val="3253262730"/>
+        <p14:creationId xmlns:p14="http://schemas.microsoft.com/office/powerpoint/2010/main" val="3273896745"/>
       </p:ext>
     </p:extLst>
   </p:cSld>
@@ -4165,10 +4169,10 @@
       </p:grpSpPr>
       <p:pic>
         <p:nvPicPr>
-          <p:cNvPr id="6" name="Picture 5" descr="A picture containing green, dark&#10;&#10;Description automatically generated">
+          <p:cNvPr id="9" name="Picture 8" descr="A picture containing worm&#10;&#10;Description automatically generated">
             <a:extLst>
               <a:ext uri="{FF2B5EF4-FFF2-40B4-BE49-F238E27FC236}">
-                <a16:creationId xmlns:a16="http://schemas.microsoft.com/office/drawing/2014/main" id="{D6EF096B-E15A-82D5-F9AA-6E233F6A4565}"/>
+                <a16:creationId xmlns:a16="http://schemas.microsoft.com/office/drawing/2014/main" id="{81D1EE73-95F7-6DD2-C503-00E4E09255D9}"/>
               </a:ext>
             </a:extLst>
           </p:cNvPr>
@@ -4191,8 +4195,8 @@
         </p:blipFill>
         <p:spPr>
           <a:xfrm>
-            <a:off x="204787" y="1362075"/>
-            <a:ext cx="11782425" cy="5495925"/>
+            <a:off x="233362" y="1323975"/>
+            <a:ext cx="11725275" cy="5534025"/>
           </a:xfrm>
           <a:prstGeom prst="rect">
             <a:avLst/>
@@ -4224,7 +4228,7 @@
         </p:spPr>
         <p:txBody>
           <a:bodyPr vert="horz" lIns="91440" tIns="45720" rIns="91440" bIns="45720" rtlCol="0" anchor="b">
-            <a:normAutofit fontScale="97500"/>
+            <a:normAutofit fontScale="67500" lnSpcReduction="20000"/>
           </a:bodyPr>
           <a:lstStyle>
             <a:lvl1pPr algn="ctr" defTabSz="914400" rtl="0" eaLnBrk="1" latinLnBrk="0" hangingPunct="1">
@@ -4247,18 +4251,13 @@
           </a:lstStyle>
           <a:p>
             <a:r>
-              <a:rPr lang="en-US" sz="5500" dirty="0">
+              <a:rPr lang="en-US" sz="8000" dirty="0">
                 <a:solidFill>
                   <a:schemeClr val="bg1"/>
                 </a:solidFill>
               </a:rPr>
-              <a:t>Kmeans</a:t>
+              <a:t>Dissimilar Neighbor</a:t>
             </a:r>
-            <a:endParaRPr lang="en-US" sz="8000" dirty="0">
-              <a:solidFill>
-                <a:schemeClr val="bg1"/>
-              </a:solidFill>
-            </a:endParaRPr>
           </a:p>
         </p:txBody>
       </p:sp>
@@ -4323,7 +4322,7 @@
     </p:spTree>
     <p:extLst>
       <p:ext uri="{BB962C8B-B14F-4D97-AF65-F5344CB8AC3E}">
-        <p14:creationId xmlns:p14="http://schemas.microsoft.com/office/powerpoint/2010/main" val="268521760"/>
+        <p14:creationId xmlns:p14="http://schemas.microsoft.com/office/powerpoint/2010/main" val="3253262730"/>
       </p:ext>
     </p:extLst>
   </p:cSld>
@@ -4360,10 +4359,10 @@
       </p:grpSpPr>
       <p:pic>
         <p:nvPicPr>
-          <p:cNvPr id="3" name="Picture 2" descr="A picture containing green, invertebrate, dark, distance&#10;&#10;Description automatically generated">
+          <p:cNvPr id="6" name="Picture 5" descr="A picture containing green, dark&#10;&#10;Description automatically generated">
             <a:extLst>
               <a:ext uri="{FF2B5EF4-FFF2-40B4-BE49-F238E27FC236}">
-                <a16:creationId xmlns:a16="http://schemas.microsoft.com/office/drawing/2014/main" id="{61BEE92E-35B5-DBEF-58DC-35DBEF6E8EF7}"/>
+                <a16:creationId xmlns:a16="http://schemas.microsoft.com/office/drawing/2014/main" id="{D6EF096B-E15A-82D5-F9AA-6E233F6A4565}"/>
               </a:ext>
             </a:extLst>
           </p:cNvPr>
@@ -4386,79 +4385,7 @@
         </p:blipFill>
         <p:spPr>
           <a:xfrm>
-            <a:off x="481012" y="478388"/>
-            <a:ext cx="11839575" cy="5324475"/>
-          </a:xfrm>
-          <a:prstGeom prst="rect">
-            <a:avLst/>
-          </a:prstGeom>
-        </p:spPr>
-      </p:pic>
-      <p:pic>
-        <p:nvPicPr>
-          <p:cNvPr id="5" name="Picture 4">
-            <a:extLst>
-              <a:ext uri="{FF2B5EF4-FFF2-40B4-BE49-F238E27FC236}">
-                <a16:creationId xmlns:a16="http://schemas.microsoft.com/office/drawing/2014/main" id="{B2237203-4B48-B902-695C-567D10D77BDD}"/>
-              </a:ext>
-            </a:extLst>
-          </p:cNvPr>
-          <p:cNvPicPr>
-            <a:picLocks noChangeAspect="1"/>
-          </p:cNvPicPr>
-          <p:nvPr/>
-        </p:nvPicPr>
-        <p:blipFill>
-          <a:blip r:embed="rId3">
-            <a:extLst>
-              <a:ext uri="{28A0092B-C50C-407E-A947-70E740481C1C}">
-                <a14:useLocalDpi xmlns:a14="http://schemas.microsoft.com/office/drawing/2010/main" val="0"/>
-              </a:ext>
-            </a:extLst>
-          </a:blip>
-          <a:stretch>
-            <a:fillRect/>
-          </a:stretch>
-        </p:blipFill>
-        <p:spPr>
-          <a:xfrm>
-            <a:off x="3286200" y="208126"/>
-            <a:ext cx="11772900" cy="5495925"/>
-          </a:xfrm>
-          <a:prstGeom prst="rect">
-            <a:avLst/>
-          </a:prstGeom>
-        </p:spPr>
-      </p:pic>
-      <p:pic>
-        <p:nvPicPr>
-          <p:cNvPr id="7" name="Picture 6" descr="A picture containing green, dark&#10;&#10;Description automatically generated">
-            <a:extLst>
-              <a:ext uri="{FF2B5EF4-FFF2-40B4-BE49-F238E27FC236}">
-                <a16:creationId xmlns:a16="http://schemas.microsoft.com/office/drawing/2014/main" id="{6819067E-BCFA-E0AE-173C-913E24CA2AE3}"/>
-              </a:ext>
-            </a:extLst>
-          </p:cNvPr>
-          <p:cNvPicPr>
-            <a:picLocks noChangeAspect="1"/>
-          </p:cNvPicPr>
-          <p:nvPr/>
-        </p:nvPicPr>
-        <p:blipFill>
-          <a:blip r:embed="rId4">
-            <a:extLst>
-              <a:ext uri="{28A0092B-C50C-407E-A947-70E740481C1C}">
-                <a14:useLocalDpi xmlns:a14="http://schemas.microsoft.com/office/drawing/2010/main" val="0"/>
-              </a:ext>
-            </a:extLst>
-          </a:blip>
-          <a:stretch>
-            <a:fillRect/>
-          </a:stretch>
-        </p:blipFill>
-        <p:spPr>
-          <a:xfrm>
-            <a:off x="4667212" y="-908512"/>
+            <a:off x="204787" y="1362075"/>
             <a:ext cx="11782425" cy="5495925"/>
           </a:xfrm>
           <a:prstGeom prst="rect">
@@ -4466,82 +4393,131 @@
           </a:prstGeom>
         </p:spPr>
       </p:pic>
-      <p:pic>
-        <p:nvPicPr>
-          <p:cNvPr id="11" name="Picture 10">
+      <p:sp>
+        <p:nvSpPr>
+          <p:cNvPr id="2" name="Title 1">
             <a:extLst>
               <a:ext uri="{FF2B5EF4-FFF2-40B4-BE49-F238E27FC236}">
-                <a16:creationId xmlns:a16="http://schemas.microsoft.com/office/drawing/2014/main" id="{F0056E58-5E5C-B5CB-512A-91875F18CF23}"/>
+                <a16:creationId xmlns:a16="http://schemas.microsoft.com/office/drawing/2014/main" id="{E5873187-2CEA-54B4-1797-36BDEA649102}"/>
               </a:ext>
             </a:extLst>
           </p:cNvPr>
-          <p:cNvPicPr>
-            <a:picLocks noChangeAspect="1"/>
-          </p:cNvPicPr>
+          <p:cNvSpPr txBox="1">
+            <a:spLocks/>
+          </p:cNvSpPr>
           <p:nvPr/>
-        </p:nvPicPr>
-        <p:blipFill>
-          <a:blip r:embed="rId5">
-            <a:extLst>
-              <a:ext uri="{28A0092B-C50C-407E-A947-70E740481C1C}">
-                <a14:useLocalDpi xmlns:a14="http://schemas.microsoft.com/office/drawing/2010/main" val="0"/>
-              </a:ext>
-            </a:extLst>
-          </a:blip>
-          <a:stretch>
-            <a:fillRect/>
-          </a:stretch>
-        </p:blipFill>
+        </p:nvSpPr>
         <p:spPr>
           <a:xfrm>
-            <a:off x="3019350" y="1943025"/>
-            <a:ext cx="11734800" cy="5572125"/>
+            <a:off x="8948737" y="0"/>
+            <a:ext cx="3009900" cy="1676400"/>
           </a:xfrm>
           <a:prstGeom prst="rect">
             <a:avLst/>
           </a:prstGeom>
         </p:spPr>
-      </p:pic>
-      <p:pic>
-        <p:nvPicPr>
-          <p:cNvPr id="13" name="Picture 12" descr="A picture containing dark&#10;&#10;Description automatically generated">
+        <p:txBody>
+          <a:bodyPr vert="horz" lIns="91440" tIns="45720" rIns="91440" bIns="45720" rtlCol="0" anchor="b">
+            <a:normAutofit fontScale="97500"/>
+          </a:bodyPr>
+          <a:lstStyle>
+            <a:lvl1pPr algn="ctr" defTabSz="914400" rtl="0" eaLnBrk="1" latinLnBrk="0" hangingPunct="1">
+              <a:lnSpc>
+                <a:spcPct val="90000"/>
+              </a:lnSpc>
+              <a:spcBef>
+                <a:spcPct val="0"/>
+              </a:spcBef>
+              <a:buNone/>
+              <a:defRPr sz="6000" kern="1200">
+                <a:solidFill>
+                  <a:schemeClr val="tx1"/>
+                </a:solidFill>
+                <a:latin typeface="+mj-lt"/>
+                <a:ea typeface="+mj-ea"/>
+                <a:cs typeface="+mj-cs"/>
+              </a:defRPr>
+            </a:lvl1pPr>
+          </a:lstStyle>
+          <a:p>
+            <a:r>
+              <a:rPr lang="en-US" sz="5500" dirty="0">
+                <a:solidFill>
+                  <a:schemeClr val="bg1"/>
+                </a:solidFill>
+              </a:rPr>
+              <a:t>Kmeans</a:t>
+            </a:r>
+            <a:endParaRPr lang="en-US" sz="8000" dirty="0">
+              <a:solidFill>
+                <a:schemeClr val="bg1"/>
+              </a:solidFill>
+            </a:endParaRPr>
+          </a:p>
+        </p:txBody>
+      </p:sp>
+      <p:sp>
+        <p:nvSpPr>
+          <p:cNvPr id="4" name="Title 1">
             <a:extLst>
               <a:ext uri="{FF2B5EF4-FFF2-40B4-BE49-F238E27FC236}">
-                <a16:creationId xmlns:a16="http://schemas.microsoft.com/office/drawing/2014/main" id="{8584110D-DEC6-899F-CE2C-0164174D9CB6}"/>
+                <a16:creationId xmlns:a16="http://schemas.microsoft.com/office/drawing/2014/main" id="{F4D14457-D28C-8ADE-3B2D-0FE67AC39B9A}"/>
               </a:ext>
             </a:extLst>
           </p:cNvPr>
-          <p:cNvPicPr>
-            <a:picLocks noChangeAspect="1"/>
-          </p:cNvPicPr>
+          <p:cNvSpPr txBox="1">
+            <a:spLocks/>
+          </p:cNvSpPr>
           <p:nvPr/>
-        </p:nvPicPr>
-        <p:blipFill>
-          <a:blip r:embed="rId6">
-            <a:extLst>
-              <a:ext uri="{28A0092B-C50C-407E-A947-70E740481C1C}">
-                <a14:useLocalDpi xmlns:a14="http://schemas.microsoft.com/office/drawing/2010/main" val="0"/>
-              </a:ext>
-            </a:extLst>
-          </a:blip>
-          <a:stretch>
-            <a:fillRect/>
-          </a:stretch>
-        </p:blipFill>
+        </p:nvSpPr>
         <p:spPr>
           <a:xfrm>
-            <a:off x="2816925" y="2150175"/>
-            <a:ext cx="11734800" cy="5562600"/>
+            <a:off x="8948737" y="1676400"/>
+            <a:ext cx="3009900" cy="781050"/>
           </a:xfrm>
           <a:prstGeom prst="rect">
             <a:avLst/>
           </a:prstGeom>
         </p:spPr>
-      </p:pic>
+        <p:txBody>
+          <a:bodyPr vert="horz" lIns="91440" tIns="45720" rIns="91440" bIns="45720" rtlCol="0" anchor="b">
+            <a:normAutofit fontScale="97500"/>
+          </a:bodyPr>
+          <a:lstStyle>
+            <a:lvl1pPr algn="ctr" defTabSz="914400" rtl="0" eaLnBrk="1" latinLnBrk="0" hangingPunct="1">
+              <a:lnSpc>
+                <a:spcPct val="90000"/>
+              </a:lnSpc>
+              <a:spcBef>
+                <a:spcPct val="0"/>
+              </a:spcBef>
+              <a:buNone/>
+              <a:defRPr sz="6000" kern="1200">
+                <a:solidFill>
+                  <a:schemeClr val="tx1"/>
+                </a:solidFill>
+                <a:latin typeface="+mj-lt"/>
+                <a:ea typeface="+mj-ea"/>
+                <a:cs typeface="+mj-cs"/>
+              </a:defRPr>
+            </a:lvl1pPr>
+          </a:lstStyle>
+          <a:p>
+            <a:r>
+              <a:rPr lang="en-US" sz="4800" i="1" dirty="0">
+                <a:solidFill>
+                  <a:schemeClr val="bg1"/>
+                </a:solidFill>
+              </a:rPr>
+              <a:t>20%</a:t>
+            </a:r>
+          </a:p>
+        </p:txBody>
+      </p:sp>
     </p:spTree>
     <p:extLst>
       <p:ext uri="{BB962C8B-B14F-4D97-AF65-F5344CB8AC3E}">
-        <p14:creationId xmlns:p14="http://schemas.microsoft.com/office/powerpoint/2010/main" val="334237921"/>
+        <p14:creationId xmlns:p14="http://schemas.microsoft.com/office/powerpoint/2010/main" val="268521760"/>
       </p:ext>
     </p:extLst>
   </p:cSld>
@@ -4552,188 +4528,6 @@
 </file>
 
 <file path=ppt/slides/slide15.xml><?xml version="1.0" encoding="utf-8"?>
-<p:sld xmlns:a="http://schemas.openxmlformats.org/drawingml/2006/main" xmlns:r="http://schemas.openxmlformats.org/officeDocument/2006/relationships" xmlns:p="http://schemas.openxmlformats.org/presentationml/2006/main">
-  <p:cSld>
-    <p:bg>
-      <p:bgPr>
-        <a:solidFill>
-          <a:schemeClr val="tx1"/>
-        </a:solidFill>
-        <a:effectLst/>
-      </p:bgPr>
-    </p:bg>
-    <p:spTree>
-      <p:nvGrpSpPr>
-        <p:cNvPr id="1" name=""/>
-        <p:cNvGrpSpPr/>
-        <p:nvPr/>
-      </p:nvGrpSpPr>
-      <p:grpSpPr>
-        <a:xfrm>
-          <a:off x="0" y="0"/>
-          <a:ext cx="0" cy="0"/>
-          <a:chOff x="0" y="0"/>
-          <a:chExt cx="0" cy="0"/>
-        </a:xfrm>
-      </p:grpSpPr>
-      <p:pic>
-        <p:nvPicPr>
-          <p:cNvPr id="3" name="Picture 2" descr="A picture containing green, invertebrate, dark, distance&#10;&#10;Description automatically generated">
-            <a:extLst>
-              <a:ext uri="{FF2B5EF4-FFF2-40B4-BE49-F238E27FC236}">
-                <a16:creationId xmlns:a16="http://schemas.microsoft.com/office/drawing/2014/main" id="{61BEE92E-35B5-DBEF-58DC-35DBEF6E8EF7}"/>
-              </a:ext>
-            </a:extLst>
-          </p:cNvPr>
-          <p:cNvPicPr>
-            <a:picLocks noChangeAspect="1"/>
-          </p:cNvPicPr>
-          <p:nvPr/>
-        </p:nvPicPr>
-        <p:blipFill>
-          <a:blip r:embed="rId2">
-            <a:extLst>
-              <a:ext uri="{28A0092B-C50C-407E-A947-70E740481C1C}">
-                <a14:useLocalDpi xmlns:a14="http://schemas.microsoft.com/office/drawing/2010/main" val="0"/>
-              </a:ext>
-            </a:extLst>
-          </a:blip>
-          <a:stretch>
-            <a:fillRect/>
-          </a:stretch>
-        </p:blipFill>
-        <p:spPr>
-          <a:xfrm>
-            <a:off x="176212" y="766762"/>
-            <a:ext cx="11839575" cy="5324475"/>
-          </a:xfrm>
-          <a:prstGeom prst="rect">
-            <a:avLst/>
-          </a:prstGeom>
-        </p:spPr>
-      </p:pic>
-      <p:pic>
-        <p:nvPicPr>
-          <p:cNvPr id="5" name="Picture 4">
-            <a:extLst>
-              <a:ext uri="{FF2B5EF4-FFF2-40B4-BE49-F238E27FC236}">
-                <a16:creationId xmlns:a16="http://schemas.microsoft.com/office/drawing/2014/main" id="{B2237203-4B48-B902-695C-567D10D77BDD}"/>
-              </a:ext>
-            </a:extLst>
-          </p:cNvPr>
-          <p:cNvPicPr>
-            <a:picLocks noChangeAspect="1"/>
-          </p:cNvPicPr>
-          <p:nvPr/>
-        </p:nvPicPr>
-        <p:blipFill>
-          <a:blip r:embed="rId3">
-            <a:extLst>
-              <a:ext uri="{28A0092B-C50C-407E-A947-70E740481C1C}">
-                <a14:useLocalDpi xmlns:a14="http://schemas.microsoft.com/office/drawing/2010/main" val="0"/>
-              </a:ext>
-            </a:extLst>
-          </a:blip>
-          <a:stretch>
-            <a:fillRect/>
-          </a:stretch>
-        </p:blipFill>
-        <p:spPr>
-          <a:xfrm>
-            <a:off x="359550" y="831037"/>
-            <a:ext cx="11772900" cy="5495925"/>
-          </a:xfrm>
-          <a:prstGeom prst="rect">
-            <a:avLst/>
-          </a:prstGeom>
-        </p:spPr>
-      </p:pic>
-      <p:pic>
-        <p:nvPicPr>
-          <p:cNvPr id="7" name="Picture 6" descr="A picture containing green, dark&#10;&#10;Description automatically generated">
-            <a:extLst>
-              <a:ext uri="{FF2B5EF4-FFF2-40B4-BE49-F238E27FC236}">
-                <a16:creationId xmlns:a16="http://schemas.microsoft.com/office/drawing/2014/main" id="{6819067E-BCFA-E0AE-173C-913E24CA2AE3}"/>
-              </a:ext>
-            </a:extLst>
-          </p:cNvPr>
-          <p:cNvPicPr>
-            <a:picLocks noChangeAspect="1"/>
-          </p:cNvPicPr>
-          <p:nvPr/>
-        </p:nvPicPr>
-        <p:blipFill>
-          <a:blip r:embed="rId4">
-            <a:extLst>
-              <a:ext uri="{28A0092B-C50C-407E-A947-70E740481C1C}">
-                <a14:useLocalDpi xmlns:a14="http://schemas.microsoft.com/office/drawing/2010/main" val="0"/>
-              </a:ext>
-            </a:extLst>
-          </a:blip>
-          <a:stretch>
-            <a:fillRect/>
-          </a:stretch>
-        </p:blipFill>
-        <p:spPr>
-          <a:xfrm>
-            <a:off x="504787" y="981037"/>
-            <a:ext cx="11782425" cy="5495925"/>
-          </a:xfrm>
-          <a:prstGeom prst="rect">
-            <a:avLst/>
-          </a:prstGeom>
-        </p:spPr>
-      </p:pic>
-      <p:pic>
-        <p:nvPicPr>
-          <p:cNvPr id="11" name="Picture 10">
-            <a:extLst>
-              <a:ext uri="{FF2B5EF4-FFF2-40B4-BE49-F238E27FC236}">
-                <a16:creationId xmlns:a16="http://schemas.microsoft.com/office/drawing/2014/main" id="{F0056E58-5E5C-B5CB-512A-91875F18CF23}"/>
-              </a:ext>
-            </a:extLst>
-          </p:cNvPr>
-          <p:cNvPicPr>
-            <a:picLocks noChangeAspect="1"/>
-          </p:cNvPicPr>
-          <p:nvPr/>
-        </p:nvPicPr>
-        <p:blipFill>
-          <a:blip r:embed="rId5">
-            <a:extLst>
-              <a:ext uri="{28A0092B-C50C-407E-A947-70E740481C1C}">
-                <a14:useLocalDpi xmlns:a14="http://schemas.microsoft.com/office/drawing/2010/main" val="0"/>
-              </a:ext>
-            </a:extLst>
-          </a:blip>
-          <a:stretch>
-            <a:fillRect/>
-          </a:stretch>
-        </p:blipFill>
-        <p:spPr>
-          <a:xfrm>
-            <a:off x="4267125" y="2959950"/>
-            <a:ext cx="11734800" cy="5572125"/>
-          </a:xfrm>
-          <a:prstGeom prst="rect">
-            <a:avLst/>
-          </a:prstGeom>
-        </p:spPr>
-      </p:pic>
-    </p:spTree>
-    <p:extLst>
-      <p:ext uri="{BB962C8B-B14F-4D97-AF65-F5344CB8AC3E}">
-        <p14:creationId xmlns:p14="http://schemas.microsoft.com/office/powerpoint/2010/main" val="2150822028"/>
-      </p:ext>
-    </p:extLst>
-  </p:cSld>
-  <p:clrMapOvr>
-    <a:masterClrMapping/>
-  </p:clrMapOvr>
-</p:sld>
-</file>
-
-<file path=ppt/slides/slide16.xml><?xml version="1.0" encoding="utf-8"?>
 <p:sld xmlns:a="http://schemas.openxmlformats.org/drawingml/2006/main" xmlns:r="http://schemas.openxmlformats.org/officeDocument/2006/relationships" xmlns:p="http://schemas.openxmlformats.org/presentationml/2006/main">
   <p:cSld>
     <p:bg>
@@ -5193,7 +4987,7 @@
 </p:sld>
 </file>
 
-<file path=ppt/slides/slide17.xml><?xml version="1.0" encoding="utf-8"?>
+<file path=ppt/slides/slide16.xml><?xml version="1.0" encoding="utf-8"?>
 <p:sld xmlns:a="http://schemas.openxmlformats.org/drawingml/2006/main" xmlns:r="http://schemas.openxmlformats.org/officeDocument/2006/relationships" xmlns:p="http://schemas.openxmlformats.org/presentationml/2006/main">
   <p:cSld>
     <p:bg>
@@ -5896,7 +5690,7 @@
 </p:sld>
 </file>
 
-<file path=ppt/slides/slide18.xml><?xml version="1.0" encoding="utf-8"?>
+<file path=ppt/slides/slide17.xml><?xml version="1.0" encoding="utf-8"?>
 <p:sld xmlns:a="http://schemas.openxmlformats.org/drawingml/2006/main" xmlns:r="http://schemas.openxmlformats.org/officeDocument/2006/relationships" xmlns:p="http://schemas.openxmlformats.org/presentationml/2006/main">
   <p:cSld>
     <p:bg>
@@ -6614,6 +6408,246 @@
     <p:extLst>
       <p:ext uri="{BB962C8B-B14F-4D97-AF65-F5344CB8AC3E}">
         <p14:creationId xmlns:p14="http://schemas.microsoft.com/office/powerpoint/2010/main" val="3922339944"/>
+      </p:ext>
+    </p:extLst>
+  </p:cSld>
+  <p:clrMapOvr>
+    <a:masterClrMapping/>
+  </p:clrMapOvr>
+</p:sld>
+</file>
+
+<file path=ppt/slides/slide18.xml><?xml version="1.0" encoding="utf-8"?>
+<p:sld xmlns:a="http://schemas.openxmlformats.org/drawingml/2006/main" xmlns:r="http://schemas.openxmlformats.org/officeDocument/2006/relationships" xmlns:p="http://schemas.openxmlformats.org/presentationml/2006/main">
+  <p:cSld>
+    <p:bg>
+      <p:bgPr>
+        <a:solidFill>
+          <a:schemeClr val="tx1"/>
+        </a:solidFill>
+        <a:effectLst/>
+      </p:bgPr>
+    </p:bg>
+    <p:spTree>
+      <p:nvGrpSpPr>
+        <p:cNvPr id="1" name=""/>
+        <p:cNvGrpSpPr/>
+        <p:nvPr/>
+      </p:nvGrpSpPr>
+      <p:grpSpPr>
+        <a:xfrm>
+          <a:off x="0" y="0"/>
+          <a:ext cx="0" cy="0"/>
+          <a:chOff x="0" y="0"/>
+          <a:chExt cx="0" cy="0"/>
+        </a:xfrm>
+      </p:grpSpPr>
+      <mc:AlternateContent xmlns:mc="http://schemas.openxmlformats.org/markup-compatibility/2006" xmlns:a14="http://schemas.microsoft.com/office/drawing/2010/main">
+        <mc:Choice Requires="a14">
+          <p:sp>
+            <p:nvSpPr>
+              <p:cNvPr id="17" name="TextBox 16">
+                <a:extLst>
+                  <a:ext uri="{FF2B5EF4-FFF2-40B4-BE49-F238E27FC236}">
+                    <a16:creationId xmlns:a16="http://schemas.microsoft.com/office/drawing/2014/main" id="{4728C698-91A5-8785-60E1-7463CFCC83F2}"/>
+                  </a:ext>
+                </a:extLst>
+              </p:cNvPr>
+              <p:cNvSpPr txBox="1"/>
+              <p:nvPr/>
+            </p:nvSpPr>
+            <p:spPr>
+              <a:xfrm>
+                <a:off x="4210639" y="813197"/>
+                <a:ext cx="3770722" cy="1231106"/>
+              </a:xfrm>
+              <a:prstGeom prst="rect">
+                <a:avLst/>
+              </a:prstGeom>
+              <a:noFill/>
+            </p:spPr>
+            <p:txBody>
+              <a:bodyPr wrap="square" lIns="0" tIns="0" rIns="0" bIns="0" rtlCol="0">
+                <a:spAutoFit/>
+              </a:bodyPr>
+              <a:lstStyle/>
+              <a:p>
+                <a:pPr/>
+                <a14:m>
+                  <m:oMathPara xmlns:m="http://schemas.openxmlformats.org/officeDocument/2006/math">
+                    <m:oMathParaPr>
+                      <m:jc m:val="centerGroup"/>
+                    </m:oMathParaPr>
+                    <m:oMath xmlns:m="http://schemas.openxmlformats.org/officeDocument/2006/math">
+                      <m:r>
+                        <a:rPr lang="en-US" sz="4000" b="0" i="1" smtClean="0">
+                          <a:solidFill>
+                            <a:schemeClr val="bg1"/>
+                          </a:solidFill>
+                          <a:latin typeface="Cambria Math" panose="02040503050406030204" pitchFamily="18" charset="0"/>
+                        </a:rPr>
+                        <m:t>𝑦</m:t>
+                      </m:r>
+                      <m:r>
+                        <a:rPr lang="en-US" sz="4000" b="0" i="1" smtClean="0">
+                          <a:solidFill>
+                            <a:schemeClr val="bg1"/>
+                          </a:solidFill>
+                          <a:latin typeface="Cambria Math" panose="02040503050406030204" pitchFamily="18" charset="0"/>
+                        </a:rPr>
+                        <m:t>=</m:t>
+                      </m:r>
+                      <m:r>
+                        <a:rPr lang="en-US" sz="4000" b="0" i="1" smtClean="0">
+                          <a:solidFill>
+                            <a:schemeClr val="bg1"/>
+                          </a:solidFill>
+                          <a:latin typeface="Cambria Math" panose="02040503050406030204" pitchFamily="18" charset="0"/>
+                        </a:rPr>
+                        <m:t>𝑓</m:t>
+                      </m:r>
+                      <m:d>
+                        <m:dPr>
+                          <m:ctrlPr>
+                            <a:rPr lang="en-US" sz="4000" b="0" i="1" smtClean="0">
+                              <a:solidFill>
+                                <a:schemeClr val="bg1"/>
+                              </a:solidFill>
+                              <a:latin typeface="Cambria Math" panose="02040503050406030204" pitchFamily="18" charset="0"/>
+                            </a:rPr>
+                          </m:ctrlPr>
+                        </m:dPr>
+                        <m:e>
+                          <m:r>
+                            <a:rPr lang="en-US" sz="4000" b="0" i="1" smtClean="0">
+                              <a:solidFill>
+                                <a:schemeClr val="bg1"/>
+                              </a:solidFill>
+                              <a:latin typeface="Cambria Math" panose="02040503050406030204" pitchFamily="18" charset="0"/>
+                            </a:rPr>
+                            <m:t>𝑥</m:t>
+                          </m:r>
+                        </m:e>
+                      </m:d>
+                      <m:r>
+                        <a:rPr lang="en-US" sz="4000" b="0" i="1" smtClean="0">
+                          <a:solidFill>
+                            <a:schemeClr val="bg1"/>
+                          </a:solidFill>
+                          <a:latin typeface="Cambria Math" panose="02040503050406030204" pitchFamily="18" charset="0"/>
+                        </a:rPr>
+                        <m:t>+</m:t>
+                      </m:r>
+                      <m:r>
+                        <m:rPr>
+                          <m:sty m:val="p"/>
+                        </m:rPr>
+                        <a:rPr lang="en-US" sz="4000" b="0" i="1" smtClean="0">
+                          <a:solidFill>
+                            <a:schemeClr val="bg1"/>
+                          </a:solidFill>
+                          <a:latin typeface="Cambria Math" panose="02040503050406030204" pitchFamily="18" charset="0"/>
+                        </a:rPr>
+                        <m:t>ϵ</m:t>
+                      </m:r>
+                    </m:oMath>
+                  </m:oMathPara>
+                </a14:m>
+                <a:endParaRPr lang="en-US" sz="4000" b="0" dirty="0">
+                  <a:solidFill>
+                    <a:schemeClr val="bg1"/>
+                  </a:solidFill>
+                </a:endParaRPr>
+              </a:p>
+              <a:p>
+                <a:endParaRPr lang="en-US" sz="4000" dirty="0">
+                  <a:solidFill>
+                    <a:schemeClr val="bg1"/>
+                  </a:solidFill>
+                </a:endParaRPr>
+              </a:p>
+            </p:txBody>
+          </p:sp>
+        </mc:Choice>
+        <mc:Fallback xmlns="">
+          <p:sp>
+            <p:nvSpPr>
+              <p:cNvPr id="17" name="TextBox 16">
+                <a:extLst>
+                  <a:ext uri="{FF2B5EF4-FFF2-40B4-BE49-F238E27FC236}">
+                    <a16:creationId xmlns:a16="http://schemas.microsoft.com/office/drawing/2014/main" id="{4728C698-91A5-8785-60E1-7463CFCC83F2}"/>
+                  </a:ext>
+                </a:extLst>
+              </p:cNvPr>
+              <p:cNvSpPr txBox="1">
+                <a:spLocks noRot="1" noChangeAspect="1" noMove="1" noResize="1" noEditPoints="1" noAdjustHandles="1" noChangeArrowheads="1" noChangeShapeType="1" noTextEdit="1"/>
+              </p:cNvSpPr>
+              <p:nvPr/>
+            </p:nvSpPr>
+            <p:spPr>
+              <a:xfrm>
+                <a:off x="4210639" y="813197"/>
+                <a:ext cx="3770722" cy="1231106"/>
+              </a:xfrm>
+              <a:prstGeom prst="rect">
+                <a:avLst/>
+              </a:prstGeom>
+              <a:blipFill>
+                <a:blip r:embed="rId2"/>
+                <a:stretch>
+                  <a:fillRect/>
+                </a:stretch>
+              </a:blipFill>
+            </p:spPr>
+            <p:txBody>
+              <a:bodyPr/>
+              <a:lstStyle/>
+              <a:p>
+                <a:r>
+                  <a:rPr lang="en-US">
+                    <a:noFill/>
+                  </a:rPr>
+                  <a:t> </a:t>
+                </a:r>
+              </a:p>
+            </p:txBody>
+          </p:sp>
+        </mc:Fallback>
+      </mc:AlternateContent>
+      <p:pic>
+        <p:nvPicPr>
+          <p:cNvPr id="7" name="Picture 6">
+            <a:extLst>
+              <a:ext uri="{FF2B5EF4-FFF2-40B4-BE49-F238E27FC236}">
+                <a16:creationId xmlns:a16="http://schemas.microsoft.com/office/drawing/2014/main" id="{70D16767-0BB0-A2FD-36B3-A5EE5DE462F8}"/>
+              </a:ext>
+            </a:extLst>
+          </p:cNvPr>
+          <p:cNvPicPr>
+            <a:picLocks noChangeAspect="1"/>
+          </p:cNvPicPr>
+          <p:nvPr/>
+        </p:nvPicPr>
+        <p:blipFill>
+          <a:blip r:embed="rId3"/>
+          <a:stretch>
+            <a:fillRect/>
+          </a:stretch>
+        </p:blipFill>
+        <p:spPr>
+          <a:xfrm>
+            <a:off x="3429000" y="1428750"/>
+            <a:ext cx="5334000" cy="4000500"/>
+          </a:xfrm>
+          <a:prstGeom prst="rect">
+            <a:avLst/>
+          </a:prstGeom>
+        </p:spPr>
+      </p:pic>
+    </p:spTree>
+    <p:extLst>
+      <p:ext uri="{BB962C8B-B14F-4D97-AF65-F5344CB8AC3E}">
+        <p14:creationId xmlns:p14="http://schemas.microsoft.com/office/powerpoint/2010/main" val="1664615693"/>
       </p:ext>
     </p:extLst>
   </p:cSld>
@@ -6820,12 +6854,51 @@
           </p:sp>
         </mc:Fallback>
       </mc:AlternateContent>
+      <p:sp>
+        <p:nvSpPr>
+          <p:cNvPr id="11" name="Subtitle 2">
+            <a:extLst>
+              <a:ext uri="{FF2B5EF4-FFF2-40B4-BE49-F238E27FC236}">
+                <a16:creationId xmlns:a16="http://schemas.microsoft.com/office/drawing/2014/main" id="{0BF313A0-1ED7-A293-30A9-C58A38203A48}"/>
+              </a:ext>
+            </a:extLst>
+          </p:cNvPr>
+          <p:cNvSpPr>
+            <a:spLocks noGrp="1"/>
+          </p:cNvSpPr>
+          <p:nvPr>
+            <p:ph type="subTitle" idx="1"/>
+          </p:nvPr>
+        </p:nvSpPr>
+        <p:spPr>
+          <a:xfrm>
+            <a:off x="1062086" y="5429250"/>
+            <a:ext cx="10067827" cy="1339195"/>
+          </a:xfrm>
+        </p:spPr>
+        <p:txBody>
+          <a:bodyPr>
+            <a:normAutofit/>
+          </a:bodyPr>
+          <a:lstStyle/>
+          <a:p>
+            <a:r>
+              <a:rPr lang="en-US" sz="3600" dirty="0">
+                <a:solidFill>
+                  <a:schemeClr val="bg1"/>
+                </a:solidFill>
+              </a:rPr>
+              <a:t>Fitting a ‘trendline’ to data…</a:t>
+            </a:r>
+          </a:p>
+        </p:txBody>
+      </p:sp>
       <p:pic>
         <p:nvPicPr>
-          <p:cNvPr id="7" name="Picture 6">
+          <p:cNvPr id="3" name="Picture 2">
             <a:extLst>
               <a:ext uri="{FF2B5EF4-FFF2-40B4-BE49-F238E27FC236}">
-                <a16:creationId xmlns:a16="http://schemas.microsoft.com/office/drawing/2014/main" id="{70D16767-0BB0-A2FD-36B3-A5EE5DE462F8}"/>
+                <a16:creationId xmlns:a16="http://schemas.microsoft.com/office/drawing/2014/main" id="{CE341829-6D20-A5CA-B831-21278F6556F2}"/>
               </a:ext>
             </a:extLst>
           </p:cNvPr>
@@ -6853,7 +6926,7 @@
     </p:spTree>
     <p:extLst>
       <p:ext uri="{BB962C8B-B14F-4D97-AF65-F5344CB8AC3E}">
-        <p14:creationId xmlns:p14="http://schemas.microsoft.com/office/powerpoint/2010/main" val="1664615693"/>
+        <p14:creationId xmlns:p14="http://schemas.microsoft.com/office/powerpoint/2010/main" val="4209405488"/>
       </p:ext>
     </p:extLst>
   </p:cSld>
@@ -8185,14 +8258,24 @@
               <a:t>Fitting a ‘trendline’ to data…</a:t>
             </a:r>
           </a:p>
+          <a:p>
+            <a:r>
+              <a:rPr lang="en-US" sz="3600" dirty="0">
+                <a:solidFill>
+                  <a:schemeClr val="bg1"/>
+                </a:solidFill>
+              </a:rPr>
+              <a:t>to make predictions where we don’t have data!</a:t>
+            </a:r>
+          </a:p>
         </p:txBody>
       </p:sp>
       <p:pic>
         <p:nvPicPr>
-          <p:cNvPr id="3" name="Picture 2">
+          <p:cNvPr id="8" name="Picture 7">
             <a:extLst>
               <a:ext uri="{FF2B5EF4-FFF2-40B4-BE49-F238E27FC236}">
-                <a16:creationId xmlns:a16="http://schemas.microsoft.com/office/drawing/2014/main" id="{CE341829-6D20-A5CA-B831-21278F6556F2}"/>
+                <a16:creationId xmlns:a16="http://schemas.microsoft.com/office/drawing/2014/main" id="{C17E07B9-35C1-04E6-B0D8-71D0CFBB7641}"/>
               </a:ext>
             </a:extLst>
           </p:cNvPr>
@@ -8220,7 +8303,7 @@
     </p:spTree>
     <p:extLst>
       <p:ext uri="{BB962C8B-B14F-4D97-AF65-F5344CB8AC3E}">
-        <p14:creationId xmlns:p14="http://schemas.microsoft.com/office/powerpoint/2010/main" val="4209405488"/>
+        <p14:creationId xmlns:p14="http://schemas.microsoft.com/office/powerpoint/2010/main" val="1718799969"/>
       </p:ext>
     </p:extLst>
   </p:cSld>
@@ -8313,7 +8396,7 @@
                       <m:r>
                         <a:rPr lang="en-US" sz="4000" b="0" i="1" smtClean="0">
                           <a:solidFill>
-                            <a:schemeClr val="bg1"/>
+                            <a:srgbClr val="FFFF00"/>
                           </a:solidFill>
                           <a:latin typeface="Cambria Math" panose="02040503050406030204" pitchFamily="18" charset="0"/>
                         </a:rPr>
@@ -8324,7 +8407,7 @@
                           <m:ctrlPr>
                             <a:rPr lang="en-US" sz="4000" b="0" i="1" smtClean="0">
                               <a:solidFill>
-                                <a:schemeClr val="bg1"/>
+                                <a:srgbClr val="FFFF00"/>
                               </a:solidFill>
                               <a:latin typeface="Cambria Math" panose="02040503050406030204" pitchFamily="18" charset="0"/>
                             </a:rPr>
@@ -8334,7 +8417,7 @@
                           <m:r>
                             <a:rPr lang="en-US" sz="4000" b="0" i="1" smtClean="0">
                               <a:solidFill>
-                                <a:schemeClr val="bg1"/>
+                                <a:srgbClr val="FFFF00"/>
                               </a:solidFill>
                               <a:latin typeface="Cambria Math" panose="02040503050406030204" pitchFamily="18" charset="0"/>
                             </a:rPr>
@@ -8478,10 +8561,10 @@
       </p:sp>
       <p:pic>
         <p:nvPicPr>
-          <p:cNvPr id="8" name="Picture 7">
+          <p:cNvPr id="3" name="Picture 2">
             <a:extLst>
               <a:ext uri="{FF2B5EF4-FFF2-40B4-BE49-F238E27FC236}">
-                <a16:creationId xmlns:a16="http://schemas.microsoft.com/office/drawing/2014/main" id="{C17E07B9-35C1-04E6-B0D8-71D0CFBB7641}"/>
+                <a16:creationId xmlns:a16="http://schemas.microsoft.com/office/drawing/2014/main" id="{356831BE-1BF3-0F89-736F-4B7D1EEE2295}"/>
               </a:ext>
             </a:extLst>
           </p:cNvPr>
@@ -8509,7 +8592,7 @@
     </p:spTree>
     <p:extLst>
       <p:ext uri="{BB962C8B-B14F-4D97-AF65-F5344CB8AC3E}">
-        <p14:creationId xmlns:p14="http://schemas.microsoft.com/office/powerpoint/2010/main" val="1718799969"/>
+        <p14:creationId xmlns:p14="http://schemas.microsoft.com/office/powerpoint/2010/main" val="4069973025"/>
       </p:ext>
     </p:extLst>
   </p:cSld>
@@ -8750,17 +8833,7 @@
                   <a:schemeClr val="bg1"/>
                 </a:solidFill>
               </a:rPr>
-              <a:t>Fitting a ‘trendline’ to data…</a:t>
-            </a:r>
-          </a:p>
-          <a:p>
-            <a:r>
-              <a:rPr lang="en-US" sz="3600" dirty="0">
-                <a:solidFill>
-                  <a:schemeClr val="bg1"/>
-                </a:solidFill>
-              </a:rPr>
-              <a:t>to make predictions where we don’t have data!</a:t>
+              <a:t>Trendline gives us predictions of y at any x!</a:t>
             </a:r>
           </a:p>
         </p:txBody>
@@ -8770,7 +8843,7 @@
           <p:cNvPr id="3" name="Picture 2">
             <a:extLst>
               <a:ext uri="{FF2B5EF4-FFF2-40B4-BE49-F238E27FC236}">
-                <a16:creationId xmlns:a16="http://schemas.microsoft.com/office/drawing/2014/main" id="{356831BE-1BF3-0F89-736F-4B7D1EEE2295}"/>
+                <a16:creationId xmlns:a16="http://schemas.microsoft.com/office/drawing/2014/main" id="{45172B78-CE29-1A27-E24C-F8932CB92B72}"/>
               </a:ext>
             </a:extLst>
           </p:cNvPr>
@@ -8798,7 +8871,7 @@
     </p:spTree>
     <p:extLst>
       <p:ext uri="{BB962C8B-B14F-4D97-AF65-F5344CB8AC3E}">
-        <p14:creationId xmlns:p14="http://schemas.microsoft.com/office/powerpoint/2010/main" val="4069973025"/>
+        <p14:creationId xmlns:p14="http://schemas.microsoft.com/office/powerpoint/2010/main" val="388882283"/>
       </p:ext>
     </p:extLst>
   </p:cSld>
@@ -9042,6 +9115,16 @@
               <a:t>Trendline gives us predictions of y at any x!</a:t>
             </a:r>
           </a:p>
+          <a:p>
+            <a:r>
+              <a:rPr lang="en-US" sz="3600" dirty="0">
+                <a:solidFill>
+                  <a:schemeClr val="bg1"/>
+                </a:solidFill>
+              </a:rPr>
+              <a:t>line = many discrete points</a:t>
+            </a:r>
+          </a:p>
         </p:txBody>
       </p:sp>
       <p:pic>
@@ -9049,7 +9132,7 @@
           <p:cNvPr id="3" name="Picture 2">
             <a:extLst>
               <a:ext uri="{FF2B5EF4-FFF2-40B4-BE49-F238E27FC236}">
-                <a16:creationId xmlns:a16="http://schemas.microsoft.com/office/drawing/2014/main" id="{45172B78-CE29-1A27-E24C-F8932CB92B72}"/>
+                <a16:creationId xmlns:a16="http://schemas.microsoft.com/office/drawing/2014/main" id="{AB7EBD78-AA04-24F2-4B65-FC95F6459046}"/>
               </a:ext>
             </a:extLst>
           </p:cNvPr>
@@ -9077,7 +9160,7 @@
     </p:spTree>
     <p:extLst>
       <p:ext uri="{BB962C8B-B14F-4D97-AF65-F5344CB8AC3E}">
-        <p14:creationId xmlns:p14="http://schemas.microsoft.com/office/powerpoint/2010/main" val="388882283"/>
+        <p14:creationId xmlns:p14="http://schemas.microsoft.com/office/powerpoint/2010/main" val="138182416"/>
       </p:ext>
     </p:extLst>
   </p:cSld>
@@ -9318,17 +9401,7 @@
                   <a:schemeClr val="bg1"/>
                 </a:solidFill>
               </a:rPr>
-              <a:t>Trendline gives us predictions of y at any x!</a:t>
-            </a:r>
-          </a:p>
-          <a:p>
-            <a:r>
-              <a:rPr lang="en-US" sz="3600" dirty="0">
-                <a:solidFill>
-                  <a:schemeClr val="bg1"/>
-                </a:solidFill>
-              </a:rPr>
-              <a:t>line = many discrete points</a:t>
+              <a:t>What is y when x is 25?</a:t>
             </a:r>
           </a:p>
         </p:txBody>
@@ -9366,7 +9439,7 @@
     </p:spTree>
     <p:extLst>
       <p:ext uri="{BB962C8B-B14F-4D97-AF65-F5344CB8AC3E}">
-        <p14:creationId xmlns:p14="http://schemas.microsoft.com/office/powerpoint/2010/main" val="138182416"/>
+        <p14:creationId xmlns:p14="http://schemas.microsoft.com/office/powerpoint/2010/main" val="1158938420"/>
       </p:ext>
     </p:extLst>
   </p:cSld>
@@ -9614,10 +9687,10 @@
       </p:sp>
       <p:pic>
         <p:nvPicPr>
-          <p:cNvPr id="3" name="Picture 2">
+          <p:cNvPr id="4" name="Picture 3">
             <a:extLst>
               <a:ext uri="{FF2B5EF4-FFF2-40B4-BE49-F238E27FC236}">
-                <a16:creationId xmlns:a16="http://schemas.microsoft.com/office/drawing/2014/main" id="{AB7EBD78-AA04-24F2-4B65-FC95F6459046}"/>
+                <a16:creationId xmlns:a16="http://schemas.microsoft.com/office/drawing/2014/main" id="{BC9D4030-DD97-E3CC-280A-650839DBA0F2}"/>
               </a:ext>
             </a:extLst>
           </p:cNvPr>
@@ -9645,7 +9718,7 @@
     </p:spTree>
     <p:extLst>
       <p:ext uri="{BB962C8B-B14F-4D97-AF65-F5344CB8AC3E}">
-        <p14:creationId xmlns:p14="http://schemas.microsoft.com/office/powerpoint/2010/main" val="1158938420"/>
+        <p14:creationId xmlns:p14="http://schemas.microsoft.com/office/powerpoint/2010/main" val="3211655078"/>
       </p:ext>
     </p:extLst>
   </p:cSld>
@@ -9889,14 +9962,24 @@
               <a:t>What is y when x is 25?</a:t>
             </a:r>
           </a:p>
+          <a:p>
+            <a:r>
+              <a:rPr lang="en-US" sz="3600" dirty="0">
+                <a:solidFill>
+                  <a:schemeClr val="bg1"/>
+                </a:solidFill>
+              </a:rPr>
+              <a:t>y = 25</a:t>
+            </a:r>
+          </a:p>
         </p:txBody>
       </p:sp>
       <p:pic>
         <p:nvPicPr>
-          <p:cNvPr id="4" name="Picture 3">
+          <p:cNvPr id="6" name="Picture 5">
             <a:extLst>
               <a:ext uri="{FF2B5EF4-FFF2-40B4-BE49-F238E27FC236}">
-                <a16:creationId xmlns:a16="http://schemas.microsoft.com/office/drawing/2014/main" id="{BC9D4030-DD97-E3CC-280A-650839DBA0F2}"/>
+                <a16:creationId xmlns:a16="http://schemas.microsoft.com/office/drawing/2014/main" id="{30362551-6A72-BB77-C735-FECFAE1B502C}"/>
               </a:ext>
             </a:extLst>
           </p:cNvPr>
@@ -9924,7 +10007,7 @@
     </p:spTree>
     <p:extLst>
       <p:ext uri="{BB962C8B-B14F-4D97-AF65-F5344CB8AC3E}">
-        <p14:creationId xmlns:p14="http://schemas.microsoft.com/office/powerpoint/2010/main" val="3211655078"/>
+        <p14:creationId xmlns:p14="http://schemas.microsoft.com/office/powerpoint/2010/main" val="1622270731"/>
       </p:ext>
     </p:extLst>
   </p:cSld>
@@ -10165,27 +10248,49 @@
                   <a:schemeClr val="bg1"/>
                 </a:solidFill>
               </a:rPr>
-              <a:t>What is y when x is 25?</a:t>
+              <a:t>Make </a:t>
             </a:r>
-          </a:p>
-          <a:p>
             <a:r>
               <a:rPr lang="en-US" sz="3600" dirty="0">
                 <a:solidFill>
+                  <a:srgbClr val="66FF33"/>
+                </a:solidFill>
+              </a:rPr>
+              <a:t>predictions</a:t>
+            </a:r>
+            <a:r>
+              <a:rPr lang="en-US" sz="3600" dirty="0">
+                <a:solidFill>
                   <a:schemeClr val="bg1"/>
                 </a:solidFill>
               </a:rPr>
-              <a:t>y = 25</a:t>
+              <a:t> for </a:t>
+            </a:r>
+            <a:r>
+              <a:rPr lang="en-US" sz="3600" dirty="0">
+                <a:solidFill>
+                  <a:srgbClr val="66FF33"/>
+                </a:solidFill>
+              </a:rPr>
+              <a:t>any unknown point</a:t>
+            </a:r>
+            <a:r>
+              <a:rPr lang="en-US" sz="3600" dirty="0">
+                <a:solidFill>
+                  <a:schemeClr val="bg1"/>
+                </a:solidFill>
+              </a:rPr>
+              <a:t>!</a:t>
             </a:r>
           </a:p>
         </p:txBody>
       </p:sp>
       <p:pic>
         <p:nvPicPr>
-          <p:cNvPr id="6" name="Picture 5">
+          <p:cNvPr id="3" name="Picture 2">
             <a:extLst>
               <a:ext uri="{FF2B5EF4-FFF2-40B4-BE49-F238E27FC236}">
-                <a16:creationId xmlns:a16="http://schemas.microsoft.com/office/drawing/2014/main" id="{30362551-6A72-BB77-C735-FECFAE1B502C}"/>
+                <a16:creationId xmlns:a16="http://schemas.microsoft.com/office/drawing/2014/main" id="{1FAFA2EF-662F-6021-9B30-0B55286BAB73}"/>
               </a:ext>
             </a:extLst>
           </p:cNvPr>
@@ -10213,7 +10318,7 @@
     </p:spTree>
     <p:extLst>
       <p:ext uri="{BB962C8B-B14F-4D97-AF65-F5344CB8AC3E}">
-        <p14:creationId xmlns:p14="http://schemas.microsoft.com/office/powerpoint/2010/main" val="1622270731"/>
+        <p14:creationId xmlns:p14="http://schemas.microsoft.com/office/powerpoint/2010/main" val="246951936"/>
       </p:ext>
     </p:extLst>
   </p:cSld>
@@ -10420,83 +10525,12 @@
           </p:sp>
         </mc:Fallback>
       </mc:AlternateContent>
-      <p:sp>
-        <p:nvSpPr>
-          <p:cNvPr id="11" name="Subtitle 2">
-            <a:extLst>
-              <a:ext uri="{FF2B5EF4-FFF2-40B4-BE49-F238E27FC236}">
-                <a16:creationId xmlns:a16="http://schemas.microsoft.com/office/drawing/2014/main" id="{0BF313A0-1ED7-A293-30A9-C58A38203A48}"/>
-              </a:ext>
-            </a:extLst>
-          </p:cNvPr>
-          <p:cNvSpPr>
-            <a:spLocks noGrp="1"/>
-          </p:cNvSpPr>
-          <p:nvPr>
-            <p:ph type="subTitle" idx="1"/>
-          </p:nvPr>
-        </p:nvSpPr>
-        <p:spPr>
-          <a:xfrm>
-            <a:off x="1062086" y="5429250"/>
-            <a:ext cx="10067827" cy="1339195"/>
-          </a:xfrm>
-        </p:spPr>
-        <p:txBody>
-          <a:bodyPr>
-            <a:normAutofit/>
-          </a:bodyPr>
-          <a:lstStyle/>
-          <a:p>
-            <a:r>
-              <a:rPr lang="en-US" sz="3600" dirty="0">
-                <a:solidFill>
-                  <a:schemeClr val="bg1"/>
-                </a:solidFill>
-              </a:rPr>
-              <a:t>Make </a:t>
-            </a:r>
-            <a:r>
-              <a:rPr lang="en-US" sz="3600" dirty="0">
-                <a:solidFill>
-                  <a:srgbClr val="66FF33"/>
-                </a:solidFill>
-              </a:rPr>
-              <a:t>predictions</a:t>
-            </a:r>
-            <a:r>
-              <a:rPr lang="en-US" sz="3600" dirty="0">
-                <a:solidFill>
-                  <a:schemeClr val="bg1"/>
-                </a:solidFill>
-              </a:rPr>
-              <a:t> for </a:t>
-            </a:r>
-            <a:r>
-              <a:rPr lang="en-US" sz="3600" dirty="0">
-                <a:solidFill>
-                  <a:srgbClr val="66FF33"/>
-                </a:solidFill>
-              </a:rPr>
-              <a:t>any unknown point</a:t>
-            </a:r>
-            <a:r>
-              <a:rPr lang="en-US" sz="3600" dirty="0">
-                <a:solidFill>
-                  <a:schemeClr val="bg1"/>
-                </a:solidFill>
-              </a:rPr>
-              <a:t>!</a:t>
-            </a:r>
-          </a:p>
-        </p:txBody>
-      </p:sp>
       <p:pic>
         <p:nvPicPr>
-          <p:cNvPr id="3" name="Picture 2">
+          <p:cNvPr id="6" name="Picture 5">
             <a:extLst>
               <a:ext uri="{FF2B5EF4-FFF2-40B4-BE49-F238E27FC236}">
-                <a16:creationId xmlns:a16="http://schemas.microsoft.com/office/drawing/2014/main" id="{1FAFA2EF-662F-6021-9B30-0B55286BAB73}"/>
+                <a16:creationId xmlns:a16="http://schemas.microsoft.com/office/drawing/2014/main" id="{21EB26E5-F41E-9464-5CCC-959C4504F3B2}"/>
               </a:ext>
             </a:extLst>
           </p:cNvPr>
@@ -10524,7 +10558,7 @@
     </p:spTree>
     <p:extLst>
       <p:ext uri="{BB962C8B-B14F-4D97-AF65-F5344CB8AC3E}">
-        <p14:creationId xmlns:p14="http://schemas.microsoft.com/office/powerpoint/2010/main" val="246951936"/>
+        <p14:creationId xmlns:p14="http://schemas.microsoft.com/office/powerpoint/2010/main" val="2182419102"/>
       </p:ext>
     </p:extLst>
   </p:cSld>
@@ -10731,12 +10765,51 @@
           </p:sp>
         </mc:Fallback>
       </mc:AlternateContent>
+      <p:sp>
+        <p:nvSpPr>
+          <p:cNvPr id="11" name="Subtitle 2">
+            <a:extLst>
+              <a:ext uri="{FF2B5EF4-FFF2-40B4-BE49-F238E27FC236}">
+                <a16:creationId xmlns:a16="http://schemas.microsoft.com/office/drawing/2014/main" id="{0BF313A0-1ED7-A293-30A9-C58A38203A48}"/>
+              </a:ext>
+            </a:extLst>
+          </p:cNvPr>
+          <p:cNvSpPr>
+            <a:spLocks noGrp="1"/>
+          </p:cNvSpPr>
+          <p:nvPr>
+            <p:ph type="subTitle" idx="1"/>
+          </p:nvPr>
+        </p:nvSpPr>
+        <p:spPr>
+          <a:xfrm>
+            <a:off x="6372519" y="155544"/>
+            <a:ext cx="4257773" cy="1031419"/>
+          </a:xfrm>
+        </p:spPr>
+        <p:txBody>
+          <a:bodyPr>
+            <a:normAutofit/>
+          </a:bodyPr>
+          <a:lstStyle/>
+          <a:p>
+            <a:r>
+              <a:rPr lang="en-US" sz="3600" i="1" dirty="0">
+                <a:solidFill>
+                  <a:schemeClr val="bg1"/>
+                </a:solidFill>
+              </a:rPr>
+              <a:t>what was this?</a:t>
+            </a:r>
+          </a:p>
+        </p:txBody>
+      </p:sp>
       <p:pic>
         <p:nvPicPr>
-          <p:cNvPr id="6" name="Picture 5">
+          <p:cNvPr id="5" name="Graphic 4" descr="Line arrow: Clockwise curve with solid fill">
             <a:extLst>
               <a:ext uri="{FF2B5EF4-FFF2-40B4-BE49-F238E27FC236}">
-                <a16:creationId xmlns:a16="http://schemas.microsoft.com/office/drawing/2014/main" id="{21EB26E5-F41E-9464-5CCC-959C4504F3B2}"/>
+                <a16:creationId xmlns:a16="http://schemas.microsoft.com/office/drawing/2014/main" id="{4AAA7012-308D-FCFA-4398-30DDC52AC97E}"/>
               </a:ext>
             </a:extLst>
           </p:cNvPr>
@@ -10746,7 +10819,46 @@
           <p:nvPr/>
         </p:nvPicPr>
         <p:blipFill>
-          <a:blip r:embed="rId3"/>
+          <a:blip r:embed="rId3">
+            <a:extLst>
+              <a:ext uri="{28A0092B-C50C-407E-A947-70E740481C1C}">
+                <a14:useLocalDpi xmlns:a14="http://schemas.microsoft.com/office/drawing/2010/main" val="0"/>
+              </a:ext>
+              <a:ext uri="{96DAC541-7B7A-43D3-8B79-37D633B846F1}">
+                <asvg:svgBlip xmlns:asvg="http://schemas.microsoft.com/office/drawing/2016/SVG/main" r:embed="rId4"/>
+              </a:ext>
+            </a:extLst>
+          </a:blip>
+          <a:stretch>
+            <a:fillRect/>
+          </a:stretch>
+        </p:blipFill>
+        <p:spPr>
+          <a:xfrm rot="12676325" flipH="1">
+            <a:off x="6024506" y="34286"/>
+            <a:ext cx="915562" cy="915562"/>
+          </a:xfrm>
+          <a:prstGeom prst="rect">
+            <a:avLst/>
+          </a:prstGeom>
+        </p:spPr>
+      </p:pic>
+      <p:pic>
+        <p:nvPicPr>
+          <p:cNvPr id="6" name="Picture 5">
+            <a:extLst>
+              <a:ext uri="{FF2B5EF4-FFF2-40B4-BE49-F238E27FC236}">
+                <a16:creationId xmlns:a16="http://schemas.microsoft.com/office/drawing/2014/main" id="{E66D8BEB-2CF2-5AEF-55B1-B03F5F7F4E81}"/>
+              </a:ext>
+            </a:extLst>
+          </p:cNvPr>
+          <p:cNvPicPr>
+            <a:picLocks noChangeAspect="1"/>
+          </p:cNvPicPr>
+          <p:nvPr/>
+        </p:nvPicPr>
+        <p:blipFill>
+          <a:blip r:embed="rId5"/>
           <a:stretch>
             <a:fillRect/>
           </a:stretch>
@@ -10764,7 +10876,7 @@
     </p:spTree>
     <p:extLst>
       <p:ext uri="{BB962C8B-B14F-4D97-AF65-F5344CB8AC3E}">
-        <p14:creationId xmlns:p14="http://schemas.microsoft.com/office/powerpoint/2010/main" val="2182419102"/>
+        <p14:creationId xmlns:p14="http://schemas.microsoft.com/office/powerpoint/2010/main" val="1476513872"/>
       </p:ext>
     </p:extLst>
   </p:cSld>
@@ -11924,324 +12036,6 @@
           </a:prstGeom>
         </p:spPr>
       </p:pic>
-    </p:spTree>
-    <p:extLst>
-      <p:ext uri="{BB962C8B-B14F-4D97-AF65-F5344CB8AC3E}">
-        <p14:creationId xmlns:p14="http://schemas.microsoft.com/office/powerpoint/2010/main" val="1476513872"/>
-      </p:ext>
-    </p:extLst>
-  </p:cSld>
-  <p:clrMapOvr>
-    <a:masterClrMapping/>
-  </p:clrMapOvr>
-</p:sld>
-</file>
-
-<file path=ppt/slides/slide31.xml><?xml version="1.0" encoding="utf-8"?>
-<p:sld xmlns:a="http://schemas.openxmlformats.org/drawingml/2006/main" xmlns:r="http://schemas.openxmlformats.org/officeDocument/2006/relationships" xmlns:p="http://schemas.openxmlformats.org/presentationml/2006/main">
-  <p:cSld>
-    <p:bg>
-      <p:bgPr>
-        <a:solidFill>
-          <a:schemeClr val="tx1"/>
-        </a:solidFill>
-        <a:effectLst/>
-      </p:bgPr>
-    </p:bg>
-    <p:spTree>
-      <p:nvGrpSpPr>
-        <p:cNvPr id="1" name=""/>
-        <p:cNvGrpSpPr/>
-        <p:nvPr/>
-      </p:nvGrpSpPr>
-      <p:grpSpPr>
-        <a:xfrm>
-          <a:off x="0" y="0"/>
-          <a:ext cx="0" cy="0"/>
-          <a:chOff x="0" y="0"/>
-          <a:chExt cx="0" cy="0"/>
-        </a:xfrm>
-      </p:grpSpPr>
-      <mc:AlternateContent xmlns:mc="http://schemas.openxmlformats.org/markup-compatibility/2006" xmlns:a14="http://schemas.microsoft.com/office/drawing/2010/main">
-        <mc:Choice Requires="a14">
-          <p:sp>
-            <p:nvSpPr>
-              <p:cNvPr id="17" name="TextBox 16">
-                <a:extLst>
-                  <a:ext uri="{FF2B5EF4-FFF2-40B4-BE49-F238E27FC236}">
-                    <a16:creationId xmlns:a16="http://schemas.microsoft.com/office/drawing/2014/main" id="{4728C698-91A5-8785-60E1-7463CFCC83F2}"/>
-                  </a:ext>
-                </a:extLst>
-              </p:cNvPr>
-              <p:cNvSpPr txBox="1"/>
-              <p:nvPr/>
-            </p:nvSpPr>
-            <p:spPr>
-              <a:xfrm>
-                <a:off x="4210639" y="813197"/>
-                <a:ext cx="3770722" cy="1231106"/>
-              </a:xfrm>
-              <a:prstGeom prst="rect">
-                <a:avLst/>
-              </a:prstGeom>
-              <a:noFill/>
-            </p:spPr>
-            <p:txBody>
-              <a:bodyPr wrap="square" lIns="0" tIns="0" rIns="0" bIns="0" rtlCol="0">
-                <a:spAutoFit/>
-              </a:bodyPr>
-              <a:lstStyle/>
-              <a:p>
-                <a:pPr/>
-                <a14:m>
-                  <m:oMathPara xmlns:m="http://schemas.openxmlformats.org/officeDocument/2006/math">
-                    <m:oMathParaPr>
-                      <m:jc m:val="centerGroup"/>
-                    </m:oMathParaPr>
-                    <m:oMath xmlns:m="http://schemas.openxmlformats.org/officeDocument/2006/math">
-                      <m:r>
-                        <a:rPr lang="en-US" sz="4000" b="0" i="1" smtClean="0">
-                          <a:solidFill>
-                            <a:schemeClr val="bg1"/>
-                          </a:solidFill>
-                          <a:latin typeface="Cambria Math" panose="02040503050406030204" pitchFamily="18" charset="0"/>
-                        </a:rPr>
-                        <m:t>𝑦</m:t>
-                      </m:r>
-                      <m:r>
-                        <a:rPr lang="en-US" sz="4000" b="0" i="1" smtClean="0">
-                          <a:solidFill>
-                            <a:schemeClr val="bg1"/>
-                          </a:solidFill>
-                          <a:latin typeface="Cambria Math" panose="02040503050406030204" pitchFamily="18" charset="0"/>
-                        </a:rPr>
-                        <m:t>=</m:t>
-                      </m:r>
-                      <m:r>
-                        <a:rPr lang="en-US" sz="4000" b="0" i="1" smtClean="0">
-                          <a:solidFill>
-                            <a:srgbClr val="FFFF00"/>
-                          </a:solidFill>
-                          <a:latin typeface="Cambria Math" panose="02040503050406030204" pitchFamily="18" charset="0"/>
-                        </a:rPr>
-                        <m:t>𝑓</m:t>
-                      </m:r>
-                      <m:d>
-                        <m:dPr>
-                          <m:ctrlPr>
-                            <a:rPr lang="en-US" sz="4000" b="0" i="1" smtClean="0">
-                              <a:solidFill>
-                                <a:srgbClr val="FFFF00"/>
-                              </a:solidFill>
-                              <a:latin typeface="Cambria Math" panose="02040503050406030204" pitchFamily="18" charset="0"/>
-                            </a:rPr>
-                          </m:ctrlPr>
-                        </m:dPr>
-                        <m:e>
-                          <m:r>
-                            <a:rPr lang="en-US" sz="4000" b="0" i="1" smtClean="0">
-                              <a:solidFill>
-                                <a:srgbClr val="FFFF00"/>
-                              </a:solidFill>
-                              <a:latin typeface="Cambria Math" panose="02040503050406030204" pitchFamily="18" charset="0"/>
-                            </a:rPr>
-                            <m:t>𝑥</m:t>
-                          </m:r>
-                        </m:e>
-                      </m:d>
-                      <m:r>
-                        <a:rPr lang="en-US" sz="4000" b="0" i="1" smtClean="0">
-                          <a:solidFill>
-                            <a:schemeClr val="bg1"/>
-                          </a:solidFill>
-                          <a:latin typeface="Cambria Math" panose="02040503050406030204" pitchFamily="18" charset="0"/>
-                        </a:rPr>
-                        <m:t>+</m:t>
-                      </m:r>
-                      <m:r>
-                        <m:rPr>
-                          <m:sty m:val="p"/>
-                        </m:rPr>
-                        <a:rPr lang="en-US" sz="4000" b="0" i="1" smtClean="0">
-                          <a:solidFill>
-                            <a:schemeClr val="bg1"/>
-                          </a:solidFill>
-                          <a:latin typeface="Cambria Math" panose="02040503050406030204" pitchFamily="18" charset="0"/>
-                        </a:rPr>
-                        <m:t>ϵ</m:t>
-                      </m:r>
-                    </m:oMath>
-                  </m:oMathPara>
-                </a14:m>
-                <a:endParaRPr lang="en-US" sz="4000" b="0" dirty="0">
-                  <a:solidFill>
-                    <a:schemeClr val="bg1"/>
-                  </a:solidFill>
-                </a:endParaRPr>
-              </a:p>
-              <a:p>
-                <a:endParaRPr lang="en-US" sz="4000" dirty="0">
-                  <a:solidFill>
-                    <a:schemeClr val="bg1"/>
-                  </a:solidFill>
-                </a:endParaRPr>
-              </a:p>
-            </p:txBody>
-          </p:sp>
-        </mc:Choice>
-        <mc:Fallback xmlns="">
-          <p:sp>
-            <p:nvSpPr>
-              <p:cNvPr id="17" name="TextBox 16">
-                <a:extLst>
-                  <a:ext uri="{FF2B5EF4-FFF2-40B4-BE49-F238E27FC236}">
-                    <a16:creationId xmlns:a16="http://schemas.microsoft.com/office/drawing/2014/main" id="{4728C698-91A5-8785-60E1-7463CFCC83F2}"/>
-                  </a:ext>
-                </a:extLst>
-              </p:cNvPr>
-              <p:cNvSpPr txBox="1">
-                <a:spLocks noRot="1" noChangeAspect="1" noMove="1" noResize="1" noEditPoints="1" noAdjustHandles="1" noChangeArrowheads="1" noChangeShapeType="1" noTextEdit="1"/>
-              </p:cNvSpPr>
-              <p:nvPr/>
-            </p:nvSpPr>
-            <p:spPr>
-              <a:xfrm>
-                <a:off x="4210639" y="813197"/>
-                <a:ext cx="3770722" cy="1231106"/>
-              </a:xfrm>
-              <a:prstGeom prst="rect">
-                <a:avLst/>
-              </a:prstGeom>
-              <a:blipFill>
-                <a:blip r:embed="rId2"/>
-                <a:stretch>
-                  <a:fillRect/>
-                </a:stretch>
-              </a:blipFill>
-            </p:spPr>
-            <p:txBody>
-              <a:bodyPr/>
-              <a:lstStyle/>
-              <a:p>
-                <a:r>
-                  <a:rPr lang="en-US">
-                    <a:noFill/>
-                  </a:rPr>
-                  <a:t> </a:t>
-                </a:r>
-              </a:p>
-            </p:txBody>
-          </p:sp>
-        </mc:Fallback>
-      </mc:AlternateContent>
-      <p:sp>
-        <p:nvSpPr>
-          <p:cNvPr id="11" name="Subtitle 2">
-            <a:extLst>
-              <a:ext uri="{FF2B5EF4-FFF2-40B4-BE49-F238E27FC236}">
-                <a16:creationId xmlns:a16="http://schemas.microsoft.com/office/drawing/2014/main" id="{0BF313A0-1ED7-A293-30A9-C58A38203A48}"/>
-              </a:ext>
-            </a:extLst>
-          </p:cNvPr>
-          <p:cNvSpPr>
-            <a:spLocks noGrp="1"/>
-          </p:cNvSpPr>
-          <p:nvPr>
-            <p:ph type="subTitle" idx="1"/>
-          </p:nvPr>
-        </p:nvSpPr>
-        <p:spPr>
-          <a:xfrm>
-            <a:off x="6372519" y="155544"/>
-            <a:ext cx="4257773" cy="1031419"/>
-          </a:xfrm>
-        </p:spPr>
-        <p:txBody>
-          <a:bodyPr>
-            <a:normAutofit/>
-          </a:bodyPr>
-          <a:lstStyle/>
-          <a:p>
-            <a:r>
-              <a:rPr lang="en-US" sz="3600" i="1" dirty="0">
-                <a:solidFill>
-                  <a:schemeClr val="bg1"/>
-                </a:solidFill>
-              </a:rPr>
-              <a:t>what was this?</a:t>
-            </a:r>
-          </a:p>
-        </p:txBody>
-      </p:sp>
-      <p:pic>
-        <p:nvPicPr>
-          <p:cNvPr id="5" name="Graphic 4" descr="Line arrow: Clockwise curve with solid fill">
-            <a:extLst>
-              <a:ext uri="{FF2B5EF4-FFF2-40B4-BE49-F238E27FC236}">
-                <a16:creationId xmlns:a16="http://schemas.microsoft.com/office/drawing/2014/main" id="{4AAA7012-308D-FCFA-4398-30DDC52AC97E}"/>
-              </a:ext>
-            </a:extLst>
-          </p:cNvPr>
-          <p:cNvPicPr>
-            <a:picLocks noChangeAspect="1"/>
-          </p:cNvPicPr>
-          <p:nvPr/>
-        </p:nvPicPr>
-        <p:blipFill>
-          <a:blip r:embed="rId3">
-            <a:extLst>
-              <a:ext uri="{28A0092B-C50C-407E-A947-70E740481C1C}">
-                <a14:useLocalDpi xmlns:a14="http://schemas.microsoft.com/office/drawing/2010/main" val="0"/>
-              </a:ext>
-              <a:ext uri="{96DAC541-7B7A-43D3-8B79-37D633B846F1}">
-                <asvg:svgBlip xmlns:asvg="http://schemas.microsoft.com/office/drawing/2016/SVG/main" r:embed="rId4"/>
-              </a:ext>
-            </a:extLst>
-          </a:blip>
-          <a:stretch>
-            <a:fillRect/>
-          </a:stretch>
-        </p:blipFill>
-        <p:spPr>
-          <a:xfrm rot="12676325" flipH="1">
-            <a:off x="6024506" y="34286"/>
-            <a:ext cx="915562" cy="915562"/>
-          </a:xfrm>
-          <a:prstGeom prst="rect">
-            <a:avLst/>
-          </a:prstGeom>
-        </p:spPr>
-      </p:pic>
-      <p:pic>
-        <p:nvPicPr>
-          <p:cNvPr id="6" name="Picture 5">
-            <a:extLst>
-              <a:ext uri="{FF2B5EF4-FFF2-40B4-BE49-F238E27FC236}">
-                <a16:creationId xmlns:a16="http://schemas.microsoft.com/office/drawing/2014/main" id="{E66D8BEB-2CF2-5AEF-55B1-B03F5F7F4E81}"/>
-              </a:ext>
-            </a:extLst>
-          </p:cNvPr>
-          <p:cNvPicPr>
-            <a:picLocks noChangeAspect="1"/>
-          </p:cNvPicPr>
-          <p:nvPr/>
-        </p:nvPicPr>
-        <p:blipFill>
-          <a:blip r:embed="rId5"/>
-          <a:stretch>
-            <a:fillRect/>
-          </a:stretch>
-        </p:blipFill>
-        <p:spPr>
-          <a:xfrm>
-            <a:off x="3429000" y="1428750"/>
-            <a:ext cx="5334000" cy="4000500"/>
-          </a:xfrm>
-          <a:prstGeom prst="rect">
-            <a:avLst/>
-          </a:prstGeom>
-        </p:spPr>
-      </p:pic>
       <mc:AlternateContent xmlns:mc="http://schemas.openxmlformats.org/markup-compatibility/2006" xmlns:a14="http://schemas.microsoft.com/office/drawing/2010/main">
         <mc:Choice Requires="a14">
           <p:sp>
@@ -12383,7 +12177,7 @@
 </p:sld>
 </file>
 
-<file path=ppt/slides/slide32.xml><?xml version="1.0" encoding="utf-8"?>
+<file path=ppt/slides/slide31.xml><?xml version="1.0" encoding="utf-8"?>
 <p:sld xmlns:a="http://schemas.openxmlformats.org/drawingml/2006/main" xmlns:r="http://schemas.openxmlformats.org/officeDocument/2006/relationships" xmlns:p="http://schemas.openxmlformats.org/presentationml/2006/main">
   <p:cSld>
     <p:bg>
@@ -13022,7 +12816,7 @@
 </p:sld>
 </file>
 
-<file path=ppt/slides/slide33.xml><?xml version="1.0" encoding="utf-8"?>
+<file path=ppt/slides/slide32.xml><?xml version="1.0" encoding="utf-8"?>
 <p:sld xmlns:a="http://schemas.openxmlformats.org/drawingml/2006/main" xmlns:r="http://schemas.openxmlformats.org/officeDocument/2006/relationships" xmlns:p="http://schemas.openxmlformats.org/presentationml/2006/main">
   <p:cSld>
     <p:bg>
@@ -13714,7 +13508,7 @@
 </p:sld>
 </file>
 
-<file path=ppt/slides/slide34.xml><?xml version="1.0" encoding="utf-8"?>
+<file path=ppt/slides/slide33.xml><?xml version="1.0" encoding="utf-8"?>
 <p:sld xmlns:a="http://schemas.openxmlformats.org/drawingml/2006/main" xmlns:r="http://schemas.openxmlformats.org/officeDocument/2006/relationships" xmlns:p="http://schemas.openxmlformats.org/presentationml/2006/main">
   <p:cSld>
     <p:bg>
@@ -13974,7 +13768,7 @@
 </p:sld>
 </file>
 
-<file path=ppt/slides/slide35.xml><?xml version="1.0" encoding="utf-8"?>
+<file path=ppt/slides/slide34.xml><?xml version="1.0" encoding="utf-8"?>
 <p:sld xmlns:a="http://schemas.openxmlformats.org/drawingml/2006/main" xmlns:r="http://schemas.openxmlformats.org/officeDocument/2006/relationships" xmlns:p="http://schemas.openxmlformats.org/presentationml/2006/main">
   <p:cSld>
     <p:bg>
@@ -14248,7 +14042,7 @@
 </p:sld>
 </file>
 
-<file path=ppt/slides/slide36.xml><?xml version="1.0" encoding="utf-8"?>
+<file path=ppt/slides/slide35.xml><?xml version="1.0" encoding="utf-8"?>
 <p:sld xmlns:a="http://schemas.openxmlformats.org/drawingml/2006/main" xmlns:r="http://schemas.openxmlformats.org/officeDocument/2006/relationships" xmlns:p="http://schemas.openxmlformats.org/presentationml/2006/main">
   <p:cSld>
     <p:bg>
@@ -14522,7 +14316,7 @@
 </p:sld>
 </file>
 
-<file path=ppt/slides/slide37.xml><?xml version="1.0" encoding="utf-8"?>
+<file path=ppt/slides/slide36.xml><?xml version="1.0" encoding="utf-8"?>
 <p:sld xmlns:a="http://schemas.openxmlformats.org/drawingml/2006/main" xmlns:r="http://schemas.openxmlformats.org/officeDocument/2006/relationships" xmlns:p="http://schemas.openxmlformats.org/presentationml/2006/main">
   <p:cSld>
     <p:bg>
@@ -14848,7 +14642,7 @@
 </p:sld>
 </file>
 
-<file path=ppt/slides/slide38.xml><?xml version="1.0" encoding="utf-8"?>
+<file path=ppt/slides/slide37.xml><?xml version="1.0" encoding="utf-8"?>
 <p:sld xmlns:a="http://schemas.openxmlformats.org/drawingml/2006/main" xmlns:r="http://schemas.openxmlformats.org/officeDocument/2006/relationships" xmlns:p="http://schemas.openxmlformats.org/presentationml/2006/main">
   <p:cSld>
     <p:bg>
@@ -15135,7 +14929,7 @@
 </p:sld>
 </file>
 
-<file path=ppt/slides/slide39.xml><?xml version="1.0" encoding="utf-8"?>
+<file path=ppt/slides/slide38.xml><?xml version="1.0" encoding="utf-8"?>
 <p:sld xmlns:a="http://schemas.openxmlformats.org/drawingml/2006/main" xmlns:r="http://schemas.openxmlformats.org/officeDocument/2006/relationships" xmlns:p="http://schemas.openxmlformats.org/presentationml/2006/main">
   <p:cSld>
     <p:bg>
@@ -15452,729 +15246,7 @@
 </p:sld>
 </file>
 
-<file path=ppt/slides/slide4.xml><?xml version="1.0" encoding="utf-8"?>
-<p:sld xmlns:a="http://schemas.openxmlformats.org/drawingml/2006/main" xmlns:r="http://schemas.openxmlformats.org/officeDocument/2006/relationships" xmlns:p="http://schemas.openxmlformats.org/presentationml/2006/main">
-  <p:cSld>
-    <p:bg>
-      <p:bgPr>
-        <a:solidFill>
-          <a:schemeClr val="tx1"/>
-        </a:solidFill>
-        <a:effectLst/>
-      </p:bgPr>
-    </p:bg>
-    <p:spTree>
-      <p:nvGrpSpPr>
-        <p:cNvPr id="1" name=""/>
-        <p:cNvGrpSpPr/>
-        <p:nvPr/>
-      </p:nvGrpSpPr>
-      <p:grpSpPr>
-        <a:xfrm>
-          <a:off x="0" y="0"/>
-          <a:ext cx="0" cy="0"/>
-          <a:chOff x="0" y="0"/>
-          <a:chExt cx="0" cy="0"/>
-        </a:xfrm>
-      </p:grpSpPr>
-      <p:sp>
-        <p:nvSpPr>
-          <p:cNvPr id="2" name="Title 1">
-            <a:extLst>
-              <a:ext uri="{FF2B5EF4-FFF2-40B4-BE49-F238E27FC236}">
-                <a16:creationId xmlns:a16="http://schemas.microsoft.com/office/drawing/2014/main" id="{85AA2C41-A218-F03E-E75B-E23D489DF99B}"/>
-              </a:ext>
-            </a:extLst>
-          </p:cNvPr>
-          <p:cNvSpPr>
-            <a:spLocks noGrp="1"/>
-          </p:cNvSpPr>
-          <p:nvPr>
-            <p:ph type="ctrTitle"/>
-          </p:nvPr>
-        </p:nvSpPr>
-        <p:spPr>
-          <a:xfrm>
-            <a:off x="1524000" y="297415"/>
-            <a:ext cx="9144000" cy="1123880"/>
-          </a:xfrm>
-        </p:spPr>
-        <p:txBody>
-          <a:bodyPr>
-            <a:normAutofit fontScale="90000"/>
-          </a:bodyPr>
-          <a:lstStyle/>
-          <a:p>
-            <a:r>
-              <a:rPr lang="en-US" sz="8000" dirty="0">
-                <a:solidFill>
-                  <a:schemeClr val="bg1"/>
-                </a:solidFill>
-              </a:rPr>
-              <a:t>What Phil targeted</a:t>
-            </a:r>
-          </a:p>
-        </p:txBody>
-      </p:sp>
-      <p:sp>
-        <p:nvSpPr>
-          <p:cNvPr id="3" name="Subtitle 2">
-            <a:extLst>
-              <a:ext uri="{FF2B5EF4-FFF2-40B4-BE49-F238E27FC236}">
-                <a16:creationId xmlns:a16="http://schemas.microsoft.com/office/drawing/2014/main" id="{62ED4E8C-6CFC-4E48-C834-72281A46F5C1}"/>
-              </a:ext>
-            </a:extLst>
-          </p:cNvPr>
-          <p:cNvSpPr>
-            <a:spLocks noGrp="1"/>
-          </p:cNvSpPr>
-          <p:nvPr>
-            <p:ph type="subTitle" idx="1"/>
-          </p:nvPr>
-        </p:nvSpPr>
-        <p:spPr>
-          <a:xfrm>
-            <a:off x="1027043" y="1651347"/>
-            <a:ext cx="10137913" cy="773802"/>
-          </a:xfrm>
-        </p:spPr>
-        <p:txBody>
-          <a:bodyPr>
-            <a:normAutofit/>
-          </a:bodyPr>
-          <a:lstStyle/>
-          <a:p>
-            <a:r>
-              <a:rPr lang="en-US" sz="3600" b="1" dirty="0">
-                <a:solidFill>
-                  <a:schemeClr val="bg1"/>
-                </a:solidFill>
-              </a:rPr>
-              <a:t>Massively Parallel Gaussian Process Regression</a:t>
-            </a:r>
-          </a:p>
-        </p:txBody>
-      </p:sp>
-      <p:sp>
-        <p:nvSpPr>
-          <p:cNvPr id="8" name="Subtitle 2">
-            <a:extLst>
-              <a:ext uri="{FF2B5EF4-FFF2-40B4-BE49-F238E27FC236}">
-                <a16:creationId xmlns:a16="http://schemas.microsoft.com/office/drawing/2014/main" id="{7B6AEC6A-F167-1D1E-AC7A-5EB655CF53F8}"/>
-              </a:ext>
-            </a:extLst>
-          </p:cNvPr>
-          <p:cNvSpPr txBox="1">
-            <a:spLocks/>
-          </p:cNvSpPr>
-          <p:nvPr/>
-        </p:nvSpPr>
-        <p:spPr>
-          <a:xfrm>
-            <a:off x="2964694" y="2527816"/>
-            <a:ext cx="8646281" cy="2425183"/>
-          </a:xfrm>
-          <a:prstGeom prst="rect">
-            <a:avLst/>
-          </a:prstGeom>
-        </p:spPr>
-        <p:txBody>
-          <a:bodyPr vert="horz" lIns="91440" tIns="45720" rIns="91440" bIns="45720" rtlCol="0">
-            <a:normAutofit/>
-          </a:bodyPr>
-          <a:lstStyle>
-            <a:lvl1pPr marL="0" indent="0" algn="ctr" defTabSz="914400" rtl="0" eaLnBrk="1" latinLnBrk="0" hangingPunct="1">
-              <a:lnSpc>
-                <a:spcPct val="90000"/>
-              </a:lnSpc>
-              <a:spcBef>
-                <a:spcPts val="1000"/>
-              </a:spcBef>
-              <a:buFont typeface="Arial" panose="020B0604020202020204" pitchFamily="34" charset="0"/>
-              <a:buNone/>
-              <a:defRPr sz="2400" kern="1200">
-                <a:solidFill>
-                  <a:schemeClr val="tx1"/>
-                </a:solidFill>
-                <a:latin typeface="+mn-lt"/>
-                <a:ea typeface="+mn-ea"/>
-                <a:cs typeface="+mn-cs"/>
-              </a:defRPr>
-            </a:lvl1pPr>
-            <a:lvl2pPr marL="457200" indent="0" algn="ctr" defTabSz="914400" rtl="0" eaLnBrk="1" latinLnBrk="0" hangingPunct="1">
-              <a:lnSpc>
-                <a:spcPct val="90000"/>
-              </a:lnSpc>
-              <a:spcBef>
-                <a:spcPts val="500"/>
-              </a:spcBef>
-              <a:buFont typeface="Arial" panose="020B0604020202020204" pitchFamily="34" charset="0"/>
-              <a:buNone/>
-              <a:defRPr sz="2000" kern="1200">
-                <a:solidFill>
-                  <a:schemeClr val="tx1"/>
-                </a:solidFill>
-                <a:latin typeface="+mn-lt"/>
-                <a:ea typeface="+mn-ea"/>
-                <a:cs typeface="+mn-cs"/>
-              </a:defRPr>
-            </a:lvl2pPr>
-            <a:lvl3pPr marL="914400" indent="0" algn="ctr" defTabSz="914400" rtl="0" eaLnBrk="1" latinLnBrk="0" hangingPunct="1">
-              <a:lnSpc>
-                <a:spcPct val="90000"/>
-              </a:lnSpc>
-              <a:spcBef>
-                <a:spcPts val="500"/>
-              </a:spcBef>
-              <a:buFont typeface="Arial" panose="020B0604020202020204" pitchFamily="34" charset="0"/>
-              <a:buNone/>
-              <a:defRPr sz="1800" kern="1200">
-                <a:solidFill>
-                  <a:schemeClr val="tx1"/>
-                </a:solidFill>
-                <a:latin typeface="+mn-lt"/>
-                <a:ea typeface="+mn-ea"/>
-                <a:cs typeface="+mn-cs"/>
-              </a:defRPr>
-            </a:lvl3pPr>
-            <a:lvl4pPr marL="1371600" indent="0" algn="ctr" defTabSz="914400" rtl="0" eaLnBrk="1" latinLnBrk="0" hangingPunct="1">
-              <a:lnSpc>
-                <a:spcPct val="90000"/>
-              </a:lnSpc>
-              <a:spcBef>
-                <a:spcPts val="500"/>
-              </a:spcBef>
-              <a:buFont typeface="Arial" panose="020B0604020202020204" pitchFamily="34" charset="0"/>
-              <a:buNone/>
-              <a:defRPr sz="1600" kern="1200">
-                <a:solidFill>
-                  <a:schemeClr val="tx1"/>
-                </a:solidFill>
-                <a:latin typeface="+mn-lt"/>
-                <a:ea typeface="+mn-ea"/>
-                <a:cs typeface="+mn-cs"/>
-              </a:defRPr>
-            </a:lvl4pPr>
-            <a:lvl5pPr marL="1828800" indent="0" algn="ctr" defTabSz="914400" rtl="0" eaLnBrk="1" latinLnBrk="0" hangingPunct="1">
-              <a:lnSpc>
-                <a:spcPct val="90000"/>
-              </a:lnSpc>
-              <a:spcBef>
-                <a:spcPts val="500"/>
-              </a:spcBef>
-              <a:buFont typeface="Arial" panose="020B0604020202020204" pitchFamily="34" charset="0"/>
-              <a:buNone/>
-              <a:defRPr sz="1600" kern="1200">
-                <a:solidFill>
-                  <a:schemeClr val="tx1"/>
-                </a:solidFill>
-                <a:latin typeface="+mn-lt"/>
-                <a:ea typeface="+mn-ea"/>
-                <a:cs typeface="+mn-cs"/>
-              </a:defRPr>
-            </a:lvl5pPr>
-            <a:lvl6pPr marL="2286000" indent="0" algn="ctr" defTabSz="914400" rtl="0" eaLnBrk="1" latinLnBrk="0" hangingPunct="1">
-              <a:lnSpc>
-                <a:spcPct val="90000"/>
-              </a:lnSpc>
-              <a:spcBef>
-                <a:spcPts val="500"/>
-              </a:spcBef>
-              <a:buFont typeface="Arial" panose="020B0604020202020204" pitchFamily="34" charset="0"/>
-              <a:buNone/>
-              <a:defRPr sz="1600" kern="1200">
-                <a:solidFill>
-                  <a:schemeClr val="tx1"/>
-                </a:solidFill>
-                <a:latin typeface="+mn-lt"/>
-                <a:ea typeface="+mn-ea"/>
-                <a:cs typeface="+mn-cs"/>
-              </a:defRPr>
-            </a:lvl6pPr>
-            <a:lvl7pPr marL="2743200" indent="0" algn="ctr" defTabSz="914400" rtl="0" eaLnBrk="1" latinLnBrk="0" hangingPunct="1">
-              <a:lnSpc>
-                <a:spcPct val="90000"/>
-              </a:lnSpc>
-              <a:spcBef>
-                <a:spcPts val="500"/>
-              </a:spcBef>
-              <a:buFont typeface="Arial" panose="020B0604020202020204" pitchFamily="34" charset="0"/>
-              <a:buNone/>
-              <a:defRPr sz="1600" kern="1200">
-                <a:solidFill>
-                  <a:schemeClr val="tx1"/>
-                </a:solidFill>
-                <a:latin typeface="+mn-lt"/>
-                <a:ea typeface="+mn-ea"/>
-                <a:cs typeface="+mn-cs"/>
-              </a:defRPr>
-            </a:lvl7pPr>
-            <a:lvl8pPr marL="3200400" indent="0" algn="ctr" defTabSz="914400" rtl="0" eaLnBrk="1" latinLnBrk="0" hangingPunct="1">
-              <a:lnSpc>
-                <a:spcPct val="90000"/>
-              </a:lnSpc>
-              <a:spcBef>
-                <a:spcPts val="500"/>
-              </a:spcBef>
-              <a:buFont typeface="Arial" panose="020B0604020202020204" pitchFamily="34" charset="0"/>
-              <a:buNone/>
-              <a:defRPr sz="1600" kern="1200">
-                <a:solidFill>
-                  <a:schemeClr val="tx1"/>
-                </a:solidFill>
-                <a:latin typeface="+mn-lt"/>
-                <a:ea typeface="+mn-ea"/>
-                <a:cs typeface="+mn-cs"/>
-              </a:defRPr>
-            </a:lvl8pPr>
-            <a:lvl9pPr marL="3657600" indent="0" algn="ctr" defTabSz="914400" rtl="0" eaLnBrk="1" latinLnBrk="0" hangingPunct="1">
-              <a:lnSpc>
-                <a:spcPct val="90000"/>
-              </a:lnSpc>
-              <a:spcBef>
-                <a:spcPts val="500"/>
-              </a:spcBef>
-              <a:buFont typeface="Arial" panose="020B0604020202020204" pitchFamily="34" charset="0"/>
-              <a:buNone/>
-              <a:defRPr sz="1600" kern="1200">
-                <a:solidFill>
-                  <a:schemeClr val="tx1"/>
-                </a:solidFill>
-                <a:latin typeface="+mn-lt"/>
-                <a:ea typeface="+mn-ea"/>
-                <a:cs typeface="+mn-cs"/>
-              </a:defRPr>
-            </a:lvl9pPr>
-          </a:lstStyle>
-          <a:p>
-            <a:pPr algn="l"/>
-            <a:r>
-              <a:rPr lang="en-US" sz="3600" dirty="0">
-                <a:solidFill>
-                  <a:schemeClr val="bg1"/>
-                </a:solidFill>
-              </a:rPr>
-              <a:t>determine the best </a:t>
-            </a:r>
-            <a:r>
-              <a:rPr lang="en-US" sz="3600" dirty="0" err="1">
-                <a:solidFill>
-                  <a:schemeClr val="bg1"/>
-                </a:solidFill>
-              </a:rPr>
-              <a:t>downsample</a:t>
-            </a:r>
-            <a:r>
-              <a:rPr lang="en-US" sz="3600" dirty="0">
-                <a:solidFill>
-                  <a:schemeClr val="bg1"/>
-                </a:solidFill>
-              </a:rPr>
-              <a:t> method</a:t>
-            </a:r>
-          </a:p>
-          <a:p>
-            <a:pPr algn="l"/>
-            <a:r>
-              <a:rPr lang="en-US" sz="3600" dirty="0">
-                <a:solidFill>
-                  <a:schemeClr val="bg1"/>
-                </a:solidFill>
-              </a:rPr>
-              <a:t>	- 6 methods tested</a:t>
-            </a:r>
-          </a:p>
-          <a:p>
-            <a:pPr algn="l"/>
-            <a:r>
-              <a:rPr lang="en-US" sz="3600" dirty="0">
-                <a:solidFill>
-                  <a:schemeClr val="bg1"/>
-                </a:solidFill>
-              </a:rPr>
-              <a:t>	- want fast and accurate </a:t>
-            </a:r>
-          </a:p>
-        </p:txBody>
-      </p:sp>
-      <p:sp>
-        <p:nvSpPr>
-          <p:cNvPr id="9" name="Subtitle 2">
-            <a:extLst>
-              <a:ext uri="{FF2B5EF4-FFF2-40B4-BE49-F238E27FC236}">
-                <a16:creationId xmlns:a16="http://schemas.microsoft.com/office/drawing/2014/main" id="{2B3A38E6-1DCD-C3C4-14E5-BDB194B4A7B9}"/>
-              </a:ext>
-            </a:extLst>
-          </p:cNvPr>
-          <p:cNvSpPr txBox="1">
-            <a:spLocks/>
-          </p:cNvSpPr>
-          <p:nvPr/>
-        </p:nvSpPr>
-        <p:spPr>
-          <a:xfrm>
-            <a:off x="2964694" y="4539541"/>
-            <a:ext cx="7569956" cy="1365959"/>
-          </a:xfrm>
-          <a:prstGeom prst="rect">
-            <a:avLst/>
-          </a:prstGeom>
-        </p:spPr>
-        <p:txBody>
-          <a:bodyPr vert="horz" lIns="91440" tIns="45720" rIns="91440" bIns="45720" rtlCol="0">
-            <a:normAutofit/>
-          </a:bodyPr>
-          <a:lstStyle>
-            <a:lvl1pPr marL="0" indent="0" algn="ctr" defTabSz="914400" rtl="0" eaLnBrk="1" latinLnBrk="0" hangingPunct="1">
-              <a:lnSpc>
-                <a:spcPct val="90000"/>
-              </a:lnSpc>
-              <a:spcBef>
-                <a:spcPts val="1000"/>
-              </a:spcBef>
-              <a:buFont typeface="Arial" panose="020B0604020202020204" pitchFamily="34" charset="0"/>
-              <a:buNone/>
-              <a:defRPr sz="2400" kern="1200">
-                <a:solidFill>
-                  <a:schemeClr val="tx1"/>
-                </a:solidFill>
-                <a:latin typeface="+mn-lt"/>
-                <a:ea typeface="+mn-ea"/>
-                <a:cs typeface="+mn-cs"/>
-              </a:defRPr>
-            </a:lvl1pPr>
-            <a:lvl2pPr marL="457200" indent="0" algn="ctr" defTabSz="914400" rtl="0" eaLnBrk="1" latinLnBrk="0" hangingPunct="1">
-              <a:lnSpc>
-                <a:spcPct val="90000"/>
-              </a:lnSpc>
-              <a:spcBef>
-                <a:spcPts val="500"/>
-              </a:spcBef>
-              <a:buFont typeface="Arial" panose="020B0604020202020204" pitchFamily="34" charset="0"/>
-              <a:buNone/>
-              <a:defRPr sz="2000" kern="1200">
-                <a:solidFill>
-                  <a:schemeClr val="tx1"/>
-                </a:solidFill>
-                <a:latin typeface="+mn-lt"/>
-                <a:ea typeface="+mn-ea"/>
-                <a:cs typeface="+mn-cs"/>
-              </a:defRPr>
-            </a:lvl2pPr>
-            <a:lvl3pPr marL="914400" indent="0" algn="ctr" defTabSz="914400" rtl="0" eaLnBrk="1" latinLnBrk="0" hangingPunct="1">
-              <a:lnSpc>
-                <a:spcPct val="90000"/>
-              </a:lnSpc>
-              <a:spcBef>
-                <a:spcPts val="500"/>
-              </a:spcBef>
-              <a:buFont typeface="Arial" panose="020B0604020202020204" pitchFamily="34" charset="0"/>
-              <a:buNone/>
-              <a:defRPr sz="1800" kern="1200">
-                <a:solidFill>
-                  <a:schemeClr val="tx1"/>
-                </a:solidFill>
-                <a:latin typeface="+mn-lt"/>
-                <a:ea typeface="+mn-ea"/>
-                <a:cs typeface="+mn-cs"/>
-              </a:defRPr>
-            </a:lvl3pPr>
-            <a:lvl4pPr marL="1371600" indent="0" algn="ctr" defTabSz="914400" rtl="0" eaLnBrk="1" latinLnBrk="0" hangingPunct="1">
-              <a:lnSpc>
-                <a:spcPct val="90000"/>
-              </a:lnSpc>
-              <a:spcBef>
-                <a:spcPts val="500"/>
-              </a:spcBef>
-              <a:buFont typeface="Arial" panose="020B0604020202020204" pitchFamily="34" charset="0"/>
-              <a:buNone/>
-              <a:defRPr sz="1600" kern="1200">
-                <a:solidFill>
-                  <a:schemeClr val="tx1"/>
-                </a:solidFill>
-                <a:latin typeface="+mn-lt"/>
-                <a:ea typeface="+mn-ea"/>
-                <a:cs typeface="+mn-cs"/>
-              </a:defRPr>
-            </a:lvl4pPr>
-            <a:lvl5pPr marL="1828800" indent="0" algn="ctr" defTabSz="914400" rtl="0" eaLnBrk="1" latinLnBrk="0" hangingPunct="1">
-              <a:lnSpc>
-                <a:spcPct val="90000"/>
-              </a:lnSpc>
-              <a:spcBef>
-                <a:spcPts val="500"/>
-              </a:spcBef>
-              <a:buFont typeface="Arial" panose="020B0604020202020204" pitchFamily="34" charset="0"/>
-              <a:buNone/>
-              <a:defRPr sz="1600" kern="1200">
-                <a:solidFill>
-                  <a:schemeClr val="tx1"/>
-                </a:solidFill>
-                <a:latin typeface="+mn-lt"/>
-                <a:ea typeface="+mn-ea"/>
-                <a:cs typeface="+mn-cs"/>
-              </a:defRPr>
-            </a:lvl5pPr>
-            <a:lvl6pPr marL="2286000" indent="0" algn="ctr" defTabSz="914400" rtl="0" eaLnBrk="1" latinLnBrk="0" hangingPunct="1">
-              <a:lnSpc>
-                <a:spcPct val="90000"/>
-              </a:lnSpc>
-              <a:spcBef>
-                <a:spcPts val="500"/>
-              </a:spcBef>
-              <a:buFont typeface="Arial" panose="020B0604020202020204" pitchFamily="34" charset="0"/>
-              <a:buNone/>
-              <a:defRPr sz="1600" kern="1200">
-                <a:solidFill>
-                  <a:schemeClr val="tx1"/>
-                </a:solidFill>
-                <a:latin typeface="+mn-lt"/>
-                <a:ea typeface="+mn-ea"/>
-                <a:cs typeface="+mn-cs"/>
-              </a:defRPr>
-            </a:lvl6pPr>
-            <a:lvl7pPr marL="2743200" indent="0" algn="ctr" defTabSz="914400" rtl="0" eaLnBrk="1" latinLnBrk="0" hangingPunct="1">
-              <a:lnSpc>
-                <a:spcPct val="90000"/>
-              </a:lnSpc>
-              <a:spcBef>
-                <a:spcPts val="500"/>
-              </a:spcBef>
-              <a:buFont typeface="Arial" panose="020B0604020202020204" pitchFamily="34" charset="0"/>
-              <a:buNone/>
-              <a:defRPr sz="1600" kern="1200">
-                <a:solidFill>
-                  <a:schemeClr val="tx1"/>
-                </a:solidFill>
-                <a:latin typeface="+mn-lt"/>
-                <a:ea typeface="+mn-ea"/>
-                <a:cs typeface="+mn-cs"/>
-              </a:defRPr>
-            </a:lvl7pPr>
-            <a:lvl8pPr marL="3200400" indent="0" algn="ctr" defTabSz="914400" rtl="0" eaLnBrk="1" latinLnBrk="0" hangingPunct="1">
-              <a:lnSpc>
-                <a:spcPct val="90000"/>
-              </a:lnSpc>
-              <a:spcBef>
-                <a:spcPts val="500"/>
-              </a:spcBef>
-              <a:buFont typeface="Arial" panose="020B0604020202020204" pitchFamily="34" charset="0"/>
-              <a:buNone/>
-              <a:defRPr sz="1600" kern="1200">
-                <a:solidFill>
-                  <a:schemeClr val="tx1"/>
-                </a:solidFill>
-                <a:latin typeface="+mn-lt"/>
-                <a:ea typeface="+mn-ea"/>
-                <a:cs typeface="+mn-cs"/>
-              </a:defRPr>
-            </a:lvl8pPr>
-            <a:lvl9pPr marL="3657600" indent="0" algn="ctr" defTabSz="914400" rtl="0" eaLnBrk="1" latinLnBrk="0" hangingPunct="1">
-              <a:lnSpc>
-                <a:spcPct val="90000"/>
-              </a:lnSpc>
-              <a:spcBef>
-                <a:spcPts val="500"/>
-              </a:spcBef>
-              <a:buFont typeface="Arial" panose="020B0604020202020204" pitchFamily="34" charset="0"/>
-              <a:buNone/>
-              <a:defRPr sz="1600" kern="1200">
-                <a:solidFill>
-                  <a:schemeClr val="tx1"/>
-                </a:solidFill>
-                <a:latin typeface="+mn-lt"/>
-                <a:ea typeface="+mn-ea"/>
-                <a:cs typeface="+mn-cs"/>
-              </a:defRPr>
-            </a:lvl9pPr>
-          </a:lstStyle>
-          <a:p>
-            <a:pPr algn="l"/>
-            <a:r>
-              <a:rPr lang="en-US" sz="3600" dirty="0">
-                <a:solidFill>
-                  <a:schemeClr val="bg1"/>
-                </a:solidFill>
-              </a:rPr>
-              <a:t>variable sonar uncertainty across ping</a:t>
-            </a:r>
-          </a:p>
-          <a:p>
-            <a:pPr algn="l"/>
-            <a:r>
-              <a:rPr lang="en-US" sz="3600" dirty="0">
-                <a:solidFill>
-                  <a:schemeClr val="bg1"/>
-                </a:solidFill>
-              </a:rPr>
-              <a:t>	- better reflection of reality</a:t>
-            </a:r>
-          </a:p>
-        </p:txBody>
-      </p:sp>
-      <p:pic>
-        <p:nvPicPr>
-          <p:cNvPr id="1026" name="Picture 2" descr="Graphic Supplies - Vantex">
-            <a:extLst>
-              <a:ext uri="{FF2B5EF4-FFF2-40B4-BE49-F238E27FC236}">
-                <a16:creationId xmlns:a16="http://schemas.microsoft.com/office/drawing/2014/main" id="{F37EE827-9321-E454-8327-97ECAC26F716}"/>
-              </a:ext>
-            </a:extLst>
-          </p:cNvPr>
-          <p:cNvPicPr>
-            <a:picLocks noChangeAspect="1" noChangeArrowheads="1"/>
-          </p:cNvPicPr>
-          <p:nvPr/>
-        </p:nvPicPr>
-        <p:blipFill>
-          <a:blip r:embed="rId2">
-            <a:extLst>
-              <a:ext uri="{BEBA8EAE-BF5A-486C-A8C5-ECC9F3942E4B}">
-                <a14:imgProps xmlns:a14="http://schemas.microsoft.com/office/drawing/2010/main">
-                  <a14:imgLayer r:embed="rId3">
-                    <a14:imgEffect>
-                      <a14:backgroundRemoval t="8000" b="90000" l="8000" r="90667">
-                        <a14:foregroundMark x1="30333" y1="47333" x2="46667" y2="43333"/>
-                        <a14:foregroundMark x1="46667" y1="43333" x2="69000" y2="44667"/>
-                        <a14:foregroundMark x1="69000" y1="44667" x2="71667" y2="44000"/>
-                        <a14:foregroundMark x1="61000" y1="41667" x2="72667" y2="35000"/>
-                        <a14:foregroundMark x1="47667" y1="46667" x2="26333" y2="56667"/>
-                        <a14:foregroundMark x1="26333" y1="56667" x2="34333" y2="57000"/>
-                        <a14:foregroundMark x1="41333" y1="52667" x2="62667" y2="49667"/>
-                        <a14:foregroundMark x1="62667" y1="49667" x2="45333" y2="57667"/>
-                        <a14:foregroundMark x1="45333" y1="57667" x2="56667" y2="46333"/>
-                        <a14:foregroundMark x1="57333" y1="48667" x2="63667" y2="48000"/>
-                        <a14:foregroundMark x1="50333" y1="13000" x2="49000" y2="8333"/>
-                        <a14:foregroundMark x1="11000" y1="49000" x2="8333" y2="49333"/>
-                        <a14:foregroundMark x1="87667" y1="49333" x2="90667" y2="49333"/>
-                        <a14:foregroundMark x1="47333" y1="86000" x2="48667" y2="90000"/>
-                      </a14:backgroundRemoval>
-                    </a14:imgEffect>
-                  </a14:imgLayer>
-                </a14:imgProps>
-              </a:ext>
-              <a:ext uri="{28A0092B-C50C-407E-A947-70E740481C1C}">
-                <a14:useLocalDpi xmlns:a14="http://schemas.microsoft.com/office/drawing/2010/main" val="0"/>
-              </a:ext>
-            </a:extLst>
-          </a:blip>
-          <a:srcRect/>
-          <a:stretch>
-            <a:fillRect/>
-          </a:stretch>
-        </p:blipFill>
-        <p:spPr bwMode="auto">
-          <a:xfrm>
-            <a:off x="118294" y="1367836"/>
-            <a:ext cx="1860213" cy="1860213"/>
-          </a:xfrm>
-          <a:prstGeom prst="rect">
-            <a:avLst/>
-          </a:prstGeom>
-          <a:noFill/>
-          <a:extLst>
-            <a:ext uri="{909E8E84-426E-40DD-AFC4-6F175D3DCCD1}">
-              <a14:hiddenFill xmlns:a14="http://schemas.microsoft.com/office/drawing/2010/main">
-                <a:solidFill>
-                  <a:srgbClr val="FFFFFF"/>
-                </a:solidFill>
-              </a14:hiddenFill>
-            </a:ext>
-          </a:extLst>
-        </p:spPr>
-      </p:pic>
-      <p:pic>
-        <p:nvPicPr>
-          <p:cNvPr id="11" name="Graphic 10" descr="Checkmark with solid fill">
-            <a:extLst>
-              <a:ext uri="{FF2B5EF4-FFF2-40B4-BE49-F238E27FC236}">
-                <a16:creationId xmlns:a16="http://schemas.microsoft.com/office/drawing/2014/main" id="{AEA2ED76-DE96-1A48-06B5-1DF8513295F9}"/>
-              </a:ext>
-            </a:extLst>
-          </p:cNvPr>
-          <p:cNvPicPr>
-            <a:picLocks noChangeAspect="1"/>
-          </p:cNvPicPr>
-          <p:nvPr/>
-        </p:nvPicPr>
-        <p:blipFill>
-          <a:blip r:embed="rId4">
-            <a:extLst>
-              <a:ext uri="{28A0092B-C50C-407E-A947-70E740481C1C}">
-                <a14:useLocalDpi xmlns:a14="http://schemas.microsoft.com/office/drawing/2010/main" val="0"/>
-              </a:ext>
-              <a:ext uri="{96DAC541-7B7A-43D3-8B79-37D633B846F1}">
-                <asvg:svgBlip xmlns:asvg="http://schemas.microsoft.com/office/drawing/2016/SVG/main" r:embed="rId5"/>
-              </a:ext>
-            </a:extLst>
-          </a:blip>
-          <a:stretch>
-            <a:fillRect/>
-          </a:stretch>
-        </p:blipFill>
-        <p:spPr>
-          <a:xfrm>
-            <a:off x="2222028" y="2519039"/>
-            <a:ext cx="630504" cy="630504"/>
-          </a:xfrm>
-          <a:prstGeom prst="rect">
-            <a:avLst/>
-          </a:prstGeom>
-        </p:spPr>
-      </p:pic>
-      <p:pic>
-        <p:nvPicPr>
-          <p:cNvPr id="16" name="Graphic 15" descr="Checkmark with solid fill">
-            <a:extLst>
-              <a:ext uri="{FF2B5EF4-FFF2-40B4-BE49-F238E27FC236}">
-                <a16:creationId xmlns:a16="http://schemas.microsoft.com/office/drawing/2014/main" id="{FC297D62-946C-81AA-A136-5CF40EFA0B85}"/>
-              </a:ext>
-            </a:extLst>
-          </p:cNvPr>
-          <p:cNvPicPr>
-            <a:picLocks noChangeAspect="1"/>
-          </p:cNvPicPr>
-          <p:nvPr/>
-        </p:nvPicPr>
-        <p:blipFill>
-          <a:blip r:embed="rId4">
-            <a:extLst>
-              <a:ext uri="{28A0092B-C50C-407E-A947-70E740481C1C}">
-                <a14:useLocalDpi xmlns:a14="http://schemas.microsoft.com/office/drawing/2010/main" val="0"/>
-              </a:ext>
-              <a:ext uri="{96DAC541-7B7A-43D3-8B79-37D633B846F1}">
-                <asvg:svgBlip xmlns:asvg="http://schemas.microsoft.com/office/drawing/2016/SVG/main" r:embed="rId5"/>
-              </a:ext>
-            </a:extLst>
-          </a:blip>
-          <a:stretch>
-            <a:fillRect/>
-          </a:stretch>
-        </p:blipFill>
-        <p:spPr>
-          <a:xfrm>
-            <a:off x="2222028" y="4500910"/>
-            <a:ext cx="630504" cy="630504"/>
-          </a:xfrm>
-          <a:prstGeom prst="rect">
-            <a:avLst/>
-          </a:prstGeom>
-        </p:spPr>
-      </p:pic>
-    </p:spTree>
-    <p:extLst>
-      <p:ext uri="{BB962C8B-B14F-4D97-AF65-F5344CB8AC3E}">
-        <p14:creationId xmlns:p14="http://schemas.microsoft.com/office/powerpoint/2010/main" val="559158608"/>
-      </p:ext>
-    </p:extLst>
-  </p:cSld>
-  <p:clrMapOvr>
-    <a:masterClrMapping/>
-  </p:clrMapOvr>
-</p:sld>
-</file>
-
-<file path=ppt/slides/slide40.xml><?xml version="1.0" encoding="utf-8"?>
+<file path=ppt/slides/slide39.xml><?xml version="1.0" encoding="utf-8"?>
 <p:sld xmlns:a="http://schemas.openxmlformats.org/drawingml/2006/main" xmlns:r="http://schemas.openxmlformats.org/officeDocument/2006/relationships" xmlns:p="http://schemas.openxmlformats.org/presentationml/2006/main">
   <p:cSld>
     <p:bg>
@@ -17112,7 +16184,729 @@
 </p:sld>
 </file>
 
-<file path=ppt/slides/slide41.xml><?xml version="1.0" encoding="utf-8"?>
+<file path=ppt/slides/slide4.xml><?xml version="1.0" encoding="utf-8"?>
+<p:sld xmlns:a="http://schemas.openxmlformats.org/drawingml/2006/main" xmlns:r="http://schemas.openxmlformats.org/officeDocument/2006/relationships" xmlns:p="http://schemas.openxmlformats.org/presentationml/2006/main">
+  <p:cSld>
+    <p:bg>
+      <p:bgPr>
+        <a:solidFill>
+          <a:schemeClr val="tx1"/>
+        </a:solidFill>
+        <a:effectLst/>
+      </p:bgPr>
+    </p:bg>
+    <p:spTree>
+      <p:nvGrpSpPr>
+        <p:cNvPr id="1" name=""/>
+        <p:cNvGrpSpPr/>
+        <p:nvPr/>
+      </p:nvGrpSpPr>
+      <p:grpSpPr>
+        <a:xfrm>
+          <a:off x="0" y="0"/>
+          <a:ext cx="0" cy="0"/>
+          <a:chOff x="0" y="0"/>
+          <a:chExt cx="0" cy="0"/>
+        </a:xfrm>
+      </p:grpSpPr>
+      <p:sp>
+        <p:nvSpPr>
+          <p:cNvPr id="2" name="Title 1">
+            <a:extLst>
+              <a:ext uri="{FF2B5EF4-FFF2-40B4-BE49-F238E27FC236}">
+                <a16:creationId xmlns:a16="http://schemas.microsoft.com/office/drawing/2014/main" id="{85AA2C41-A218-F03E-E75B-E23D489DF99B}"/>
+              </a:ext>
+            </a:extLst>
+          </p:cNvPr>
+          <p:cNvSpPr>
+            <a:spLocks noGrp="1"/>
+          </p:cNvSpPr>
+          <p:nvPr>
+            <p:ph type="ctrTitle"/>
+          </p:nvPr>
+        </p:nvSpPr>
+        <p:spPr>
+          <a:xfrm>
+            <a:off x="1524000" y="297415"/>
+            <a:ext cx="9144000" cy="1123880"/>
+          </a:xfrm>
+        </p:spPr>
+        <p:txBody>
+          <a:bodyPr>
+            <a:normAutofit fontScale="90000"/>
+          </a:bodyPr>
+          <a:lstStyle/>
+          <a:p>
+            <a:r>
+              <a:rPr lang="en-US" sz="8000" dirty="0">
+                <a:solidFill>
+                  <a:schemeClr val="bg1"/>
+                </a:solidFill>
+              </a:rPr>
+              <a:t>What Phil targeted</a:t>
+            </a:r>
+          </a:p>
+        </p:txBody>
+      </p:sp>
+      <p:sp>
+        <p:nvSpPr>
+          <p:cNvPr id="3" name="Subtitle 2">
+            <a:extLst>
+              <a:ext uri="{FF2B5EF4-FFF2-40B4-BE49-F238E27FC236}">
+                <a16:creationId xmlns:a16="http://schemas.microsoft.com/office/drawing/2014/main" id="{62ED4E8C-6CFC-4E48-C834-72281A46F5C1}"/>
+              </a:ext>
+            </a:extLst>
+          </p:cNvPr>
+          <p:cNvSpPr>
+            <a:spLocks noGrp="1"/>
+          </p:cNvSpPr>
+          <p:nvPr>
+            <p:ph type="subTitle" idx="1"/>
+          </p:nvPr>
+        </p:nvSpPr>
+        <p:spPr>
+          <a:xfrm>
+            <a:off x="1027043" y="1651347"/>
+            <a:ext cx="10137913" cy="773802"/>
+          </a:xfrm>
+        </p:spPr>
+        <p:txBody>
+          <a:bodyPr>
+            <a:normAutofit/>
+          </a:bodyPr>
+          <a:lstStyle/>
+          <a:p>
+            <a:r>
+              <a:rPr lang="en-US" sz="3600" b="1" dirty="0">
+                <a:solidFill>
+                  <a:schemeClr val="bg1"/>
+                </a:solidFill>
+              </a:rPr>
+              <a:t>Massively Parallel Gaussian Process Regression</a:t>
+            </a:r>
+          </a:p>
+        </p:txBody>
+      </p:sp>
+      <p:sp>
+        <p:nvSpPr>
+          <p:cNvPr id="8" name="Subtitle 2">
+            <a:extLst>
+              <a:ext uri="{FF2B5EF4-FFF2-40B4-BE49-F238E27FC236}">
+                <a16:creationId xmlns:a16="http://schemas.microsoft.com/office/drawing/2014/main" id="{7B6AEC6A-F167-1D1E-AC7A-5EB655CF53F8}"/>
+              </a:ext>
+            </a:extLst>
+          </p:cNvPr>
+          <p:cNvSpPr txBox="1">
+            <a:spLocks/>
+          </p:cNvSpPr>
+          <p:nvPr/>
+        </p:nvSpPr>
+        <p:spPr>
+          <a:xfrm>
+            <a:off x="2964694" y="2527816"/>
+            <a:ext cx="8646281" cy="2425183"/>
+          </a:xfrm>
+          <a:prstGeom prst="rect">
+            <a:avLst/>
+          </a:prstGeom>
+        </p:spPr>
+        <p:txBody>
+          <a:bodyPr vert="horz" lIns="91440" tIns="45720" rIns="91440" bIns="45720" rtlCol="0">
+            <a:normAutofit/>
+          </a:bodyPr>
+          <a:lstStyle>
+            <a:lvl1pPr marL="0" indent="0" algn="ctr" defTabSz="914400" rtl="0" eaLnBrk="1" latinLnBrk="0" hangingPunct="1">
+              <a:lnSpc>
+                <a:spcPct val="90000"/>
+              </a:lnSpc>
+              <a:spcBef>
+                <a:spcPts val="1000"/>
+              </a:spcBef>
+              <a:buFont typeface="Arial" panose="020B0604020202020204" pitchFamily="34" charset="0"/>
+              <a:buNone/>
+              <a:defRPr sz="2400" kern="1200">
+                <a:solidFill>
+                  <a:schemeClr val="tx1"/>
+                </a:solidFill>
+                <a:latin typeface="+mn-lt"/>
+                <a:ea typeface="+mn-ea"/>
+                <a:cs typeface="+mn-cs"/>
+              </a:defRPr>
+            </a:lvl1pPr>
+            <a:lvl2pPr marL="457200" indent="0" algn="ctr" defTabSz="914400" rtl="0" eaLnBrk="1" latinLnBrk="0" hangingPunct="1">
+              <a:lnSpc>
+                <a:spcPct val="90000"/>
+              </a:lnSpc>
+              <a:spcBef>
+                <a:spcPts val="500"/>
+              </a:spcBef>
+              <a:buFont typeface="Arial" panose="020B0604020202020204" pitchFamily="34" charset="0"/>
+              <a:buNone/>
+              <a:defRPr sz="2000" kern="1200">
+                <a:solidFill>
+                  <a:schemeClr val="tx1"/>
+                </a:solidFill>
+                <a:latin typeface="+mn-lt"/>
+                <a:ea typeface="+mn-ea"/>
+                <a:cs typeface="+mn-cs"/>
+              </a:defRPr>
+            </a:lvl2pPr>
+            <a:lvl3pPr marL="914400" indent="0" algn="ctr" defTabSz="914400" rtl="0" eaLnBrk="1" latinLnBrk="0" hangingPunct="1">
+              <a:lnSpc>
+                <a:spcPct val="90000"/>
+              </a:lnSpc>
+              <a:spcBef>
+                <a:spcPts val="500"/>
+              </a:spcBef>
+              <a:buFont typeface="Arial" panose="020B0604020202020204" pitchFamily="34" charset="0"/>
+              <a:buNone/>
+              <a:defRPr sz="1800" kern="1200">
+                <a:solidFill>
+                  <a:schemeClr val="tx1"/>
+                </a:solidFill>
+                <a:latin typeface="+mn-lt"/>
+                <a:ea typeface="+mn-ea"/>
+                <a:cs typeface="+mn-cs"/>
+              </a:defRPr>
+            </a:lvl3pPr>
+            <a:lvl4pPr marL="1371600" indent="0" algn="ctr" defTabSz="914400" rtl="0" eaLnBrk="1" latinLnBrk="0" hangingPunct="1">
+              <a:lnSpc>
+                <a:spcPct val="90000"/>
+              </a:lnSpc>
+              <a:spcBef>
+                <a:spcPts val="500"/>
+              </a:spcBef>
+              <a:buFont typeface="Arial" panose="020B0604020202020204" pitchFamily="34" charset="0"/>
+              <a:buNone/>
+              <a:defRPr sz="1600" kern="1200">
+                <a:solidFill>
+                  <a:schemeClr val="tx1"/>
+                </a:solidFill>
+                <a:latin typeface="+mn-lt"/>
+                <a:ea typeface="+mn-ea"/>
+                <a:cs typeface="+mn-cs"/>
+              </a:defRPr>
+            </a:lvl4pPr>
+            <a:lvl5pPr marL="1828800" indent="0" algn="ctr" defTabSz="914400" rtl="0" eaLnBrk="1" latinLnBrk="0" hangingPunct="1">
+              <a:lnSpc>
+                <a:spcPct val="90000"/>
+              </a:lnSpc>
+              <a:spcBef>
+                <a:spcPts val="500"/>
+              </a:spcBef>
+              <a:buFont typeface="Arial" panose="020B0604020202020204" pitchFamily="34" charset="0"/>
+              <a:buNone/>
+              <a:defRPr sz="1600" kern="1200">
+                <a:solidFill>
+                  <a:schemeClr val="tx1"/>
+                </a:solidFill>
+                <a:latin typeface="+mn-lt"/>
+                <a:ea typeface="+mn-ea"/>
+                <a:cs typeface="+mn-cs"/>
+              </a:defRPr>
+            </a:lvl5pPr>
+            <a:lvl6pPr marL="2286000" indent="0" algn="ctr" defTabSz="914400" rtl="0" eaLnBrk="1" latinLnBrk="0" hangingPunct="1">
+              <a:lnSpc>
+                <a:spcPct val="90000"/>
+              </a:lnSpc>
+              <a:spcBef>
+                <a:spcPts val="500"/>
+              </a:spcBef>
+              <a:buFont typeface="Arial" panose="020B0604020202020204" pitchFamily="34" charset="0"/>
+              <a:buNone/>
+              <a:defRPr sz="1600" kern="1200">
+                <a:solidFill>
+                  <a:schemeClr val="tx1"/>
+                </a:solidFill>
+                <a:latin typeface="+mn-lt"/>
+                <a:ea typeface="+mn-ea"/>
+                <a:cs typeface="+mn-cs"/>
+              </a:defRPr>
+            </a:lvl6pPr>
+            <a:lvl7pPr marL="2743200" indent="0" algn="ctr" defTabSz="914400" rtl="0" eaLnBrk="1" latinLnBrk="0" hangingPunct="1">
+              <a:lnSpc>
+                <a:spcPct val="90000"/>
+              </a:lnSpc>
+              <a:spcBef>
+                <a:spcPts val="500"/>
+              </a:spcBef>
+              <a:buFont typeface="Arial" panose="020B0604020202020204" pitchFamily="34" charset="0"/>
+              <a:buNone/>
+              <a:defRPr sz="1600" kern="1200">
+                <a:solidFill>
+                  <a:schemeClr val="tx1"/>
+                </a:solidFill>
+                <a:latin typeface="+mn-lt"/>
+                <a:ea typeface="+mn-ea"/>
+                <a:cs typeface="+mn-cs"/>
+              </a:defRPr>
+            </a:lvl7pPr>
+            <a:lvl8pPr marL="3200400" indent="0" algn="ctr" defTabSz="914400" rtl="0" eaLnBrk="1" latinLnBrk="0" hangingPunct="1">
+              <a:lnSpc>
+                <a:spcPct val="90000"/>
+              </a:lnSpc>
+              <a:spcBef>
+                <a:spcPts val="500"/>
+              </a:spcBef>
+              <a:buFont typeface="Arial" panose="020B0604020202020204" pitchFamily="34" charset="0"/>
+              <a:buNone/>
+              <a:defRPr sz="1600" kern="1200">
+                <a:solidFill>
+                  <a:schemeClr val="tx1"/>
+                </a:solidFill>
+                <a:latin typeface="+mn-lt"/>
+                <a:ea typeface="+mn-ea"/>
+                <a:cs typeface="+mn-cs"/>
+              </a:defRPr>
+            </a:lvl8pPr>
+            <a:lvl9pPr marL="3657600" indent="0" algn="ctr" defTabSz="914400" rtl="0" eaLnBrk="1" latinLnBrk="0" hangingPunct="1">
+              <a:lnSpc>
+                <a:spcPct val="90000"/>
+              </a:lnSpc>
+              <a:spcBef>
+                <a:spcPts val="500"/>
+              </a:spcBef>
+              <a:buFont typeface="Arial" panose="020B0604020202020204" pitchFamily="34" charset="0"/>
+              <a:buNone/>
+              <a:defRPr sz="1600" kern="1200">
+                <a:solidFill>
+                  <a:schemeClr val="tx1"/>
+                </a:solidFill>
+                <a:latin typeface="+mn-lt"/>
+                <a:ea typeface="+mn-ea"/>
+                <a:cs typeface="+mn-cs"/>
+              </a:defRPr>
+            </a:lvl9pPr>
+          </a:lstStyle>
+          <a:p>
+            <a:pPr algn="l"/>
+            <a:r>
+              <a:rPr lang="en-US" sz="3600" dirty="0">
+                <a:solidFill>
+                  <a:schemeClr val="bg1"/>
+                </a:solidFill>
+              </a:rPr>
+              <a:t>determine the best </a:t>
+            </a:r>
+            <a:r>
+              <a:rPr lang="en-US" sz="3600" dirty="0" err="1">
+                <a:solidFill>
+                  <a:schemeClr val="bg1"/>
+                </a:solidFill>
+              </a:rPr>
+              <a:t>downsample</a:t>
+            </a:r>
+            <a:r>
+              <a:rPr lang="en-US" sz="3600" dirty="0">
+                <a:solidFill>
+                  <a:schemeClr val="bg1"/>
+                </a:solidFill>
+              </a:rPr>
+              <a:t> method</a:t>
+            </a:r>
+          </a:p>
+          <a:p>
+            <a:pPr algn="l"/>
+            <a:r>
+              <a:rPr lang="en-US" sz="3600" dirty="0">
+                <a:solidFill>
+                  <a:schemeClr val="bg1"/>
+                </a:solidFill>
+              </a:rPr>
+              <a:t>	- 6 methods tested</a:t>
+            </a:r>
+          </a:p>
+          <a:p>
+            <a:pPr algn="l"/>
+            <a:r>
+              <a:rPr lang="en-US" sz="3600" dirty="0">
+                <a:solidFill>
+                  <a:schemeClr val="bg1"/>
+                </a:solidFill>
+              </a:rPr>
+              <a:t>	- want fast and accurate </a:t>
+            </a:r>
+          </a:p>
+        </p:txBody>
+      </p:sp>
+      <p:sp>
+        <p:nvSpPr>
+          <p:cNvPr id="9" name="Subtitle 2">
+            <a:extLst>
+              <a:ext uri="{FF2B5EF4-FFF2-40B4-BE49-F238E27FC236}">
+                <a16:creationId xmlns:a16="http://schemas.microsoft.com/office/drawing/2014/main" id="{2B3A38E6-1DCD-C3C4-14E5-BDB194B4A7B9}"/>
+              </a:ext>
+            </a:extLst>
+          </p:cNvPr>
+          <p:cNvSpPr txBox="1">
+            <a:spLocks/>
+          </p:cNvSpPr>
+          <p:nvPr/>
+        </p:nvSpPr>
+        <p:spPr>
+          <a:xfrm>
+            <a:off x="2964694" y="4539541"/>
+            <a:ext cx="7569956" cy="1365959"/>
+          </a:xfrm>
+          <a:prstGeom prst="rect">
+            <a:avLst/>
+          </a:prstGeom>
+        </p:spPr>
+        <p:txBody>
+          <a:bodyPr vert="horz" lIns="91440" tIns="45720" rIns="91440" bIns="45720" rtlCol="0">
+            <a:normAutofit/>
+          </a:bodyPr>
+          <a:lstStyle>
+            <a:lvl1pPr marL="0" indent="0" algn="ctr" defTabSz="914400" rtl="0" eaLnBrk="1" latinLnBrk="0" hangingPunct="1">
+              <a:lnSpc>
+                <a:spcPct val="90000"/>
+              </a:lnSpc>
+              <a:spcBef>
+                <a:spcPts val="1000"/>
+              </a:spcBef>
+              <a:buFont typeface="Arial" panose="020B0604020202020204" pitchFamily="34" charset="0"/>
+              <a:buNone/>
+              <a:defRPr sz="2400" kern="1200">
+                <a:solidFill>
+                  <a:schemeClr val="tx1"/>
+                </a:solidFill>
+                <a:latin typeface="+mn-lt"/>
+                <a:ea typeface="+mn-ea"/>
+                <a:cs typeface="+mn-cs"/>
+              </a:defRPr>
+            </a:lvl1pPr>
+            <a:lvl2pPr marL="457200" indent="0" algn="ctr" defTabSz="914400" rtl="0" eaLnBrk="1" latinLnBrk="0" hangingPunct="1">
+              <a:lnSpc>
+                <a:spcPct val="90000"/>
+              </a:lnSpc>
+              <a:spcBef>
+                <a:spcPts val="500"/>
+              </a:spcBef>
+              <a:buFont typeface="Arial" panose="020B0604020202020204" pitchFamily="34" charset="0"/>
+              <a:buNone/>
+              <a:defRPr sz="2000" kern="1200">
+                <a:solidFill>
+                  <a:schemeClr val="tx1"/>
+                </a:solidFill>
+                <a:latin typeface="+mn-lt"/>
+                <a:ea typeface="+mn-ea"/>
+                <a:cs typeface="+mn-cs"/>
+              </a:defRPr>
+            </a:lvl2pPr>
+            <a:lvl3pPr marL="914400" indent="0" algn="ctr" defTabSz="914400" rtl="0" eaLnBrk="1" latinLnBrk="0" hangingPunct="1">
+              <a:lnSpc>
+                <a:spcPct val="90000"/>
+              </a:lnSpc>
+              <a:spcBef>
+                <a:spcPts val="500"/>
+              </a:spcBef>
+              <a:buFont typeface="Arial" panose="020B0604020202020204" pitchFamily="34" charset="0"/>
+              <a:buNone/>
+              <a:defRPr sz="1800" kern="1200">
+                <a:solidFill>
+                  <a:schemeClr val="tx1"/>
+                </a:solidFill>
+                <a:latin typeface="+mn-lt"/>
+                <a:ea typeface="+mn-ea"/>
+                <a:cs typeface="+mn-cs"/>
+              </a:defRPr>
+            </a:lvl3pPr>
+            <a:lvl4pPr marL="1371600" indent="0" algn="ctr" defTabSz="914400" rtl="0" eaLnBrk="1" latinLnBrk="0" hangingPunct="1">
+              <a:lnSpc>
+                <a:spcPct val="90000"/>
+              </a:lnSpc>
+              <a:spcBef>
+                <a:spcPts val="500"/>
+              </a:spcBef>
+              <a:buFont typeface="Arial" panose="020B0604020202020204" pitchFamily="34" charset="0"/>
+              <a:buNone/>
+              <a:defRPr sz="1600" kern="1200">
+                <a:solidFill>
+                  <a:schemeClr val="tx1"/>
+                </a:solidFill>
+                <a:latin typeface="+mn-lt"/>
+                <a:ea typeface="+mn-ea"/>
+                <a:cs typeface="+mn-cs"/>
+              </a:defRPr>
+            </a:lvl4pPr>
+            <a:lvl5pPr marL="1828800" indent="0" algn="ctr" defTabSz="914400" rtl="0" eaLnBrk="1" latinLnBrk="0" hangingPunct="1">
+              <a:lnSpc>
+                <a:spcPct val="90000"/>
+              </a:lnSpc>
+              <a:spcBef>
+                <a:spcPts val="500"/>
+              </a:spcBef>
+              <a:buFont typeface="Arial" panose="020B0604020202020204" pitchFamily="34" charset="0"/>
+              <a:buNone/>
+              <a:defRPr sz="1600" kern="1200">
+                <a:solidFill>
+                  <a:schemeClr val="tx1"/>
+                </a:solidFill>
+                <a:latin typeface="+mn-lt"/>
+                <a:ea typeface="+mn-ea"/>
+                <a:cs typeface="+mn-cs"/>
+              </a:defRPr>
+            </a:lvl5pPr>
+            <a:lvl6pPr marL="2286000" indent="0" algn="ctr" defTabSz="914400" rtl="0" eaLnBrk="1" latinLnBrk="0" hangingPunct="1">
+              <a:lnSpc>
+                <a:spcPct val="90000"/>
+              </a:lnSpc>
+              <a:spcBef>
+                <a:spcPts val="500"/>
+              </a:spcBef>
+              <a:buFont typeface="Arial" panose="020B0604020202020204" pitchFamily="34" charset="0"/>
+              <a:buNone/>
+              <a:defRPr sz="1600" kern="1200">
+                <a:solidFill>
+                  <a:schemeClr val="tx1"/>
+                </a:solidFill>
+                <a:latin typeface="+mn-lt"/>
+                <a:ea typeface="+mn-ea"/>
+                <a:cs typeface="+mn-cs"/>
+              </a:defRPr>
+            </a:lvl6pPr>
+            <a:lvl7pPr marL="2743200" indent="0" algn="ctr" defTabSz="914400" rtl="0" eaLnBrk="1" latinLnBrk="0" hangingPunct="1">
+              <a:lnSpc>
+                <a:spcPct val="90000"/>
+              </a:lnSpc>
+              <a:spcBef>
+                <a:spcPts val="500"/>
+              </a:spcBef>
+              <a:buFont typeface="Arial" panose="020B0604020202020204" pitchFamily="34" charset="0"/>
+              <a:buNone/>
+              <a:defRPr sz="1600" kern="1200">
+                <a:solidFill>
+                  <a:schemeClr val="tx1"/>
+                </a:solidFill>
+                <a:latin typeface="+mn-lt"/>
+                <a:ea typeface="+mn-ea"/>
+                <a:cs typeface="+mn-cs"/>
+              </a:defRPr>
+            </a:lvl7pPr>
+            <a:lvl8pPr marL="3200400" indent="0" algn="ctr" defTabSz="914400" rtl="0" eaLnBrk="1" latinLnBrk="0" hangingPunct="1">
+              <a:lnSpc>
+                <a:spcPct val="90000"/>
+              </a:lnSpc>
+              <a:spcBef>
+                <a:spcPts val="500"/>
+              </a:spcBef>
+              <a:buFont typeface="Arial" panose="020B0604020202020204" pitchFamily="34" charset="0"/>
+              <a:buNone/>
+              <a:defRPr sz="1600" kern="1200">
+                <a:solidFill>
+                  <a:schemeClr val="tx1"/>
+                </a:solidFill>
+                <a:latin typeface="+mn-lt"/>
+                <a:ea typeface="+mn-ea"/>
+                <a:cs typeface="+mn-cs"/>
+              </a:defRPr>
+            </a:lvl8pPr>
+            <a:lvl9pPr marL="3657600" indent="0" algn="ctr" defTabSz="914400" rtl="0" eaLnBrk="1" latinLnBrk="0" hangingPunct="1">
+              <a:lnSpc>
+                <a:spcPct val="90000"/>
+              </a:lnSpc>
+              <a:spcBef>
+                <a:spcPts val="500"/>
+              </a:spcBef>
+              <a:buFont typeface="Arial" panose="020B0604020202020204" pitchFamily="34" charset="0"/>
+              <a:buNone/>
+              <a:defRPr sz="1600" kern="1200">
+                <a:solidFill>
+                  <a:schemeClr val="tx1"/>
+                </a:solidFill>
+                <a:latin typeface="+mn-lt"/>
+                <a:ea typeface="+mn-ea"/>
+                <a:cs typeface="+mn-cs"/>
+              </a:defRPr>
+            </a:lvl9pPr>
+          </a:lstStyle>
+          <a:p>
+            <a:pPr algn="l"/>
+            <a:r>
+              <a:rPr lang="en-US" sz="3600" dirty="0">
+                <a:solidFill>
+                  <a:schemeClr val="bg1"/>
+                </a:solidFill>
+              </a:rPr>
+              <a:t>variable sonar uncertainty across ping</a:t>
+            </a:r>
+          </a:p>
+          <a:p>
+            <a:pPr algn="l"/>
+            <a:r>
+              <a:rPr lang="en-US" sz="3600" dirty="0">
+                <a:solidFill>
+                  <a:schemeClr val="bg1"/>
+                </a:solidFill>
+              </a:rPr>
+              <a:t>	- better reflection of reality</a:t>
+            </a:r>
+          </a:p>
+        </p:txBody>
+      </p:sp>
+      <p:pic>
+        <p:nvPicPr>
+          <p:cNvPr id="1026" name="Picture 2" descr="Graphic Supplies - Vantex">
+            <a:extLst>
+              <a:ext uri="{FF2B5EF4-FFF2-40B4-BE49-F238E27FC236}">
+                <a16:creationId xmlns:a16="http://schemas.microsoft.com/office/drawing/2014/main" id="{F37EE827-9321-E454-8327-97ECAC26F716}"/>
+              </a:ext>
+            </a:extLst>
+          </p:cNvPr>
+          <p:cNvPicPr>
+            <a:picLocks noChangeAspect="1" noChangeArrowheads="1"/>
+          </p:cNvPicPr>
+          <p:nvPr/>
+        </p:nvPicPr>
+        <p:blipFill>
+          <a:blip r:embed="rId2">
+            <a:extLst>
+              <a:ext uri="{BEBA8EAE-BF5A-486C-A8C5-ECC9F3942E4B}">
+                <a14:imgProps xmlns:a14="http://schemas.microsoft.com/office/drawing/2010/main">
+                  <a14:imgLayer r:embed="rId3">
+                    <a14:imgEffect>
+                      <a14:backgroundRemoval t="8000" b="90000" l="8000" r="90667">
+                        <a14:foregroundMark x1="30333" y1="47333" x2="46667" y2="43333"/>
+                        <a14:foregroundMark x1="46667" y1="43333" x2="69000" y2="44667"/>
+                        <a14:foregroundMark x1="69000" y1="44667" x2="71667" y2="44000"/>
+                        <a14:foregroundMark x1="61000" y1="41667" x2="72667" y2="35000"/>
+                        <a14:foregroundMark x1="47667" y1="46667" x2="26333" y2="56667"/>
+                        <a14:foregroundMark x1="26333" y1="56667" x2="34333" y2="57000"/>
+                        <a14:foregroundMark x1="41333" y1="52667" x2="62667" y2="49667"/>
+                        <a14:foregroundMark x1="62667" y1="49667" x2="45333" y2="57667"/>
+                        <a14:foregroundMark x1="45333" y1="57667" x2="56667" y2="46333"/>
+                        <a14:foregroundMark x1="57333" y1="48667" x2="63667" y2="48000"/>
+                        <a14:foregroundMark x1="50333" y1="13000" x2="49000" y2="8333"/>
+                        <a14:foregroundMark x1="11000" y1="49000" x2="8333" y2="49333"/>
+                        <a14:foregroundMark x1="87667" y1="49333" x2="90667" y2="49333"/>
+                        <a14:foregroundMark x1="47333" y1="86000" x2="48667" y2="90000"/>
+                      </a14:backgroundRemoval>
+                    </a14:imgEffect>
+                  </a14:imgLayer>
+                </a14:imgProps>
+              </a:ext>
+              <a:ext uri="{28A0092B-C50C-407E-A947-70E740481C1C}">
+                <a14:useLocalDpi xmlns:a14="http://schemas.microsoft.com/office/drawing/2010/main" val="0"/>
+              </a:ext>
+            </a:extLst>
+          </a:blip>
+          <a:srcRect/>
+          <a:stretch>
+            <a:fillRect/>
+          </a:stretch>
+        </p:blipFill>
+        <p:spPr bwMode="auto">
+          <a:xfrm>
+            <a:off x="118294" y="1367836"/>
+            <a:ext cx="1860213" cy="1860213"/>
+          </a:xfrm>
+          <a:prstGeom prst="rect">
+            <a:avLst/>
+          </a:prstGeom>
+          <a:noFill/>
+          <a:extLst>
+            <a:ext uri="{909E8E84-426E-40DD-AFC4-6F175D3DCCD1}">
+              <a14:hiddenFill xmlns:a14="http://schemas.microsoft.com/office/drawing/2010/main">
+                <a:solidFill>
+                  <a:srgbClr val="FFFFFF"/>
+                </a:solidFill>
+              </a14:hiddenFill>
+            </a:ext>
+          </a:extLst>
+        </p:spPr>
+      </p:pic>
+      <p:pic>
+        <p:nvPicPr>
+          <p:cNvPr id="11" name="Graphic 10" descr="Checkmark with solid fill">
+            <a:extLst>
+              <a:ext uri="{FF2B5EF4-FFF2-40B4-BE49-F238E27FC236}">
+                <a16:creationId xmlns:a16="http://schemas.microsoft.com/office/drawing/2014/main" id="{AEA2ED76-DE96-1A48-06B5-1DF8513295F9}"/>
+              </a:ext>
+            </a:extLst>
+          </p:cNvPr>
+          <p:cNvPicPr>
+            <a:picLocks noChangeAspect="1"/>
+          </p:cNvPicPr>
+          <p:nvPr/>
+        </p:nvPicPr>
+        <p:blipFill>
+          <a:blip r:embed="rId4">
+            <a:extLst>
+              <a:ext uri="{28A0092B-C50C-407E-A947-70E740481C1C}">
+                <a14:useLocalDpi xmlns:a14="http://schemas.microsoft.com/office/drawing/2010/main" val="0"/>
+              </a:ext>
+              <a:ext uri="{96DAC541-7B7A-43D3-8B79-37D633B846F1}">
+                <asvg:svgBlip xmlns:asvg="http://schemas.microsoft.com/office/drawing/2016/SVG/main" r:embed="rId5"/>
+              </a:ext>
+            </a:extLst>
+          </a:blip>
+          <a:stretch>
+            <a:fillRect/>
+          </a:stretch>
+        </p:blipFill>
+        <p:spPr>
+          <a:xfrm>
+            <a:off x="2222028" y="2519039"/>
+            <a:ext cx="630504" cy="630504"/>
+          </a:xfrm>
+          <a:prstGeom prst="rect">
+            <a:avLst/>
+          </a:prstGeom>
+        </p:spPr>
+      </p:pic>
+      <p:pic>
+        <p:nvPicPr>
+          <p:cNvPr id="16" name="Graphic 15" descr="Checkmark with solid fill">
+            <a:extLst>
+              <a:ext uri="{FF2B5EF4-FFF2-40B4-BE49-F238E27FC236}">
+                <a16:creationId xmlns:a16="http://schemas.microsoft.com/office/drawing/2014/main" id="{FC297D62-946C-81AA-A136-5CF40EFA0B85}"/>
+              </a:ext>
+            </a:extLst>
+          </p:cNvPr>
+          <p:cNvPicPr>
+            <a:picLocks noChangeAspect="1"/>
+          </p:cNvPicPr>
+          <p:nvPr/>
+        </p:nvPicPr>
+        <p:blipFill>
+          <a:blip r:embed="rId4">
+            <a:extLst>
+              <a:ext uri="{28A0092B-C50C-407E-A947-70E740481C1C}">
+                <a14:useLocalDpi xmlns:a14="http://schemas.microsoft.com/office/drawing/2010/main" val="0"/>
+              </a:ext>
+              <a:ext uri="{96DAC541-7B7A-43D3-8B79-37D633B846F1}">
+                <asvg:svgBlip xmlns:asvg="http://schemas.microsoft.com/office/drawing/2016/SVG/main" r:embed="rId5"/>
+              </a:ext>
+            </a:extLst>
+          </a:blip>
+          <a:stretch>
+            <a:fillRect/>
+          </a:stretch>
+        </p:blipFill>
+        <p:spPr>
+          <a:xfrm>
+            <a:off x="2222028" y="4500910"/>
+            <a:ext cx="630504" cy="630504"/>
+          </a:xfrm>
+          <a:prstGeom prst="rect">
+            <a:avLst/>
+          </a:prstGeom>
+        </p:spPr>
+      </p:pic>
+    </p:spTree>
+    <p:extLst>
+      <p:ext uri="{BB962C8B-B14F-4D97-AF65-F5344CB8AC3E}">
+        <p14:creationId xmlns:p14="http://schemas.microsoft.com/office/powerpoint/2010/main" val="559158608"/>
+      </p:ext>
+    </p:extLst>
+  </p:cSld>
+  <p:clrMapOvr>
+    <a:masterClrMapping/>
+  </p:clrMapOvr>
+</p:sld>
+</file>
+
+<file path=ppt/slides/slide40.xml><?xml version="1.0" encoding="utf-8"?>
 <p:sld xmlns:a="http://schemas.openxmlformats.org/drawingml/2006/main" xmlns:r="http://schemas.openxmlformats.org/officeDocument/2006/relationships" xmlns:p="http://schemas.openxmlformats.org/presentationml/2006/main">
   <p:cSld>
     <p:bg>
@@ -17541,7 +17335,7 @@
 </p:sld>
 </file>
 
-<file path=ppt/slides/slide42.xml><?xml version="1.0" encoding="utf-8"?>
+<file path=ppt/slides/slide41.xml><?xml version="1.0" encoding="utf-8"?>
 <p:sld xmlns:a="http://schemas.openxmlformats.org/drawingml/2006/main" xmlns:r="http://schemas.openxmlformats.org/officeDocument/2006/relationships" xmlns:p="http://schemas.openxmlformats.org/presentationml/2006/main">
   <p:cSld>
     <p:bg>
@@ -18465,7 +18259,7 @@
 </p:sld>
 </file>
 
-<file path=ppt/slides/slide43.xml><?xml version="1.0" encoding="utf-8"?>
+<file path=ppt/slides/slide42.xml><?xml version="1.0" encoding="utf-8"?>
 <p:sld xmlns:a="http://schemas.openxmlformats.org/drawingml/2006/main" xmlns:r="http://schemas.openxmlformats.org/officeDocument/2006/relationships" xmlns:p="http://schemas.openxmlformats.org/presentationml/2006/main">
   <p:cSld>
     <p:bg>
@@ -19901,7 +19695,7 @@
 </p:sld>
 </file>
 
-<file path=ppt/slides/slide44.xml><?xml version="1.0" encoding="utf-8"?>
+<file path=ppt/slides/slide43.xml><?xml version="1.0" encoding="utf-8"?>
 <p:sld xmlns:a="http://schemas.openxmlformats.org/drawingml/2006/main" xmlns:r="http://schemas.openxmlformats.org/officeDocument/2006/relationships" xmlns:p="http://schemas.openxmlformats.org/presentationml/2006/main">
   <p:cSld>
     <p:bg>
@@ -21454,7 +21248,7 @@
 </p:sld>
 </file>
 
-<file path=ppt/slides/slide45.xml><?xml version="1.0" encoding="utf-8"?>
+<file path=ppt/slides/slide44.xml><?xml version="1.0" encoding="utf-8"?>
 <p:sld xmlns:a="http://schemas.openxmlformats.org/drawingml/2006/main" xmlns:r="http://schemas.openxmlformats.org/officeDocument/2006/relationships" xmlns:p="http://schemas.openxmlformats.org/presentationml/2006/main">
   <p:cSld>
     <p:bg>
@@ -23007,7 +22801,7 @@
 </p:sld>
 </file>
 
-<file path=ppt/slides/slide46.xml><?xml version="1.0" encoding="utf-8"?>
+<file path=ppt/slides/slide45.xml><?xml version="1.0" encoding="utf-8"?>
 <p:sld xmlns:a="http://schemas.openxmlformats.org/drawingml/2006/main" xmlns:r="http://schemas.openxmlformats.org/officeDocument/2006/relationships" xmlns:p="http://schemas.openxmlformats.org/presentationml/2006/main">
   <p:cSld>
     <p:bg>
@@ -24040,7 +23834,7 @@
 </p:sld>
 </file>
 
-<file path=ppt/slides/slide47.xml><?xml version="1.0" encoding="utf-8"?>
+<file path=ppt/slides/slide46.xml><?xml version="1.0" encoding="utf-8"?>
 <p:sld xmlns:a="http://schemas.openxmlformats.org/drawingml/2006/main" xmlns:r="http://schemas.openxmlformats.org/officeDocument/2006/relationships" xmlns:p="http://schemas.openxmlformats.org/presentationml/2006/main">
   <p:cSld>
     <p:bg>
@@ -24343,7 +24137,7 @@
 </p:sld>
 </file>
 
-<file path=ppt/slides/slide48.xml><?xml version="1.0" encoding="utf-8"?>
+<file path=ppt/slides/slide47.xml><?xml version="1.0" encoding="utf-8"?>
 <p:sld xmlns:a="http://schemas.openxmlformats.org/drawingml/2006/main" xmlns:r="http://schemas.openxmlformats.org/officeDocument/2006/relationships" xmlns:p="http://schemas.openxmlformats.org/presentationml/2006/main">
   <p:cSld>
     <p:bg>
@@ -24913,7 +24707,7 @@
 </p:sld>
 </file>
 
-<file path=ppt/slides/slide49.xml><?xml version="1.0" encoding="utf-8"?>
+<file path=ppt/slides/slide48.xml><?xml version="1.0" encoding="utf-8"?>
 <p:sld xmlns:a="http://schemas.openxmlformats.org/drawingml/2006/main" xmlns:r="http://schemas.openxmlformats.org/officeDocument/2006/relationships" xmlns:p="http://schemas.openxmlformats.org/presentationml/2006/main">
   <p:cSld>
     <p:bg>
@@ -25483,119 +25277,7 @@
 </p:sld>
 </file>
 
-<file path=ppt/slides/slide5.xml><?xml version="1.0" encoding="utf-8"?>
-<p:sld xmlns:a="http://schemas.openxmlformats.org/drawingml/2006/main" xmlns:r="http://schemas.openxmlformats.org/officeDocument/2006/relationships" xmlns:p="http://schemas.openxmlformats.org/presentationml/2006/main">
-  <p:cSld>
-    <p:bg>
-      <p:bgPr>
-        <a:solidFill>
-          <a:schemeClr val="tx1"/>
-        </a:solidFill>
-        <a:effectLst/>
-      </p:bgPr>
-    </p:bg>
-    <p:spTree>
-      <p:nvGrpSpPr>
-        <p:cNvPr id="1" name=""/>
-        <p:cNvGrpSpPr/>
-        <p:nvPr/>
-      </p:nvGrpSpPr>
-      <p:grpSpPr>
-        <a:xfrm>
-          <a:off x="0" y="0"/>
-          <a:ext cx="0" cy="0"/>
-          <a:chOff x="0" y="0"/>
-          <a:chExt cx="0" cy="0"/>
-        </a:xfrm>
-      </p:grpSpPr>
-      <p:pic>
-        <p:nvPicPr>
-          <p:cNvPr id="14" name="Picture 13" descr="Chart, line chart&#10;&#10;Description automatically generated">
-            <a:extLst>
-              <a:ext uri="{FF2B5EF4-FFF2-40B4-BE49-F238E27FC236}">
-                <a16:creationId xmlns:a16="http://schemas.microsoft.com/office/drawing/2014/main" id="{E4B2D851-6D1B-F34B-623E-6CB3D9E52324}"/>
-              </a:ext>
-            </a:extLst>
-          </p:cNvPr>
-          <p:cNvPicPr>
-            <a:picLocks noChangeAspect="1"/>
-          </p:cNvPicPr>
-          <p:nvPr/>
-        </p:nvPicPr>
-        <p:blipFill rotWithShape="1">
-          <a:blip r:embed="rId2">
-            <a:extLst>
-              <a:ext uri="{28A0092B-C50C-407E-A947-70E740481C1C}">
-                <a14:useLocalDpi xmlns:a14="http://schemas.microsoft.com/office/drawing/2010/main" val="0"/>
-              </a:ext>
-            </a:extLst>
-          </a:blip>
-          <a:srcRect l="3989" t="9203" r="5344" b="2195"/>
-          <a:stretch/>
-        </p:blipFill>
-        <p:spPr>
-          <a:xfrm>
-            <a:off x="2857500" y="1562099"/>
-            <a:ext cx="6381750" cy="4998485"/>
-          </a:xfrm>
-          <a:prstGeom prst="rect">
-            <a:avLst/>
-          </a:prstGeom>
-        </p:spPr>
-      </p:pic>
-      <p:sp>
-        <p:nvSpPr>
-          <p:cNvPr id="15" name="Title 1">
-            <a:extLst>
-              <a:ext uri="{FF2B5EF4-FFF2-40B4-BE49-F238E27FC236}">
-                <a16:creationId xmlns:a16="http://schemas.microsoft.com/office/drawing/2014/main" id="{B7AEC322-EABE-225F-A4FB-BE84F485AFC7}"/>
-              </a:ext>
-            </a:extLst>
-          </p:cNvPr>
-          <p:cNvSpPr>
-            <a:spLocks noGrp="1"/>
-          </p:cNvSpPr>
-          <p:nvPr>
-            <p:ph type="ctrTitle"/>
-          </p:nvPr>
-        </p:nvSpPr>
-        <p:spPr>
-          <a:xfrm>
-            <a:off x="1524000" y="297415"/>
-            <a:ext cx="9144000" cy="1123880"/>
-          </a:xfrm>
-        </p:spPr>
-        <p:txBody>
-          <a:bodyPr>
-            <a:normAutofit fontScale="90000"/>
-          </a:bodyPr>
-          <a:lstStyle/>
-          <a:p>
-            <a:r>
-              <a:rPr lang="en-US" sz="8000" dirty="0">
-                <a:solidFill>
-                  <a:schemeClr val="bg1"/>
-                </a:solidFill>
-              </a:rPr>
-              <a:t>An Example GPR Fit</a:t>
-            </a:r>
-          </a:p>
-        </p:txBody>
-      </p:sp>
-    </p:spTree>
-    <p:extLst>
-      <p:ext uri="{BB962C8B-B14F-4D97-AF65-F5344CB8AC3E}">
-        <p14:creationId xmlns:p14="http://schemas.microsoft.com/office/powerpoint/2010/main" val="2576305494"/>
-      </p:ext>
-    </p:extLst>
-  </p:cSld>
-  <p:clrMapOvr>
-    <a:masterClrMapping/>
-  </p:clrMapOvr>
-</p:sld>
-</file>
-
-<file path=ppt/slides/slide50.xml><?xml version="1.0" encoding="utf-8"?>
+<file path=ppt/slides/slide49.xml><?xml version="1.0" encoding="utf-8"?>
 <p:sld xmlns:a="http://schemas.openxmlformats.org/drawingml/2006/main" xmlns:r="http://schemas.openxmlformats.org/officeDocument/2006/relationships" xmlns:p="http://schemas.openxmlformats.org/presentationml/2006/main">
   <p:cSld>
     <p:bg>
@@ -26204,6 +25886,118 @@
 </p:sld>
 </file>
 
+<file path=ppt/slides/slide5.xml><?xml version="1.0" encoding="utf-8"?>
+<p:sld xmlns:a="http://schemas.openxmlformats.org/drawingml/2006/main" xmlns:r="http://schemas.openxmlformats.org/officeDocument/2006/relationships" xmlns:p="http://schemas.openxmlformats.org/presentationml/2006/main">
+  <p:cSld>
+    <p:bg>
+      <p:bgPr>
+        <a:solidFill>
+          <a:schemeClr val="tx1"/>
+        </a:solidFill>
+        <a:effectLst/>
+      </p:bgPr>
+    </p:bg>
+    <p:spTree>
+      <p:nvGrpSpPr>
+        <p:cNvPr id="1" name=""/>
+        <p:cNvGrpSpPr/>
+        <p:nvPr/>
+      </p:nvGrpSpPr>
+      <p:grpSpPr>
+        <a:xfrm>
+          <a:off x="0" y="0"/>
+          <a:ext cx="0" cy="0"/>
+          <a:chOff x="0" y="0"/>
+          <a:chExt cx="0" cy="0"/>
+        </a:xfrm>
+      </p:grpSpPr>
+      <p:pic>
+        <p:nvPicPr>
+          <p:cNvPr id="14" name="Picture 13" descr="Chart, line chart&#10;&#10;Description automatically generated">
+            <a:extLst>
+              <a:ext uri="{FF2B5EF4-FFF2-40B4-BE49-F238E27FC236}">
+                <a16:creationId xmlns:a16="http://schemas.microsoft.com/office/drawing/2014/main" id="{E4B2D851-6D1B-F34B-623E-6CB3D9E52324}"/>
+              </a:ext>
+            </a:extLst>
+          </p:cNvPr>
+          <p:cNvPicPr>
+            <a:picLocks noChangeAspect="1"/>
+          </p:cNvPicPr>
+          <p:nvPr/>
+        </p:nvPicPr>
+        <p:blipFill rotWithShape="1">
+          <a:blip r:embed="rId2">
+            <a:extLst>
+              <a:ext uri="{28A0092B-C50C-407E-A947-70E740481C1C}">
+                <a14:useLocalDpi xmlns:a14="http://schemas.microsoft.com/office/drawing/2010/main" val="0"/>
+              </a:ext>
+            </a:extLst>
+          </a:blip>
+          <a:srcRect l="3989" t="9203" r="5344" b="2195"/>
+          <a:stretch/>
+        </p:blipFill>
+        <p:spPr>
+          <a:xfrm>
+            <a:off x="2857500" y="1562099"/>
+            <a:ext cx="6381750" cy="4998485"/>
+          </a:xfrm>
+          <a:prstGeom prst="rect">
+            <a:avLst/>
+          </a:prstGeom>
+        </p:spPr>
+      </p:pic>
+      <p:sp>
+        <p:nvSpPr>
+          <p:cNvPr id="15" name="Title 1">
+            <a:extLst>
+              <a:ext uri="{FF2B5EF4-FFF2-40B4-BE49-F238E27FC236}">
+                <a16:creationId xmlns:a16="http://schemas.microsoft.com/office/drawing/2014/main" id="{B7AEC322-EABE-225F-A4FB-BE84F485AFC7}"/>
+              </a:ext>
+            </a:extLst>
+          </p:cNvPr>
+          <p:cNvSpPr>
+            <a:spLocks noGrp="1"/>
+          </p:cNvSpPr>
+          <p:nvPr>
+            <p:ph type="ctrTitle"/>
+          </p:nvPr>
+        </p:nvSpPr>
+        <p:spPr>
+          <a:xfrm>
+            <a:off x="1524000" y="297415"/>
+            <a:ext cx="9144000" cy="1123880"/>
+          </a:xfrm>
+        </p:spPr>
+        <p:txBody>
+          <a:bodyPr>
+            <a:normAutofit fontScale="90000"/>
+          </a:bodyPr>
+          <a:lstStyle/>
+          <a:p>
+            <a:r>
+              <a:rPr lang="en-US" sz="8000" dirty="0">
+                <a:solidFill>
+                  <a:schemeClr val="bg1"/>
+                </a:solidFill>
+              </a:rPr>
+              <a:t>An Example GPR Fit</a:t>
+            </a:r>
+          </a:p>
+        </p:txBody>
+      </p:sp>
+    </p:spTree>
+    <p:extLst>
+      <p:ext uri="{BB962C8B-B14F-4D97-AF65-F5344CB8AC3E}">
+        <p14:creationId xmlns:p14="http://schemas.microsoft.com/office/powerpoint/2010/main" val="2576305494"/>
+      </p:ext>
+    </p:extLst>
+  </p:cSld>
+  <p:clrMapOvr>
+    <a:masterClrMapping/>
+  </p:clrMapOvr>
+</p:sld>
+</file>
+
 <file path=ppt/slides/slide6.xml><?xml version="1.0" encoding="utf-8"?>
 <p:sld xmlns:a="http://schemas.openxmlformats.org/drawingml/2006/main" xmlns:r="http://schemas.openxmlformats.org/officeDocument/2006/relationships" xmlns:p="http://schemas.openxmlformats.org/presentationml/2006/main">
   <p:cSld>
@@ -26712,10 +26506,167 @@
           <a:chExt cx="0" cy="0"/>
         </a:xfrm>
       </p:grpSpPr>
+      <p:pic>
+        <p:nvPicPr>
+          <p:cNvPr id="6" name="Picture 5">
+            <a:extLst>
+              <a:ext uri="{FF2B5EF4-FFF2-40B4-BE49-F238E27FC236}">
+                <a16:creationId xmlns:a16="http://schemas.microsoft.com/office/drawing/2014/main" id="{BC67A889-396B-65A0-89D0-C0B92DB4D1E3}"/>
+              </a:ext>
+            </a:extLst>
+          </p:cNvPr>
+          <p:cNvPicPr>
+            <a:picLocks noChangeAspect="1"/>
+          </p:cNvPicPr>
+          <p:nvPr/>
+        </p:nvPicPr>
+        <p:blipFill>
+          <a:blip r:embed="rId2">
+            <a:extLst>
+              <a:ext uri="{28A0092B-C50C-407E-A947-70E740481C1C}">
+                <a14:useLocalDpi xmlns:a14="http://schemas.microsoft.com/office/drawing/2010/main" val="0"/>
+              </a:ext>
+            </a:extLst>
+          </a:blip>
+          <a:stretch>
+            <a:fillRect/>
+          </a:stretch>
+        </p:blipFill>
+        <p:spPr>
+          <a:xfrm>
+            <a:off x="99374" y="1272209"/>
+            <a:ext cx="11953480" cy="5615608"/>
+          </a:xfrm>
+          <a:prstGeom prst="rect">
+            <a:avLst/>
+          </a:prstGeom>
+        </p:spPr>
+      </p:pic>
+      <p:sp>
+        <p:nvSpPr>
+          <p:cNvPr id="2" name="Title 1">
+            <a:extLst>
+              <a:ext uri="{FF2B5EF4-FFF2-40B4-BE49-F238E27FC236}">
+                <a16:creationId xmlns:a16="http://schemas.microsoft.com/office/drawing/2014/main" id="{E5873187-2CEA-54B4-1797-36BDEA649102}"/>
+              </a:ext>
+            </a:extLst>
+          </p:cNvPr>
+          <p:cNvSpPr txBox="1">
+            <a:spLocks/>
+          </p:cNvSpPr>
+          <p:nvPr/>
+        </p:nvSpPr>
+        <p:spPr>
+          <a:xfrm>
+            <a:off x="8948737" y="0"/>
+            <a:ext cx="3009900" cy="1676400"/>
+          </a:xfrm>
+          <a:prstGeom prst="rect">
+            <a:avLst/>
+          </a:prstGeom>
+        </p:spPr>
+        <p:txBody>
+          <a:bodyPr vert="horz" lIns="91440" tIns="45720" rIns="91440" bIns="45720" rtlCol="0" anchor="b">
+            <a:normAutofit fontScale="97500"/>
+          </a:bodyPr>
+          <a:lstStyle>
+            <a:lvl1pPr algn="ctr" defTabSz="914400" rtl="0" eaLnBrk="1" latinLnBrk="0" hangingPunct="1">
+              <a:lnSpc>
+                <a:spcPct val="90000"/>
+              </a:lnSpc>
+              <a:spcBef>
+                <a:spcPct val="0"/>
+              </a:spcBef>
+              <a:buNone/>
+              <a:defRPr sz="6000" kern="1200">
+                <a:solidFill>
+                  <a:schemeClr val="tx1"/>
+                </a:solidFill>
+                <a:latin typeface="+mj-lt"/>
+                <a:ea typeface="+mj-ea"/>
+                <a:cs typeface="+mj-cs"/>
+              </a:defRPr>
+            </a:lvl1pPr>
+          </a:lstStyle>
+          <a:p>
+            <a:r>
+              <a:rPr lang="en-US" sz="5500" dirty="0">
+                <a:solidFill>
+                  <a:schemeClr val="bg1"/>
+                </a:solidFill>
+              </a:rPr>
+              <a:t>Exact</a:t>
+            </a:r>
+            <a:endParaRPr lang="en-US" sz="8000" dirty="0">
+              <a:solidFill>
+                <a:schemeClr val="bg1"/>
+              </a:solidFill>
+            </a:endParaRPr>
+          </a:p>
+        </p:txBody>
+      </p:sp>
+      <p:sp>
+        <p:nvSpPr>
+          <p:cNvPr id="4" name="Title 1">
+            <a:extLst>
+              <a:ext uri="{FF2B5EF4-FFF2-40B4-BE49-F238E27FC236}">
+                <a16:creationId xmlns:a16="http://schemas.microsoft.com/office/drawing/2014/main" id="{F4D14457-D28C-8ADE-3B2D-0FE67AC39B9A}"/>
+              </a:ext>
+            </a:extLst>
+          </p:cNvPr>
+          <p:cNvSpPr txBox="1">
+            <a:spLocks/>
+          </p:cNvSpPr>
+          <p:nvPr/>
+        </p:nvSpPr>
+        <p:spPr>
+          <a:xfrm>
+            <a:off x="8948737" y="1676400"/>
+            <a:ext cx="3009900" cy="781050"/>
+          </a:xfrm>
+          <a:prstGeom prst="rect">
+            <a:avLst/>
+          </a:prstGeom>
+        </p:spPr>
+        <p:txBody>
+          <a:bodyPr vert="horz" lIns="91440" tIns="45720" rIns="91440" bIns="45720" rtlCol="0" anchor="b">
+            <a:normAutofit fontScale="97500"/>
+          </a:bodyPr>
+          <a:lstStyle>
+            <a:lvl1pPr algn="ctr" defTabSz="914400" rtl="0" eaLnBrk="1" latinLnBrk="0" hangingPunct="1">
+              <a:lnSpc>
+                <a:spcPct val="90000"/>
+              </a:lnSpc>
+              <a:spcBef>
+                <a:spcPct val="0"/>
+              </a:spcBef>
+              <a:buNone/>
+              <a:defRPr sz="6000" kern="1200">
+                <a:solidFill>
+                  <a:schemeClr val="tx1"/>
+                </a:solidFill>
+                <a:latin typeface="+mj-lt"/>
+                <a:ea typeface="+mj-ea"/>
+                <a:cs typeface="+mj-cs"/>
+              </a:defRPr>
+            </a:lvl1pPr>
+          </a:lstStyle>
+          <a:p>
+            <a:r>
+              <a:rPr lang="en-US" sz="4800" i="1" dirty="0">
+                <a:solidFill>
+                  <a:schemeClr val="bg1"/>
+                </a:solidFill>
+              </a:rPr>
+              <a:t>100%</a:t>
+            </a:r>
+          </a:p>
+        </p:txBody>
+      </p:sp>
     </p:spTree>
     <p:extLst>
       <p:ext uri="{BB962C8B-B14F-4D97-AF65-F5344CB8AC3E}">
-        <p14:creationId xmlns:p14="http://schemas.microsoft.com/office/powerpoint/2010/main" val="3273896745"/>
+        <p14:creationId xmlns:p14="http://schemas.microsoft.com/office/powerpoint/2010/main" val="3602935374"/>
       </p:ext>
     </p:extLst>
   </p:cSld>
@@ -26910,7 +26861,7 @@
     </p:spTree>
     <p:extLst>
       <p:ext uri="{BB962C8B-B14F-4D97-AF65-F5344CB8AC3E}">
-        <p14:creationId xmlns:p14="http://schemas.microsoft.com/office/powerpoint/2010/main" val="3602935374"/>
+        <p14:creationId xmlns:p14="http://schemas.microsoft.com/office/powerpoint/2010/main" val="832261735"/>
       </p:ext>
     </p:extLst>
   </p:cSld>

--- a/presentations/28March2023_committee.pptx
+++ b/presentations/28March2023_committee.pptx
@@ -12,18 +12,21 @@
     <p:sldId id="316" r:id="rId6"/>
     <p:sldId id="260" r:id="rId7"/>
     <p:sldId id="305" r:id="rId8"/>
-    <p:sldId id="306" r:id="rId9"/>
-    <p:sldId id="313" r:id="rId10"/>
-    <p:sldId id="314" r:id="rId11"/>
-    <p:sldId id="307" r:id="rId12"/>
-    <p:sldId id="311" r:id="rId13"/>
-    <p:sldId id="261" r:id="rId14"/>
-    <p:sldId id="309" r:id="rId15"/>
-    <p:sldId id="312" r:id="rId16"/>
-    <p:sldId id="264" r:id="rId17"/>
-    <p:sldId id="266" r:id="rId18"/>
-    <p:sldId id="267" r:id="rId19"/>
-    <p:sldId id="272" r:id="rId20"/>
+    <p:sldId id="317" r:id="rId9"/>
+    <p:sldId id="306" r:id="rId10"/>
+    <p:sldId id="313" r:id="rId11"/>
+    <p:sldId id="314" r:id="rId12"/>
+    <p:sldId id="307" r:id="rId13"/>
+    <p:sldId id="311" r:id="rId14"/>
+    <p:sldId id="261" r:id="rId15"/>
+    <p:sldId id="309" r:id="rId16"/>
+    <p:sldId id="312" r:id="rId17"/>
+    <p:sldId id="318" r:id="rId18"/>
+    <p:sldId id="319" r:id="rId19"/>
+    <p:sldId id="264" r:id="rId20"/>
+    <p:sldId id="266" r:id="rId21"/>
+    <p:sldId id="267" r:id="rId22"/>
+    <p:sldId id="272" r:id="rId23"/>
   </p:sldIdLst>
   <p:sldSz cx="12192000" cy="6858000"/>
   <p:notesSz cx="6858000" cy="9144000"/>
@@ -277,7 +280,7 @@
           <a:p>
             <a:fld id="{5078ADB6-DBA4-4B07-934A-19FBAC1437FF}" type="datetimeFigureOut">
               <a:rPr lang="en-US" smtClean="0"/>
-              <a:t>3/26/2023</a:t>
+              <a:t>3/27/2023</a:t>
             </a:fld>
             <a:endParaRPr lang="en-US"/>
           </a:p>
@@ -475,7 +478,7 @@
           <a:p>
             <a:fld id="{5078ADB6-DBA4-4B07-934A-19FBAC1437FF}" type="datetimeFigureOut">
               <a:rPr lang="en-US" smtClean="0"/>
-              <a:t>3/26/2023</a:t>
+              <a:t>3/27/2023</a:t>
             </a:fld>
             <a:endParaRPr lang="en-US"/>
           </a:p>
@@ -683,7 +686,7 @@
           <a:p>
             <a:fld id="{5078ADB6-DBA4-4B07-934A-19FBAC1437FF}" type="datetimeFigureOut">
               <a:rPr lang="en-US" smtClean="0"/>
-              <a:t>3/26/2023</a:t>
+              <a:t>3/27/2023</a:t>
             </a:fld>
             <a:endParaRPr lang="en-US"/>
           </a:p>
@@ -881,7 +884,7 @@
           <a:p>
             <a:fld id="{5078ADB6-DBA4-4B07-934A-19FBAC1437FF}" type="datetimeFigureOut">
               <a:rPr lang="en-US" smtClean="0"/>
-              <a:t>3/26/2023</a:t>
+              <a:t>3/27/2023</a:t>
             </a:fld>
             <a:endParaRPr lang="en-US"/>
           </a:p>
@@ -1156,7 +1159,7 @@
           <a:p>
             <a:fld id="{5078ADB6-DBA4-4B07-934A-19FBAC1437FF}" type="datetimeFigureOut">
               <a:rPr lang="en-US" smtClean="0"/>
-              <a:t>3/26/2023</a:t>
+              <a:t>3/27/2023</a:t>
             </a:fld>
             <a:endParaRPr lang="en-US"/>
           </a:p>
@@ -1421,7 +1424,7 @@
           <a:p>
             <a:fld id="{5078ADB6-DBA4-4B07-934A-19FBAC1437FF}" type="datetimeFigureOut">
               <a:rPr lang="en-US" smtClean="0"/>
-              <a:t>3/26/2023</a:t>
+              <a:t>3/27/2023</a:t>
             </a:fld>
             <a:endParaRPr lang="en-US"/>
           </a:p>
@@ -1833,7 +1836,7 @@
           <a:p>
             <a:fld id="{5078ADB6-DBA4-4B07-934A-19FBAC1437FF}" type="datetimeFigureOut">
               <a:rPr lang="en-US" smtClean="0"/>
-              <a:t>3/26/2023</a:t>
+              <a:t>3/27/2023</a:t>
             </a:fld>
             <a:endParaRPr lang="en-US"/>
           </a:p>
@@ -1974,7 +1977,7 @@
           <a:p>
             <a:fld id="{5078ADB6-DBA4-4B07-934A-19FBAC1437FF}" type="datetimeFigureOut">
               <a:rPr lang="en-US" smtClean="0"/>
-              <a:t>3/26/2023</a:t>
+              <a:t>3/27/2023</a:t>
             </a:fld>
             <a:endParaRPr lang="en-US"/>
           </a:p>
@@ -2087,7 +2090,7 @@
           <a:p>
             <a:fld id="{5078ADB6-DBA4-4B07-934A-19FBAC1437FF}" type="datetimeFigureOut">
               <a:rPr lang="en-US" smtClean="0"/>
-              <a:t>3/26/2023</a:t>
+              <a:t>3/27/2023</a:t>
             </a:fld>
             <a:endParaRPr lang="en-US"/>
           </a:p>
@@ -2398,7 +2401,7 @@
           <a:p>
             <a:fld id="{5078ADB6-DBA4-4B07-934A-19FBAC1437FF}" type="datetimeFigureOut">
               <a:rPr lang="en-US" smtClean="0"/>
-              <a:t>3/26/2023</a:t>
+              <a:t>3/27/2023</a:t>
             </a:fld>
             <a:endParaRPr lang="en-US"/>
           </a:p>
@@ -2686,7 +2689,7 @@
           <a:p>
             <a:fld id="{5078ADB6-DBA4-4B07-934A-19FBAC1437FF}" type="datetimeFigureOut">
               <a:rPr lang="en-US" smtClean="0"/>
-              <a:t>3/26/2023</a:t>
+              <a:t>3/27/2023</a:t>
             </a:fld>
             <a:endParaRPr lang="en-US"/>
           </a:p>
@@ -2927,7 +2930,7 @@
           <a:p>
             <a:fld id="{5078ADB6-DBA4-4B07-934A-19FBAC1437FF}" type="datetimeFigureOut">
               <a:rPr lang="en-US" smtClean="0"/>
-              <a:t>3/26/2023</a:t>
+              <a:t>3/27/2023</a:t>
             </a:fld>
             <a:endParaRPr lang="en-US"/>
           </a:p>
@@ -3480,10 +3483,10 @@
       </p:grpSpPr>
       <p:pic>
         <p:nvPicPr>
-          <p:cNvPr id="5" name="Picture 4">
-            <a:extLst>
-              <a:ext uri="{FF2B5EF4-FFF2-40B4-BE49-F238E27FC236}">
-                <a16:creationId xmlns:a16="http://schemas.microsoft.com/office/drawing/2014/main" id="{342327BA-DCF8-288E-D903-02259A674982}"/>
+          <p:cNvPr id="6" name="Picture 5">
+            <a:extLst>
+              <a:ext uri="{FF2B5EF4-FFF2-40B4-BE49-F238E27FC236}">
+                <a16:creationId xmlns:a16="http://schemas.microsoft.com/office/drawing/2014/main" id="{BC67A889-396B-65A0-89D0-C0B92DB4D1E3}"/>
               </a:ext>
             </a:extLst>
           </p:cNvPr>
@@ -3506,8 +3509,8 @@
         </p:blipFill>
         <p:spPr>
           <a:xfrm>
-            <a:off x="223837" y="1285875"/>
-            <a:ext cx="11734800" cy="5572125"/>
+            <a:off x="179464" y="1302026"/>
+            <a:ext cx="11805386" cy="5546035"/>
           </a:xfrm>
           <a:prstGeom prst="rect">
             <a:avLst/>
@@ -3567,7 +3570,7 @@
                   <a:schemeClr val="bg1"/>
                 </a:solidFill>
               </a:rPr>
-              <a:t>Random</a:t>
+              <a:t>Exact</a:t>
             </a:r>
             <a:endParaRPr lang="en-US" sz="8000" dirty="0">
               <a:solidFill>
@@ -3630,7 +3633,7 @@
                   <a:schemeClr val="bg1"/>
                 </a:solidFill>
               </a:rPr>
-              <a:t>20%</a:t>
+              <a:t>100%</a:t>
             </a:r>
           </a:p>
         </p:txBody>
@@ -3638,7 +3641,7 @@
     </p:spTree>
     <p:extLst>
       <p:ext uri="{BB962C8B-B14F-4D97-AF65-F5344CB8AC3E}">
-        <p14:creationId xmlns:p14="http://schemas.microsoft.com/office/powerpoint/2010/main" val="832261735"/>
+        <p14:creationId xmlns:p14="http://schemas.microsoft.com/office/powerpoint/2010/main" val="3602935374"/>
       </p:ext>
     </p:extLst>
   </p:cSld>
@@ -3675,10 +3678,10 @@
       </p:grpSpPr>
       <p:pic>
         <p:nvPicPr>
-          <p:cNvPr id="4" name="Picture 3" descr="A picture containing dark&#10;&#10;Description automatically generated">
-            <a:extLst>
-              <a:ext uri="{FF2B5EF4-FFF2-40B4-BE49-F238E27FC236}">
-                <a16:creationId xmlns:a16="http://schemas.microsoft.com/office/drawing/2014/main" id="{1B0B084C-E8B7-B592-1B10-FB366D40F99D}"/>
+          <p:cNvPr id="5" name="Picture 4">
+            <a:extLst>
+              <a:ext uri="{FF2B5EF4-FFF2-40B4-BE49-F238E27FC236}">
+                <a16:creationId xmlns:a16="http://schemas.microsoft.com/office/drawing/2014/main" id="{342327BA-DCF8-288E-D903-02259A674982}"/>
               </a:ext>
             </a:extLst>
           </p:cNvPr>
@@ -3701,8 +3704,8 @@
         </p:blipFill>
         <p:spPr>
           <a:xfrm>
-            <a:off x="228600" y="1280904"/>
-            <a:ext cx="11734800" cy="5562600"/>
+            <a:off x="223837" y="1285875"/>
+            <a:ext cx="11734800" cy="5572125"/>
           </a:xfrm>
           <a:prstGeom prst="rect">
             <a:avLst/>
@@ -3711,10 +3714,10 @@
       </p:pic>
       <p:sp>
         <p:nvSpPr>
-          <p:cNvPr id="6" name="Title 1">
-            <a:extLst>
-              <a:ext uri="{FF2B5EF4-FFF2-40B4-BE49-F238E27FC236}">
-                <a16:creationId xmlns:a16="http://schemas.microsoft.com/office/drawing/2014/main" id="{A69C461F-7A07-B22F-46DF-7B1C0672A4C0}"/>
+          <p:cNvPr id="2" name="Title 1">
+            <a:extLst>
+              <a:ext uri="{FF2B5EF4-FFF2-40B4-BE49-F238E27FC236}">
+                <a16:creationId xmlns:a16="http://schemas.microsoft.com/office/drawing/2014/main" id="{E5873187-2CEA-54B4-1797-36BDEA649102}"/>
               </a:ext>
             </a:extLst>
           </p:cNvPr>
@@ -3725,8 +3728,8 @@
         </p:nvSpPr>
         <p:spPr>
           <a:xfrm>
-            <a:off x="8686800" y="0"/>
-            <a:ext cx="3271837" cy="1676400"/>
+            <a:off x="8948737" y="0"/>
+            <a:ext cx="3009900" cy="1676400"/>
           </a:xfrm>
           <a:prstGeom prst="rect">
             <a:avLst/>
@@ -3762,7 +3765,7 @@
                   <a:schemeClr val="bg1"/>
                 </a:solidFill>
               </a:rPr>
-              <a:t>Systematic</a:t>
+              <a:t>Random</a:t>
             </a:r>
             <a:endParaRPr lang="en-US" sz="8000" dirty="0">
               <a:solidFill>
@@ -3774,10 +3777,10 @@
       </p:sp>
       <p:sp>
         <p:nvSpPr>
-          <p:cNvPr id="8" name="Title 1">
-            <a:extLst>
-              <a:ext uri="{FF2B5EF4-FFF2-40B4-BE49-F238E27FC236}">
-                <a16:creationId xmlns:a16="http://schemas.microsoft.com/office/drawing/2014/main" id="{44B6369C-BFB1-7336-845A-02DCCB2FF086}"/>
+          <p:cNvPr id="4" name="Title 1">
+            <a:extLst>
+              <a:ext uri="{FF2B5EF4-FFF2-40B4-BE49-F238E27FC236}">
+                <a16:creationId xmlns:a16="http://schemas.microsoft.com/office/drawing/2014/main" id="{F4D14457-D28C-8ADE-3B2D-0FE67AC39B9A}"/>
               </a:ext>
             </a:extLst>
           </p:cNvPr>
@@ -3830,84 +3833,10 @@
           </a:p>
         </p:txBody>
       </p:sp>
-      <p:sp>
-        <p:nvSpPr>
-          <p:cNvPr id="10" name="Title 1">
-            <a:extLst>
-              <a:ext uri="{FF2B5EF4-FFF2-40B4-BE49-F238E27FC236}">
-                <a16:creationId xmlns:a16="http://schemas.microsoft.com/office/drawing/2014/main" id="{72539D54-68DD-6B0D-4A91-A61F4FE38FB3}"/>
-              </a:ext>
-            </a:extLst>
-          </p:cNvPr>
-          <p:cNvSpPr txBox="1">
-            <a:spLocks/>
-          </p:cNvSpPr>
-          <p:nvPr/>
-        </p:nvSpPr>
-        <p:spPr>
-          <a:xfrm>
-            <a:off x="8817768" y="381000"/>
-            <a:ext cx="3009900" cy="504825"/>
-          </a:xfrm>
-          <a:prstGeom prst="rect">
-            <a:avLst/>
-          </a:prstGeom>
-        </p:spPr>
-        <p:txBody>
-          <a:bodyPr vert="horz" lIns="91440" tIns="45720" rIns="91440" bIns="45720" rtlCol="0" anchor="b">
-            <a:normAutofit fontScale="97500"/>
-          </a:bodyPr>
-          <a:lstStyle>
-            <a:lvl1pPr algn="ctr" defTabSz="914400" rtl="0" eaLnBrk="1" latinLnBrk="0" hangingPunct="1">
-              <a:lnSpc>
-                <a:spcPct val="90000"/>
-              </a:lnSpc>
-              <a:spcBef>
-                <a:spcPct val="0"/>
-              </a:spcBef>
-              <a:buNone/>
-              <a:defRPr sz="6000" kern="1200">
-                <a:solidFill>
-                  <a:schemeClr val="tx1"/>
-                </a:solidFill>
-                <a:latin typeface="+mj-lt"/>
-                <a:ea typeface="+mj-ea"/>
-                <a:cs typeface="+mj-cs"/>
-              </a:defRPr>
-            </a:lvl1pPr>
-          </a:lstStyle>
-          <a:p>
-            <a:r>
-              <a:rPr lang="en-US" sz="2800" i="1" dirty="0">
-                <a:solidFill>
-                  <a:schemeClr val="bg1"/>
-                </a:solidFill>
-              </a:rPr>
-              <a:t>every 5</a:t>
-            </a:r>
-            <a:r>
-              <a:rPr lang="en-US" sz="2800" i="1" baseline="30000" dirty="0">
-                <a:solidFill>
-                  <a:schemeClr val="bg1"/>
-                </a:solidFill>
-              </a:rPr>
-              <a:t>th</a:t>
-            </a:r>
-            <a:r>
-              <a:rPr lang="en-US" sz="2800" i="1" dirty="0">
-                <a:solidFill>
-                  <a:schemeClr val="bg1"/>
-                </a:solidFill>
-              </a:rPr>
-              <a:t> pt</a:t>
-            </a:r>
-          </a:p>
-        </p:txBody>
-      </p:sp>
     </p:spTree>
     <p:extLst>
       <p:ext uri="{BB962C8B-B14F-4D97-AF65-F5344CB8AC3E}">
-        <p14:creationId xmlns:p14="http://schemas.microsoft.com/office/powerpoint/2010/main" val="2886749248"/>
+        <p14:creationId xmlns:p14="http://schemas.microsoft.com/office/powerpoint/2010/main" val="832261735"/>
       </p:ext>
     </p:extLst>
   </p:cSld>
@@ -3944,10 +3873,10 @@
       </p:grpSpPr>
       <p:pic>
         <p:nvPicPr>
-          <p:cNvPr id="5" name="Picture 4">
-            <a:extLst>
-              <a:ext uri="{FF2B5EF4-FFF2-40B4-BE49-F238E27FC236}">
-                <a16:creationId xmlns:a16="http://schemas.microsoft.com/office/drawing/2014/main" id="{835D3481-C633-7395-6BCB-9567986E9A30}"/>
+          <p:cNvPr id="4" name="Picture 3" descr="A picture containing dark&#10;&#10;Description automatically generated">
+            <a:extLst>
+              <a:ext uri="{FF2B5EF4-FFF2-40B4-BE49-F238E27FC236}">
+                <a16:creationId xmlns:a16="http://schemas.microsoft.com/office/drawing/2014/main" id="{1B0B084C-E8B7-B592-1B10-FB366D40F99D}"/>
               </a:ext>
             </a:extLst>
           </p:cNvPr>
@@ -3970,8 +3899,8 @@
         </p:blipFill>
         <p:spPr>
           <a:xfrm>
-            <a:off x="209550" y="1362075"/>
-            <a:ext cx="11772900" cy="5495925"/>
+            <a:off x="228600" y="1280904"/>
+            <a:ext cx="11734800" cy="5562600"/>
           </a:xfrm>
           <a:prstGeom prst="rect">
             <a:avLst/>
@@ -3980,10 +3909,10 @@
       </p:pic>
       <p:sp>
         <p:nvSpPr>
-          <p:cNvPr id="2" name="Title 1">
-            <a:extLst>
-              <a:ext uri="{FF2B5EF4-FFF2-40B4-BE49-F238E27FC236}">
-                <a16:creationId xmlns:a16="http://schemas.microsoft.com/office/drawing/2014/main" id="{E5873187-2CEA-54B4-1797-36BDEA649102}"/>
+          <p:cNvPr id="6" name="Title 1">
+            <a:extLst>
+              <a:ext uri="{FF2B5EF4-FFF2-40B4-BE49-F238E27FC236}">
+                <a16:creationId xmlns:a16="http://schemas.microsoft.com/office/drawing/2014/main" id="{A69C461F-7A07-B22F-46DF-7B1C0672A4C0}"/>
               </a:ext>
             </a:extLst>
           </p:cNvPr>
@@ -3994,8 +3923,8 @@
         </p:nvSpPr>
         <p:spPr>
           <a:xfrm>
-            <a:off x="8948737" y="0"/>
-            <a:ext cx="3009900" cy="1676400"/>
+            <a:off x="8686800" y="0"/>
+            <a:ext cx="3271837" cy="1676400"/>
           </a:xfrm>
           <a:prstGeom prst="rect">
             <a:avLst/>
@@ -4031,7 +3960,7 @@
                   <a:schemeClr val="bg1"/>
                 </a:solidFill>
               </a:rPr>
-              <a:t>Hybrid</a:t>
+              <a:t>Systematic</a:t>
             </a:r>
             <a:endParaRPr lang="en-US" sz="8000" dirty="0">
               <a:solidFill>
@@ -4043,10 +3972,10 @@
       </p:sp>
       <p:sp>
         <p:nvSpPr>
-          <p:cNvPr id="4" name="Title 1">
-            <a:extLst>
-              <a:ext uri="{FF2B5EF4-FFF2-40B4-BE49-F238E27FC236}">
-                <a16:creationId xmlns:a16="http://schemas.microsoft.com/office/drawing/2014/main" id="{F4D14457-D28C-8ADE-3B2D-0FE67AC39B9A}"/>
+          <p:cNvPr id="8" name="Title 1">
+            <a:extLst>
+              <a:ext uri="{FF2B5EF4-FFF2-40B4-BE49-F238E27FC236}">
+                <a16:creationId xmlns:a16="http://schemas.microsoft.com/office/drawing/2014/main" id="{44B6369C-BFB1-7336-845A-02DCCB2FF086}"/>
               </a:ext>
             </a:extLst>
           </p:cNvPr>
@@ -4099,10 +4028,84 @@
           </a:p>
         </p:txBody>
       </p:sp>
+      <p:sp>
+        <p:nvSpPr>
+          <p:cNvPr id="10" name="Title 1">
+            <a:extLst>
+              <a:ext uri="{FF2B5EF4-FFF2-40B4-BE49-F238E27FC236}">
+                <a16:creationId xmlns:a16="http://schemas.microsoft.com/office/drawing/2014/main" id="{72539D54-68DD-6B0D-4A91-A61F4FE38FB3}"/>
+              </a:ext>
+            </a:extLst>
+          </p:cNvPr>
+          <p:cNvSpPr txBox="1">
+            <a:spLocks/>
+          </p:cNvSpPr>
+          <p:nvPr/>
+        </p:nvSpPr>
+        <p:spPr>
+          <a:xfrm>
+            <a:off x="8817768" y="381000"/>
+            <a:ext cx="3009900" cy="504825"/>
+          </a:xfrm>
+          <a:prstGeom prst="rect">
+            <a:avLst/>
+          </a:prstGeom>
+        </p:spPr>
+        <p:txBody>
+          <a:bodyPr vert="horz" lIns="91440" tIns="45720" rIns="91440" bIns="45720" rtlCol="0" anchor="b">
+            <a:normAutofit fontScale="97500"/>
+          </a:bodyPr>
+          <a:lstStyle>
+            <a:lvl1pPr algn="ctr" defTabSz="914400" rtl="0" eaLnBrk="1" latinLnBrk="0" hangingPunct="1">
+              <a:lnSpc>
+                <a:spcPct val="90000"/>
+              </a:lnSpc>
+              <a:spcBef>
+                <a:spcPct val="0"/>
+              </a:spcBef>
+              <a:buNone/>
+              <a:defRPr sz="6000" kern="1200">
+                <a:solidFill>
+                  <a:schemeClr val="tx1"/>
+                </a:solidFill>
+                <a:latin typeface="+mj-lt"/>
+                <a:ea typeface="+mj-ea"/>
+                <a:cs typeface="+mj-cs"/>
+              </a:defRPr>
+            </a:lvl1pPr>
+          </a:lstStyle>
+          <a:p>
+            <a:r>
+              <a:rPr lang="en-US" sz="2800" i="1" dirty="0">
+                <a:solidFill>
+                  <a:schemeClr val="bg1"/>
+                </a:solidFill>
+              </a:rPr>
+              <a:t>every 5</a:t>
+            </a:r>
+            <a:r>
+              <a:rPr lang="en-US" sz="2800" i="1" baseline="30000" dirty="0">
+                <a:solidFill>
+                  <a:schemeClr val="bg1"/>
+                </a:solidFill>
+              </a:rPr>
+              <a:t>th</a:t>
+            </a:r>
+            <a:r>
+              <a:rPr lang="en-US" sz="2800" i="1" dirty="0">
+                <a:solidFill>
+                  <a:schemeClr val="bg1"/>
+                </a:solidFill>
+              </a:rPr>
+              <a:t> pt</a:t>
+            </a:r>
+          </a:p>
+        </p:txBody>
+      </p:sp>
     </p:spTree>
     <p:extLst>
       <p:ext uri="{BB962C8B-B14F-4D97-AF65-F5344CB8AC3E}">
-        <p14:creationId xmlns:p14="http://schemas.microsoft.com/office/powerpoint/2010/main" val="3309463882"/>
+        <p14:creationId xmlns:p14="http://schemas.microsoft.com/office/powerpoint/2010/main" val="2886749248"/>
       </p:ext>
     </p:extLst>
   </p:cSld>
@@ -4139,10 +4142,10 @@
       </p:grpSpPr>
       <p:pic>
         <p:nvPicPr>
-          <p:cNvPr id="3" name="Picture 2" descr="A picture containing green, dark&#10;&#10;Description automatically generated">
-            <a:extLst>
-              <a:ext uri="{FF2B5EF4-FFF2-40B4-BE49-F238E27FC236}">
-                <a16:creationId xmlns:a16="http://schemas.microsoft.com/office/drawing/2014/main" id="{60D79174-4036-277C-73E7-477126658769}"/>
+          <p:cNvPr id="5" name="Picture 4">
+            <a:extLst>
+              <a:ext uri="{FF2B5EF4-FFF2-40B4-BE49-F238E27FC236}">
+                <a16:creationId xmlns:a16="http://schemas.microsoft.com/office/drawing/2014/main" id="{835D3481-C633-7395-6BCB-9567986E9A30}"/>
               </a:ext>
             </a:extLst>
           </p:cNvPr>
@@ -4165,8 +4168,8 @@
         </p:blipFill>
         <p:spPr>
           <a:xfrm>
-            <a:off x="195262" y="1447800"/>
-            <a:ext cx="11801475" cy="5410200"/>
+            <a:off x="209550" y="1362075"/>
+            <a:ext cx="11772900" cy="5495925"/>
           </a:xfrm>
           <a:prstGeom prst="rect">
             <a:avLst/>
@@ -4175,10 +4178,10 @@
       </p:pic>
       <p:sp>
         <p:nvSpPr>
-          <p:cNvPr id="4" name="Title 1">
-            <a:extLst>
-              <a:ext uri="{FF2B5EF4-FFF2-40B4-BE49-F238E27FC236}">
-                <a16:creationId xmlns:a16="http://schemas.microsoft.com/office/drawing/2014/main" id="{F7C7B42F-3164-3D77-700F-2F19479E3B86}"/>
+          <p:cNvPr id="2" name="Title 1">
+            <a:extLst>
+              <a:ext uri="{FF2B5EF4-FFF2-40B4-BE49-F238E27FC236}">
+                <a16:creationId xmlns:a16="http://schemas.microsoft.com/office/drawing/2014/main" id="{E5873187-2CEA-54B4-1797-36BDEA649102}"/>
               </a:ext>
             </a:extLst>
           </p:cNvPr>
@@ -4226,7 +4229,7 @@
                   <a:schemeClr val="bg1"/>
                 </a:solidFill>
               </a:rPr>
-              <a:t>Average</a:t>
+              <a:t>Hybrid</a:t>
             </a:r>
             <a:endParaRPr lang="en-US" sz="8000" dirty="0">
               <a:solidFill>
@@ -4238,10 +4241,10 @@
       </p:sp>
       <p:sp>
         <p:nvSpPr>
-          <p:cNvPr id="5" name="Title 1">
-            <a:extLst>
-              <a:ext uri="{FF2B5EF4-FFF2-40B4-BE49-F238E27FC236}">
-                <a16:creationId xmlns:a16="http://schemas.microsoft.com/office/drawing/2014/main" id="{AF8A2803-513D-C1B0-3206-2E1FE0287A7F}"/>
+          <p:cNvPr id="4" name="Title 1">
+            <a:extLst>
+              <a:ext uri="{FF2B5EF4-FFF2-40B4-BE49-F238E27FC236}">
+                <a16:creationId xmlns:a16="http://schemas.microsoft.com/office/drawing/2014/main" id="{F4D14457-D28C-8ADE-3B2D-0FE67AC39B9A}"/>
               </a:ext>
             </a:extLst>
           </p:cNvPr>
@@ -4297,7 +4300,7 @@
     </p:spTree>
     <p:extLst>
       <p:ext uri="{BB962C8B-B14F-4D97-AF65-F5344CB8AC3E}">
-        <p14:creationId xmlns:p14="http://schemas.microsoft.com/office/powerpoint/2010/main" val="3273896745"/>
+        <p14:creationId xmlns:p14="http://schemas.microsoft.com/office/powerpoint/2010/main" val="3309463882"/>
       </p:ext>
     </p:extLst>
   </p:cSld>
@@ -4334,10 +4337,10 @@
       </p:grpSpPr>
       <p:pic>
         <p:nvPicPr>
-          <p:cNvPr id="9" name="Picture 8" descr="A picture containing worm&#10;&#10;Description automatically generated">
-            <a:extLst>
-              <a:ext uri="{FF2B5EF4-FFF2-40B4-BE49-F238E27FC236}">
-                <a16:creationId xmlns:a16="http://schemas.microsoft.com/office/drawing/2014/main" id="{81D1EE73-95F7-6DD2-C503-00E4E09255D9}"/>
+          <p:cNvPr id="3" name="Picture 2" descr="A picture containing green, dark&#10;&#10;Description automatically generated">
+            <a:extLst>
+              <a:ext uri="{FF2B5EF4-FFF2-40B4-BE49-F238E27FC236}">
+                <a16:creationId xmlns:a16="http://schemas.microsoft.com/office/drawing/2014/main" id="{60D79174-4036-277C-73E7-477126658769}"/>
               </a:ext>
             </a:extLst>
           </p:cNvPr>
@@ -4360,8 +4363,8 @@
         </p:blipFill>
         <p:spPr>
           <a:xfrm>
-            <a:off x="233362" y="1323975"/>
-            <a:ext cx="11725275" cy="5534025"/>
+            <a:off x="195262" y="1447800"/>
+            <a:ext cx="11801475" cy="5410200"/>
           </a:xfrm>
           <a:prstGeom prst="rect">
             <a:avLst/>
@@ -4370,10 +4373,10 @@
       </p:pic>
       <p:sp>
         <p:nvSpPr>
-          <p:cNvPr id="2" name="Title 1">
-            <a:extLst>
-              <a:ext uri="{FF2B5EF4-FFF2-40B4-BE49-F238E27FC236}">
-                <a16:creationId xmlns:a16="http://schemas.microsoft.com/office/drawing/2014/main" id="{E5873187-2CEA-54B4-1797-36BDEA649102}"/>
+          <p:cNvPr id="4" name="Title 1">
+            <a:extLst>
+              <a:ext uri="{FF2B5EF4-FFF2-40B4-BE49-F238E27FC236}">
+                <a16:creationId xmlns:a16="http://schemas.microsoft.com/office/drawing/2014/main" id="{F7C7B42F-3164-3D77-700F-2F19479E3B86}"/>
               </a:ext>
             </a:extLst>
           </p:cNvPr>
@@ -4393,7 +4396,7 @@
         </p:spPr>
         <p:txBody>
           <a:bodyPr vert="horz" lIns="91440" tIns="45720" rIns="91440" bIns="45720" rtlCol="0" anchor="b">
-            <a:normAutofit fontScale="67500" lnSpcReduction="20000"/>
+            <a:normAutofit fontScale="97500"/>
           </a:bodyPr>
           <a:lstStyle>
             <a:lvl1pPr algn="ctr" defTabSz="914400" rtl="0" eaLnBrk="1" latinLnBrk="0" hangingPunct="1">
@@ -4416,22 +4419,27 @@
           </a:lstStyle>
           <a:p>
             <a:r>
-              <a:rPr lang="en-US" sz="8000" dirty="0">
+              <a:rPr lang="en-US" sz="5500" dirty="0">
                 <a:solidFill>
                   <a:schemeClr val="bg1"/>
                 </a:solidFill>
               </a:rPr>
-              <a:t>Dissimilar Neighbor</a:t>
-            </a:r>
+              <a:t>Average</a:t>
+            </a:r>
+            <a:endParaRPr lang="en-US" sz="8000" dirty="0">
+              <a:solidFill>
+                <a:schemeClr val="bg1"/>
+              </a:solidFill>
+            </a:endParaRPr>
           </a:p>
         </p:txBody>
       </p:sp>
       <p:sp>
         <p:nvSpPr>
-          <p:cNvPr id="4" name="Title 1">
-            <a:extLst>
-              <a:ext uri="{FF2B5EF4-FFF2-40B4-BE49-F238E27FC236}">
-                <a16:creationId xmlns:a16="http://schemas.microsoft.com/office/drawing/2014/main" id="{F4D14457-D28C-8ADE-3B2D-0FE67AC39B9A}"/>
+          <p:cNvPr id="5" name="Title 1">
+            <a:extLst>
+              <a:ext uri="{FF2B5EF4-FFF2-40B4-BE49-F238E27FC236}">
+                <a16:creationId xmlns:a16="http://schemas.microsoft.com/office/drawing/2014/main" id="{AF8A2803-513D-C1B0-3206-2E1FE0287A7F}"/>
               </a:ext>
             </a:extLst>
           </p:cNvPr>
@@ -4487,7 +4495,7 @@
     </p:spTree>
     <p:extLst>
       <p:ext uri="{BB962C8B-B14F-4D97-AF65-F5344CB8AC3E}">
-        <p14:creationId xmlns:p14="http://schemas.microsoft.com/office/powerpoint/2010/main" val="3253262730"/>
+        <p14:creationId xmlns:p14="http://schemas.microsoft.com/office/powerpoint/2010/main" val="3273896745"/>
       </p:ext>
     </p:extLst>
   </p:cSld>
@@ -4524,6 +4532,196 @@
       </p:grpSpPr>
       <p:pic>
         <p:nvPicPr>
+          <p:cNvPr id="9" name="Picture 8" descr="A picture containing worm&#10;&#10;Description automatically generated">
+            <a:extLst>
+              <a:ext uri="{FF2B5EF4-FFF2-40B4-BE49-F238E27FC236}">
+                <a16:creationId xmlns:a16="http://schemas.microsoft.com/office/drawing/2014/main" id="{81D1EE73-95F7-6DD2-C503-00E4E09255D9}"/>
+              </a:ext>
+            </a:extLst>
+          </p:cNvPr>
+          <p:cNvPicPr>
+            <a:picLocks noChangeAspect="1"/>
+          </p:cNvPicPr>
+          <p:nvPr/>
+        </p:nvPicPr>
+        <p:blipFill>
+          <a:blip r:embed="rId2">
+            <a:extLst>
+              <a:ext uri="{28A0092B-C50C-407E-A947-70E740481C1C}">
+                <a14:useLocalDpi xmlns:a14="http://schemas.microsoft.com/office/drawing/2010/main" val="0"/>
+              </a:ext>
+            </a:extLst>
+          </a:blip>
+          <a:stretch>
+            <a:fillRect/>
+          </a:stretch>
+        </p:blipFill>
+        <p:spPr>
+          <a:xfrm>
+            <a:off x="233362" y="1323975"/>
+            <a:ext cx="11725275" cy="5534025"/>
+          </a:xfrm>
+          <a:prstGeom prst="rect">
+            <a:avLst/>
+          </a:prstGeom>
+        </p:spPr>
+      </p:pic>
+      <p:sp>
+        <p:nvSpPr>
+          <p:cNvPr id="2" name="Title 1">
+            <a:extLst>
+              <a:ext uri="{FF2B5EF4-FFF2-40B4-BE49-F238E27FC236}">
+                <a16:creationId xmlns:a16="http://schemas.microsoft.com/office/drawing/2014/main" id="{E5873187-2CEA-54B4-1797-36BDEA649102}"/>
+              </a:ext>
+            </a:extLst>
+          </p:cNvPr>
+          <p:cNvSpPr txBox="1">
+            <a:spLocks/>
+          </p:cNvSpPr>
+          <p:nvPr/>
+        </p:nvSpPr>
+        <p:spPr>
+          <a:xfrm>
+            <a:off x="8948737" y="0"/>
+            <a:ext cx="3009900" cy="1676400"/>
+          </a:xfrm>
+          <a:prstGeom prst="rect">
+            <a:avLst/>
+          </a:prstGeom>
+        </p:spPr>
+        <p:txBody>
+          <a:bodyPr vert="horz" lIns="91440" tIns="45720" rIns="91440" bIns="45720" rtlCol="0" anchor="b">
+            <a:normAutofit fontScale="67500" lnSpcReduction="20000"/>
+          </a:bodyPr>
+          <a:lstStyle>
+            <a:lvl1pPr algn="ctr" defTabSz="914400" rtl="0" eaLnBrk="1" latinLnBrk="0" hangingPunct="1">
+              <a:lnSpc>
+                <a:spcPct val="90000"/>
+              </a:lnSpc>
+              <a:spcBef>
+                <a:spcPct val="0"/>
+              </a:spcBef>
+              <a:buNone/>
+              <a:defRPr sz="6000" kern="1200">
+                <a:solidFill>
+                  <a:schemeClr val="tx1"/>
+                </a:solidFill>
+                <a:latin typeface="+mj-lt"/>
+                <a:ea typeface="+mj-ea"/>
+                <a:cs typeface="+mj-cs"/>
+              </a:defRPr>
+            </a:lvl1pPr>
+          </a:lstStyle>
+          <a:p>
+            <a:r>
+              <a:rPr lang="en-US" sz="8000" dirty="0">
+                <a:solidFill>
+                  <a:schemeClr val="bg1"/>
+                </a:solidFill>
+              </a:rPr>
+              <a:t>Dissimilar Neighbor</a:t>
+            </a:r>
+          </a:p>
+        </p:txBody>
+      </p:sp>
+      <p:sp>
+        <p:nvSpPr>
+          <p:cNvPr id="4" name="Title 1">
+            <a:extLst>
+              <a:ext uri="{FF2B5EF4-FFF2-40B4-BE49-F238E27FC236}">
+                <a16:creationId xmlns:a16="http://schemas.microsoft.com/office/drawing/2014/main" id="{F4D14457-D28C-8ADE-3B2D-0FE67AC39B9A}"/>
+              </a:ext>
+            </a:extLst>
+          </p:cNvPr>
+          <p:cNvSpPr txBox="1">
+            <a:spLocks/>
+          </p:cNvSpPr>
+          <p:nvPr/>
+        </p:nvSpPr>
+        <p:spPr>
+          <a:xfrm>
+            <a:off x="8948737" y="1676400"/>
+            <a:ext cx="3009900" cy="781050"/>
+          </a:xfrm>
+          <a:prstGeom prst="rect">
+            <a:avLst/>
+          </a:prstGeom>
+        </p:spPr>
+        <p:txBody>
+          <a:bodyPr vert="horz" lIns="91440" tIns="45720" rIns="91440" bIns="45720" rtlCol="0" anchor="b">
+            <a:normAutofit fontScale="97500"/>
+          </a:bodyPr>
+          <a:lstStyle>
+            <a:lvl1pPr algn="ctr" defTabSz="914400" rtl="0" eaLnBrk="1" latinLnBrk="0" hangingPunct="1">
+              <a:lnSpc>
+                <a:spcPct val="90000"/>
+              </a:lnSpc>
+              <a:spcBef>
+                <a:spcPct val="0"/>
+              </a:spcBef>
+              <a:buNone/>
+              <a:defRPr sz="6000" kern="1200">
+                <a:solidFill>
+                  <a:schemeClr val="tx1"/>
+                </a:solidFill>
+                <a:latin typeface="+mj-lt"/>
+                <a:ea typeface="+mj-ea"/>
+                <a:cs typeface="+mj-cs"/>
+              </a:defRPr>
+            </a:lvl1pPr>
+          </a:lstStyle>
+          <a:p>
+            <a:r>
+              <a:rPr lang="en-US" sz="4800" i="1" dirty="0">
+                <a:solidFill>
+                  <a:schemeClr val="bg1"/>
+                </a:solidFill>
+              </a:rPr>
+              <a:t>20%</a:t>
+            </a:r>
+          </a:p>
+        </p:txBody>
+      </p:sp>
+    </p:spTree>
+    <p:extLst>
+      <p:ext uri="{BB962C8B-B14F-4D97-AF65-F5344CB8AC3E}">
+        <p14:creationId xmlns:p14="http://schemas.microsoft.com/office/powerpoint/2010/main" val="3253262730"/>
+      </p:ext>
+    </p:extLst>
+  </p:cSld>
+  <p:clrMapOvr>
+    <a:masterClrMapping/>
+  </p:clrMapOvr>
+</p:sld>
+</file>
+
+<file path=ppt/slides/slide16.xml><?xml version="1.0" encoding="utf-8"?>
+<p:sld xmlns:a="http://schemas.openxmlformats.org/drawingml/2006/main" xmlns:r="http://schemas.openxmlformats.org/officeDocument/2006/relationships" xmlns:p="http://schemas.openxmlformats.org/presentationml/2006/main">
+  <p:cSld>
+    <p:bg>
+      <p:bgPr>
+        <a:solidFill>
+          <a:schemeClr val="tx1"/>
+        </a:solidFill>
+        <a:effectLst/>
+      </p:bgPr>
+    </p:bg>
+    <p:spTree>
+      <p:nvGrpSpPr>
+        <p:cNvPr id="1" name=""/>
+        <p:cNvGrpSpPr/>
+        <p:nvPr/>
+      </p:nvGrpSpPr>
+      <p:grpSpPr>
+        <a:xfrm>
+          <a:off x="0" y="0"/>
+          <a:ext cx="0" cy="0"/>
+          <a:chOff x="0" y="0"/>
+          <a:chExt cx="0" cy="0"/>
+        </a:xfrm>
+      </p:grpSpPr>
+      <p:pic>
+        <p:nvPicPr>
           <p:cNvPr id="6" name="Picture 5" descr="A picture containing green, dark&#10;&#10;Description automatically generated">
             <a:extLst>
               <a:ext uri="{FF2B5EF4-FFF2-40B4-BE49-F238E27FC236}">
@@ -4692,7 +4890,1643 @@
 </p:sld>
 </file>
 
-<file path=ppt/slides/slide16.xml><?xml version="1.0" encoding="utf-8"?>
+<file path=ppt/slides/slide17.xml><?xml version="1.0" encoding="utf-8"?>
+<p:sld xmlns:a="http://schemas.openxmlformats.org/drawingml/2006/main" xmlns:r="http://schemas.openxmlformats.org/officeDocument/2006/relationships" xmlns:p="http://schemas.openxmlformats.org/presentationml/2006/main">
+  <p:cSld>
+    <p:bg>
+      <p:bgPr>
+        <a:solidFill>
+          <a:schemeClr val="tx1"/>
+        </a:solidFill>
+        <a:effectLst/>
+      </p:bgPr>
+    </p:bg>
+    <p:spTree>
+      <p:nvGrpSpPr>
+        <p:cNvPr id="1" name=""/>
+        <p:cNvGrpSpPr/>
+        <p:nvPr/>
+      </p:nvGrpSpPr>
+      <p:grpSpPr>
+        <a:xfrm>
+          <a:off x="0" y="0"/>
+          <a:ext cx="0" cy="0"/>
+          <a:chOff x="0" y="0"/>
+          <a:chExt cx="0" cy="0"/>
+        </a:xfrm>
+      </p:grpSpPr>
+      <p:sp>
+        <p:nvSpPr>
+          <p:cNvPr id="15" name="Title 1">
+            <a:extLst>
+              <a:ext uri="{FF2B5EF4-FFF2-40B4-BE49-F238E27FC236}">
+                <a16:creationId xmlns:a16="http://schemas.microsoft.com/office/drawing/2014/main" id="{B7AEC322-EABE-225F-A4FB-BE84F485AFC7}"/>
+              </a:ext>
+            </a:extLst>
+          </p:cNvPr>
+          <p:cNvSpPr>
+            <a:spLocks noGrp="1"/>
+          </p:cNvSpPr>
+          <p:nvPr>
+            <p:ph type="ctrTitle"/>
+          </p:nvPr>
+        </p:nvSpPr>
+        <p:spPr>
+          <a:xfrm>
+            <a:off x="960782" y="297415"/>
+            <a:ext cx="10270435" cy="1123880"/>
+          </a:xfrm>
+        </p:spPr>
+        <p:txBody>
+          <a:bodyPr>
+            <a:normAutofit fontScale="90000"/>
+          </a:bodyPr>
+          <a:lstStyle/>
+          <a:p>
+            <a:r>
+              <a:rPr lang="en-US" sz="8000" dirty="0">
+                <a:solidFill>
+                  <a:schemeClr val="bg1"/>
+                </a:solidFill>
+              </a:rPr>
+              <a:t>Training Hyperparameters</a:t>
+            </a:r>
+          </a:p>
+        </p:txBody>
+      </p:sp>
+      <p:pic>
+        <p:nvPicPr>
+          <p:cNvPr id="3" name="Picture 2">
+            <a:extLst>
+              <a:ext uri="{FF2B5EF4-FFF2-40B4-BE49-F238E27FC236}">
+                <a16:creationId xmlns:a16="http://schemas.microsoft.com/office/drawing/2014/main" id="{7EF8C3F0-476B-39BD-A93A-036A74DADE57}"/>
+              </a:ext>
+            </a:extLst>
+          </p:cNvPr>
+          <p:cNvPicPr>
+            <a:picLocks noChangeAspect="1"/>
+          </p:cNvPicPr>
+          <p:nvPr/>
+        </p:nvPicPr>
+        <p:blipFill>
+          <a:blip r:embed="rId2"/>
+          <a:stretch>
+            <a:fillRect/>
+          </a:stretch>
+        </p:blipFill>
+        <p:spPr>
+          <a:xfrm>
+            <a:off x="4392267" y="1559960"/>
+            <a:ext cx="6667500" cy="5000625"/>
+          </a:xfrm>
+          <a:prstGeom prst="rect">
+            <a:avLst/>
+          </a:prstGeom>
+        </p:spPr>
+      </p:pic>
+      <p:cxnSp>
+        <p:nvCxnSpPr>
+          <p:cNvPr id="5" name="Straight Arrow Connector 4">
+            <a:extLst>
+              <a:ext uri="{FF2B5EF4-FFF2-40B4-BE49-F238E27FC236}">
+                <a16:creationId xmlns:a16="http://schemas.microsoft.com/office/drawing/2014/main" id="{4F6D237A-9780-3726-CF79-5DCA2030CD61}"/>
+              </a:ext>
+            </a:extLst>
+          </p:cNvPr>
+          <p:cNvCxnSpPr>
+            <a:cxnSpLocks/>
+          </p:cNvCxnSpPr>
+          <p:nvPr/>
+        </p:nvCxnSpPr>
+        <p:spPr>
+          <a:xfrm flipV="1">
+            <a:off x="3200400" y="2999025"/>
+            <a:ext cx="3001617" cy="1061247"/>
+          </a:xfrm>
+          <a:prstGeom prst="straightConnector1">
+            <a:avLst/>
+          </a:prstGeom>
+          <a:ln w="38100">
+            <a:solidFill>
+              <a:srgbClr val="FF0000"/>
+            </a:solidFill>
+            <a:tailEnd type="triangle"/>
+          </a:ln>
+        </p:spPr>
+        <p:style>
+          <a:lnRef idx="1">
+            <a:schemeClr val="accent1"/>
+          </a:lnRef>
+          <a:fillRef idx="0">
+            <a:schemeClr val="accent1"/>
+          </a:fillRef>
+          <a:effectRef idx="0">
+            <a:schemeClr val="accent1"/>
+          </a:effectRef>
+          <a:fontRef idx="minor">
+            <a:schemeClr val="tx1"/>
+          </a:fontRef>
+        </p:style>
+      </p:cxnSp>
+      <p:sp>
+        <p:nvSpPr>
+          <p:cNvPr id="7" name="Subtitle 2">
+            <a:extLst>
+              <a:ext uri="{FF2B5EF4-FFF2-40B4-BE49-F238E27FC236}">
+                <a16:creationId xmlns:a16="http://schemas.microsoft.com/office/drawing/2014/main" id="{8E7457AF-E281-00D1-12F3-044BA157B6EE}"/>
+              </a:ext>
+            </a:extLst>
+          </p:cNvPr>
+          <p:cNvSpPr txBox="1">
+            <a:spLocks/>
+          </p:cNvSpPr>
+          <p:nvPr/>
+        </p:nvSpPr>
+        <p:spPr>
+          <a:xfrm>
+            <a:off x="543523" y="3788485"/>
+            <a:ext cx="2959771" cy="1345779"/>
+          </a:xfrm>
+          <a:prstGeom prst="rect">
+            <a:avLst/>
+          </a:prstGeom>
+        </p:spPr>
+        <p:txBody>
+          <a:bodyPr vert="horz" lIns="91440" tIns="45720" rIns="91440" bIns="45720" rtlCol="0">
+            <a:normAutofit/>
+          </a:bodyPr>
+          <a:lstStyle>
+            <a:lvl1pPr marL="0" indent="0" algn="ctr" defTabSz="914400" rtl="0" eaLnBrk="1" latinLnBrk="0" hangingPunct="1">
+              <a:lnSpc>
+                <a:spcPct val="90000"/>
+              </a:lnSpc>
+              <a:spcBef>
+                <a:spcPts val="1000"/>
+              </a:spcBef>
+              <a:buFont typeface="Arial" panose="020B0604020202020204" pitchFamily="34" charset="0"/>
+              <a:buNone/>
+              <a:defRPr sz="2400" kern="1200">
+                <a:solidFill>
+                  <a:schemeClr val="tx1"/>
+                </a:solidFill>
+                <a:latin typeface="+mn-lt"/>
+                <a:ea typeface="+mn-ea"/>
+                <a:cs typeface="+mn-cs"/>
+              </a:defRPr>
+            </a:lvl1pPr>
+            <a:lvl2pPr marL="457200" indent="0" algn="ctr" defTabSz="914400" rtl="0" eaLnBrk="1" latinLnBrk="0" hangingPunct="1">
+              <a:lnSpc>
+                <a:spcPct val="90000"/>
+              </a:lnSpc>
+              <a:spcBef>
+                <a:spcPts val="500"/>
+              </a:spcBef>
+              <a:buFont typeface="Arial" panose="020B0604020202020204" pitchFamily="34" charset="0"/>
+              <a:buNone/>
+              <a:defRPr sz="2000" kern="1200">
+                <a:solidFill>
+                  <a:schemeClr val="tx1"/>
+                </a:solidFill>
+                <a:latin typeface="+mn-lt"/>
+                <a:ea typeface="+mn-ea"/>
+                <a:cs typeface="+mn-cs"/>
+              </a:defRPr>
+            </a:lvl2pPr>
+            <a:lvl3pPr marL="914400" indent="0" algn="ctr" defTabSz="914400" rtl="0" eaLnBrk="1" latinLnBrk="0" hangingPunct="1">
+              <a:lnSpc>
+                <a:spcPct val="90000"/>
+              </a:lnSpc>
+              <a:spcBef>
+                <a:spcPts val="500"/>
+              </a:spcBef>
+              <a:buFont typeface="Arial" panose="020B0604020202020204" pitchFamily="34" charset="0"/>
+              <a:buNone/>
+              <a:defRPr sz="1800" kern="1200">
+                <a:solidFill>
+                  <a:schemeClr val="tx1"/>
+                </a:solidFill>
+                <a:latin typeface="+mn-lt"/>
+                <a:ea typeface="+mn-ea"/>
+                <a:cs typeface="+mn-cs"/>
+              </a:defRPr>
+            </a:lvl3pPr>
+            <a:lvl4pPr marL="1371600" indent="0" algn="ctr" defTabSz="914400" rtl="0" eaLnBrk="1" latinLnBrk="0" hangingPunct="1">
+              <a:lnSpc>
+                <a:spcPct val="90000"/>
+              </a:lnSpc>
+              <a:spcBef>
+                <a:spcPts val="500"/>
+              </a:spcBef>
+              <a:buFont typeface="Arial" panose="020B0604020202020204" pitchFamily="34" charset="0"/>
+              <a:buNone/>
+              <a:defRPr sz="1600" kern="1200">
+                <a:solidFill>
+                  <a:schemeClr val="tx1"/>
+                </a:solidFill>
+                <a:latin typeface="+mn-lt"/>
+                <a:ea typeface="+mn-ea"/>
+                <a:cs typeface="+mn-cs"/>
+              </a:defRPr>
+            </a:lvl4pPr>
+            <a:lvl5pPr marL="1828800" indent="0" algn="ctr" defTabSz="914400" rtl="0" eaLnBrk="1" latinLnBrk="0" hangingPunct="1">
+              <a:lnSpc>
+                <a:spcPct val="90000"/>
+              </a:lnSpc>
+              <a:spcBef>
+                <a:spcPts val="500"/>
+              </a:spcBef>
+              <a:buFont typeface="Arial" panose="020B0604020202020204" pitchFamily="34" charset="0"/>
+              <a:buNone/>
+              <a:defRPr sz="1600" kern="1200">
+                <a:solidFill>
+                  <a:schemeClr val="tx1"/>
+                </a:solidFill>
+                <a:latin typeface="+mn-lt"/>
+                <a:ea typeface="+mn-ea"/>
+                <a:cs typeface="+mn-cs"/>
+              </a:defRPr>
+            </a:lvl5pPr>
+            <a:lvl6pPr marL="2286000" indent="0" algn="ctr" defTabSz="914400" rtl="0" eaLnBrk="1" latinLnBrk="0" hangingPunct="1">
+              <a:lnSpc>
+                <a:spcPct val="90000"/>
+              </a:lnSpc>
+              <a:spcBef>
+                <a:spcPts val="500"/>
+              </a:spcBef>
+              <a:buFont typeface="Arial" panose="020B0604020202020204" pitchFamily="34" charset="0"/>
+              <a:buNone/>
+              <a:defRPr sz="1600" kern="1200">
+                <a:solidFill>
+                  <a:schemeClr val="tx1"/>
+                </a:solidFill>
+                <a:latin typeface="+mn-lt"/>
+                <a:ea typeface="+mn-ea"/>
+                <a:cs typeface="+mn-cs"/>
+              </a:defRPr>
+            </a:lvl6pPr>
+            <a:lvl7pPr marL="2743200" indent="0" algn="ctr" defTabSz="914400" rtl="0" eaLnBrk="1" latinLnBrk="0" hangingPunct="1">
+              <a:lnSpc>
+                <a:spcPct val="90000"/>
+              </a:lnSpc>
+              <a:spcBef>
+                <a:spcPts val="500"/>
+              </a:spcBef>
+              <a:buFont typeface="Arial" panose="020B0604020202020204" pitchFamily="34" charset="0"/>
+              <a:buNone/>
+              <a:defRPr sz="1600" kern="1200">
+                <a:solidFill>
+                  <a:schemeClr val="tx1"/>
+                </a:solidFill>
+                <a:latin typeface="+mn-lt"/>
+                <a:ea typeface="+mn-ea"/>
+                <a:cs typeface="+mn-cs"/>
+              </a:defRPr>
+            </a:lvl7pPr>
+            <a:lvl8pPr marL="3200400" indent="0" algn="ctr" defTabSz="914400" rtl="0" eaLnBrk="1" latinLnBrk="0" hangingPunct="1">
+              <a:lnSpc>
+                <a:spcPct val="90000"/>
+              </a:lnSpc>
+              <a:spcBef>
+                <a:spcPts val="500"/>
+              </a:spcBef>
+              <a:buFont typeface="Arial" panose="020B0604020202020204" pitchFamily="34" charset="0"/>
+              <a:buNone/>
+              <a:defRPr sz="1600" kern="1200">
+                <a:solidFill>
+                  <a:schemeClr val="tx1"/>
+                </a:solidFill>
+                <a:latin typeface="+mn-lt"/>
+                <a:ea typeface="+mn-ea"/>
+                <a:cs typeface="+mn-cs"/>
+              </a:defRPr>
+            </a:lvl8pPr>
+            <a:lvl9pPr marL="3657600" indent="0" algn="ctr" defTabSz="914400" rtl="0" eaLnBrk="1" latinLnBrk="0" hangingPunct="1">
+              <a:lnSpc>
+                <a:spcPct val="90000"/>
+              </a:lnSpc>
+              <a:spcBef>
+                <a:spcPts val="500"/>
+              </a:spcBef>
+              <a:buFont typeface="Arial" panose="020B0604020202020204" pitchFamily="34" charset="0"/>
+              <a:buNone/>
+              <a:defRPr sz="1600" kern="1200">
+                <a:solidFill>
+                  <a:schemeClr val="tx1"/>
+                </a:solidFill>
+                <a:latin typeface="+mn-lt"/>
+                <a:ea typeface="+mn-ea"/>
+                <a:cs typeface="+mn-cs"/>
+              </a:defRPr>
+            </a:lvl9pPr>
+          </a:lstStyle>
+          <a:p>
+            <a:pPr algn="l"/>
+            <a:r>
+              <a:rPr lang="en-US" sz="3600" dirty="0">
+                <a:solidFill>
+                  <a:schemeClr val="bg1"/>
+                </a:solidFill>
+              </a:rPr>
+              <a:t>The ‘max’ is dangerous</a:t>
+            </a:r>
+          </a:p>
+        </p:txBody>
+      </p:sp>
+      <p:sp>
+        <p:nvSpPr>
+          <p:cNvPr id="8" name="Subtitle 2">
+            <a:extLst>
+              <a:ext uri="{FF2B5EF4-FFF2-40B4-BE49-F238E27FC236}">
+                <a16:creationId xmlns:a16="http://schemas.microsoft.com/office/drawing/2014/main" id="{1E53CA75-005C-5A02-52C9-A3F1AA6AF478}"/>
+              </a:ext>
+            </a:extLst>
+          </p:cNvPr>
+          <p:cNvSpPr txBox="1">
+            <a:spLocks/>
+          </p:cNvSpPr>
+          <p:nvPr/>
+        </p:nvSpPr>
+        <p:spPr>
+          <a:xfrm>
+            <a:off x="518925" y="5250239"/>
+            <a:ext cx="3277824" cy="1490869"/>
+          </a:xfrm>
+          <a:prstGeom prst="rect">
+            <a:avLst/>
+          </a:prstGeom>
+        </p:spPr>
+        <p:txBody>
+          <a:bodyPr vert="horz" lIns="91440" tIns="45720" rIns="91440" bIns="45720" rtlCol="0">
+            <a:normAutofit/>
+          </a:bodyPr>
+          <a:lstStyle>
+            <a:lvl1pPr marL="0" indent="0" algn="ctr" defTabSz="914400" rtl="0" eaLnBrk="1" latinLnBrk="0" hangingPunct="1">
+              <a:lnSpc>
+                <a:spcPct val="90000"/>
+              </a:lnSpc>
+              <a:spcBef>
+                <a:spcPts val="1000"/>
+              </a:spcBef>
+              <a:buFont typeface="Arial" panose="020B0604020202020204" pitchFamily="34" charset="0"/>
+              <a:buNone/>
+              <a:defRPr sz="2400" kern="1200">
+                <a:solidFill>
+                  <a:schemeClr val="tx1"/>
+                </a:solidFill>
+                <a:latin typeface="+mn-lt"/>
+                <a:ea typeface="+mn-ea"/>
+                <a:cs typeface="+mn-cs"/>
+              </a:defRPr>
+            </a:lvl1pPr>
+            <a:lvl2pPr marL="457200" indent="0" algn="ctr" defTabSz="914400" rtl="0" eaLnBrk="1" latinLnBrk="0" hangingPunct="1">
+              <a:lnSpc>
+                <a:spcPct val="90000"/>
+              </a:lnSpc>
+              <a:spcBef>
+                <a:spcPts val="500"/>
+              </a:spcBef>
+              <a:buFont typeface="Arial" panose="020B0604020202020204" pitchFamily="34" charset="0"/>
+              <a:buNone/>
+              <a:defRPr sz="2000" kern="1200">
+                <a:solidFill>
+                  <a:schemeClr val="tx1"/>
+                </a:solidFill>
+                <a:latin typeface="+mn-lt"/>
+                <a:ea typeface="+mn-ea"/>
+                <a:cs typeface="+mn-cs"/>
+              </a:defRPr>
+            </a:lvl2pPr>
+            <a:lvl3pPr marL="914400" indent="0" algn="ctr" defTabSz="914400" rtl="0" eaLnBrk="1" latinLnBrk="0" hangingPunct="1">
+              <a:lnSpc>
+                <a:spcPct val="90000"/>
+              </a:lnSpc>
+              <a:spcBef>
+                <a:spcPts val="500"/>
+              </a:spcBef>
+              <a:buFont typeface="Arial" panose="020B0604020202020204" pitchFamily="34" charset="0"/>
+              <a:buNone/>
+              <a:defRPr sz="1800" kern="1200">
+                <a:solidFill>
+                  <a:schemeClr val="tx1"/>
+                </a:solidFill>
+                <a:latin typeface="+mn-lt"/>
+                <a:ea typeface="+mn-ea"/>
+                <a:cs typeface="+mn-cs"/>
+              </a:defRPr>
+            </a:lvl3pPr>
+            <a:lvl4pPr marL="1371600" indent="0" algn="ctr" defTabSz="914400" rtl="0" eaLnBrk="1" latinLnBrk="0" hangingPunct="1">
+              <a:lnSpc>
+                <a:spcPct val="90000"/>
+              </a:lnSpc>
+              <a:spcBef>
+                <a:spcPts val="500"/>
+              </a:spcBef>
+              <a:buFont typeface="Arial" panose="020B0604020202020204" pitchFamily="34" charset="0"/>
+              <a:buNone/>
+              <a:defRPr sz="1600" kern="1200">
+                <a:solidFill>
+                  <a:schemeClr val="tx1"/>
+                </a:solidFill>
+                <a:latin typeface="+mn-lt"/>
+                <a:ea typeface="+mn-ea"/>
+                <a:cs typeface="+mn-cs"/>
+              </a:defRPr>
+            </a:lvl4pPr>
+            <a:lvl5pPr marL="1828800" indent="0" algn="ctr" defTabSz="914400" rtl="0" eaLnBrk="1" latinLnBrk="0" hangingPunct="1">
+              <a:lnSpc>
+                <a:spcPct val="90000"/>
+              </a:lnSpc>
+              <a:spcBef>
+                <a:spcPts val="500"/>
+              </a:spcBef>
+              <a:buFont typeface="Arial" panose="020B0604020202020204" pitchFamily="34" charset="0"/>
+              <a:buNone/>
+              <a:defRPr sz="1600" kern="1200">
+                <a:solidFill>
+                  <a:schemeClr val="tx1"/>
+                </a:solidFill>
+                <a:latin typeface="+mn-lt"/>
+                <a:ea typeface="+mn-ea"/>
+                <a:cs typeface="+mn-cs"/>
+              </a:defRPr>
+            </a:lvl5pPr>
+            <a:lvl6pPr marL="2286000" indent="0" algn="ctr" defTabSz="914400" rtl="0" eaLnBrk="1" latinLnBrk="0" hangingPunct="1">
+              <a:lnSpc>
+                <a:spcPct val="90000"/>
+              </a:lnSpc>
+              <a:spcBef>
+                <a:spcPts val="500"/>
+              </a:spcBef>
+              <a:buFont typeface="Arial" panose="020B0604020202020204" pitchFamily="34" charset="0"/>
+              <a:buNone/>
+              <a:defRPr sz="1600" kern="1200">
+                <a:solidFill>
+                  <a:schemeClr val="tx1"/>
+                </a:solidFill>
+                <a:latin typeface="+mn-lt"/>
+                <a:ea typeface="+mn-ea"/>
+                <a:cs typeface="+mn-cs"/>
+              </a:defRPr>
+            </a:lvl6pPr>
+            <a:lvl7pPr marL="2743200" indent="0" algn="ctr" defTabSz="914400" rtl="0" eaLnBrk="1" latinLnBrk="0" hangingPunct="1">
+              <a:lnSpc>
+                <a:spcPct val="90000"/>
+              </a:lnSpc>
+              <a:spcBef>
+                <a:spcPts val="500"/>
+              </a:spcBef>
+              <a:buFont typeface="Arial" panose="020B0604020202020204" pitchFamily="34" charset="0"/>
+              <a:buNone/>
+              <a:defRPr sz="1600" kern="1200">
+                <a:solidFill>
+                  <a:schemeClr val="tx1"/>
+                </a:solidFill>
+                <a:latin typeface="+mn-lt"/>
+                <a:ea typeface="+mn-ea"/>
+                <a:cs typeface="+mn-cs"/>
+              </a:defRPr>
+            </a:lvl7pPr>
+            <a:lvl8pPr marL="3200400" indent="0" algn="ctr" defTabSz="914400" rtl="0" eaLnBrk="1" latinLnBrk="0" hangingPunct="1">
+              <a:lnSpc>
+                <a:spcPct val="90000"/>
+              </a:lnSpc>
+              <a:spcBef>
+                <a:spcPts val="500"/>
+              </a:spcBef>
+              <a:buFont typeface="Arial" panose="020B0604020202020204" pitchFamily="34" charset="0"/>
+              <a:buNone/>
+              <a:defRPr sz="1600" kern="1200">
+                <a:solidFill>
+                  <a:schemeClr val="tx1"/>
+                </a:solidFill>
+                <a:latin typeface="+mn-lt"/>
+                <a:ea typeface="+mn-ea"/>
+                <a:cs typeface="+mn-cs"/>
+              </a:defRPr>
+            </a:lvl8pPr>
+            <a:lvl9pPr marL="3657600" indent="0" algn="ctr" defTabSz="914400" rtl="0" eaLnBrk="1" latinLnBrk="0" hangingPunct="1">
+              <a:lnSpc>
+                <a:spcPct val="90000"/>
+              </a:lnSpc>
+              <a:spcBef>
+                <a:spcPts val="500"/>
+              </a:spcBef>
+              <a:buFont typeface="Arial" panose="020B0604020202020204" pitchFamily="34" charset="0"/>
+              <a:buNone/>
+              <a:defRPr sz="1600" kern="1200">
+                <a:solidFill>
+                  <a:schemeClr val="tx1"/>
+                </a:solidFill>
+                <a:latin typeface="+mn-lt"/>
+                <a:ea typeface="+mn-ea"/>
+                <a:cs typeface="+mn-cs"/>
+              </a:defRPr>
+            </a:lvl9pPr>
+          </a:lstStyle>
+          <a:p>
+            <a:pPr algn="l"/>
+            <a:r>
+              <a:rPr lang="en-US" sz="3600" dirty="0">
+                <a:solidFill>
+                  <a:schemeClr val="bg1"/>
+                </a:solidFill>
+              </a:rPr>
+              <a:t>Choose a more reasonable pt</a:t>
+            </a:r>
+          </a:p>
+        </p:txBody>
+      </p:sp>
+      <p:cxnSp>
+        <p:nvCxnSpPr>
+          <p:cNvPr id="9" name="Straight Arrow Connector 8">
+            <a:extLst>
+              <a:ext uri="{FF2B5EF4-FFF2-40B4-BE49-F238E27FC236}">
+                <a16:creationId xmlns:a16="http://schemas.microsoft.com/office/drawing/2014/main" id="{6B8E004B-52D9-89B5-E10D-D3EC3B8B4041}"/>
+              </a:ext>
+            </a:extLst>
+          </p:cNvPr>
+          <p:cNvCxnSpPr>
+            <a:cxnSpLocks/>
+          </p:cNvCxnSpPr>
+          <p:nvPr/>
+        </p:nvCxnSpPr>
+        <p:spPr>
+          <a:xfrm flipV="1">
+            <a:off x="3727174" y="3672509"/>
+            <a:ext cx="3332921" cy="2187621"/>
+          </a:xfrm>
+          <a:prstGeom prst="straightConnector1">
+            <a:avLst/>
+          </a:prstGeom>
+          <a:ln w="38100">
+            <a:solidFill>
+              <a:schemeClr val="accent1">
+                <a:lumMod val="75000"/>
+              </a:schemeClr>
+            </a:solidFill>
+            <a:tailEnd type="triangle"/>
+          </a:ln>
+        </p:spPr>
+        <p:style>
+          <a:lnRef idx="1">
+            <a:schemeClr val="accent1"/>
+          </a:lnRef>
+          <a:fillRef idx="0">
+            <a:schemeClr val="accent1"/>
+          </a:fillRef>
+          <a:effectRef idx="0">
+            <a:schemeClr val="accent1"/>
+          </a:effectRef>
+          <a:fontRef idx="minor">
+            <a:schemeClr val="tx1"/>
+          </a:fontRef>
+        </p:style>
+      </p:cxnSp>
+      <p:sp>
+        <p:nvSpPr>
+          <p:cNvPr id="12" name="Oval 11">
+            <a:extLst>
+              <a:ext uri="{FF2B5EF4-FFF2-40B4-BE49-F238E27FC236}">
+                <a16:creationId xmlns:a16="http://schemas.microsoft.com/office/drawing/2014/main" id="{06C79612-4471-8CF0-51E2-4A8F511C84A2}"/>
+              </a:ext>
+            </a:extLst>
+          </p:cNvPr>
+          <p:cNvSpPr/>
+          <p:nvPr/>
+        </p:nvSpPr>
+        <p:spPr>
+          <a:xfrm rot="218191">
+            <a:off x="6468089" y="2299591"/>
+            <a:ext cx="3222060" cy="1128814"/>
+          </a:xfrm>
+          <a:prstGeom prst="ellipse">
+            <a:avLst/>
+          </a:prstGeom>
+          <a:solidFill>
+            <a:schemeClr val="accent2">
+              <a:lumMod val="60000"/>
+              <a:lumOff val="40000"/>
+              <a:alpha val="52000"/>
+            </a:schemeClr>
+          </a:solidFill>
+          <a:ln>
+            <a:solidFill>
+              <a:schemeClr val="bg2"/>
+            </a:solidFill>
+          </a:ln>
+        </p:spPr>
+        <p:style>
+          <a:lnRef idx="2">
+            <a:schemeClr val="accent1">
+              <a:shade val="50000"/>
+            </a:schemeClr>
+          </a:lnRef>
+          <a:fillRef idx="1">
+            <a:schemeClr val="accent1"/>
+          </a:fillRef>
+          <a:effectRef idx="0">
+            <a:schemeClr val="accent1"/>
+          </a:effectRef>
+          <a:fontRef idx="minor">
+            <a:schemeClr val="lt1"/>
+          </a:fontRef>
+        </p:style>
+        <p:txBody>
+          <a:bodyPr rtlCol="0" anchor="ctr"/>
+          <a:lstStyle/>
+          <a:p>
+            <a:pPr algn="ctr"/>
+            <a:endParaRPr lang="en-US"/>
+          </a:p>
+        </p:txBody>
+      </p:sp>
+      <p:sp>
+        <p:nvSpPr>
+          <p:cNvPr id="13" name="Subtitle 2">
+            <a:extLst>
+              <a:ext uri="{FF2B5EF4-FFF2-40B4-BE49-F238E27FC236}">
+                <a16:creationId xmlns:a16="http://schemas.microsoft.com/office/drawing/2014/main" id="{A7C71D70-106E-02F4-7454-6D72A2F3E394}"/>
+              </a:ext>
+            </a:extLst>
+          </p:cNvPr>
+          <p:cNvSpPr txBox="1">
+            <a:spLocks/>
+          </p:cNvSpPr>
+          <p:nvPr/>
+        </p:nvSpPr>
+        <p:spPr>
+          <a:xfrm rot="260844">
+            <a:off x="6964694" y="2676355"/>
+            <a:ext cx="2620815" cy="740464"/>
+          </a:xfrm>
+          <a:prstGeom prst="rect">
+            <a:avLst/>
+          </a:prstGeom>
+        </p:spPr>
+        <p:txBody>
+          <a:bodyPr vert="horz" lIns="91440" tIns="45720" rIns="91440" bIns="45720" rtlCol="0">
+            <a:normAutofit/>
+          </a:bodyPr>
+          <a:lstStyle>
+            <a:lvl1pPr marL="0" indent="0" algn="ctr" defTabSz="914400" rtl="0" eaLnBrk="1" latinLnBrk="0" hangingPunct="1">
+              <a:lnSpc>
+                <a:spcPct val="90000"/>
+              </a:lnSpc>
+              <a:spcBef>
+                <a:spcPts val="1000"/>
+              </a:spcBef>
+              <a:buFont typeface="Arial" panose="020B0604020202020204" pitchFamily="34" charset="0"/>
+              <a:buNone/>
+              <a:defRPr sz="2400" kern="1200">
+                <a:solidFill>
+                  <a:schemeClr val="tx1"/>
+                </a:solidFill>
+                <a:latin typeface="+mn-lt"/>
+                <a:ea typeface="+mn-ea"/>
+                <a:cs typeface="+mn-cs"/>
+              </a:defRPr>
+            </a:lvl1pPr>
+            <a:lvl2pPr marL="457200" indent="0" algn="ctr" defTabSz="914400" rtl="0" eaLnBrk="1" latinLnBrk="0" hangingPunct="1">
+              <a:lnSpc>
+                <a:spcPct val="90000"/>
+              </a:lnSpc>
+              <a:spcBef>
+                <a:spcPts val="500"/>
+              </a:spcBef>
+              <a:buFont typeface="Arial" panose="020B0604020202020204" pitchFamily="34" charset="0"/>
+              <a:buNone/>
+              <a:defRPr sz="2000" kern="1200">
+                <a:solidFill>
+                  <a:schemeClr val="tx1"/>
+                </a:solidFill>
+                <a:latin typeface="+mn-lt"/>
+                <a:ea typeface="+mn-ea"/>
+                <a:cs typeface="+mn-cs"/>
+              </a:defRPr>
+            </a:lvl2pPr>
+            <a:lvl3pPr marL="914400" indent="0" algn="ctr" defTabSz="914400" rtl="0" eaLnBrk="1" latinLnBrk="0" hangingPunct="1">
+              <a:lnSpc>
+                <a:spcPct val="90000"/>
+              </a:lnSpc>
+              <a:spcBef>
+                <a:spcPts val="500"/>
+              </a:spcBef>
+              <a:buFont typeface="Arial" panose="020B0604020202020204" pitchFamily="34" charset="0"/>
+              <a:buNone/>
+              <a:defRPr sz="1800" kern="1200">
+                <a:solidFill>
+                  <a:schemeClr val="tx1"/>
+                </a:solidFill>
+                <a:latin typeface="+mn-lt"/>
+                <a:ea typeface="+mn-ea"/>
+                <a:cs typeface="+mn-cs"/>
+              </a:defRPr>
+            </a:lvl3pPr>
+            <a:lvl4pPr marL="1371600" indent="0" algn="ctr" defTabSz="914400" rtl="0" eaLnBrk="1" latinLnBrk="0" hangingPunct="1">
+              <a:lnSpc>
+                <a:spcPct val="90000"/>
+              </a:lnSpc>
+              <a:spcBef>
+                <a:spcPts val="500"/>
+              </a:spcBef>
+              <a:buFont typeface="Arial" panose="020B0604020202020204" pitchFamily="34" charset="0"/>
+              <a:buNone/>
+              <a:defRPr sz="1600" kern="1200">
+                <a:solidFill>
+                  <a:schemeClr val="tx1"/>
+                </a:solidFill>
+                <a:latin typeface="+mn-lt"/>
+                <a:ea typeface="+mn-ea"/>
+                <a:cs typeface="+mn-cs"/>
+              </a:defRPr>
+            </a:lvl4pPr>
+            <a:lvl5pPr marL="1828800" indent="0" algn="ctr" defTabSz="914400" rtl="0" eaLnBrk="1" latinLnBrk="0" hangingPunct="1">
+              <a:lnSpc>
+                <a:spcPct val="90000"/>
+              </a:lnSpc>
+              <a:spcBef>
+                <a:spcPts val="500"/>
+              </a:spcBef>
+              <a:buFont typeface="Arial" panose="020B0604020202020204" pitchFamily="34" charset="0"/>
+              <a:buNone/>
+              <a:defRPr sz="1600" kern="1200">
+                <a:solidFill>
+                  <a:schemeClr val="tx1"/>
+                </a:solidFill>
+                <a:latin typeface="+mn-lt"/>
+                <a:ea typeface="+mn-ea"/>
+                <a:cs typeface="+mn-cs"/>
+              </a:defRPr>
+            </a:lvl5pPr>
+            <a:lvl6pPr marL="2286000" indent="0" algn="ctr" defTabSz="914400" rtl="0" eaLnBrk="1" latinLnBrk="0" hangingPunct="1">
+              <a:lnSpc>
+                <a:spcPct val="90000"/>
+              </a:lnSpc>
+              <a:spcBef>
+                <a:spcPts val="500"/>
+              </a:spcBef>
+              <a:buFont typeface="Arial" panose="020B0604020202020204" pitchFamily="34" charset="0"/>
+              <a:buNone/>
+              <a:defRPr sz="1600" kern="1200">
+                <a:solidFill>
+                  <a:schemeClr val="tx1"/>
+                </a:solidFill>
+                <a:latin typeface="+mn-lt"/>
+                <a:ea typeface="+mn-ea"/>
+                <a:cs typeface="+mn-cs"/>
+              </a:defRPr>
+            </a:lvl6pPr>
+            <a:lvl7pPr marL="2743200" indent="0" algn="ctr" defTabSz="914400" rtl="0" eaLnBrk="1" latinLnBrk="0" hangingPunct="1">
+              <a:lnSpc>
+                <a:spcPct val="90000"/>
+              </a:lnSpc>
+              <a:spcBef>
+                <a:spcPts val="500"/>
+              </a:spcBef>
+              <a:buFont typeface="Arial" panose="020B0604020202020204" pitchFamily="34" charset="0"/>
+              <a:buNone/>
+              <a:defRPr sz="1600" kern="1200">
+                <a:solidFill>
+                  <a:schemeClr val="tx1"/>
+                </a:solidFill>
+                <a:latin typeface="+mn-lt"/>
+                <a:ea typeface="+mn-ea"/>
+                <a:cs typeface="+mn-cs"/>
+              </a:defRPr>
+            </a:lvl7pPr>
+            <a:lvl8pPr marL="3200400" indent="0" algn="ctr" defTabSz="914400" rtl="0" eaLnBrk="1" latinLnBrk="0" hangingPunct="1">
+              <a:lnSpc>
+                <a:spcPct val="90000"/>
+              </a:lnSpc>
+              <a:spcBef>
+                <a:spcPts val="500"/>
+              </a:spcBef>
+              <a:buFont typeface="Arial" panose="020B0604020202020204" pitchFamily="34" charset="0"/>
+              <a:buNone/>
+              <a:defRPr sz="1600" kern="1200">
+                <a:solidFill>
+                  <a:schemeClr val="tx1"/>
+                </a:solidFill>
+                <a:latin typeface="+mn-lt"/>
+                <a:ea typeface="+mn-ea"/>
+                <a:cs typeface="+mn-cs"/>
+              </a:defRPr>
+            </a:lvl8pPr>
+            <a:lvl9pPr marL="3657600" indent="0" algn="ctr" defTabSz="914400" rtl="0" eaLnBrk="1" latinLnBrk="0" hangingPunct="1">
+              <a:lnSpc>
+                <a:spcPct val="90000"/>
+              </a:lnSpc>
+              <a:spcBef>
+                <a:spcPts val="500"/>
+              </a:spcBef>
+              <a:buFont typeface="Arial" panose="020B0604020202020204" pitchFamily="34" charset="0"/>
+              <a:buNone/>
+              <a:defRPr sz="1600" kern="1200">
+                <a:solidFill>
+                  <a:schemeClr val="tx1"/>
+                </a:solidFill>
+                <a:latin typeface="+mn-lt"/>
+                <a:ea typeface="+mn-ea"/>
+                <a:cs typeface="+mn-cs"/>
+              </a:defRPr>
+            </a:lvl9pPr>
+          </a:lstStyle>
+          <a:p>
+            <a:pPr algn="l"/>
+            <a:r>
+              <a:rPr lang="en-US" sz="2000" dirty="0"/>
+              <a:t>bad solution zone!</a:t>
+            </a:r>
+          </a:p>
+        </p:txBody>
+      </p:sp>
+      <p:sp>
+        <p:nvSpPr>
+          <p:cNvPr id="22" name="Subtitle 2">
+            <a:extLst>
+              <a:ext uri="{FF2B5EF4-FFF2-40B4-BE49-F238E27FC236}">
+                <a16:creationId xmlns:a16="http://schemas.microsoft.com/office/drawing/2014/main" id="{D3702B22-3777-48B9-0C69-FC635258E1B5}"/>
+              </a:ext>
+            </a:extLst>
+          </p:cNvPr>
+          <p:cNvSpPr txBox="1">
+            <a:spLocks/>
+          </p:cNvSpPr>
+          <p:nvPr/>
+        </p:nvSpPr>
+        <p:spPr>
+          <a:xfrm>
+            <a:off x="518925" y="1809058"/>
+            <a:ext cx="2959771" cy="1345779"/>
+          </a:xfrm>
+          <a:prstGeom prst="rect">
+            <a:avLst/>
+          </a:prstGeom>
+        </p:spPr>
+        <p:txBody>
+          <a:bodyPr vert="horz" lIns="91440" tIns="45720" rIns="91440" bIns="45720" rtlCol="0">
+            <a:normAutofit/>
+          </a:bodyPr>
+          <a:lstStyle>
+            <a:lvl1pPr marL="0" indent="0" algn="ctr" defTabSz="914400" rtl="0" eaLnBrk="1" latinLnBrk="0" hangingPunct="1">
+              <a:lnSpc>
+                <a:spcPct val="90000"/>
+              </a:lnSpc>
+              <a:spcBef>
+                <a:spcPts val="1000"/>
+              </a:spcBef>
+              <a:buFont typeface="Arial" panose="020B0604020202020204" pitchFamily="34" charset="0"/>
+              <a:buNone/>
+              <a:defRPr sz="2400" kern="1200">
+                <a:solidFill>
+                  <a:schemeClr val="tx1"/>
+                </a:solidFill>
+                <a:latin typeface="+mn-lt"/>
+                <a:ea typeface="+mn-ea"/>
+                <a:cs typeface="+mn-cs"/>
+              </a:defRPr>
+            </a:lvl1pPr>
+            <a:lvl2pPr marL="457200" indent="0" algn="ctr" defTabSz="914400" rtl="0" eaLnBrk="1" latinLnBrk="0" hangingPunct="1">
+              <a:lnSpc>
+                <a:spcPct val="90000"/>
+              </a:lnSpc>
+              <a:spcBef>
+                <a:spcPts val="500"/>
+              </a:spcBef>
+              <a:buFont typeface="Arial" panose="020B0604020202020204" pitchFamily="34" charset="0"/>
+              <a:buNone/>
+              <a:defRPr sz="2000" kern="1200">
+                <a:solidFill>
+                  <a:schemeClr val="tx1"/>
+                </a:solidFill>
+                <a:latin typeface="+mn-lt"/>
+                <a:ea typeface="+mn-ea"/>
+                <a:cs typeface="+mn-cs"/>
+              </a:defRPr>
+            </a:lvl2pPr>
+            <a:lvl3pPr marL="914400" indent="0" algn="ctr" defTabSz="914400" rtl="0" eaLnBrk="1" latinLnBrk="0" hangingPunct="1">
+              <a:lnSpc>
+                <a:spcPct val="90000"/>
+              </a:lnSpc>
+              <a:spcBef>
+                <a:spcPts val="500"/>
+              </a:spcBef>
+              <a:buFont typeface="Arial" panose="020B0604020202020204" pitchFamily="34" charset="0"/>
+              <a:buNone/>
+              <a:defRPr sz="1800" kern="1200">
+                <a:solidFill>
+                  <a:schemeClr val="tx1"/>
+                </a:solidFill>
+                <a:latin typeface="+mn-lt"/>
+                <a:ea typeface="+mn-ea"/>
+                <a:cs typeface="+mn-cs"/>
+              </a:defRPr>
+            </a:lvl3pPr>
+            <a:lvl4pPr marL="1371600" indent="0" algn="ctr" defTabSz="914400" rtl="0" eaLnBrk="1" latinLnBrk="0" hangingPunct="1">
+              <a:lnSpc>
+                <a:spcPct val="90000"/>
+              </a:lnSpc>
+              <a:spcBef>
+                <a:spcPts val="500"/>
+              </a:spcBef>
+              <a:buFont typeface="Arial" panose="020B0604020202020204" pitchFamily="34" charset="0"/>
+              <a:buNone/>
+              <a:defRPr sz="1600" kern="1200">
+                <a:solidFill>
+                  <a:schemeClr val="tx1"/>
+                </a:solidFill>
+                <a:latin typeface="+mn-lt"/>
+                <a:ea typeface="+mn-ea"/>
+                <a:cs typeface="+mn-cs"/>
+              </a:defRPr>
+            </a:lvl4pPr>
+            <a:lvl5pPr marL="1828800" indent="0" algn="ctr" defTabSz="914400" rtl="0" eaLnBrk="1" latinLnBrk="0" hangingPunct="1">
+              <a:lnSpc>
+                <a:spcPct val="90000"/>
+              </a:lnSpc>
+              <a:spcBef>
+                <a:spcPts val="500"/>
+              </a:spcBef>
+              <a:buFont typeface="Arial" panose="020B0604020202020204" pitchFamily="34" charset="0"/>
+              <a:buNone/>
+              <a:defRPr sz="1600" kern="1200">
+                <a:solidFill>
+                  <a:schemeClr val="tx1"/>
+                </a:solidFill>
+                <a:latin typeface="+mn-lt"/>
+                <a:ea typeface="+mn-ea"/>
+                <a:cs typeface="+mn-cs"/>
+              </a:defRPr>
+            </a:lvl5pPr>
+            <a:lvl6pPr marL="2286000" indent="0" algn="ctr" defTabSz="914400" rtl="0" eaLnBrk="1" latinLnBrk="0" hangingPunct="1">
+              <a:lnSpc>
+                <a:spcPct val="90000"/>
+              </a:lnSpc>
+              <a:spcBef>
+                <a:spcPts val="500"/>
+              </a:spcBef>
+              <a:buFont typeface="Arial" panose="020B0604020202020204" pitchFamily="34" charset="0"/>
+              <a:buNone/>
+              <a:defRPr sz="1600" kern="1200">
+                <a:solidFill>
+                  <a:schemeClr val="tx1"/>
+                </a:solidFill>
+                <a:latin typeface="+mn-lt"/>
+                <a:ea typeface="+mn-ea"/>
+                <a:cs typeface="+mn-cs"/>
+              </a:defRPr>
+            </a:lvl6pPr>
+            <a:lvl7pPr marL="2743200" indent="0" algn="ctr" defTabSz="914400" rtl="0" eaLnBrk="1" latinLnBrk="0" hangingPunct="1">
+              <a:lnSpc>
+                <a:spcPct val="90000"/>
+              </a:lnSpc>
+              <a:spcBef>
+                <a:spcPts val="500"/>
+              </a:spcBef>
+              <a:buFont typeface="Arial" panose="020B0604020202020204" pitchFamily="34" charset="0"/>
+              <a:buNone/>
+              <a:defRPr sz="1600" kern="1200">
+                <a:solidFill>
+                  <a:schemeClr val="tx1"/>
+                </a:solidFill>
+                <a:latin typeface="+mn-lt"/>
+                <a:ea typeface="+mn-ea"/>
+                <a:cs typeface="+mn-cs"/>
+              </a:defRPr>
+            </a:lvl7pPr>
+            <a:lvl8pPr marL="3200400" indent="0" algn="ctr" defTabSz="914400" rtl="0" eaLnBrk="1" latinLnBrk="0" hangingPunct="1">
+              <a:lnSpc>
+                <a:spcPct val="90000"/>
+              </a:lnSpc>
+              <a:spcBef>
+                <a:spcPts val="500"/>
+              </a:spcBef>
+              <a:buFont typeface="Arial" panose="020B0604020202020204" pitchFamily="34" charset="0"/>
+              <a:buNone/>
+              <a:defRPr sz="1600" kern="1200">
+                <a:solidFill>
+                  <a:schemeClr val="tx1"/>
+                </a:solidFill>
+                <a:latin typeface="+mn-lt"/>
+                <a:ea typeface="+mn-ea"/>
+                <a:cs typeface="+mn-cs"/>
+              </a:defRPr>
+            </a:lvl8pPr>
+            <a:lvl9pPr marL="3657600" indent="0" algn="ctr" defTabSz="914400" rtl="0" eaLnBrk="1" latinLnBrk="0" hangingPunct="1">
+              <a:lnSpc>
+                <a:spcPct val="90000"/>
+              </a:lnSpc>
+              <a:spcBef>
+                <a:spcPts val="500"/>
+              </a:spcBef>
+              <a:buFont typeface="Arial" panose="020B0604020202020204" pitchFamily="34" charset="0"/>
+              <a:buNone/>
+              <a:defRPr sz="1600" kern="1200">
+                <a:solidFill>
+                  <a:schemeClr val="tx1"/>
+                </a:solidFill>
+                <a:latin typeface="+mn-lt"/>
+                <a:ea typeface="+mn-ea"/>
+                <a:cs typeface="+mn-cs"/>
+              </a:defRPr>
+            </a:lvl9pPr>
+          </a:lstStyle>
+          <a:p>
+            <a:pPr algn="l"/>
+            <a:r>
+              <a:rPr lang="en-US" sz="3600" dirty="0">
+                <a:solidFill>
+                  <a:schemeClr val="bg1"/>
+                </a:solidFill>
+              </a:rPr>
+              <a:t>Want to </a:t>
+            </a:r>
+            <a:r>
+              <a:rPr lang="en-US" sz="3600" b="1" dirty="0">
+                <a:solidFill>
+                  <a:srgbClr val="00B050"/>
+                </a:solidFill>
+              </a:rPr>
+              <a:t>maximize</a:t>
+            </a:r>
+            <a:r>
+              <a:rPr lang="en-US" sz="3600" dirty="0">
+                <a:solidFill>
+                  <a:schemeClr val="bg1"/>
+                </a:solidFill>
+              </a:rPr>
+              <a:t> LML</a:t>
+            </a:r>
+          </a:p>
+        </p:txBody>
+      </p:sp>
+    </p:spTree>
+    <p:extLst>
+      <p:ext uri="{BB962C8B-B14F-4D97-AF65-F5344CB8AC3E}">
+        <p14:creationId xmlns:p14="http://schemas.microsoft.com/office/powerpoint/2010/main" val="3988062388"/>
+      </p:ext>
+    </p:extLst>
+  </p:cSld>
+  <p:clrMapOvr>
+    <a:masterClrMapping/>
+  </p:clrMapOvr>
+</p:sld>
+</file>
+
+<file path=ppt/slides/slide18.xml><?xml version="1.0" encoding="utf-8"?>
+<p:sld xmlns:a="http://schemas.openxmlformats.org/drawingml/2006/main" xmlns:r="http://schemas.openxmlformats.org/officeDocument/2006/relationships" xmlns:p="http://schemas.openxmlformats.org/presentationml/2006/main">
+  <p:cSld>
+    <p:bg>
+      <p:bgPr>
+        <a:solidFill>
+          <a:schemeClr val="tx1"/>
+        </a:solidFill>
+        <a:effectLst/>
+      </p:bgPr>
+    </p:bg>
+    <p:spTree>
+      <p:nvGrpSpPr>
+        <p:cNvPr id="1" name=""/>
+        <p:cNvGrpSpPr/>
+        <p:nvPr/>
+      </p:nvGrpSpPr>
+      <p:grpSpPr>
+        <a:xfrm>
+          <a:off x="0" y="0"/>
+          <a:ext cx="0" cy="0"/>
+          <a:chOff x="0" y="0"/>
+          <a:chExt cx="0" cy="0"/>
+        </a:xfrm>
+      </p:grpSpPr>
+      <p:sp>
+        <p:nvSpPr>
+          <p:cNvPr id="15" name="Title 1">
+            <a:extLst>
+              <a:ext uri="{FF2B5EF4-FFF2-40B4-BE49-F238E27FC236}">
+                <a16:creationId xmlns:a16="http://schemas.microsoft.com/office/drawing/2014/main" id="{B7AEC322-EABE-225F-A4FB-BE84F485AFC7}"/>
+              </a:ext>
+            </a:extLst>
+          </p:cNvPr>
+          <p:cNvSpPr>
+            <a:spLocks noGrp="1"/>
+          </p:cNvSpPr>
+          <p:nvPr>
+            <p:ph type="ctrTitle"/>
+          </p:nvPr>
+        </p:nvSpPr>
+        <p:spPr>
+          <a:xfrm>
+            <a:off x="960782" y="297415"/>
+            <a:ext cx="10270435" cy="1123880"/>
+          </a:xfrm>
+        </p:spPr>
+        <p:txBody>
+          <a:bodyPr>
+            <a:normAutofit fontScale="90000"/>
+          </a:bodyPr>
+          <a:lstStyle/>
+          <a:p>
+            <a:r>
+              <a:rPr lang="en-US" sz="8000" dirty="0">
+                <a:solidFill>
+                  <a:schemeClr val="bg1"/>
+                </a:solidFill>
+              </a:rPr>
+              <a:t>Results!!!</a:t>
+            </a:r>
+          </a:p>
+        </p:txBody>
+      </p:sp>
+      <p:pic>
+        <p:nvPicPr>
+          <p:cNvPr id="14" name="Picture 13" descr="Chart, scatter chart&#10;&#10;Description automatically generated">
+            <a:extLst>
+              <a:ext uri="{FF2B5EF4-FFF2-40B4-BE49-F238E27FC236}">
+                <a16:creationId xmlns:a16="http://schemas.microsoft.com/office/drawing/2014/main" id="{A3196D15-0198-BB20-5B5D-D161D97EB715}"/>
+              </a:ext>
+            </a:extLst>
+          </p:cNvPr>
+          <p:cNvPicPr>
+            <a:picLocks noChangeAspect="1"/>
+          </p:cNvPicPr>
+          <p:nvPr/>
+        </p:nvPicPr>
+        <p:blipFill>
+          <a:blip r:embed="rId2">
+            <a:extLst>
+              <a:ext uri="{28A0092B-C50C-407E-A947-70E740481C1C}">
+                <a14:useLocalDpi xmlns:a14="http://schemas.microsoft.com/office/drawing/2010/main" val="0"/>
+              </a:ext>
+            </a:extLst>
+          </a:blip>
+          <a:stretch>
+            <a:fillRect/>
+          </a:stretch>
+        </p:blipFill>
+        <p:spPr>
+          <a:xfrm>
+            <a:off x="3835675" y="1559960"/>
+            <a:ext cx="6667500" cy="5000625"/>
+          </a:xfrm>
+          <a:prstGeom prst="rect">
+            <a:avLst/>
+          </a:prstGeom>
+        </p:spPr>
+      </p:pic>
+      <p:sp>
+        <p:nvSpPr>
+          <p:cNvPr id="16" name="Subtitle 2">
+            <a:extLst>
+              <a:ext uri="{FF2B5EF4-FFF2-40B4-BE49-F238E27FC236}">
+                <a16:creationId xmlns:a16="http://schemas.microsoft.com/office/drawing/2014/main" id="{A03504B4-2978-BFE2-6CFD-52F14792A5CA}"/>
+              </a:ext>
+            </a:extLst>
+          </p:cNvPr>
+          <p:cNvSpPr txBox="1">
+            <a:spLocks/>
+          </p:cNvSpPr>
+          <p:nvPr/>
+        </p:nvSpPr>
+        <p:spPr>
+          <a:xfrm>
+            <a:off x="424254" y="2367190"/>
+            <a:ext cx="2959771" cy="1345779"/>
+          </a:xfrm>
+          <a:prstGeom prst="rect">
+            <a:avLst/>
+          </a:prstGeom>
+        </p:spPr>
+        <p:txBody>
+          <a:bodyPr vert="horz" lIns="91440" tIns="45720" rIns="91440" bIns="45720" rtlCol="0">
+            <a:normAutofit fontScale="92500" lnSpcReduction="10000"/>
+          </a:bodyPr>
+          <a:lstStyle>
+            <a:lvl1pPr marL="0" indent="0" algn="ctr" defTabSz="914400" rtl="0" eaLnBrk="1" latinLnBrk="0" hangingPunct="1">
+              <a:lnSpc>
+                <a:spcPct val="90000"/>
+              </a:lnSpc>
+              <a:spcBef>
+                <a:spcPts val="1000"/>
+              </a:spcBef>
+              <a:buFont typeface="Arial" panose="020B0604020202020204" pitchFamily="34" charset="0"/>
+              <a:buNone/>
+              <a:defRPr sz="2400" kern="1200">
+                <a:solidFill>
+                  <a:schemeClr val="tx1"/>
+                </a:solidFill>
+                <a:latin typeface="+mn-lt"/>
+                <a:ea typeface="+mn-ea"/>
+                <a:cs typeface="+mn-cs"/>
+              </a:defRPr>
+            </a:lvl1pPr>
+            <a:lvl2pPr marL="457200" indent="0" algn="ctr" defTabSz="914400" rtl="0" eaLnBrk="1" latinLnBrk="0" hangingPunct="1">
+              <a:lnSpc>
+                <a:spcPct val="90000"/>
+              </a:lnSpc>
+              <a:spcBef>
+                <a:spcPts val="500"/>
+              </a:spcBef>
+              <a:buFont typeface="Arial" panose="020B0604020202020204" pitchFamily="34" charset="0"/>
+              <a:buNone/>
+              <a:defRPr sz="2000" kern="1200">
+                <a:solidFill>
+                  <a:schemeClr val="tx1"/>
+                </a:solidFill>
+                <a:latin typeface="+mn-lt"/>
+                <a:ea typeface="+mn-ea"/>
+                <a:cs typeface="+mn-cs"/>
+              </a:defRPr>
+            </a:lvl2pPr>
+            <a:lvl3pPr marL="914400" indent="0" algn="ctr" defTabSz="914400" rtl="0" eaLnBrk="1" latinLnBrk="0" hangingPunct="1">
+              <a:lnSpc>
+                <a:spcPct val="90000"/>
+              </a:lnSpc>
+              <a:spcBef>
+                <a:spcPts val="500"/>
+              </a:spcBef>
+              <a:buFont typeface="Arial" panose="020B0604020202020204" pitchFamily="34" charset="0"/>
+              <a:buNone/>
+              <a:defRPr sz="1800" kern="1200">
+                <a:solidFill>
+                  <a:schemeClr val="tx1"/>
+                </a:solidFill>
+                <a:latin typeface="+mn-lt"/>
+                <a:ea typeface="+mn-ea"/>
+                <a:cs typeface="+mn-cs"/>
+              </a:defRPr>
+            </a:lvl3pPr>
+            <a:lvl4pPr marL="1371600" indent="0" algn="ctr" defTabSz="914400" rtl="0" eaLnBrk="1" latinLnBrk="0" hangingPunct="1">
+              <a:lnSpc>
+                <a:spcPct val="90000"/>
+              </a:lnSpc>
+              <a:spcBef>
+                <a:spcPts val="500"/>
+              </a:spcBef>
+              <a:buFont typeface="Arial" panose="020B0604020202020204" pitchFamily="34" charset="0"/>
+              <a:buNone/>
+              <a:defRPr sz="1600" kern="1200">
+                <a:solidFill>
+                  <a:schemeClr val="tx1"/>
+                </a:solidFill>
+                <a:latin typeface="+mn-lt"/>
+                <a:ea typeface="+mn-ea"/>
+                <a:cs typeface="+mn-cs"/>
+              </a:defRPr>
+            </a:lvl4pPr>
+            <a:lvl5pPr marL="1828800" indent="0" algn="ctr" defTabSz="914400" rtl="0" eaLnBrk="1" latinLnBrk="0" hangingPunct="1">
+              <a:lnSpc>
+                <a:spcPct val="90000"/>
+              </a:lnSpc>
+              <a:spcBef>
+                <a:spcPts val="500"/>
+              </a:spcBef>
+              <a:buFont typeface="Arial" panose="020B0604020202020204" pitchFamily="34" charset="0"/>
+              <a:buNone/>
+              <a:defRPr sz="1600" kern="1200">
+                <a:solidFill>
+                  <a:schemeClr val="tx1"/>
+                </a:solidFill>
+                <a:latin typeface="+mn-lt"/>
+                <a:ea typeface="+mn-ea"/>
+                <a:cs typeface="+mn-cs"/>
+              </a:defRPr>
+            </a:lvl5pPr>
+            <a:lvl6pPr marL="2286000" indent="0" algn="ctr" defTabSz="914400" rtl="0" eaLnBrk="1" latinLnBrk="0" hangingPunct="1">
+              <a:lnSpc>
+                <a:spcPct val="90000"/>
+              </a:lnSpc>
+              <a:spcBef>
+                <a:spcPts val="500"/>
+              </a:spcBef>
+              <a:buFont typeface="Arial" panose="020B0604020202020204" pitchFamily="34" charset="0"/>
+              <a:buNone/>
+              <a:defRPr sz="1600" kern="1200">
+                <a:solidFill>
+                  <a:schemeClr val="tx1"/>
+                </a:solidFill>
+                <a:latin typeface="+mn-lt"/>
+                <a:ea typeface="+mn-ea"/>
+                <a:cs typeface="+mn-cs"/>
+              </a:defRPr>
+            </a:lvl6pPr>
+            <a:lvl7pPr marL="2743200" indent="0" algn="ctr" defTabSz="914400" rtl="0" eaLnBrk="1" latinLnBrk="0" hangingPunct="1">
+              <a:lnSpc>
+                <a:spcPct val="90000"/>
+              </a:lnSpc>
+              <a:spcBef>
+                <a:spcPts val="500"/>
+              </a:spcBef>
+              <a:buFont typeface="Arial" panose="020B0604020202020204" pitchFamily="34" charset="0"/>
+              <a:buNone/>
+              <a:defRPr sz="1600" kern="1200">
+                <a:solidFill>
+                  <a:schemeClr val="tx1"/>
+                </a:solidFill>
+                <a:latin typeface="+mn-lt"/>
+                <a:ea typeface="+mn-ea"/>
+                <a:cs typeface="+mn-cs"/>
+              </a:defRPr>
+            </a:lvl7pPr>
+            <a:lvl8pPr marL="3200400" indent="0" algn="ctr" defTabSz="914400" rtl="0" eaLnBrk="1" latinLnBrk="0" hangingPunct="1">
+              <a:lnSpc>
+                <a:spcPct val="90000"/>
+              </a:lnSpc>
+              <a:spcBef>
+                <a:spcPts val="500"/>
+              </a:spcBef>
+              <a:buFont typeface="Arial" panose="020B0604020202020204" pitchFamily="34" charset="0"/>
+              <a:buNone/>
+              <a:defRPr sz="1600" kern="1200">
+                <a:solidFill>
+                  <a:schemeClr val="tx1"/>
+                </a:solidFill>
+                <a:latin typeface="+mn-lt"/>
+                <a:ea typeface="+mn-ea"/>
+                <a:cs typeface="+mn-cs"/>
+              </a:defRPr>
+            </a:lvl8pPr>
+            <a:lvl9pPr marL="3657600" indent="0" algn="ctr" defTabSz="914400" rtl="0" eaLnBrk="1" latinLnBrk="0" hangingPunct="1">
+              <a:lnSpc>
+                <a:spcPct val="90000"/>
+              </a:lnSpc>
+              <a:spcBef>
+                <a:spcPts val="500"/>
+              </a:spcBef>
+              <a:buFont typeface="Arial" panose="020B0604020202020204" pitchFamily="34" charset="0"/>
+              <a:buNone/>
+              <a:defRPr sz="1600" kern="1200">
+                <a:solidFill>
+                  <a:schemeClr val="tx1"/>
+                </a:solidFill>
+                <a:latin typeface="+mn-lt"/>
+                <a:ea typeface="+mn-ea"/>
+                <a:cs typeface="+mn-cs"/>
+              </a:defRPr>
+            </a:lvl9pPr>
+          </a:lstStyle>
+          <a:p>
+            <a:pPr algn="l"/>
+            <a:r>
+              <a:rPr lang="en-US" sz="3600" dirty="0">
+                <a:solidFill>
+                  <a:schemeClr val="bg1"/>
+                </a:solidFill>
+              </a:rPr>
+              <a:t>What are good metrics to show for </a:t>
+            </a:r>
+            <a:r>
+              <a:rPr lang="en-US" sz="3600" b="1" dirty="0">
+                <a:solidFill>
+                  <a:schemeClr val="bg1"/>
+                </a:solidFill>
+              </a:rPr>
+              <a:t>accuracy</a:t>
+            </a:r>
+            <a:r>
+              <a:rPr lang="en-US" sz="3600" dirty="0">
+                <a:solidFill>
+                  <a:schemeClr val="bg1"/>
+                </a:solidFill>
+              </a:rPr>
+              <a:t>?</a:t>
+            </a:r>
+          </a:p>
+        </p:txBody>
+      </p:sp>
+      <p:sp>
+        <p:nvSpPr>
+          <p:cNvPr id="17" name="Subtitle 2">
+            <a:extLst>
+              <a:ext uri="{FF2B5EF4-FFF2-40B4-BE49-F238E27FC236}">
+                <a16:creationId xmlns:a16="http://schemas.microsoft.com/office/drawing/2014/main" id="{E9CD4CC5-997F-EC64-2815-EE8681679B5F}"/>
+              </a:ext>
+            </a:extLst>
+          </p:cNvPr>
+          <p:cNvSpPr txBox="1">
+            <a:spLocks/>
+          </p:cNvSpPr>
+          <p:nvPr/>
+        </p:nvSpPr>
+        <p:spPr>
+          <a:xfrm>
+            <a:off x="424253" y="4467660"/>
+            <a:ext cx="2959771" cy="1345779"/>
+          </a:xfrm>
+          <a:prstGeom prst="rect">
+            <a:avLst/>
+          </a:prstGeom>
+        </p:spPr>
+        <p:txBody>
+          <a:bodyPr vert="horz" lIns="91440" tIns="45720" rIns="91440" bIns="45720" rtlCol="0">
+            <a:normAutofit fontScale="92500" lnSpcReduction="10000"/>
+          </a:bodyPr>
+          <a:lstStyle>
+            <a:lvl1pPr marL="0" indent="0" algn="ctr" defTabSz="914400" rtl="0" eaLnBrk="1" latinLnBrk="0" hangingPunct="1">
+              <a:lnSpc>
+                <a:spcPct val="90000"/>
+              </a:lnSpc>
+              <a:spcBef>
+                <a:spcPts val="1000"/>
+              </a:spcBef>
+              <a:buFont typeface="Arial" panose="020B0604020202020204" pitchFamily="34" charset="0"/>
+              <a:buNone/>
+              <a:defRPr sz="2400" kern="1200">
+                <a:solidFill>
+                  <a:schemeClr val="tx1"/>
+                </a:solidFill>
+                <a:latin typeface="+mn-lt"/>
+                <a:ea typeface="+mn-ea"/>
+                <a:cs typeface="+mn-cs"/>
+              </a:defRPr>
+            </a:lvl1pPr>
+            <a:lvl2pPr marL="457200" indent="0" algn="ctr" defTabSz="914400" rtl="0" eaLnBrk="1" latinLnBrk="0" hangingPunct="1">
+              <a:lnSpc>
+                <a:spcPct val="90000"/>
+              </a:lnSpc>
+              <a:spcBef>
+                <a:spcPts val="500"/>
+              </a:spcBef>
+              <a:buFont typeface="Arial" panose="020B0604020202020204" pitchFamily="34" charset="0"/>
+              <a:buNone/>
+              <a:defRPr sz="2000" kern="1200">
+                <a:solidFill>
+                  <a:schemeClr val="tx1"/>
+                </a:solidFill>
+                <a:latin typeface="+mn-lt"/>
+                <a:ea typeface="+mn-ea"/>
+                <a:cs typeface="+mn-cs"/>
+              </a:defRPr>
+            </a:lvl2pPr>
+            <a:lvl3pPr marL="914400" indent="0" algn="ctr" defTabSz="914400" rtl="0" eaLnBrk="1" latinLnBrk="0" hangingPunct="1">
+              <a:lnSpc>
+                <a:spcPct val="90000"/>
+              </a:lnSpc>
+              <a:spcBef>
+                <a:spcPts val="500"/>
+              </a:spcBef>
+              <a:buFont typeface="Arial" panose="020B0604020202020204" pitchFamily="34" charset="0"/>
+              <a:buNone/>
+              <a:defRPr sz="1800" kern="1200">
+                <a:solidFill>
+                  <a:schemeClr val="tx1"/>
+                </a:solidFill>
+                <a:latin typeface="+mn-lt"/>
+                <a:ea typeface="+mn-ea"/>
+                <a:cs typeface="+mn-cs"/>
+              </a:defRPr>
+            </a:lvl3pPr>
+            <a:lvl4pPr marL="1371600" indent="0" algn="ctr" defTabSz="914400" rtl="0" eaLnBrk="1" latinLnBrk="0" hangingPunct="1">
+              <a:lnSpc>
+                <a:spcPct val="90000"/>
+              </a:lnSpc>
+              <a:spcBef>
+                <a:spcPts val="500"/>
+              </a:spcBef>
+              <a:buFont typeface="Arial" panose="020B0604020202020204" pitchFamily="34" charset="0"/>
+              <a:buNone/>
+              <a:defRPr sz="1600" kern="1200">
+                <a:solidFill>
+                  <a:schemeClr val="tx1"/>
+                </a:solidFill>
+                <a:latin typeface="+mn-lt"/>
+                <a:ea typeface="+mn-ea"/>
+                <a:cs typeface="+mn-cs"/>
+              </a:defRPr>
+            </a:lvl4pPr>
+            <a:lvl5pPr marL="1828800" indent="0" algn="ctr" defTabSz="914400" rtl="0" eaLnBrk="1" latinLnBrk="0" hangingPunct="1">
+              <a:lnSpc>
+                <a:spcPct val="90000"/>
+              </a:lnSpc>
+              <a:spcBef>
+                <a:spcPts val="500"/>
+              </a:spcBef>
+              <a:buFont typeface="Arial" panose="020B0604020202020204" pitchFamily="34" charset="0"/>
+              <a:buNone/>
+              <a:defRPr sz="1600" kern="1200">
+                <a:solidFill>
+                  <a:schemeClr val="tx1"/>
+                </a:solidFill>
+                <a:latin typeface="+mn-lt"/>
+                <a:ea typeface="+mn-ea"/>
+                <a:cs typeface="+mn-cs"/>
+              </a:defRPr>
+            </a:lvl5pPr>
+            <a:lvl6pPr marL="2286000" indent="0" algn="ctr" defTabSz="914400" rtl="0" eaLnBrk="1" latinLnBrk="0" hangingPunct="1">
+              <a:lnSpc>
+                <a:spcPct val="90000"/>
+              </a:lnSpc>
+              <a:spcBef>
+                <a:spcPts val="500"/>
+              </a:spcBef>
+              <a:buFont typeface="Arial" panose="020B0604020202020204" pitchFamily="34" charset="0"/>
+              <a:buNone/>
+              <a:defRPr sz="1600" kern="1200">
+                <a:solidFill>
+                  <a:schemeClr val="tx1"/>
+                </a:solidFill>
+                <a:latin typeface="+mn-lt"/>
+                <a:ea typeface="+mn-ea"/>
+                <a:cs typeface="+mn-cs"/>
+              </a:defRPr>
+            </a:lvl6pPr>
+            <a:lvl7pPr marL="2743200" indent="0" algn="ctr" defTabSz="914400" rtl="0" eaLnBrk="1" latinLnBrk="0" hangingPunct="1">
+              <a:lnSpc>
+                <a:spcPct val="90000"/>
+              </a:lnSpc>
+              <a:spcBef>
+                <a:spcPts val="500"/>
+              </a:spcBef>
+              <a:buFont typeface="Arial" panose="020B0604020202020204" pitchFamily="34" charset="0"/>
+              <a:buNone/>
+              <a:defRPr sz="1600" kern="1200">
+                <a:solidFill>
+                  <a:schemeClr val="tx1"/>
+                </a:solidFill>
+                <a:latin typeface="+mn-lt"/>
+                <a:ea typeface="+mn-ea"/>
+                <a:cs typeface="+mn-cs"/>
+              </a:defRPr>
+            </a:lvl7pPr>
+            <a:lvl8pPr marL="3200400" indent="0" algn="ctr" defTabSz="914400" rtl="0" eaLnBrk="1" latinLnBrk="0" hangingPunct="1">
+              <a:lnSpc>
+                <a:spcPct val="90000"/>
+              </a:lnSpc>
+              <a:spcBef>
+                <a:spcPts val="500"/>
+              </a:spcBef>
+              <a:buFont typeface="Arial" panose="020B0604020202020204" pitchFamily="34" charset="0"/>
+              <a:buNone/>
+              <a:defRPr sz="1600" kern="1200">
+                <a:solidFill>
+                  <a:schemeClr val="tx1"/>
+                </a:solidFill>
+                <a:latin typeface="+mn-lt"/>
+                <a:ea typeface="+mn-ea"/>
+                <a:cs typeface="+mn-cs"/>
+              </a:defRPr>
+            </a:lvl8pPr>
+            <a:lvl9pPr marL="3657600" indent="0" algn="ctr" defTabSz="914400" rtl="0" eaLnBrk="1" latinLnBrk="0" hangingPunct="1">
+              <a:lnSpc>
+                <a:spcPct val="90000"/>
+              </a:lnSpc>
+              <a:spcBef>
+                <a:spcPts val="500"/>
+              </a:spcBef>
+              <a:buFont typeface="Arial" panose="020B0604020202020204" pitchFamily="34" charset="0"/>
+              <a:buNone/>
+              <a:defRPr sz="1600" kern="1200">
+                <a:solidFill>
+                  <a:schemeClr val="tx1"/>
+                </a:solidFill>
+                <a:latin typeface="+mn-lt"/>
+                <a:ea typeface="+mn-ea"/>
+                <a:cs typeface="+mn-cs"/>
+              </a:defRPr>
+            </a:lvl9pPr>
+          </a:lstStyle>
+          <a:p>
+            <a:pPr algn="l"/>
+            <a:r>
+              <a:rPr lang="en-US" sz="3600" dirty="0">
+                <a:solidFill>
+                  <a:schemeClr val="bg1"/>
+                </a:solidFill>
+              </a:rPr>
+              <a:t>What are good metrics to show for </a:t>
+            </a:r>
+            <a:r>
+              <a:rPr lang="en-US" sz="3600" b="1" dirty="0">
+                <a:solidFill>
+                  <a:schemeClr val="bg1"/>
+                </a:solidFill>
+              </a:rPr>
+              <a:t>time</a:t>
+            </a:r>
+            <a:r>
+              <a:rPr lang="en-US" sz="3600" dirty="0">
+                <a:solidFill>
+                  <a:schemeClr val="bg1"/>
+                </a:solidFill>
+              </a:rPr>
+              <a:t>?</a:t>
+            </a:r>
+          </a:p>
+        </p:txBody>
+      </p:sp>
+    </p:spTree>
+    <p:extLst>
+      <p:ext uri="{BB962C8B-B14F-4D97-AF65-F5344CB8AC3E}">
+        <p14:creationId xmlns:p14="http://schemas.microsoft.com/office/powerpoint/2010/main" val="4097002380"/>
+      </p:ext>
+    </p:extLst>
+  </p:cSld>
+  <p:clrMapOvr>
+    <a:masterClrMapping/>
+  </p:clrMapOvr>
+</p:sld>
+</file>
+
+<file path=ppt/slides/slide19.xml><?xml version="1.0" encoding="utf-8"?>
 <p:sld xmlns:a="http://schemas.openxmlformats.org/drawingml/2006/main" xmlns:r="http://schemas.openxmlformats.org/officeDocument/2006/relationships" xmlns:p="http://schemas.openxmlformats.org/presentationml/2006/main">
   <p:cSld>
     <p:bg>
@@ -5152,7 +6986,1095 @@
 </p:sld>
 </file>
 
-<file path=ppt/slides/slide17.xml><?xml version="1.0" encoding="utf-8"?>
+<file path=ppt/slides/slide2.xml><?xml version="1.0" encoding="utf-8"?>
+<p:sld xmlns:a="http://schemas.openxmlformats.org/drawingml/2006/main" xmlns:r="http://schemas.openxmlformats.org/officeDocument/2006/relationships" xmlns:p="http://schemas.openxmlformats.org/presentationml/2006/main">
+  <p:cSld>
+    <p:bg>
+      <p:bgPr>
+        <a:solidFill>
+          <a:schemeClr val="tx1"/>
+        </a:solidFill>
+        <a:effectLst/>
+      </p:bgPr>
+    </p:bg>
+    <p:spTree>
+      <p:nvGrpSpPr>
+        <p:cNvPr id="1" name=""/>
+        <p:cNvGrpSpPr/>
+        <p:nvPr/>
+      </p:nvGrpSpPr>
+      <p:grpSpPr>
+        <a:xfrm>
+          <a:off x="0" y="0"/>
+          <a:ext cx="0" cy="0"/>
+          <a:chOff x="0" y="0"/>
+          <a:chExt cx="0" cy="0"/>
+        </a:xfrm>
+      </p:grpSpPr>
+      <p:sp>
+        <p:nvSpPr>
+          <p:cNvPr id="2" name="Title 1">
+            <a:extLst>
+              <a:ext uri="{FF2B5EF4-FFF2-40B4-BE49-F238E27FC236}">
+                <a16:creationId xmlns:a16="http://schemas.microsoft.com/office/drawing/2014/main" id="{85AA2C41-A218-F03E-E75B-E23D489DF99B}"/>
+              </a:ext>
+            </a:extLst>
+          </p:cNvPr>
+          <p:cNvSpPr>
+            <a:spLocks noGrp="1"/>
+          </p:cNvSpPr>
+          <p:nvPr>
+            <p:ph type="ctrTitle"/>
+          </p:nvPr>
+        </p:nvSpPr>
+        <p:spPr>
+          <a:xfrm>
+            <a:off x="1524000" y="297415"/>
+            <a:ext cx="9144000" cy="1123880"/>
+          </a:xfrm>
+        </p:spPr>
+        <p:txBody>
+          <a:bodyPr>
+            <a:normAutofit fontScale="90000"/>
+          </a:bodyPr>
+          <a:lstStyle/>
+          <a:p>
+            <a:r>
+              <a:rPr lang="en-US" sz="8000" dirty="0">
+                <a:solidFill>
+                  <a:schemeClr val="bg1"/>
+                </a:solidFill>
+              </a:rPr>
+              <a:t>Where it began</a:t>
+            </a:r>
+          </a:p>
+        </p:txBody>
+      </p:sp>
+      <p:sp>
+        <p:nvSpPr>
+          <p:cNvPr id="3" name="Subtitle 2">
+            <a:extLst>
+              <a:ext uri="{FF2B5EF4-FFF2-40B4-BE49-F238E27FC236}">
+                <a16:creationId xmlns:a16="http://schemas.microsoft.com/office/drawing/2014/main" id="{62ED4E8C-6CFC-4E48-C834-72281A46F5C1}"/>
+              </a:ext>
+            </a:extLst>
+          </p:cNvPr>
+          <p:cNvSpPr>
+            <a:spLocks noGrp="1"/>
+          </p:cNvSpPr>
+          <p:nvPr>
+            <p:ph type="subTitle" idx="1"/>
+          </p:nvPr>
+        </p:nvSpPr>
+        <p:spPr>
+          <a:xfrm>
+            <a:off x="1027043" y="1651347"/>
+            <a:ext cx="10137913" cy="773802"/>
+          </a:xfrm>
+        </p:spPr>
+        <p:txBody>
+          <a:bodyPr>
+            <a:normAutofit/>
+          </a:bodyPr>
+          <a:lstStyle/>
+          <a:p>
+            <a:r>
+              <a:rPr lang="en-US" sz="3600" b="1" dirty="0">
+                <a:solidFill>
+                  <a:schemeClr val="bg1"/>
+                </a:solidFill>
+              </a:rPr>
+              <a:t>Massively Parallel Gaussian Process Regression</a:t>
+            </a:r>
+          </a:p>
+        </p:txBody>
+      </p:sp>
+      <p:pic>
+        <p:nvPicPr>
+          <p:cNvPr id="5" name="Graphic 4" descr="Checkmark with solid fill">
+            <a:extLst>
+              <a:ext uri="{FF2B5EF4-FFF2-40B4-BE49-F238E27FC236}">
+                <a16:creationId xmlns:a16="http://schemas.microsoft.com/office/drawing/2014/main" id="{12714982-B3CB-F6B0-0150-38CBA6320D88}"/>
+              </a:ext>
+            </a:extLst>
+          </p:cNvPr>
+          <p:cNvPicPr>
+            <a:picLocks noChangeAspect="1"/>
+          </p:cNvPicPr>
+          <p:nvPr/>
+        </p:nvPicPr>
+        <p:blipFill>
+          <a:blip r:embed="rId2">
+            <a:extLst>
+              <a:ext uri="{28A0092B-C50C-407E-A947-70E740481C1C}">
+                <a14:useLocalDpi xmlns:a14="http://schemas.microsoft.com/office/drawing/2010/main" val="0"/>
+              </a:ext>
+              <a:ext uri="{96DAC541-7B7A-43D3-8B79-37D633B846F1}">
+                <asvg:svgBlip xmlns:asvg="http://schemas.microsoft.com/office/drawing/2016/SVG/main" r:embed="rId3"/>
+              </a:ext>
+            </a:extLst>
+          </a:blip>
+          <a:stretch>
+            <a:fillRect/>
+          </a:stretch>
+        </p:blipFill>
+        <p:spPr>
+          <a:xfrm>
+            <a:off x="2222028" y="2519039"/>
+            <a:ext cx="630504" cy="630504"/>
+          </a:xfrm>
+          <a:prstGeom prst="rect">
+            <a:avLst/>
+          </a:prstGeom>
+        </p:spPr>
+      </p:pic>
+      <p:pic>
+        <p:nvPicPr>
+          <p:cNvPr id="6" name="Graphic 5" descr="Checkmark with solid fill">
+            <a:extLst>
+              <a:ext uri="{FF2B5EF4-FFF2-40B4-BE49-F238E27FC236}">
+                <a16:creationId xmlns:a16="http://schemas.microsoft.com/office/drawing/2014/main" id="{7C68FA3B-53D8-18A2-E911-5A632FC2E2A6}"/>
+              </a:ext>
+            </a:extLst>
+          </p:cNvPr>
+          <p:cNvPicPr>
+            <a:picLocks noChangeAspect="1"/>
+          </p:cNvPicPr>
+          <p:nvPr/>
+        </p:nvPicPr>
+        <p:blipFill>
+          <a:blip r:embed="rId2">
+            <a:extLst>
+              <a:ext uri="{28A0092B-C50C-407E-A947-70E740481C1C}">
+                <a14:useLocalDpi xmlns:a14="http://schemas.microsoft.com/office/drawing/2010/main" val="0"/>
+              </a:ext>
+              <a:ext uri="{96DAC541-7B7A-43D3-8B79-37D633B846F1}">
+                <asvg:svgBlip xmlns:asvg="http://schemas.microsoft.com/office/drawing/2016/SVG/main" r:embed="rId3"/>
+              </a:ext>
+            </a:extLst>
+          </a:blip>
+          <a:stretch>
+            <a:fillRect/>
+          </a:stretch>
+        </p:blipFill>
+        <p:spPr>
+          <a:xfrm>
+            <a:off x="2222028" y="3149543"/>
+            <a:ext cx="630504" cy="630504"/>
+          </a:xfrm>
+          <a:prstGeom prst="rect">
+            <a:avLst/>
+          </a:prstGeom>
+        </p:spPr>
+      </p:pic>
+      <p:pic>
+        <p:nvPicPr>
+          <p:cNvPr id="7" name="Graphic 6" descr="Checkmark with solid fill">
+            <a:extLst>
+              <a:ext uri="{FF2B5EF4-FFF2-40B4-BE49-F238E27FC236}">
+                <a16:creationId xmlns:a16="http://schemas.microsoft.com/office/drawing/2014/main" id="{3F8425D7-EA6D-985B-5385-605D4D928775}"/>
+              </a:ext>
+            </a:extLst>
+          </p:cNvPr>
+          <p:cNvPicPr>
+            <a:picLocks noChangeAspect="1"/>
+          </p:cNvPicPr>
+          <p:nvPr/>
+        </p:nvPicPr>
+        <p:blipFill>
+          <a:blip r:embed="rId2">
+            <a:extLst>
+              <a:ext uri="{28A0092B-C50C-407E-A947-70E740481C1C}">
+                <a14:useLocalDpi xmlns:a14="http://schemas.microsoft.com/office/drawing/2010/main" val="0"/>
+              </a:ext>
+              <a:ext uri="{96DAC541-7B7A-43D3-8B79-37D633B846F1}">
+                <asvg:svgBlip xmlns:asvg="http://schemas.microsoft.com/office/drawing/2016/SVG/main" r:embed="rId3"/>
+              </a:ext>
+            </a:extLst>
+          </a:blip>
+          <a:stretch>
+            <a:fillRect/>
+          </a:stretch>
+        </p:blipFill>
+        <p:spPr>
+          <a:xfrm>
+            <a:off x="2222028" y="3780047"/>
+            <a:ext cx="630504" cy="630504"/>
+          </a:xfrm>
+          <a:prstGeom prst="rect">
+            <a:avLst/>
+          </a:prstGeom>
+        </p:spPr>
+      </p:pic>
+      <p:sp>
+        <p:nvSpPr>
+          <p:cNvPr id="8" name="Subtitle 2">
+            <a:extLst>
+              <a:ext uri="{FF2B5EF4-FFF2-40B4-BE49-F238E27FC236}">
+                <a16:creationId xmlns:a16="http://schemas.microsoft.com/office/drawing/2014/main" id="{7B6AEC6A-F167-1D1E-AC7A-5EB655CF53F8}"/>
+              </a:ext>
+            </a:extLst>
+          </p:cNvPr>
+          <p:cNvSpPr txBox="1">
+            <a:spLocks/>
+          </p:cNvSpPr>
+          <p:nvPr/>
+        </p:nvSpPr>
+        <p:spPr>
+          <a:xfrm>
+            <a:off x="2964694" y="2527817"/>
+            <a:ext cx="6656383" cy="601848"/>
+          </a:xfrm>
+          <a:prstGeom prst="rect">
+            <a:avLst/>
+          </a:prstGeom>
+        </p:spPr>
+        <p:txBody>
+          <a:bodyPr vert="horz" lIns="91440" tIns="45720" rIns="91440" bIns="45720" rtlCol="0">
+            <a:normAutofit/>
+          </a:bodyPr>
+          <a:lstStyle>
+            <a:lvl1pPr marL="0" indent="0" algn="ctr" defTabSz="914400" rtl="0" eaLnBrk="1" latinLnBrk="0" hangingPunct="1">
+              <a:lnSpc>
+                <a:spcPct val="90000"/>
+              </a:lnSpc>
+              <a:spcBef>
+                <a:spcPts val="1000"/>
+              </a:spcBef>
+              <a:buFont typeface="Arial" panose="020B0604020202020204" pitchFamily="34" charset="0"/>
+              <a:buNone/>
+              <a:defRPr sz="2400" kern="1200">
+                <a:solidFill>
+                  <a:schemeClr val="tx1"/>
+                </a:solidFill>
+                <a:latin typeface="+mn-lt"/>
+                <a:ea typeface="+mn-ea"/>
+                <a:cs typeface="+mn-cs"/>
+              </a:defRPr>
+            </a:lvl1pPr>
+            <a:lvl2pPr marL="457200" indent="0" algn="ctr" defTabSz="914400" rtl="0" eaLnBrk="1" latinLnBrk="0" hangingPunct="1">
+              <a:lnSpc>
+                <a:spcPct val="90000"/>
+              </a:lnSpc>
+              <a:spcBef>
+                <a:spcPts val="500"/>
+              </a:spcBef>
+              <a:buFont typeface="Arial" panose="020B0604020202020204" pitchFamily="34" charset="0"/>
+              <a:buNone/>
+              <a:defRPr sz="2000" kern="1200">
+                <a:solidFill>
+                  <a:schemeClr val="tx1"/>
+                </a:solidFill>
+                <a:latin typeface="+mn-lt"/>
+                <a:ea typeface="+mn-ea"/>
+                <a:cs typeface="+mn-cs"/>
+              </a:defRPr>
+            </a:lvl2pPr>
+            <a:lvl3pPr marL="914400" indent="0" algn="ctr" defTabSz="914400" rtl="0" eaLnBrk="1" latinLnBrk="0" hangingPunct="1">
+              <a:lnSpc>
+                <a:spcPct val="90000"/>
+              </a:lnSpc>
+              <a:spcBef>
+                <a:spcPts val="500"/>
+              </a:spcBef>
+              <a:buFont typeface="Arial" panose="020B0604020202020204" pitchFamily="34" charset="0"/>
+              <a:buNone/>
+              <a:defRPr sz="1800" kern="1200">
+                <a:solidFill>
+                  <a:schemeClr val="tx1"/>
+                </a:solidFill>
+                <a:latin typeface="+mn-lt"/>
+                <a:ea typeface="+mn-ea"/>
+                <a:cs typeface="+mn-cs"/>
+              </a:defRPr>
+            </a:lvl3pPr>
+            <a:lvl4pPr marL="1371600" indent="0" algn="ctr" defTabSz="914400" rtl="0" eaLnBrk="1" latinLnBrk="0" hangingPunct="1">
+              <a:lnSpc>
+                <a:spcPct val="90000"/>
+              </a:lnSpc>
+              <a:spcBef>
+                <a:spcPts val="500"/>
+              </a:spcBef>
+              <a:buFont typeface="Arial" panose="020B0604020202020204" pitchFamily="34" charset="0"/>
+              <a:buNone/>
+              <a:defRPr sz="1600" kern="1200">
+                <a:solidFill>
+                  <a:schemeClr val="tx1"/>
+                </a:solidFill>
+                <a:latin typeface="+mn-lt"/>
+                <a:ea typeface="+mn-ea"/>
+                <a:cs typeface="+mn-cs"/>
+              </a:defRPr>
+            </a:lvl4pPr>
+            <a:lvl5pPr marL="1828800" indent="0" algn="ctr" defTabSz="914400" rtl="0" eaLnBrk="1" latinLnBrk="0" hangingPunct="1">
+              <a:lnSpc>
+                <a:spcPct val="90000"/>
+              </a:lnSpc>
+              <a:spcBef>
+                <a:spcPts val="500"/>
+              </a:spcBef>
+              <a:buFont typeface="Arial" panose="020B0604020202020204" pitchFamily="34" charset="0"/>
+              <a:buNone/>
+              <a:defRPr sz="1600" kern="1200">
+                <a:solidFill>
+                  <a:schemeClr val="tx1"/>
+                </a:solidFill>
+                <a:latin typeface="+mn-lt"/>
+                <a:ea typeface="+mn-ea"/>
+                <a:cs typeface="+mn-cs"/>
+              </a:defRPr>
+            </a:lvl5pPr>
+            <a:lvl6pPr marL="2286000" indent="0" algn="ctr" defTabSz="914400" rtl="0" eaLnBrk="1" latinLnBrk="0" hangingPunct="1">
+              <a:lnSpc>
+                <a:spcPct val="90000"/>
+              </a:lnSpc>
+              <a:spcBef>
+                <a:spcPts val="500"/>
+              </a:spcBef>
+              <a:buFont typeface="Arial" panose="020B0604020202020204" pitchFamily="34" charset="0"/>
+              <a:buNone/>
+              <a:defRPr sz="1600" kern="1200">
+                <a:solidFill>
+                  <a:schemeClr val="tx1"/>
+                </a:solidFill>
+                <a:latin typeface="+mn-lt"/>
+                <a:ea typeface="+mn-ea"/>
+                <a:cs typeface="+mn-cs"/>
+              </a:defRPr>
+            </a:lvl6pPr>
+            <a:lvl7pPr marL="2743200" indent="0" algn="ctr" defTabSz="914400" rtl="0" eaLnBrk="1" latinLnBrk="0" hangingPunct="1">
+              <a:lnSpc>
+                <a:spcPct val="90000"/>
+              </a:lnSpc>
+              <a:spcBef>
+                <a:spcPts val="500"/>
+              </a:spcBef>
+              <a:buFont typeface="Arial" panose="020B0604020202020204" pitchFamily="34" charset="0"/>
+              <a:buNone/>
+              <a:defRPr sz="1600" kern="1200">
+                <a:solidFill>
+                  <a:schemeClr val="tx1"/>
+                </a:solidFill>
+                <a:latin typeface="+mn-lt"/>
+                <a:ea typeface="+mn-ea"/>
+                <a:cs typeface="+mn-cs"/>
+              </a:defRPr>
+            </a:lvl7pPr>
+            <a:lvl8pPr marL="3200400" indent="0" algn="ctr" defTabSz="914400" rtl="0" eaLnBrk="1" latinLnBrk="0" hangingPunct="1">
+              <a:lnSpc>
+                <a:spcPct val="90000"/>
+              </a:lnSpc>
+              <a:spcBef>
+                <a:spcPts val="500"/>
+              </a:spcBef>
+              <a:buFont typeface="Arial" panose="020B0604020202020204" pitchFamily="34" charset="0"/>
+              <a:buNone/>
+              <a:defRPr sz="1600" kern="1200">
+                <a:solidFill>
+                  <a:schemeClr val="tx1"/>
+                </a:solidFill>
+                <a:latin typeface="+mn-lt"/>
+                <a:ea typeface="+mn-ea"/>
+                <a:cs typeface="+mn-cs"/>
+              </a:defRPr>
+            </a:lvl8pPr>
+            <a:lvl9pPr marL="3657600" indent="0" algn="ctr" defTabSz="914400" rtl="0" eaLnBrk="1" latinLnBrk="0" hangingPunct="1">
+              <a:lnSpc>
+                <a:spcPct val="90000"/>
+              </a:lnSpc>
+              <a:spcBef>
+                <a:spcPts val="500"/>
+              </a:spcBef>
+              <a:buFont typeface="Arial" panose="020B0604020202020204" pitchFamily="34" charset="0"/>
+              <a:buNone/>
+              <a:defRPr sz="1600" kern="1200">
+                <a:solidFill>
+                  <a:schemeClr val="tx1"/>
+                </a:solidFill>
+                <a:latin typeface="+mn-lt"/>
+                <a:ea typeface="+mn-ea"/>
+                <a:cs typeface="+mn-cs"/>
+              </a:defRPr>
+            </a:lvl9pPr>
+          </a:lstStyle>
+          <a:p>
+            <a:pPr algn="l"/>
+            <a:r>
+              <a:rPr lang="en-US" sz="3600" dirty="0">
+                <a:solidFill>
+                  <a:schemeClr val="bg1"/>
+                </a:solidFill>
+              </a:rPr>
+              <a:t>real-time updatable GPR solution</a:t>
+            </a:r>
+          </a:p>
+        </p:txBody>
+      </p:sp>
+      <p:sp>
+        <p:nvSpPr>
+          <p:cNvPr id="9" name="Subtitle 2">
+            <a:extLst>
+              <a:ext uri="{FF2B5EF4-FFF2-40B4-BE49-F238E27FC236}">
+                <a16:creationId xmlns:a16="http://schemas.microsoft.com/office/drawing/2014/main" id="{2B3A38E6-1DCD-C3C4-14E5-BDB194B4A7B9}"/>
+              </a:ext>
+            </a:extLst>
+          </p:cNvPr>
+          <p:cNvSpPr txBox="1">
+            <a:spLocks/>
+          </p:cNvSpPr>
+          <p:nvPr/>
+        </p:nvSpPr>
+        <p:spPr>
+          <a:xfrm>
+            <a:off x="2964695" y="3163871"/>
+            <a:ext cx="6322242" cy="601848"/>
+          </a:xfrm>
+          <a:prstGeom prst="rect">
+            <a:avLst/>
+          </a:prstGeom>
+        </p:spPr>
+        <p:txBody>
+          <a:bodyPr vert="horz" lIns="91440" tIns="45720" rIns="91440" bIns="45720" rtlCol="0">
+            <a:normAutofit/>
+          </a:bodyPr>
+          <a:lstStyle>
+            <a:lvl1pPr marL="0" indent="0" algn="ctr" defTabSz="914400" rtl="0" eaLnBrk="1" latinLnBrk="0" hangingPunct="1">
+              <a:lnSpc>
+                <a:spcPct val="90000"/>
+              </a:lnSpc>
+              <a:spcBef>
+                <a:spcPts val="1000"/>
+              </a:spcBef>
+              <a:buFont typeface="Arial" panose="020B0604020202020204" pitchFamily="34" charset="0"/>
+              <a:buNone/>
+              <a:defRPr sz="2400" kern="1200">
+                <a:solidFill>
+                  <a:schemeClr val="tx1"/>
+                </a:solidFill>
+                <a:latin typeface="+mn-lt"/>
+                <a:ea typeface="+mn-ea"/>
+                <a:cs typeface="+mn-cs"/>
+              </a:defRPr>
+            </a:lvl1pPr>
+            <a:lvl2pPr marL="457200" indent="0" algn="ctr" defTabSz="914400" rtl="0" eaLnBrk="1" latinLnBrk="0" hangingPunct="1">
+              <a:lnSpc>
+                <a:spcPct val="90000"/>
+              </a:lnSpc>
+              <a:spcBef>
+                <a:spcPts val="500"/>
+              </a:spcBef>
+              <a:buFont typeface="Arial" panose="020B0604020202020204" pitchFamily="34" charset="0"/>
+              <a:buNone/>
+              <a:defRPr sz="2000" kern="1200">
+                <a:solidFill>
+                  <a:schemeClr val="tx1"/>
+                </a:solidFill>
+                <a:latin typeface="+mn-lt"/>
+                <a:ea typeface="+mn-ea"/>
+                <a:cs typeface="+mn-cs"/>
+              </a:defRPr>
+            </a:lvl2pPr>
+            <a:lvl3pPr marL="914400" indent="0" algn="ctr" defTabSz="914400" rtl="0" eaLnBrk="1" latinLnBrk="0" hangingPunct="1">
+              <a:lnSpc>
+                <a:spcPct val="90000"/>
+              </a:lnSpc>
+              <a:spcBef>
+                <a:spcPts val="500"/>
+              </a:spcBef>
+              <a:buFont typeface="Arial" panose="020B0604020202020204" pitchFamily="34" charset="0"/>
+              <a:buNone/>
+              <a:defRPr sz="1800" kern="1200">
+                <a:solidFill>
+                  <a:schemeClr val="tx1"/>
+                </a:solidFill>
+                <a:latin typeface="+mn-lt"/>
+                <a:ea typeface="+mn-ea"/>
+                <a:cs typeface="+mn-cs"/>
+              </a:defRPr>
+            </a:lvl3pPr>
+            <a:lvl4pPr marL="1371600" indent="0" algn="ctr" defTabSz="914400" rtl="0" eaLnBrk="1" latinLnBrk="0" hangingPunct="1">
+              <a:lnSpc>
+                <a:spcPct val="90000"/>
+              </a:lnSpc>
+              <a:spcBef>
+                <a:spcPts val="500"/>
+              </a:spcBef>
+              <a:buFont typeface="Arial" panose="020B0604020202020204" pitchFamily="34" charset="0"/>
+              <a:buNone/>
+              <a:defRPr sz="1600" kern="1200">
+                <a:solidFill>
+                  <a:schemeClr val="tx1"/>
+                </a:solidFill>
+                <a:latin typeface="+mn-lt"/>
+                <a:ea typeface="+mn-ea"/>
+                <a:cs typeface="+mn-cs"/>
+              </a:defRPr>
+            </a:lvl4pPr>
+            <a:lvl5pPr marL="1828800" indent="0" algn="ctr" defTabSz="914400" rtl="0" eaLnBrk="1" latinLnBrk="0" hangingPunct="1">
+              <a:lnSpc>
+                <a:spcPct val="90000"/>
+              </a:lnSpc>
+              <a:spcBef>
+                <a:spcPts val="500"/>
+              </a:spcBef>
+              <a:buFont typeface="Arial" panose="020B0604020202020204" pitchFamily="34" charset="0"/>
+              <a:buNone/>
+              <a:defRPr sz="1600" kern="1200">
+                <a:solidFill>
+                  <a:schemeClr val="tx1"/>
+                </a:solidFill>
+                <a:latin typeface="+mn-lt"/>
+                <a:ea typeface="+mn-ea"/>
+                <a:cs typeface="+mn-cs"/>
+              </a:defRPr>
+            </a:lvl5pPr>
+            <a:lvl6pPr marL="2286000" indent="0" algn="ctr" defTabSz="914400" rtl="0" eaLnBrk="1" latinLnBrk="0" hangingPunct="1">
+              <a:lnSpc>
+                <a:spcPct val="90000"/>
+              </a:lnSpc>
+              <a:spcBef>
+                <a:spcPts val="500"/>
+              </a:spcBef>
+              <a:buFont typeface="Arial" panose="020B0604020202020204" pitchFamily="34" charset="0"/>
+              <a:buNone/>
+              <a:defRPr sz="1600" kern="1200">
+                <a:solidFill>
+                  <a:schemeClr val="tx1"/>
+                </a:solidFill>
+                <a:latin typeface="+mn-lt"/>
+                <a:ea typeface="+mn-ea"/>
+                <a:cs typeface="+mn-cs"/>
+              </a:defRPr>
+            </a:lvl6pPr>
+            <a:lvl7pPr marL="2743200" indent="0" algn="ctr" defTabSz="914400" rtl="0" eaLnBrk="1" latinLnBrk="0" hangingPunct="1">
+              <a:lnSpc>
+                <a:spcPct val="90000"/>
+              </a:lnSpc>
+              <a:spcBef>
+                <a:spcPts val="500"/>
+              </a:spcBef>
+              <a:buFont typeface="Arial" panose="020B0604020202020204" pitchFamily="34" charset="0"/>
+              <a:buNone/>
+              <a:defRPr sz="1600" kern="1200">
+                <a:solidFill>
+                  <a:schemeClr val="tx1"/>
+                </a:solidFill>
+                <a:latin typeface="+mn-lt"/>
+                <a:ea typeface="+mn-ea"/>
+                <a:cs typeface="+mn-cs"/>
+              </a:defRPr>
+            </a:lvl7pPr>
+            <a:lvl8pPr marL="3200400" indent="0" algn="ctr" defTabSz="914400" rtl="0" eaLnBrk="1" latinLnBrk="0" hangingPunct="1">
+              <a:lnSpc>
+                <a:spcPct val="90000"/>
+              </a:lnSpc>
+              <a:spcBef>
+                <a:spcPts val="500"/>
+              </a:spcBef>
+              <a:buFont typeface="Arial" panose="020B0604020202020204" pitchFamily="34" charset="0"/>
+              <a:buNone/>
+              <a:defRPr sz="1600" kern="1200">
+                <a:solidFill>
+                  <a:schemeClr val="tx1"/>
+                </a:solidFill>
+                <a:latin typeface="+mn-lt"/>
+                <a:ea typeface="+mn-ea"/>
+                <a:cs typeface="+mn-cs"/>
+              </a:defRPr>
+            </a:lvl8pPr>
+            <a:lvl9pPr marL="3657600" indent="0" algn="ctr" defTabSz="914400" rtl="0" eaLnBrk="1" latinLnBrk="0" hangingPunct="1">
+              <a:lnSpc>
+                <a:spcPct val="90000"/>
+              </a:lnSpc>
+              <a:spcBef>
+                <a:spcPts val="500"/>
+              </a:spcBef>
+              <a:buFont typeface="Arial" panose="020B0604020202020204" pitchFamily="34" charset="0"/>
+              <a:buNone/>
+              <a:defRPr sz="1600" kern="1200">
+                <a:solidFill>
+                  <a:schemeClr val="tx1"/>
+                </a:solidFill>
+                <a:latin typeface="+mn-lt"/>
+                <a:ea typeface="+mn-ea"/>
+                <a:cs typeface="+mn-cs"/>
+              </a:defRPr>
+            </a:lvl9pPr>
+          </a:lstStyle>
+          <a:p>
+            <a:pPr algn="l"/>
+            <a:r>
+              <a:rPr lang="en-US" sz="3600" dirty="0">
+                <a:solidFill>
+                  <a:schemeClr val="bg1"/>
+                </a:solidFill>
+              </a:rPr>
+              <a:t>exact solution (uses all data)</a:t>
+            </a:r>
+          </a:p>
+        </p:txBody>
+      </p:sp>
+      <p:sp>
+        <p:nvSpPr>
+          <p:cNvPr id="10" name="Subtitle 2">
+            <a:extLst>
+              <a:ext uri="{FF2B5EF4-FFF2-40B4-BE49-F238E27FC236}">
+                <a16:creationId xmlns:a16="http://schemas.microsoft.com/office/drawing/2014/main" id="{17D2626C-20FF-ADB0-879C-E22151D60DEB}"/>
+              </a:ext>
+            </a:extLst>
+          </p:cNvPr>
+          <p:cNvSpPr txBox="1">
+            <a:spLocks/>
+          </p:cNvSpPr>
+          <p:nvPr/>
+        </p:nvSpPr>
+        <p:spPr>
+          <a:xfrm>
+            <a:off x="2964694" y="3809864"/>
+            <a:ext cx="7600602" cy="773802"/>
+          </a:xfrm>
+          <a:prstGeom prst="rect">
+            <a:avLst/>
+          </a:prstGeom>
+        </p:spPr>
+        <p:txBody>
+          <a:bodyPr vert="horz" lIns="91440" tIns="45720" rIns="91440" bIns="45720" rtlCol="0">
+            <a:normAutofit/>
+          </a:bodyPr>
+          <a:lstStyle>
+            <a:lvl1pPr marL="0" indent="0" algn="ctr" defTabSz="914400" rtl="0" eaLnBrk="1" latinLnBrk="0" hangingPunct="1">
+              <a:lnSpc>
+                <a:spcPct val="90000"/>
+              </a:lnSpc>
+              <a:spcBef>
+                <a:spcPts val="1000"/>
+              </a:spcBef>
+              <a:buFont typeface="Arial" panose="020B0604020202020204" pitchFamily="34" charset="0"/>
+              <a:buNone/>
+              <a:defRPr sz="2400" kern="1200">
+                <a:solidFill>
+                  <a:schemeClr val="tx1"/>
+                </a:solidFill>
+                <a:latin typeface="+mn-lt"/>
+                <a:ea typeface="+mn-ea"/>
+                <a:cs typeface="+mn-cs"/>
+              </a:defRPr>
+            </a:lvl1pPr>
+            <a:lvl2pPr marL="457200" indent="0" algn="ctr" defTabSz="914400" rtl="0" eaLnBrk="1" latinLnBrk="0" hangingPunct="1">
+              <a:lnSpc>
+                <a:spcPct val="90000"/>
+              </a:lnSpc>
+              <a:spcBef>
+                <a:spcPts val="500"/>
+              </a:spcBef>
+              <a:buFont typeface="Arial" panose="020B0604020202020204" pitchFamily="34" charset="0"/>
+              <a:buNone/>
+              <a:defRPr sz="2000" kern="1200">
+                <a:solidFill>
+                  <a:schemeClr val="tx1"/>
+                </a:solidFill>
+                <a:latin typeface="+mn-lt"/>
+                <a:ea typeface="+mn-ea"/>
+                <a:cs typeface="+mn-cs"/>
+              </a:defRPr>
+            </a:lvl2pPr>
+            <a:lvl3pPr marL="914400" indent="0" algn="ctr" defTabSz="914400" rtl="0" eaLnBrk="1" latinLnBrk="0" hangingPunct="1">
+              <a:lnSpc>
+                <a:spcPct val="90000"/>
+              </a:lnSpc>
+              <a:spcBef>
+                <a:spcPts val="500"/>
+              </a:spcBef>
+              <a:buFont typeface="Arial" panose="020B0604020202020204" pitchFamily="34" charset="0"/>
+              <a:buNone/>
+              <a:defRPr sz="1800" kern="1200">
+                <a:solidFill>
+                  <a:schemeClr val="tx1"/>
+                </a:solidFill>
+                <a:latin typeface="+mn-lt"/>
+                <a:ea typeface="+mn-ea"/>
+                <a:cs typeface="+mn-cs"/>
+              </a:defRPr>
+            </a:lvl3pPr>
+            <a:lvl4pPr marL="1371600" indent="0" algn="ctr" defTabSz="914400" rtl="0" eaLnBrk="1" latinLnBrk="0" hangingPunct="1">
+              <a:lnSpc>
+                <a:spcPct val="90000"/>
+              </a:lnSpc>
+              <a:spcBef>
+                <a:spcPts val="500"/>
+              </a:spcBef>
+              <a:buFont typeface="Arial" panose="020B0604020202020204" pitchFamily="34" charset="0"/>
+              <a:buNone/>
+              <a:defRPr sz="1600" kern="1200">
+                <a:solidFill>
+                  <a:schemeClr val="tx1"/>
+                </a:solidFill>
+                <a:latin typeface="+mn-lt"/>
+                <a:ea typeface="+mn-ea"/>
+                <a:cs typeface="+mn-cs"/>
+              </a:defRPr>
+            </a:lvl4pPr>
+            <a:lvl5pPr marL="1828800" indent="0" algn="ctr" defTabSz="914400" rtl="0" eaLnBrk="1" latinLnBrk="0" hangingPunct="1">
+              <a:lnSpc>
+                <a:spcPct val="90000"/>
+              </a:lnSpc>
+              <a:spcBef>
+                <a:spcPts val="500"/>
+              </a:spcBef>
+              <a:buFont typeface="Arial" panose="020B0604020202020204" pitchFamily="34" charset="0"/>
+              <a:buNone/>
+              <a:defRPr sz="1600" kern="1200">
+                <a:solidFill>
+                  <a:schemeClr val="tx1"/>
+                </a:solidFill>
+                <a:latin typeface="+mn-lt"/>
+                <a:ea typeface="+mn-ea"/>
+                <a:cs typeface="+mn-cs"/>
+              </a:defRPr>
+            </a:lvl5pPr>
+            <a:lvl6pPr marL="2286000" indent="0" algn="ctr" defTabSz="914400" rtl="0" eaLnBrk="1" latinLnBrk="0" hangingPunct="1">
+              <a:lnSpc>
+                <a:spcPct val="90000"/>
+              </a:lnSpc>
+              <a:spcBef>
+                <a:spcPts val="500"/>
+              </a:spcBef>
+              <a:buFont typeface="Arial" panose="020B0604020202020204" pitchFamily="34" charset="0"/>
+              <a:buNone/>
+              <a:defRPr sz="1600" kern="1200">
+                <a:solidFill>
+                  <a:schemeClr val="tx1"/>
+                </a:solidFill>
+                <a:latin typeface="+mn-lt"/>
+                <a:ea typeface="+mn-ea"/>
+                <a:cs typeface="+mn-cs"/>
+              </a:defRPr>
+            </a:lvl6pPr>
+            <a:lvl7pPr marL="2743200" indent="0" algn="ctr" defTabSz="914400" rtl="0" eaLnBrk="1" latinLnBrk="0" hangingPunct="1">
+              <a:lnSpc>
+                <a:spcPct val="90000"/>
+              </a:lnSpc>
+              <a:spcBef>
+                <a:spcPts val="500"/>
+              </a:spcBef>
+              <a:buFont typeface="Arial" panose="020B0604020202020204" pitchFamily="34" charset="0"/>
+              <a:buNone/>
+              <a:defRPr sz="1600" kern="1200">
+                <a:solidFill>
+                  <a:schemeClr val="tx1"/>
+                </a:solidFill>
+                <a:latin typeface="+mn-lt"/>
+                <a:ea typeface="+mn-ea"/>
+                <a:cs typeface="+mn-cs"/>
+              </a:defRPr>
+            </a:lvl7pPr>
+            <a:lvl8pPr marL="3200400" indent="0" algn="ctr" defTabSz="914400" rtl="0" eaLnBrk="1" latinLnBrk="0" hangingPunct="1">
+              <a:lnSpc>
+                <a:spcPct val="90000"/>
+              </a:lnSpc>
+              <a:spcBef>
+                <a:spcPts val="500"/>
+              </a:spcBef>
+              <a:buFont typeface="Arial" panose="020B0604020202020204" pitchFamily="34" charset="0"/>
+              <a:buNone/>
+              <a:defRPr sz="1600" kern="1200">
+                <a:solidFill>
+                  <a:schemeClr val="tx1"/>
+                </a:solidFill>
+                <a:latin typeface="+mn-lt"/>
+                <a:ea typeface="+mn-ea"/>
+                <a:cs typeface="+mn-cs"/>
+              </a:defRPr>
+            </a:lvl8pPr>
+            <a:lvl9pPr marL="3657600" indent="0" algn="ctr" defTabSz="914400" rtl="0" eaLnBrk="1" latinLnBrk="0" hangingPunct="1">
+              <a:lnSpc>
+                <a:spcPct val="90000"/>
+              </a:lnSpc>
+              <a:spcBef>
+                <a:spcPts val="500"/>
+              </a:spcBef>
+              <a:buFont typeface="Arial" panose="020B0604020202020204" pitchFamily="34" charset="0"/>
+              <a:buNone/>
+              <a:defRPr sz="1600" kern="1200">
+                <a:solidFill>
+                  <a:schemeClr val="tx1"/>
+                </a:solidFill>
+                <a:latin typeface="+mn-lt"/>
+                <a:ea typeface="+mn-ea"/>
+                <a:cs typeface="+mn-cs"/>
+              </a:defRPr>
+            </a:lvl9pPr>
+          </a:lstStyle>
+          <a:p>
+            <a:pPr algn="l"/>
+            <a:r>
+              <a:rPr lang="en-US" sz="3600" dirty="0">
+                <a:solidFill>
+                  <a:schemeClr val="bg1"/>
+                </a:solidFill>
+              </a:rPr>
+              <a:t>number of computational speed-ups</a:t>
+            </a:r>
+          </a:p>
+        </p:txBody>
+      </p:sp>
+      <p:sp>
+        <p:nvSpPr>
+          <p:cNvPr id="11" name="Subtitle 2">
+            <a:extLst>
+              <a:ext uri="{FF2B5EF4-FFF2-40B4-BE49-F238E27FC236}">
+                <a16:creationId xmlns:a16="http://schemas.microsoft.com/office/drawing/2014/main" id="{2B0C8A16-0C6E-EA77-51AF-CAD36EA279F2}"/>
+              </a:ext>
+            </a:extLst>
+          </p:cNvPr>
+          <p:cNvSpPr txBox="1">
+            <a:spLocks/>
+          </p:cNvSpPr>
+          <p:nvPr/>
+        </p:nvSpPr>
+        <p:spPr>
+          <a:xfrm>
+            <a:off x="2964694" y="4435468"/>
+            <a:ext cx="7600602" cy="773802"/>
+          </a:xfrm>
+          <a:prstGeom prst="rect">
+            <a:avLst/>
+          </a:prstGeom>
+        </p:spPr>
+        <p:txBody>
+          <a:bodyPr vert="horz" lIns="91440" tIns="45720" rIns="91440" bIns="45720" rtlCol="0">
+            <a:normAutofit/>
+          </a:bodyPr>
+          <a:lstStyle>
+            <a:lvl1pPr marL="0" indent="0" algn="ctr" defTabSz="914400" rtl="0" eaLnBrk="1" latinLnBrk="0" hangingPunct="1">
+              <a:lnSpc>
+                <a:spcPct val="90000"/>
+              </a:lnSpc>
+              <a:spcBef>
+                <a:spcPts val="1000"/>
+              </a:spcBef>
+              <a:buFont typeface="Arial" panose="020B0604020202020204" pitchFamily="34" charset="0"/>
+              <a:buNone/>
+              <a:defRPr sz="2400" kern="1200">
+                <a:solidFill>
+                  <a:schemeClr val="tx1"/>
+                </a:solidFill>
+                <a:latin typeface="+mn-lt"/>
+                <a:ea typeface="+mn-ea"/>
+                <a:cs typeface="+mn-cs"/>
+              </a:defRPr>
+            </a:lvl1pPr>
+            <a:lvl2pPr marL="457200" indent="0" algn="ctr" defTabSz="914400" rtl="0" eaLnBrk="1" latinLnBrk="0" hangingPunct="1">
+              <a:lnSpc>
+                <a:spcPct val="90000"/>
+              </a:lnSpc>
+              <a:spcBef>
+                <a:spcPts val="500"/>
+              </a:spcBef>
+              <a:buFont typeface="Arial" panose="020B0604020202020204" pitchFamily="34" charset="0"/>
+              <a:buNone/>
+              <a:defRPr sz="2000" kern="1200">
+                <a:solidFill>
+                  <a:schemeClr val="tx1"/>
+                </a:solidFill>
+                <a:latin typeface="+mn-lt"/>
+                <a:ea typeface="+mn-ea"/>
+                <a:cs typeface="+mn-cs"/>
+              </a:defRPr>
+            </a:lvl2pPr>
+            <a:lvl3pPr marL="914400" indent="0" algn="ctr" defTabSz="914400" rtl="0" eaLnBrk="1" latinLnBrk="0" hangingPunct="1">
+              <a:lnSpc>
+                <a:spcPct val="90000"/>
+              </a:lnSpc>
+              <a:spcBef>
+                <a:spcPts val="500"/>
+              </a:spcBef>
+              <a:buFont typeface="Arial" panose="020B0604020202020204" pitchFamily="34" charset="0"/>
+              <a:buNone/>
+              <a:defRPr sz="1800" kern="1200">
+                <a:solidFill>
+                  <a:schemeClr val="tx1"/>
+                </a:solidFill>
+                <a:latin typeface="+mn-lt"/>
+                <a:ea typeface="+mn-ea"/>
+                <a:cs typeface="+mn-cs"/>
+              </a:defRPr>
+            </a:lvl3pPr>
+            <a:lvl4pPr marL="1371600" indent="0" algn="ctr" defTabSz="914400" rtl="0" eaLnBrk="1" latinLnBrk="0" hangingPunct="1">
+              <a:lnSpc>
+                <a:spcPct val="90000"/>
+              </a:lnSpc>
+              <a:spcBef>
+                <a:spcPts val="500"/>
+              </a:spcBef>
+              <a:buFont typeface="Arial" panose="020B0604020202020204" pitchFamily="34" charset="0"/>
+              <a:buNone/>
+              <a:defRPr sz="1600" kern="1200">
+                <a:solidFill>
+                  <a:schemeClr val="tx1"/>
+                </a:solidFill>
+                <a:latin typeface="+mn-lt"/>
+                <a:ea typeface="+mn-ea"/>
+                <a:cs typeface="+mn-cs"/>
+              </a:defRPr>
+            </a:lvl4pPr>
+            <a:lvl5pPr marL="1828800" indent="0" algn="ctr" defTabSz="914400" rtl="0" eaLnBrk="1" latinLnBrk="0" hangingPunct="1">
+              <a:lnSpc>
+                <a:spcPct val="90000"/>
+              </a:lnSpc>
+              <a:spcBef>
+                <a:spcPts val="500"/>
+              </a:spcBef>
+              <a:buFont typeface="Arial" panose="020B0604020202020204" pitchFamily="34" charset="0"/>
+              <a:buNone/>
+              <a:defRPr sz="1600" kern="1200">
+                <a:solidFill>
+                  <a:schemeClr val="tx1"/>
+                </a:solidFill>
+                <a:latin typeface="+mn-lt"/>
+                <a:ea typeface="+mn-ea"/>
+                <a:cs typeface="+mn-cs"/>
+              </a:defRPr>
+            </a:lvl5pPr>
+            <a:lvl6pPr marL="2286000" indent="0" algn="ctr" defTabSz="914400" rtl="0" eaLnBrk="1" latinLnBrk="0" hangingPunct="1">
+              <a:lnSpc>
+                <a:spcPct val="90000"/>
+              </a:lnSpc>
+              <a:spcBef>
+                <a:spcPts val="500"/>
+              </a:spcBef>
+              <a:buFont typeface="Arial" panose="020B0604020202020204" pitchFamily="34" charset="0"/>
+              <a:buNone/>
+              <a:defRPr sz="1600" kern="1200">
+                <a:solidFill>
+                  <a:schemeClr val="tx1"/>
+                </a:solidFill>
+                <a:latin typeface="+mn-lt"/>
+                <a:ea typeface="+mn-ea"/>
+                <a:cs typeface="+mn-cs"/>
+              </a:defRPr>
+            </a:lvl6pPr>
+            <a:lvl7pPr marL="2743200" indent="0" algn="ctr" defTabSz="914400" rtl="0" eaLnBrk="1" latinLnBrk="0" hangingPunct="1">
+              <a:lnSpc>
+                <a:spcPct val="90000"/>
+              </a:lnSpc>
+              <a:spcBef>
+                <a:spcPts val="500"/>
+              </a:spcBef>
+              <a:buFont typeface="Arial" panose="020B0604020202020204" pitchFamily="34" charset="0"/>
+              <a:buNone/>
+              <a:defRPr sz="1600" kern="1200">
+                <a:solidFill>
+                  <a:schemeClr val="tx1"/>
+                </a:solidFill>
+                <a:latin typeface="+mn-lt"/>
+                <a:ea typeface="+mn-ea"/>
+                <a:cs typeface="+mn-cs"/>
+              </a:defRPr>
+            </a:lvl7pPr>
+            <a:lvl8pPr marL="3200400" indent="0" algn="ctr" defTabSz="914400" rtl="0" eaLnBrk="1" latinLnBrk="0" hangingPunct="1">
+              <a:lnSpc>
+                <a:spcPct val="90000"/>
+              </a:lnSpc>
+              <a:spcBef>
+                <a:spcPts val="500"/>
+              </a:spcBef>
+              <a:buFont typeface="Arial" panose="020B0604020202020204" pitchFamily="34" charset="0"/>
+              <a:buNone/>
+              <a:defRPr sz="1600" kern="1200">
+                <a:solidFill>
+                  <a:schemeClr val="tx1"/>
+                </a:solidFill>
+                <a:latin typeface="+mn-lt"/>
+                <a:ea typeface="+mn-ea"/>
+                <a:cs typeface="+mn-cs"/>
+              </a:defRPr>
+            </a:lvl8pPr>
+            <a:lvl9pPr marL="3657600" indent="0" algn="ctr" defTabSz="914400" rtl="0" eaLnBrk="1" latinLnBrk="0" hangingPunct="1">
+              <a:lnSpc>
+                <a:spcPct val="90000"/>
+              </a:lnSpc>
+              <a:spcBef>
+                <a:spcPts val="500"/>
+              </a:spcBef>
+              <a:buFont typeface="Arial" panose="020B0604020202020204" pitchFamily="34" charset="0"/>
+              <a:buNone/>
+              <a:defRPr sz="1600" kern="1200">
+                <a:solidFill>
+                  <a:schemeClr val="tx1"/>
+                </a:solidFill>
+                <a:latin typeface="+mn-lt"/>
+                <a:ea typeface="+mn-ea"/>
+                <a:cs typeface="+mn-cs"/>
+              </a:defRPr>
+            </a:lvl9pPr>
+          </a:lstStyle>
+          <a:p>
+            <a:pPr algn="l"/>
+            <a:r>
+              <a:rPr lang="en-US" sz="3600" dirty="0">
+                <a:solidFill>
+                  <a:schemeClr val="bg1"/>
+                </a:solidFill>
+              </a:rPr>
+              <a:t>runs on a GPU</a:t>
+            </a:r>
+          </a:p>
+        </p:txBody>
+      </p:sp>
+      <p:pic>
+        <p:nvPicPr>
+          <p:cNvPr id="12" name="Graphic 11" descr="Checkmark with solid fill">
+            <a:extLst>
+              <a:ext uri="{FF2B5EF4-FFF2-40B4-BE49-F238E27FC236}">
+                <a16:creationId xmlns:a16="http://schemas.microsoft.com/office/drawing/2014/main" id="{E8E2702A-E725-27B3-89CB-5A7DC9C887A5}"/>
+              </a:ext>
+            </a:extLst>
+          </p:cNvPr>
+          <p:cNvPicPr>
+            <a:picLocks noChangeAspect="1"/>
+          </p:cNvPicPr>
+          <p:nvPr/>
+        </p:nvPicPr>
+        <p:blipFill>
+          <a:blip r:embed="rId2">
+            <a:extLst>
+              <a:ext uri="{28A0092B-C50C-407E-A947-70E740481C1C}">
+                <a14:useLocalDpi xmlns:a14="http://schemas.microsoft.com/office/drawing/2010/main" val="0"/>
+              </a:ext>
+              <a:ext uri="{96DAC541-7B7A-43D3-8B79-37D633B846F1}">
+                <asvg:svgBlip xmlns:asvg="http://schemas.microsoft.com/office/drawing/2016/SVG/main" r:embed="rId3"/>
+              </a:ext>
+            </a:extLst>
+          </a:blip>
+          <a:stretch>
+            <a:fillRect/>
+          </a:stretch>
+        </p:blipFill>
+        <p:spPr>
+          <a:xfrm>
+            <a:off x="2222028" y="4365895"/>
+            <a:ext cx="630504" cy="630504"/>
+          </a:xfrm>
+          <a:prstGeom prst="rect">
+            <a:avLst/>
+          </a:prstGeom>
+        </p:spPr>
+      </p:pic>
+    </p:spTree>
+    <p:extLst>
+      <p:ext uri="{BB962C8B-B14F-4D97-AF65-F5344CB8AC3E}">
+        <p14:creationId xmlns:p14="http://schemas.microsoft.com/office/powerpoint/2010/main" val="1586384300"/>
+      </p:ext>
+    </p:extLst>
+  </p:cSld>
+  <p:clrMapOvr>
+    <a:masterClrMapping/>
+  </p:clrMapOvr>
+</p:sld>
+</file>
+
+<file path=ppt/slides/slide20.xml><?xml version="1.0" encoding="utf-8"?>
 <p:sld xmlns:a="http://schemas.openxmlformats.org/drawingml/2006/main" xmlns:r="http://schemas.openxmlformats.org/officeDocument/2006/relationships" xmlns:p="http://schemas.openxmlformats.org/presentationml/2006/main">
   <p:cSld>
     <p:bg>
@@ -5855,7 +8777,7 @@
 </p:sld>
 </file>
 
-<file path=ppt/slides/slide18.xml><?xml version="1.0" encoding="utf-8"?>
+<file path=ppt/slides/slide21.xml><?xml version="1.0" encoding="utf-8"?>
 <p:sld xmlns:a="http://schemas.openxmlformats.org/drawingml/2006/main" xmlns:r="http://schemas.openxmlformats.org/officeDocument/2006/relationships" xmlns:p="http://schemas.openxmlformats.org/presentationml/2006/main">
   <p:cSld>
     <p:bg>
@@ -6582,7 +9504,7 @@
 </p:sld>
 </file>
 
-<file path=ppt/slides/slide19.xml><?xml version="1.0" encoding="utf-8"?>
+<file path=ppt/slides/slide22.xml><?xml version="1.0" encoding="utf-8"?>
 <p:sld xmlns:a="http://schemas.openxmlformats.org/drawingml/2006/main" xmlns:r="http://schemas.openxmlformats.org/officeDocument/2006/relationships" xmlns:p="http://schemas.openxmlformats.org/presentationml/2006/main">
   <p:cSld>
     <p:bg>
@@ -6871,1094 +9793,6 @@
 </p:sld>
 </file>
 
-<file path=ppt/slides/slide2.xml><?xml version="1.0" encoding="utf-8"?>
-<p:sld xmlns:a="http://schemas.openxmlformats.org/drawingml/2006/main" xmlns:r="http://schemas.openxmlformats.org/officeDocument/2006/relationships" xmlns:p="http://schemas.openxmlformats.org/presentationml/2006/main">
-  <p:cSld>
-    <p:bg>
-      <p:bgPr>
-        <a:solidFill>
-          <a:schemeClr val="tx1"/>
-        </a:solidFill>
-        <a:effectLst/>
-      </p:bgPr>
-    </p:bg>
-    <p:spTree>
-      <p:nvGrpSpPr>
-        <p:cNvPr id="1" name=""/>
-        <p:cNvGrpSpPr/>
-        <p:nvPr/>
-      </p:nvGrpSpPr>
-      <p:grpSpPr>
-        <a:xfrm>
-          <a:off x="0" y="0"/>
-          <a:ext cx="0" cy="0"/>
-          <a:chOff x="0" y="0"/>
-          <a:chExt cx="0" cy="0"/>
-        </a:xfrm>
-      </p:grpSpPr>
-      <p:sp>
-        <p:nvSpPr>
-          <p:cNvPr id="2" name="Title 1">
-            <a:extLst>
-              <a:ext uri="{FF2B5EF4-FFF2-40B4-BE49-F238E27FC236}">
-                <a16:creationId xmlns:a16="http://schemas.microsoft.com/office/drawing/2014/main" id="{85AA2C41-A218-F03E-E75B-E23D489DF99B}"/>
-              </a:ext>
-            </a:extLst>
-          </p:cNvPr>
-          <p:cNvSpPr>
-            <a:spLocks noGrp="1"/>
-          </p:cNvSpPr>
-          <p:nvPr>
-            <p:ph type="ctrTitle"/>
-          </p:nvPr>
-        </p:nvSpPr>
-        <p:spPr>
-          <a:xfrm>
-            <a:off x="1524000" y="297415"/>
-            <a:ext cx="9144000" cy="1123880"/>
-          </a:xfrm>
-        </p:spPr>
-        <p:txBody>
-          <a:bodyPr>
-            <a:normAutofit fontScale="90000"/>
-          </a:bodyPr>
-          <a:lstStyle/>
-          <a:p>
-            <a:r>
-              <a:rPr lang="en-US" sz="8000" dirty="0">
-                <a:solidFill>
-                  <a:schemeClr val="bg1"/>
-                </a:solidFill>
-              </a:rPr>
-              <a:t>Where it began</a:t>
-            </a:r>
-          </a:p>
-        </p:txBody>
-      </p:sp>
-      <p:sp>
-        <p:nvSpPr>
-          <p:cNvPr id="3" name="Subtitle 2">
-            <a:extLst>
-              <a:ext uri="{FF2B5EF4-FFF2-40B4-BE49-F238E27FC236}">
-                <a16:creationId xmlns:a16="http://schemas.microsoft.com/office/drawing/2014/main" id="{62ED4E8C-6CFC-4E48-C834-72281A46F5C1}"/>
-              </a:ext>
-            </a:extLst>
-          </p:cNvPr>
-          <p:cNvSpPr>
-            <a:spLocks noGrp="1"/>
-          </p:cNvSpPr>
-          <p:nvPr>
-            <p:ph type="subTitle" idx="1"/>
-          </p:nvPr>
-        </p:nvSpPr>
-        <p:spPr>
-          <a:xfrm>
-            <a:off x="1027043" y="1651347"/>
-            <a:ext cx="10137913" cy="773802"/>
-          </a:xfrm>
-        </p:spPr>
-        <p:txBody>
-          <a:bodyPr>
-            <a:normAutofit/>
-          </a:bodyPr>
-          <a:lstStyle/>
-          <a:p>
-            <a:r>
-              <a:rPr lang="en-US" sz="3600" b="1" dirty="0">
-                <a:solidFill>
-                  <a:schemeClr val="bg1"/>
-                </a:solidFill>
-              </a:rPr>
-              <a:t>Massively Parallel Gaussian Process Regression</a:t>
-            </a:r>
-          </a:p>
-        </p:txBody>
-      </p:sp>
-      <p:pic>
-        <p:nvPicPr>
-          <p:cNvPr id="5" name="Graphic 4" descr="Checkmark with solid fill">
-            <a:extLst>
-              <a:ext uri="{FF2B5EF4-FFF2-40B4-BE49-F238E27FC236}">
-                <a16:creationId xmlns:a16="http://schemas.microsoft.com/office/drawing/2014/main" id="{12714982-B3CB-F6B0-0150-38CBA6320D88}"/>
-              </a:ext>
-            </a:extLst>
-          </p:cNvPr>
-          <p:cNvPicPr>
-            <a:picLocks noChangeAspect="1"/>
-          </p:cNvPicPr>
-          <p:nvPr/>
-        </p:nvPicPr>
-        <p:blipFill>
-          <a:blip r:embed="rId2">
-            <a:extLst>
-              <a:ext uri="{28A0092B-C50C-407E-A947-70E740481C1C}">
-                <a14:useLocalDpi xmlns:a14="http://schemas.microsoft.com/office/drawing/2010/main" val="0"/>
-              </a:ext>
-              <a:ext uri="{96DAC541-7B7A-43D3-8B79-37D633B846F1}">
-                <asvg:svgBlip xmlns:asvg="http://schemas.microsoft.com/office/drawing/2016/SVG/main" r:embed="rId3"/>
-              </a:ext>
-            </a:extLst>
-          </a:blip>
-          <a:stretch>
-            <a:fillRect/>
-          </a:stretch>
-        </p:blipFill>
-        <p:spPr>
-          <a:xfrm>
-            <a:off x="2222028" y="2519039"/>
-            <a:ext cx="630504" cy="630504"/>
-          </a:xfrm>
-          <a:prstGeom prst="rect">
-            <a:avLst/>
-          </a:prstGeom>
-        </p:spPr>
-      </p:pic>
-      <p:pic>
-        <p:nvPicPr>
-          <p:cNvPr id="6" name="Graphic 5" descr="Checkmark with solid fill">
-            <a:extLst>
-              <a:ext uri="{FF2B5EF4-FFF2-40B4-BE49-F238E27FC236}">
-                <a16:creationId xmlns:a16="http://schemas.microsoft.com/office/drawing/2014/main" id="{7C68FA3B-53D8-18A2-E911-5A632FC2E2A6}"/>
-              </a:ext>
-            </a:extLst>
-          </p:cNvPr>
-          <p:cNvPicPr>
-            <a:picLocks noChangeAspect="1"/>
-          </p:cNvPicPr>
-          <p:nvPr/>
-        </p:nvPicPr>
-        <p:blipFill>
-          <a:blip r:embed="rId2">
-            <a:extLst>
-              <a:ext uri="{28A0092B-C50C-407E-A947-70E740481C1C}">
-                <a14:useLocalDpi xmlns:a14="http://schemas.microsoft.com/office/drawing/2010/main" val="0"/>
-              </a:ext>
-              <a:ext uri="{96DAC541-7B7A-43D3-8B79-37D633B846F1}">
-                <asvg:svgBlip xmlns:asvg="http://schemas.microsoft.com/office/drawing/2016/SVG/main" r:embed="rId3"/>
-              </a:ext>
-            </a:extLst>
-          </a:blip>
-          <a:stretch>
-            <a:fillRect/>
-          </a:stretch>
-        </p:blipFill>
-        <p:spPr>
-          <a:xfrm>
-            <a:off x="2222028" y="3149543"/>
-            <a:ext cx="630504" cy="630504"/>
-          </a:xfrm>
-          <a:prstGeom prst="rect">
-            <a:avLst/>
-          </a:prstGeom>
-        </p:spPr>
-      </p:pic>
-      <p:pic>
-        <p:nvPicPr>
-          <p:cNvPr id="7" name="Graphic 6" descr="Checkmark with solid fill">
-            <a:extLst>
-              <a:ext uri="{FF2B5EF4-FFF2-40B4-BE49-F238E27FC236}">
-                <a16:creationId xmlns:a16="http://schemas.microsoft.com/office/drawing/2014/main" id="{3F8425D7-EA6D-985B-5385-605D4D928775}"/>
-              </a:ext>
-            </a:extLst>
-          </p:cNvPr>
-          <p:cNvPicPr>
-            <a:picLocks noChangeAspect="1"/>
-          </p:cNvPicPr>
-          <p:nvPr/>
-        </p:nvPicPr>
-        <p:blipFill>
-          <a:blip r:embed="rId2">
-            <a:extLst>
-              <a:ext uri="{28A0092B-C50C-407E-A947-70E740481C1C}">
-                <a14:useLocalDpi xmlns:a14="http://schemas.microsoft.com/office/drawing/2010/main" val="0"/>
-              </a:ext>
-              <a:ext uri="{96DAC541-7B7A-43D3-8B79-37D633B846F1}">
-                <asvg:svgBlip xmlns:asvg="http://schemas.microsoft.com/office/drawing/2016/SVG/main" r:embed="rId3"/>
-              </a:ext>
-            </a:extLst>
-          </a:blip>
-          <a:stretch>
-            <a:fillRect/>
-          </a:stretch>
-        </p:blipFill>
-        <p:spPr>
-          <a:xfrm>
-            <a:off x="2222028" y="3780047"/>
-            <a:ext cx="630504" cy="630504"/>
-          </a:xfrm>
-          <a:prstGeom prst="rect">
-            <a:avLst/>
-          </a:prstGeom>
-        </p:spPr>
-      </p:pic>
-      <p:sp>
-        <p:nvSpPr>
-          <p:cNvPr id="8" name="Subtitle 2">
-            <a:extLst>
-              <a:ext uri="{FF2B5EF4-FFF2-40B4-BE49-F238E27FC236}">
-                <a16:creationId xmlns:a16="http://schemas.microsoft.com/office/drawing/2014/main" id="{7B6AEC6A-F167-1D1E-AC7A-5EB655CF53F8}"/>
-              </a:ext>
-            </a:extLst>
-          </p:cNvPr>
-          <p:cNvSpPr txBox="1">
-            <a:spLocks/>
-          </p:cNvSpPr>
-          <p:nvPr/>
-        </p:nvSpPr>
-        <p:spPr>
-          <a:xfrm>
-            <a:off x="2964694" y="2527817"/>
-            <a:ext cx="6656383" cy="601848"/>
-          </a:xfrm>
-          <a:prstGeom prst="rect">
-            <a:avLst/>
-          </a:prstGeom>
-        </p:spPr>
-        <p:txBody>
-          <a:bodyPr vert="horz" lIns="91440" tIns="45720" rIns="91440" bIns="45720" rtlCol="0">
-            <a:normAutofit/>
-          </a:bodyPr>
-          <a:lstStyle>
-            <a:lvl1pPr marL="0" indent="0" algn="ctr" defTabSz="914400" rtl="0" eaLnBrk="1" latinLnBrk="0" hangingPunct="1">
-              <a:lnSpc>
-                <a:spcPct val="90000"/>
-              </a:lnSpc>
-              <a:spcBef>
-                <a:spcPts val="1000"/>
-              </a:spcBef>
-              <a:buFont typeface="Arial" panose="020B0604020202020204" pitchFamily="34" charset="0"/>
-              <a:buNone/>
-              <a:defRPr sz="2400" kern="1200">
-                <a:solidFill>
-                  <a:schemeClr val="tx1"/>
-                </a:solidFill>
-                <a:latin typeface="+mn-lt"/>
-                <a:ea typeface="+mn-ea"/>
-                <a:cs typeface="+mn-cs"/>
-              </a:defRPr>
-            </a:lvl1pPr>
-            <a:lvl2pPr marL="457200" indent="0" algn="ctr" defTabSz="914400" rtl="0" eaLnBrk="1" latinLnBrk="0" hangingPunct="1">
-              <a:lnSpc>
-                <a:spcPct val="90000"/>
-              </a:lnSpc>
-              <a:spcBef>
-                <a:spcPts val="500"/>
-              </a:spcBef>
-              <a:buFont typeface="Arial" panose="020B0604020202020204" pitchFamily="34" charset="0"/>
-              <a:buNone/>
-              <a:defRPr sz="2000" kern="1200">
-                <a:solidFill>
-                  <a:schemeClr val="tx1"/>
-                </a:solidFill>
-                <a:latin typeface="+mn-lt"/>
-                <a:ea typeface="+mn-ea"/>
-                <a:cs typeface="+mn-cs"/>
-              </a:defRPr>
-            </a:lvl2pPr>
-            <a:lvl3pPr marL="914400" indent="0" algn="ctr" defTabSz="914400" rtl="0" eaLnBrk="1" latinLnBrk="0" hangingPunct="1">
-              <a:lnSpc>
-                <a:spcPct val="90000"/>
-              </a:lnSpc>
-              <a:spcBef>
-                <a:spcPts val="500"/>
-              </a:spcBef>
-              <a:buFont typeface="Arial" panose="020B0604020202020204" pitchFamily="34" charset="0"/>
-              <a:buNone/>
-              <a:defRPr sz="1800" kern="1200">
-                <a:solidFill>
-                  <a:schemeClr val="tx1"/>
-                </a:solidFill>
-                <a:latin typeface="+mn-lt"/>
-                <a:ea typeface="+mn-ea"/>
-                <a:cs typeface="+mn-cs"/>
-              </a:defRPr>
-            </a:lvl3pPr>
-            <a:lvl4pPr marL="1371600" indent="0" algn="ctr" defTabSz="914400" rtl="0" eaLnBrk="1" latinLnBrk="0" hangingPunct="1">
-              <a:lnSpc>
-                <a:spcPct val="90000"/>
-              </a:lnSpc>
-              <a:spcBef>
-                <a:spcPts val="500"/>
-              </a:spcBef>
-              <a:buFont typeface="Arial" panose="020B0604020202020204" pitchFamily="34" charset="0"/>
-              <a:buNone/>
-              <a:defRPr sz="1600" kern="1200">
-                <a:solidFill>
-                  <a:schemeClr val="tx1"/>
-                </a:solidFill>
-                <a:latin typeface="+mn-lt"/>
-                <a:ea typeface="+mn-ea"/>
-                <a:cs typeface="+mn-cs"/>
-              </a:defRPr>
-            </a:lvl4pPr>
-            <a:lvl5pPr marL="1828800" indent="0" algn="ctr" defTabSz="914400" rtl="0" eaLnBrk="1" latinLnBrk="0" hangingPunct="1">
-              <a:lnSpc>
-                <a:spcPct val="90000"/>
-              </a:lnSpc>
-              <a:spcBef>
-                <a:spcPts val="500"/>
-              </a:spcBef>
-              <a:buFont typeface="Arial" panose="020B0604020202020204" pitchFamily="34" charset="0"/>
-              <a:buNone/>
-              <a:defRPr sz="1600" kern="1200">
-                <a:solidFill>
-                  <a:schemeClr val="tx1"/>
-                </a:solidFill>
-                <a:latin typeface="+mn-lt"/>
-                <a:ea typeface="+mn-ea"/>
-                <a:cs typeface="+mn-cs"/>
-              </a:defRPr>
-            </a:lvl5pPr>
-            <a:lvl6pPr marL="2286000" indent="0" algn="ctr" defTabSz="914400" rtl="0" eaLnBrk="1" latinLnBrk="0" hangingPunct="1">
-              <a:lnSpc>
-                <a:spcPct val="90000"/>
-              </a:lnSpc>
-              <a:spcBef>
-                <a:spcPts val="500"/>
-              </a:spcBef>
-              <a:buFont typeface="Arial" panose="020B0604020202020204" pitchFamily="34" charset="0"/>
-              <a:buNone/>
-              <a:defRPr sz="1600" kern="1200">
-                <a:solidFill>
-                  <a:schemeClr val="tx1"/>
-                </a:solidFill>
-                <a:latin typeface="+mn-lt"/>
-                <a:ea typeface="+mn-ea"/>
-                <a:cs typeface="+mn-cs"/>
-              </a:defRPr>
-            </a:lvl6pPr>
-            <a:lvl7pPr marL="2743200" indent="0" algn="ctr" defTabSz="914400" rtl="0" eaLnBrk="1" latinLnBrk="0" hangingPunct="1">
-              <a:lnSpc>
-                <a:spcPct val="90000"/>
-              </a:lnSpc>
-              <a:spcBef>
-                <a:spcPts val="500"/>
-              </a:spcBef>
-              <a:buFont typeface="Arial" panose="020B0604020202020204" pitchFamily="34" charset="0"/>
-              <a:buNone/>
-              <a:defRPr sz="1600" kern="1200">
-                <a:solidFill>
-                  <a:schemeClr val="tx1"/>
-                </a:solidFill>
-                <a:latin typeface="+mn-lt"/>
-                <a:ea typeface="+mn-ea"/>
-                <a:cs typeface="+mn-cs"/>
-              </a:defRPr>
-            </a:lvl7pPr>
-            <a:lvl8pPr marL="3200400" indent="0" algn="ctr" defTabSz="914400" rtl="0" eaLnBrk="1" latinLnBrk="0" hangingPunct="1">
-              <a:lnSpc>
-                <a:spcPct val="90000"/>
-              </a:lnSpc>
-              <a:spcBef>
-                <a:spcPts val="500"/>
-              </a:spcBef>
-              <a:buFont typeface="Arial" panose="020B0604020202020204" pitchFamily="34" charset="0"/>
-              <a:buNone/>
-              <a:defRPr sz="1600" kern="1200">
-                <a:solidFill>
-                  <a:schemeClr val="tx1"/>
-                </a:solidFill>
-                <a:latin typeface="+mn-lt"/>
-                <a:ea typeface="+mn-ea"/>
-                <a:cs typeface="+mn-cs"/>
-              </a:defRPr>
-            </a:lvl8pPr>
-            <a:lvl9pPr marL="3657600" indent="0" algn="ctr" defTabSz="914400" rtl="0" eaLnBrk="1" latinLnBrk="0" hangingPunct="1">
-              <a:lnSpc>
-                <a:spcPct val="90000"/>
-              </a:lnSpc>
-              <a:spcBef>
-                <a:spcPts val="500"/>
-              </a:spcBef>
-              <a:buFont typeface="Arial" panose="020B0604020202020204" pitchFamily="34" charset="0"/>
-              <a:buNone/>
-              <a:defRPr sz="1600" kern="1200">
-                <a:solidFill>
-                  <a:schemeClr val="tx1"/>
-                </a:solidFill>
-                <a:latin typeface="+mn-lt"/>
-                <a:ea typeface="+mn-ea"/>
-                <a:cs typeface="+mn-cs"/>
-              </a:defRPr>
-            </a:lvl9pPr>
-          </a:lstStyle>
-          <a:p>
-            <a:pPr algn="l"/>
-            <a:r>
-              <a:rPr lang="en-US" sz="3600" dirty="0">
-                <a:solidFill>
-                  <a:schemeClr val="bg1"/>
-                </a:solidFill>
-              </a:rPr>
-              <a:t>real-time updatable GPR solution</a:t>
-            </a:r>
-          </a:p>
-        </p:txBody>
-      </p:sp>
-      <p:sp>
-        <p:nvSpPr>
-          <p:cNvPr id="9" name="Subtitle 2">
-            <a:extLst>
-              <a:ext uri="{FF2B5EF4-FFF2-40B4-BE49-F238E27FC236}">
-                <a16:creationId xmlns:a16="http://schemas.microsoft.com/office/drawing/2014/main" id="{2B3A38E6-1DCD-C3C4-14E5-BDB194B4A7B9}"/>
-              </a:ext>
-            </a:extLst>
-          </p:cNvPr>
-          <p:cNvSpPr txBox="1">
-            <a:spLocks/>
-          </p:cNvSpPr>
-          <p:nvPr/>
-        </p:nvSpPr>
-        <p:spPr>
-          <a:xfrm>
-            <a:off x="2964695" y="3163871"/>
-            <a:ext cx="6322242" cy="601848"/>
-          </a:xfrm>
-          <a:prstGeom prst="rect">
-            <a:avLst/>
-          </a:prstGeom>
-        </p:spPr>
-        <p:txBody>
-          <a:bodyPr vert="horz" lIns="91440" tIns="45720" rIns="91440" bIns="45720" rtlCol="0">
-            <a:normAutofit/>
-          </a:bodyPr>
-          <a:lstStyle>
-            <a:lvl1pPr marL="0" indent="0" algn="ctr" defTabSz="914400" rtl="0" eaLnBrk="1" latinLnBrk="0" hangingPunct="1">
-              <a:lnSpc>
-                <a:spcPct val="90000"/>
-              </a:lnSpc>
-              <a:spcBef>
-                <a:spcPts val="1000"/>
-              </a:spcBef>
-              <a:buFont typeface="Arial" panose="020B0604020202020204" pitchFamily="34" charset="0"/>
-              <a:buNone/>
-              <a:defRPr sz="2400" kern="1200">
-                <a:solidFill>
-                  <a:schemeClr val="tx1"/>
-                </a:solidFill>
-                <a:latin typeface="+mn-lt"/>
-                <a:ea typeface="+mn-ea"/>
-                <a:cs typeface="+mn-cs"/>
-              </a:defRPr>
-            </a:lvl1pPr>
-            <a:lvl2pPr marL="457200" indent="0" algn="ctr" defTabSz="914400" rtl="0" eaLnBrk="1" latinLnBrk="0" hangingPunct="1">
-              <a:lnSpc>
-                <a:spcPct val="90000"/>
-              </a:lnSpc>
-              <a:spcBef>
-                <a:spcPts val="500"/>
-              </a:spcBef>
-              <a:buFont typeface="Arial" panose="020B0604020202020204" pitchFamily="34" charset="0"/>
-              <a:buNone/>
-              <a:defRPr sz="2000" kern="1200">
-                <a:solidFill>
-                  <a:schemeClr val="tx1"/>
-                </a:solidFill>
-                <a:latin typeface="+mn-lt"/>
-                <a:ea typeface="+mn-ea"/>
-                <a:cs typeface="+mn-cs"/>
-              </a:defRPr>
-            </a:lvl2pPr>
-            <a:lvl3pPr marL="914400" indent="0" algn="ctr" defTabSz="914400" rtl="0" eaLnBrk="1" latinLnBrk="0" hangingPunct="1">
-              <a:lnSpc>
-                <a:spcPct val="90000"/>
-              </a:lnSpc>
-              <a:spcBef>
-                <a:spcPts val="500"/>
-              </a:spcBef>
-              <a:buFont typeface="Arial" panose="020B0604020202020204" pitchFamily="34" charset="0"/>
-              <a:buNone/>
-              <a:defRPr sz="1800" kern="1200">
-                <a:solidFill>
-                  <a:schemeClr val="tx1"/>
-                </a:solidFill>
-                <a:latin typeface="+mn-lt"/>
-                <a:ea typeface="+mn-ea"/>
-                <a:cs typeface="+mn-cs"/>
-              </a:defRPr>
-            </a:lvl3pPr>
-            <a:lvl4pPr marL="1371600" indent="0" algn="ctr" defTabSz="914400" rtl="0" eaLnBrk="1" latinLnBrk="0" hangingPunct="1">
-              <a:lnSpc>
-                <a:spcPct val="90000"/>
-              </a:lnSpc>
-              <a:spcBef>
-                <a:spcPts val="500"/>
-              </a:spcBef>
-              <a:buFont typeface="Arial" panose="020B0604020202020204" pitchFamily="34" charset="0"/>
-              <a:buNone/>
-              <a:defRPr sz="1600" kern="1200">
-                <a:solidFill>
-                  <a:schemeClr val="tx1"/>
-                </a:solidFill>
-                <a:latin typeface="+mn-lt"/>
-                <a:ea typeface="+mn-ea"/>
-                <a:cs typeface="+mn-cs"/>
-              </a:defRPr>
-            </a:lvl4pPr>
-            <a:lvl5pPr marL="1828800" indent="0" algn="ctr" defTabSz="914400" rtl="0" eaLnBrk="1" latinLnBrk="0" hangingPunct="1">
-              <a:lnSpc>
-                <a:spcPct val="90000"/>
-              </a:lnSpc>
-              <a:spcBef>
-                <a:spcPts val="500"/>
-              </a:spcBef>
-              <a:buFont typeface="Arial" panose="020B0604020202020204" pitchFamily="34" charset="0"/>
-              <a:buNone/>
-              <a:defRPr sz="1600" kern="1200">
-                <a:solidFill>
-                  <a:schemeClr val="tx1"/>
-                </a:solidFill>
-                <a:latin typeface="+mn-lt"/>
-                <a:ea typeface="+mn-ea"/>
-                <a:cs typeface="+mn-cs"/>
-              </a:defRPr>
-            </a:lvl5pPr>
-            <a:lvl6pPr marL="2286000" indent="0" algn="ctr" defTabSz="914400" rtl="0" eaLnBrk="1" latinLnBrk="0" hangingPunct="1">
-              <a:lnSpc>
-                <a:spcPct val="90000"/>
-              </a:lnSpc>
-              <a:spcBef>
-                <a:spcPts val="500"/>
-              </a:spcBef>
-              <a:buFont typeface="Arial" panose="020B0604020202020204" pitchFamily="34" charset="0"/>
-              <a:buNone/>
-              <a:defRPr sz="1600" kern="1200">
-                <a:solidFill>
-                  <a:schemeClr val="tx1"/>
-                </a:solidFill>
-                <a:latin typeface="+mn-lt"/>
-                <a:ea typeface="+mn-ea"/>
-                <a:cs typeface="+mn-cs"/>
-              </a:defRPr>
-            </a:lvl6pPr>
-            <a:lvl7pPr marL="2743200" indent="0" algn="ctr" defTabSz="914400" rtl="0" eaLnBrk="1" latinLnBrk="0" hangingPunct="1">
-              <a:lnSpc>
-                <a:spcPct val="90000"/>
-              </a:lnSpc>
-              <a:spcBef>
-                <a:spcPts val="500"/>
-              </a:spcBef>
-              <a:buFont typeface="Arial" panose="020B0604020202020204" pitchFamily="34" charset="0"/>
-              <a:buNone/>
-              <a:defRPr sz="1600" kern="1200">
-                <a:solidFill>
-                  <a:schemeClr val="tx1"/>
-                </a:solidFill>
-                <a:latin typeface="+mn-lt"/>
-                <a:ea typeface="+mn-ea"/>
-                <a:cs typeface="+mn-cs"/>
-              </a:defRPr>
-            </a:lvl7pPr>
-            <a:lvl8pPr marL="3200400" indent="0" algn="ctr" defTabSz="914400" rtl="0" eaLnBrk="1" latinLnBrk="0" hangingPunct="1">
-              <a:lnSpc>
-                <a:spcPct val="90000"/>
-              </a:lnSpc>
-              <a:spcBef>
-                <a:spcPts val="500"/>
-              </a:spcBef>
-              <a:buFont typeface="Arial" panose="020B0604020202020204" pitchFamily="34" charset="0"/>
-              <a:buNone/>
-              <a:defRPr sz="1600" kern="1200">
-                <a:solidFill>
-                  <a:schemeClr val="tx1"/>
-                </a:solidFill>
-                <a:latin typeface="+mn-lt"/>
-                <a:ea typeface="+mn-ea"/>
-                <a:cs typeface="+mn-cs"/>
-              </a:defRPr>
-            </a:lvl8pPr>
-            <a:lvl9pPr marL="3657600" indent="0" algn="ctr" defTabSz="914400" rtl="0" eaLnBrk="1" latinLnBrk="0" hangingPunct="1">
-              <a:lnSpc>
-                <a:spcPct val="90000"/>
-              </a:lnSpc>
-              <a:spcBef>
-                <a:spcPts val="500"/>
-              </a:spcBef>
-              <a:buFont typeface="Arial" panose="020B0604020202020204" pitchFamily="34" charset="0"/>
-              <a:buNone/>
-              <a:defRPr sz="1600" kern="1200">
-                <a:solidFill>
-                  <a:schemeClr val="tx1"/>
-                </a:solidFill>
-                <a:latin typeface="+mn-lt"/>
-                <a:ea typeface="+mn-ea"/>
-                <a:cs typeface="+mn-cs"/>
-              </a:defRPr>
-            </a:lvl9pPr>
-          </a:lstStyle>
-          <a:p>
-            <a:pPr algn="l"/>
-            <a:r>
-              <a:rPr lang="en-US" sz="3600" dirty="0">
-                <a:solidFill>
-                  <a:schemeClr val="bg1"/>
-                </a:solidFill>
-              </a:rPr>
-              <a:t>exact solution (uses all data)</a:t>
-            </a:r>
-          </a:p>
-        </p:txBody>
-      </p:sp>
-      <p:sp>
-        <p:nvSpPr>
-          <p:cNvPr id="10" name="Subtitle 2">
-            <a:extLst>
-              <a:ext uri="{FF2B5EF4-FFF2-40B4-BE49-F238E27FC236}">
-                <a16:creationId xmlns:a16="http://schemas.microsoft.com/office/drawing/2014/main" id="{17D2626C-20FF-ADB0-879C-E22151D60DEB}"/>
-              </a:ext>
-            </a:extLst>
-          </p:cNvPr>
-          <p:cNvSpPr txBox="1">
-            <a:spLocks/>
-          </p:cNvSpPr>
-          <p:nvPr/>
-        </p:nvSpPr>
-        <p:spPr>
-          <a:xfrm>
-            <a:off x="2964694" y="3809864"/>
-            <a:ext cx="7600602" cy="773802"/>
-          </a:xfrm>
-          <a:prstGeom prst="rect">
-            <a:avLst/>
-          </a:prstGeom>
-        </p:spPr>
-        <p:txBody>
-          <a:bodyPr vert="horz" lIns="91440" tIns="45720" rIns="91440" bIns="45720" rtlCol="0">
-            <a:normAutofit/>
-          </a:bodyPr>
-          <a:lstStyle>
-            <a:lvl1pPr marL="0" indent="0" algn="ctr" defTabSz="914400" rtl="0" eaLnBrk="1" latinLnBrk="0" hangingPunct="1">
-              <a:lnSpc>
-                <a:spcPct val="90000"/>
-              </a:lnSpc>
-              <a:spcBef>
-                <a:spcPts val="1000"/>
-              </a:spcBef>
-              <a:buFont typeface="Arial" panose="020B0604020202020204" pitchFamily="34" charset="0"/>
-              <a:buNone/>
-              <a:defRPr sz="2400" kern="1200">
-                <a:solidFill>
-                  <a:schemeClr val="tx1"/>
-                </a:solidFill>
-                <a:latin typeface="+mn-lt"/>
-                <a:ea typeface="+mn-ea"/>
-                <a:cs typeface="+mn-cs"/>
-              </a:defRPr>
-            </a:lvl1pPr>
-            <a:lvl2pPr marL="457200" indent="0" algn="ctr" defTabSz="914400" rtl="0" eaLnBrk="1" latinLnBrk="0" hangingPunct="1">
-              <a:lnSpc>
-                <a:spcPct val="90000"/>
-              </a:lnSpc>
-              <a:spcBef>
-                <a:spcPts val="500"/>
-              </a:spcBef>
-              <a:buFont typeface="Arial" panose="020B0604020202020204" pitchFamily="34" charset="0"/>
-              <a:buNone/>
-              <a:defRPr sz="2000" kern="1200">
-                <a:solidFill>
-                  <a:schemeClr val="tx1"/>
-                </a:solidFill>
-                <a:latin typeface="+mn-lt"/>
-                <a:ea typeface="+mn-ea"/>
-                <a:cs typeface="+mn-cs"/>
-              </a:defRPr>
-            </a:lvl2pPr>
-            <a:lvl3pPr marL="914400" indent="0" algn="ctr" defTabSz="914400" rtl="0" eaLnBrk="1" latinLnBrk="0" hangingPunct="1">
-              <a:lnSpc>
-                <a:spcPct val="90000"/>
-              </a:lnSpc>
-              <a:spcBef>
-                <a:spcPts val="500"/>
-              </a:spcBef>
-              <a:buFont typeface="Arial" panose="020B0604020202020204" pitchFamily="34" charset="0"/>
-              <a:buNone/>
-              <a:defRPr sz="1800" kern="1200">
-                <a:solidFill>
-                  <a:schemeClr val="tx1"/>
-                </a:solidFill>
-                <a:latin typeface="+mn-lt"/>
-                <a:ea typeface="+mn-ea"/>
-                <a:cs typeface="+mn-cs"/>
-              </a:defRPr>
-            </a:lvl3pPr>
-            <a:lvl4pPr marL="1371600" indent="0" algn="ctr" defTabSz="914400" rtl="0" eaLnBrk="1" latinLnBrk="0" hangingPunct="1">
-              <a:lnSpc>
-                <a:spcPct val="90000"/>
-              </a:lnSpc>
-              <a:spcBef>
-                <a:spcPts val="500"/>
-              </a:spcBef>
-              <a:buFont typeface="Arial" panose="020B0604020202020204" pitchFamily="34" charset="0"/>
-              <a:buNone/>
-              <a:defRPr sz="1600" kern="1200">
-                <a:solidFill>
-                  <a:schemeClr val="tx1"/>
-                </a:solidFill>
-                <a:latin typeface="+mn-lt"/>
-                <a:ea typeface="+mn-ea"/>
-                <a:cs typeface="+mn-cs"/>
-              </a:defRPr>
-            </a:lvl4pPr>
-            <a:lvl5pPr marL="1828800" indent="0" algn="ctr" defTabSz="914400" rtl="0" eaLnBrk="1" latinLnBrk="0" hangingPunct="1">
-              <a:lnSpc>
-                <a:spcPct val="90000"/>
-              </a:lnSpc>
-              <a:spcBef>
-                <a:spcPts val="500"/>
-              </a:spcBef>
-              <a:buFont typeface="Arial" panose="020B0604020202020204" pitchFamily="34" charset="0"/>
-              <a:buNone/>
-              <a:defRPr sz="1600" kern="1200">
-                <a:solidFill>
-                  <a:schemeClr val="tx1"/>
-                </a:solidFill>
-                <a:latin typeface="+mn-lt"/>
-                <a:ea typeface="+mn-ea"/>
-                <a:cs typeface="+mn-cs"/>
-              </a:defRPr>
-            </a:lvl5pPr>
-            <a:lvl6pPr marL="2286000" indent="0" algn="ctr" defTabSz="914400" rtl="0" eaLnBrk="1" latinLnBrk="0" hangingPunct="1">
-              <a:lnSpc>
-                <a:spcPct val="90000"/>
-              </a:lnSpc>
-              <a:spcBef>
-                <a:spcPts val="500"/>
-              </a:spcBef>
-              <a:buFont typeface="Arial" panose="020B0604020202020204" pitchFamily="34" charset="0"/>
-              <a:buNone/>
-              <a:defRPr sz="1600" kern="1200">
-                <a:solidFill>
-                  <a:schemeClr val="tx1"/>
-                </a:solidFill>
-                <a:latin typeface="+mn-lt"/>
-                <a:ea typeface="+mn-ea"/>
-                <a:cs typeface="+mn-cs"/>
-              </a:defRPr>
-            </a:lvl6pPr>
-            <a:lvl7pPr marL="2743200" indent="0" algn="ctr" defTabSz="914400" rtl="0" eaLnBrk="1" latinLnBrk="0" hangingPunct="1">
-              <a:lnSpc>
-                <a:spcPct val="90000"/>
-              </a:lnSpc>
-              <a:spcBef>
-                <a:spcPts val="500"/>
-              </a:spcBef>
-              <a:buFont typeface="Arial" panose="020B0604020202020204" pitchFamily="34" charset="0"/>
-              <a:buNone/>
-              <a:defRPr sz="1600" kern="1200">
-                <a:solidFill>
-                  <a:schemeClr val="tx1"/>
-                </a:solidFill>
-                <a:latin typeface="+mn-lt"/>
-                <a:ea typeface="+mn-ea"/>
-                <a:cs typeface="+mn-cs"/>
-              </a:defRPr>
-            </a:lvl7pPr>
-            <a:lvl8pPr marL="3200400" indent="0" algn="ctr" defTabSz="914400" rtl="0" eaLnBrk="1" latinLnBrk="0" hangingPunct="1">
-              <a:lnSpc>
-                <a:spcPct val="90000"/>
-              </a:lnSpc>
-              <a:spcBef>
-                <a:spcPts val="500"/>
-              </a:spcBef>
-              <a:buFont typeface="Arial" panose="020B0604020202020204" pitchFamily="34" charset="0"/>
-              <a:buNone/>
-              <a:defRPr sz="1600" kern="1200">
-                <a:solidFill>
-                  <a:schemeClr val="tx1"/>
-                </a:solidFill>
-                <a:latin typeface="+mn-lt"/>
-                <a:ea typeface="+mn-ea"/>
-                <a:cs typeface="+mn-cs"/>
-              </a:defRPr>
-            </a:lvl8pPr>
-            <a:lvl9pPr marL="3657600" indent="0" algn="ctr" defTabSz="914400" rtl="0" eaLnBrk="1" latinLnBrk="0" hangingPunct="1">
-              <a:lnSpc>
-                <a:spcPct val="90000"/>
-              </a:lnSpc>
-              <a:spcBef>
-                <a:spcPts val="500"/>
-              </a:spcBef>
-              <a:buFont typeface="Arial" panose="020B0604020202020204" pitchFamily="34" charset="0"/>
-              <a:buNone/>
-              <a:defRPr sz="1600" kern="1200">
-                <a:solidFill>
-                  <a:schemeClr val="tx1"/>
-                </a:solidFill>
-                <a:latin typeface="+mn-lt"/>
-                <a:ea typeface="+mn-ea"/>
-                <a:cs typeface="+mn-cs"/>
-              </a:defRPr>
-            </a:lvl9pPr>
-          </a:lstStyle>
-          <a:p>
-            <a:pPr algn="l"/>
-            <a:r>
-              <a:rPr lang="en-US" sz="3600" dirty="0">
-                <a:solidFill>
-                  <a:schemeClr val="bg1"/>
-                </a:solidFill>
-              </a:rPr>
-              <a:t>number of computational speed-ups</a:t>
-            </a:r>
-          </a:p>
-        </p:txBody>
-      </p:sp>
-      <p:sp>
-        <p:nvSpPr>
-          <p:cNvPr id="11" name="Subtitle 2">
-            <a:extLst>
-              <a:ext uri="{FF2B5EF4-FFF2-40B4-BE49-F238E27FC236}">
-                <a16:creationId xmlns:a16="http://schemas.microsoft.com/office/drawing/2014/main" id="{2B0C8A16-0C6E-EA77-51AF-CAD36EA279F2}"/>
-              </a:ext>
-            </a:extLst>
-          </p:cNvPr>
-          <p:cNvSpPr txBox="1">
-            <a:spLocks/>
-          </p:cNvSpPr>
-          <p:nvPr/>
-        </p:nvSpPr>
-        <p:spPr>
-          <a:xfrm>
-            <a:off x="2964694" y="4435468"/>
-            <a:ext cx="7600602" cy="773802"/>
-          </a:xfrm>
-          <a:prstGeom prst="rect">
-            <a:avLst/>
-          </a:prstGeom>
-        </p:spPr>
-        <p:txBody>
-          <a:bodyPr vert="horz" lIns="91440" tIns="45720" rIns="91440" bIns="45720" rtlCol="0">
-            <a:normAutofit/>
-          </a:bodyPr>
-          <a:lstStyle>
-            <a:lvl1pPr marL="0" indent="0" algn="ctr" defTabSz="914400" rtl="0" eaLnBrk="1" latinLnBrk="0" hangingPunct="1">
-              <a:lnSpc>
-                <a:spcPct val="90000"/>
-              </a:lnSpc>
-              <a:spcBef>
-                <a:spcPts val="1000"/>
-              </a:spcBef>
-              <a:buFont typeface="Arial" panose="020B0604020202020204" pitchFamily="34" charset="0"/>
-              <a:buNone/>
-              <a:defRPr sz="2400" kern="1200">
-                <a:solidFill>
-                  <a:schemeClr val="tx1"/>
-                </a:solidFill>
-                <a:latin typeface="+mn-lt"/>
-                <a:ea typeface="+mn-ea"/>
-                <a:cs typeface="+mn-cs"/>
-              </a:defRPr>
-            </a:lvl1pPr>
-            <a:lvl2pPr marL="457200" indent="0" algn="ctr" defTabSz="914400" rtl="0" eaLnBrk="1" latinLnBrk="0" hangingPunct="1">
-              <a:lnSpc>
-                <a:spcPct val="90000"/>
-              </a:lnSpc>
-              <a:spcBef>
-                <a:spcPts val="500"/>
-              </a:spcBef>
-              <a:buFont typeface="Arial" panose="020B0604020202020204" pitchFamily="34" charset="0"/>
-              <a:buNone/>
-              <a:defRPr sz="2000" kern="1200">
-                <a:solidFill>
-                  <a:schemeClr val="tx1"/>
-                </a:solidFill>
-                <a:latin typeface="+mn-lt"/>
-                <a:ea typeface="+mn-ea"/>
-                <a:cs typeface="+mn-cs"/>
-              </a:defRPr>
-            </a:lvl2pPr>
-            <a:lvl3pPr marL="914400" indent="0" algn="ctr" defTabSz="914400" rtl="0" eaLnBrk="1" latinLnBrk="0" hangingPunct="1">
-              <a:lnSpc>
-                <a:spcPct val="90000"/>
-              </a:lnSpc>
-              <a:spcBef>
-                <a:spcPts val="500"/>
-              </a:spcBef>
-              <a:buFont typeface="Arial" panose="020B0604020202020204" pitchFamily="34" charset="0"/>
-              <a:buNone/>
-              <a:defRPr sz="1800" kern="1200">
-                <a:solidFill>
-                  <a:schemeClr val="tx1"/>
-                </a:solidFill>
-                <a:latin typeface="+mn-lt"/>
-                <a:ea typeface="+mn-ea"/>
-                <a:cs typeface="+mn-cs"/>
-              </a:defRPr>
-            </a:lvl3pPr>
-            <a:lvl4pPr marL="1371600" indent="0" algn="ctr" defTabSz="914400" rtl="0" eaLnBrk="1" latinLnBrk="0" hangingPunct="1">
-              <a:lnSpc>
-                <a:spcPct val="90000"/>
-              </a:lnSpc>
-              <a:spcBef>
-                <a:spcPts val="500"/>
-              </a:spcBef>
-              <a:buFont typeface="Arial" panose="020B0604020202020204" pitchFamily="34" charset="0"/>
-              <a:buNone/>
-              <a:defRPr sz="1600" kern="1200">
-                <a:solidFill>
-                  <a:schemeClr val="tx1"/>
-                </a:solidFill>
-                <a:latin typeface="+mn-lt"/>
-                <a:ea typeface="+mn-ea"/>
-                <a:cs typeface="+mn-cs"/>
-              </a:defRPr>
-            </a:lvl4pPr>
-            <a:lvl5pPr marL="1828800" indent="0" algn="ctr" defTabSz="914400" rtl="0" eaLnBrk="1" latinLnBrk="0" hangingPunct="1">
-              <a:lnSpc>
-                <a:spcPct val="90000"/>
-              </a:lnSpc>
-              <a:spcBef>
-                <a:spcPts val="500"/>
-              </a:spcBef>
-              <a:buFont typeface="Arial" panose="020B0604020202020204" pitchFamily="34" charset="0"/>
-              <a:buNone/>
-              <a:defRPr sz="1600" kern="1200">
-                <a:solidFill>
-                  <a:schemeClr val="tx1"/>
-                </a:solidFill>
-                <a:latin typeface="+mn-lt"/>
-                <a:ea typeface="+mn-ea"/>
-                <a:cs typeface="+mn-cs"/>
-              </a:defRPr>
-            </a:lvl5pPr>
-            <a:lvl6pPr marL="2286000" indent="0" algn="ctr" defTabSz="914400" rtl="0" eaLnBrk="1" latinLnBrk="0" hangingPunct="1">
-              <a:lnSpc>
-                <a:spcPct val="90000"/>
-              </a:lnSpc>
-              <a:spcBef>
-                <a:spcPts val="500"/>
-              </a:spcBef>
-              <a:buFont typeface="Arial" panose="020B0604020202020204" pitchFamily="34" charset="0"/>
-              <a:buNone/>
-              <a:defRPr sz="1600" kern="1200">
-                <a:solidFill>
-                  <a:schemeClr val="tx1"/>
-                </a:solidFill>
-                <a:latin typeface="+mn-lt"/>
-                <a:ea typeface="+mn-ea"/>
-                <a:cs typeface="+mn-cs"/>
-              </a:defRPr>
-            </a:lvl6pPr>
-            <a:lvl7pPr marL="2743200" indent="0" algn="ctr" defTabSz="914400" rtl="0" eaLnBrk="1" latinLnBrk="0" hangingPunct="1">
-              <a:lnSpc>
-                <a:spcPct val="90000"/>
-              </a:lnSpc>
-              <a:spcBef>
-                <a:spcPts val="500"/>
-              </a:spcBef>
-              <a:buFont typeface="Arial" panose="020B0604020202020204" pitchFamily="34" charset="0"/>
-              <a:buNone/>
-              <a:defRPr sz="1600" kern="1200">
-                <a:solidFill>
-                  <a:schemeClr val="tx1"/>
-                </a:solidFill>
-                <a:latin typeface="+mn-lt"/>
-                <a:ea typeface="+mn-ea"/>
-                <a:cs typeface="+mn-cs"/>
-              </a:defRPr>
-            </a:lvl7pPr>
-            <a:lvl8pPr marL="3200400" indent="0" algn="ctr" defTabSz="914400" rtl="0" eaLnBrk="1" latinLnBrk="0" hangingPunct="1">
-              <a:lnSpc>
-                <a:spcPct val="90000"/>
-              </a:lnSpc>
-              <a:spcBef>
-                <a:spcPts val="500"/>
-              </a:spcBef>
-              <a:buFont typeface="Arial" panose="020B0604020202020204" pitchFamily="34" charset="0"/>
-              <a:buNone/>
-              <a:defRPr sz="1600" kern="1200">
-                <a:solidFill>
-                  <a:schemeClr val="tx1"/>
-                </a:solidFill>
-                <a:latin typeface="+mn-lt"/>
-                <a:ea typeface="+mn-ea"/>
-                <a:cs typeface="+mn-cs"/>
-              </a:defRPr>
-            </a:lvl8pPr>
-            <a:lvl9pPr marL="3657600" indent="0" algn="ctr" defTabSz="914400" rtl="0" eaLnBrk="1" latinLnBrk="0" hangingPunct="1">
-              <a:lnSpc>
-                <a:spcPct val="90000"/>
-              </a:lnSpc>
-              <a:spcBef>
-                <a:spcPts val="500"/>
-              </a:spcBef>
-              <a:buFont typeface="Arial" panose="020B0604020202020204" pitchFamily="34" charset="0"/>
-              <a:buNone/>
-              <a:defRPr sz="1600" kern="1200">
-                <a:solidFill>
-                  <a:schemeClr val="tx1"/>
-                </a:solidFill>
-                <a:latin typeface="+mn-lt"/>
-                <a:ea typeface="+mn-ea"/>
-                <a:cs typeface="+mn-cs"/>
-              </a:defRPr>
-            </a:lvl9pPr>
-          </a:lstStyle>
-          <a:p>
-            <a:pPr algn="l"/>
-            <a:r>
-              <a:rPr lang="en-US" sz="3600" dirty="0">
-                <a:solidFill>
-                  <a:schemeClr val="bg1"/>
-                </a:solidFill>
-              </a:rPr>
-              <a:t>runs on a GPU</a:t>
-            </a:r>
-          </a:p>
-        </p:txBody>
-      </p:sp>
-      <p:pic>
-        <p:nvPicPr>
-          <p:cNvPr id="12" name="Graphic 11" descr="Checkmark with solid fill">
-            <a:extLst>
-              <a:ext uri="{FF2B5EF4-FFF2-40B4-BE49-F238E27FC236}">
-                <a16:creationId xmlns:a16="http://schemas.microsoft.com/office/drawing/2014/main" id="{E8E2702A-E725-27B3-89CB-5A7DC9C887A5}"/>
-              </a:ext>
-            </a:extLst>
-          </p:cNvPr>
-          <p:cNvPicPr>
-            <a:picLocks noChangeAspect="1"/>
-          </p:cNvPicPr>
-          <p:nvPr/>
-        </p:nvPicPr>
-        <p:blipFill>
-          <a:blip r:embed="rId2">
-            <a:extLst>
-              <a:ext uri="{28A0092B-C50C-407E-A947-70E740481C1C}">
-                <a14:useLocalDpi xmlns:a14="http://schemas.microsoft.com/office/drawing/2010/main" val="0"/>
-              </a:ext>
-              <a:ext uri="{96DAC541-7B7A-43D3-8B79-37D633B846F1}">
-                <asvg:svgBlip xmlns:asvg="http://schemas.microsoft.com/office/drawing/2016/SVG/main" r:embed="rId3"/>
-              </a:ext>
-            </a:extLst>
-          </a:blip>
-          <a:stretch>
-            <a:fillRect/>
-          </a:stretch>
-        </p:blipFill>
-        <p:spPr>
-          <a:xfrm>
-            <a:off x="2222028" y="4365895"/>
-            <a:ext cx="630504" cy="630504"/>
-          </a:xfrm>
-          <a:prstGeom prst="rect">
-            <a:avLst/>
-          </a:prstGeom>
-        </p:spPr>
-      </p:pic>
-    </p:spTree>
-    <p:extLst>
-      <p:ext uri="{BB962C8B-B14F-4D97-AF65-F5344CB8AC3E}">
-        <p14:creationId xmlns:p14="http://schemas.microsoft.com/office/powerpoint/2010/main" val="1586384300"/>
-      </p:ext>
-    </p:extLst>
-  </p:cSld>
-  <p:clrMapOvr>
-    <a:masterClrMapping/>
-  </p:clrMapOvr>
-</p:sld>
-</file>
-
 <file path=ppt/slides/slide3.xml><?xml version="1.0" encoding="utf-8"?>
 <p:sld xmlns:a="http://schemas.openxmlformats.org/drawingml/2006/main" xmlns:r="http://schemas.openxmlformats.org/officeDocument/2006/relationships" xmlns:p="http://schemas.openxmlformats.org/presentationml/2006/main">
   <p:cSld>
@@ -10860,10 +12694,88 @@
       </p:grpSpPr>
       <p:sp>
         <p:nvSpPr>
-          <p:cNvPr id="6" name="Title 1">
-            <a:extLst>
-              <a:ext uri="{FF2B5EF4-FFF2-40B4-BE49-F238E27FC236}">
-                <a16:creationId xmlns:a16="http://schemas.microsoft.com/office/drawing/2014/main" id="{920BDC64-3774-E74E-E04D-FD753F0BB7A4}"/>
+          <p:cNvPr id="2" name="Title 1">
+            <a:extLst>
+              <a:ext uri="{FF2B5EF4-FFF2-40B4-BE49-F238E27FC236}">
+                <a16:creationId xmlns:a16="http://schemas.microsoft.com/office/drawing/2014/main" id="{85AA2C41-A218-F03E-E75B-E23D489DF99B}"/>
+              </a:ext>
+            </a:extLst>
+          </p:cNvPr>
+          <p:cNvSpPr>
+            <a:spLocks noGrp="1"/>
+          </p:cNvSpPr>
+          <p:nvPr>
+            <p:ph type="ctrTitle"/>
+          </p:nvPr>
+        </p:nvSpPr>
+        <p:spPr>
+          <a:xfrm>
+            <a:off x="1524000" y="297415"/>
+            <a:ext cx="9144000" cy="1123880"/>
+          </a:xfrm>
+        </p:spPr>
+        <p:txBody>
+          <a:bodyPr>
+            <a:normAutofit fontScale="90000"/>
+          </a:bodyPr>
+          <a:lstStyle/>
+          <a:p>
+            <a:r>
+              <a:rPr lang="en-US" sz="8000" dirty="0">
+                <a:solidFill>
+                  <a:schemeClr val="bg1"/>
+                </a:solidFill>
+              </a:rPr>
+              <a:t>The Process</a:t>
+            </a:r>
+          </a:p>
+        </p:txBody>
+      </p:sp>
+      <p:sp>
+        <p:nvSpPr>
+          <p:cNvPr id="3" name="Subtitle 2">
+            <a:extLst>
+              <a:ext uri="{FF2B5EF4-FFF2-40B4-BE49-F238E27FC236}">
+                <a16:creationId xmlns:a16="http://schemas.microsoft.com/office/drawing/2014/main" id="{62ED4E8C-6CFC-4E48-C834-72281A46F5C1}"/>
+              </a:ext>
+            </a:extLst>
+          </p:cNvPr>
+          <p:cNvSpPr>
+            <a:spLocks noGrp="1"/>
+          </p:cNvSpPr>
+          <p:nvPr>
+            <p:ph type="subTitle" idx="1"/>
+          </p:nvPr>
+        </p:nvSpPr>
+        <p:spPr>
+          <a:xfrm>
+            <a:off x="1027043" y="1651347"/>
+            <a:ext cx="10137913" cy="773802"/>
+          </a:xfrm>
+        </p:spPr>
+        <p:txBody>
+          <a:bodyPr>
+            <a:normAutofit/>
+          </a:bodyPr>
+          <a:lstStyle/>
+          <a:p>
+            <a:r>
+              <a:rPr lang="en-US" sz="3600" b="1" dirty="0">
+                <a:solidFill>
+                  <a:schemeClr val="bg1"/>
+                </a:solidFill>
+              </a:rPr>
+              <a:t>What does it take to run a different method?</a:t>
+            </a:r>
+          </a:p>
+        </p:txBody>
+      </p:sp>
+      <p:sp>
+        <p:nvSpPr>
+          <p:cNvPr id="8" name="Subtitle 2">
+            <a:extLst>
+              <a:ext uri="{FF2B5EF4-FFF2-40B4-BE49-F238E27FC236}">
+                <a16:creationId xmlns:a16="http://schemas.microsoft.com/office/drawing/2014/main" id="{7B6AEC6A-F167-1D1E-AC7A-5EB655CF53F8}"/>
               </a:ext>
             </a:extLst>
           </p:cNvPr>
@@ -10874,110 +12786,299 @@
         </p:nvSpPr>
         <p:spPr>
           <a:xfrm>
-            <a:off x="9010650" y="0"/>
-            <a:ext cx="3009900" cy="1895405"/>
+            <a:off x="2315819" y="2655201"/>
+            <a:ext cx="9107556" cy="4123286"/>
           </a:xfrm>
           <a:prstGeom prst="rect">
             <a:avLst/>
           </a:prstGeom>
         </p:spPr>
         <p:txBody>
-          <a:bodyPr vert="horz" lIns="91440" tIns="45720" rIns="91440" bIns="45720" rtlCol="0" anchor="b">
-            <a:normAutofit fontScale="75000" lnSpcReduction="20000"/>
+          <a:bodyPr vert="horz" lIns="91440" tIns="45720" rIns="91440" bIns="45720" rtlCol="0">
+            <a:normAutofit/>
           </a:bodyPr>
           <a:lstStyle>
-            <a:lvl1pPr algn="ctr" defTabSz="914400" rtl="0" eaLnBrk="1" latinLnBrk="0" hangingPunct="1">
-              <a:lnSpc>
-                <a:spcPct val="90000"/>
-              </a:lnSpc>
-              <a:spcBef>
-                <a:spcPct val="0"/>
-              </a:spcBef>
-              <a:buNone/>
-              <a:defRPr sz="6000" kern="1200">
-                <a:solidFill>
-                  <a:schemeClr val="tx1"/>
-                </a:solidFill>
-                <a:latin typeface="+mj-lt"/>
-                <a:ea typeface="+mj-ea"/>
-                <a:cs typeface="+mj-cs"/>
+            <a:lvl1pPr marL="0" indent="0" algn="ctr" defTabSz="914400" rtl="0" eaLnBrk="1" latinLnBrk="0" hangingPunct="1">
+              <a:lnSpc>
+                <a:spcPct val="90000"/>
+              </a:lnSpc>
+              <a:spcBef>
+                <a:spcPts val="1000"/>
+              </a:spcBef>
+              <a:buFont typeface="Arial" panose="020B0604020202020204" pitchFamily="34" charset="0"/>
+              <a:buNone/>
+              <a:defRPr sz="2400" kern="1200">
+                <a:solidFill>
+                  <a:schemeClr val="tx1"/>
+                </a:solidFill>
+                <a:latin typeface="+mn-lt"/>
+                <a:ea typeface="+mn-ea"/>
+                <a:cs typeface="+mn-cs"/>
               </a:defRPr>
             </a:lvl1pPr>
+            <a:lvl2pPr marL="457200" indent="0" algn="ctr" defTabSz="914400" rtl="0" eaLnBrk="1" latinLnBrk="0" hangingPunct="1">
+              <a:lnSpc>
+                <a:spcPct val="90000"/>
+              </a:lnSpc>
+              <a:spcBef>
+                <a:spcPts val="500"/>
+              </a:spcBef>
+              <a:buFont typeface="Arial" panose="020B0604020202020204" pitchFamily="34" charset="0"/>
+              <a:buNone/>
+              <a:defRPr sz="2000" kern="1200">
+                <a:solidFill>
+                  <a:schemeClr val="tx1"/>
+                </a:solidFill>
+                <a:latin typeface="+mn-lt"/>
+                <a:ea typeface="+mn-ea"/>
+                <a:cs typeface="+mn-cs"/>
+              </a:defRPr>
+            </a:lvl2pPr>
+            <a:lvl3pPr marL="914400" indent="0" algn="ctr" defTabSz="914400" rtl="0" eaLnBrk="1" latinLnBrk="0" hangingPunct="1">
+              <a:lnSpc>
+                <a:spcPct val="90000"/>
+              </a:lnSpc>
+              <a:spcBef>
+                <a:spcPts val="500"/>
+              </a:spcBef>
+              <a:buFont typeface="Arial" panose="020B0604020202020204" pitchFamily="34" charset="0"/>
+              <a:buNone/>
+              <a:defRPr sz="1800" kern="1200">
+                <a:solidFill>
+                  <a:schemeClr val="tx1"/>
+                </a:solidFill>
+                <a:latin typeface="+mn-lt"/>
+                <a:ea typeface="+mn-ea"/>
+                <a:cs typeface="+mn-cs"/>
+              </a:defRPr>
+            </a:lvl3pPr>
+            <a:lvl4pPr marL="1371600" indent="0" algn="ctr" defTabSz="914400" rtl="0" eaLnBrk="1" latinLnBrk="0" hangingPunct="1">
+              <a:lnSpc>
+                <a:spcPct val="90000"/>
+              </a:lnSpc>
+              <a:spcBef>
+                <a:spcPts val="500"/>
+              </a:spcBef>
+              <a:buFont typeface="Arial" panose="020B0604020202020204" pitchFamily="34" charset="0"/>
+              <a:buNone/>
+              <a:defRPr sz="1600" kern="1200">
+                <a:solidFill>
+                  <a:schemeClr val="tx1"/>
+                </a:solidFill>
+                <a:latin typeface="+mn-lt"/>
+                <a:ea typeface="+mn-ea"/>
+                <a:cs typeface="+mn-cs"/>
+              </a:defRPr>
+            </a:lvl4pPr>
+            <a:lvl5pPr marL="1828800" indent="0" algn="ctr" defTabSz="914400" rtl="0" eaLnBrk="1" latinLnBrk="0" hangingPunct="1">
+              <a:lnSpc>
+                <a:spcPct val="90000"/>
+              </a:lnSpc>
+              <a:spcBef>
+                <a:spcPts val="500"/>
+              </a:spcBef>
+              <a:buFont typeface="Arial" panose="020B0604020202020204" pitchFamily="34" charset="0"/>
+              <a:buNone/>
+              <a:defRPr sz="1600" kern="1200">
+                <a:solidFill>
+                  <a:schemeClr val="tx1"/>
+                </a:solidFill>
+                <a:latin typeface="+mn-lt"/>
+                <a:ea typeface="+mn-ea"/>
+                <a:cs typeface="+mn-cs"/>
+              </a:defRPr>
+            </a:lvl5pPr>
+            <a:lvl6pPr marL="2286000" indent="0" algn="ctr" defTabSz="914400" rtl="0" eaLnBrk="1" latinLnBrk="0" hangingPunct="1">
+              <a:lnSpc>
+                <a:spcPct val="90000"/>
+              </a:lnSpc>
+              <a:spcBef>
+                <a:spcPts val="500"/>
+              </a:spcBef>
+              <a:buFont typeface="Arial" panose="020B0604020202020204" pitchFamily="34" charset="0"/>
+              <a:buNone/>
+              <a:defRPr sz="1600" kern="1200">
+                <a:solidFill>
+                  <a:schemeClr val="tx1"/>
+                </a:solidFill>
+                <a:latin typeface="+mn-lt"/>
+                <a:ea typeface="+mn-ea"/>
+                <a:cs typeface="+mn-cs"/>
+              </a:defRPr>
+            </a:lvl6pPr>
+            <a:lvl7pPr marL="2743200" indent="0" algn="ctr" defTabSz="914400" rtl="0" eaLnBrk="1" latinLnBrk="0" hangingPunct="1">
+              <a:lnSpc>
+                <a:spcPct val="90000"/>
+              </a:lnSpc>
+              <a:spcBef>
+                <a:spcPts val="500"/>
+              </a:spcBef>
+              <a:buFont typeface="Arial" panose="020B0604020202020204" pitchFamily="34" charset="0"/>
+              <a:buNone/>
+              <a:defRPr sz="1600" kern="1200">
+                <a:solidFill>
+                  <a:schemeClr val="tx1"/>
+                </a:solidFill>
+                <a:latin typeface="+mn-lt"/>
+                <a:ea typeface="+mn-ea"/>
+                <a:cs typeface="+mn-cs"/>
+              </a:defRPr>
+            </a:lvl7pPr>
+            <a:lvl8pPr marL="3200400" indent="0" algn="ctr" defTabSz="914400" rtl="0" eaLnBrk="1" latinLnBrk="0" hangingPunct="1">
+              <a:lnSpc>
+                <a:spcPct val="90000"/>
+              </a:lnSpc>
+              <a:spcBef>
+                <a:spcPts val="500"/>
+              </a:spcBef>
+              <a:buFont typeface="Arial" panose="020B0604020202020204" pitchFamily="34" charset="0"/>
+              <a:buNone/>
+              <a:defRPr sz="1600" kern="1200">
+                <a:solidFill>
+                  <a:schemeClr val="tx1"/>
+                </a:solidFill>
+                <a:latin typeface="+mn-lt"/>
+                <a:ea typeface="+mn-ea"/>
+                <a:cs typeface="+mn-cs"/>
+              </a:defRPr>
+            </a:lvl8pPr>
+            <a:lvl9pPr marL="3657600" indent="0" algn="ctr" defTabSz="914400" rtl="0" eaLnBrk="1" latinLnBrk="0" hangingPunct="1">
+              <a:lnSpc>
+                <a:spcPct val="90000"/>
+              </a:lnSpc>
+              <a:spcBef>
+                <a:spcPts val="500"/>
+              </a:spcBef>
+              <a:buFont typeface="Arial" panose="020B0604020202020204" pitchFamily="34" charset="0"/>
+              <a:buNone/>
+              <a:defRPr sz="1600" kern="1200">
+                <a:solidFill>
+                  <a:schemeClr val="tx1"/>
+                </a:solidFill>
+                <a:latin typeface="+mn-lt"/>
+                <a:ea typeface="+mn-ea"/>
+                <a:cs typeface="+mn-cs"/>
+              </a:defRPr>
+            </a:lvl9pPr>
           </a:lstStyle>
           <a:p>
-            <a:r>
-              <a:rPr lang="en-US" sz="8000" dirty="0">
+            <a:pPr algn="l"/>
+            <a:r>
+              <a:rPr lang="en-US" sz="3200" dirty="0">
                 <a:solidFill>
                   <a:schemeClr val="bg1"/>
                 </a:solidFill>
               </a:rPr>
-              <a:t>6</a:t>
-            </a:r>
-          </a:p>
-          <a:p>
-            <a:r>
-              <a:rPr lang="en-US" sz="8000" dirty="0">
+              <a:t>- write </a:t>
+            </a:r>
+            <a:r>
+              <a:rPr lang="en-US" sz="3200" dirty="0" err="1">
                 <a:solidFill>
                   <a:schemeClr val="bg1"/>
                 </a:solidFill>
               </a:rPr>
-              <a:t>Methods</a:t>
+              <a:t>downsample</a:t>
+            </a:r>
+            <a:r>
+              <a:rPr lang="en-US" sz="3200" dirty="0">
+                <a:solidFill>
+                  <a:schemeClr val="bg1"/>
+                </a:solidFill>
+              </a:rPr>
+              <a:t> algo in </a:t>
+            </a:r>
+            <a:r>
+              <a:rPr lang="en-US" sz="3200" dirty="0" err="1">
+                <a:solidFill>
+                  <a:schemeClr val="bg1"/>
+                </a:solidFill>
+              </a:rPr>
+              <a:t>c++</a:t>
+            </a:r>
+            <a:r>
+              <a:rPr lang="en-US" sz="3200" dirty="0">
+                <a:solidFill>
+                  <a:schemeClr val="bg1"/>
+                </a:solidFill>
+              </a:rPr>
+              <a:t>/ROS</a:t>
+            </a:r>
+          </a:p>
+          <a:p>
+            <a:pPr algn="l"/>
+            <a:r>
+              <a:rPr lang="en-US" sz="3200" dirty="0">
+                <a:solidFill>
+                  <a:schemeClr val="bg1"/>
+                </a:solidFill>
+              </a:rPr>
+              <a:t>- run algo to get </a:t>
+            </a:r>
+            <a:r>
+              <a:rPr lang="en-US" sz="3200" dirty="0" err="1">
+                <a:solidFill>
+                  <a:schemeClr val="bg1"/>
+                </a:solidFill>
+              </a:rPr>
+              <a:t>rosbag</a:t>
+            </a:r>
+            <a:endParaRPr lang="en-US" sz="3200" dirty="0">
+              <a:solidFill>
+                <a:schemeClr val="bg1"/>
+              </a:solidFill>
+            </a:endParaRPr>
+          </a:p>
+          <a:p>
+            <a:pPr algn="l"/>
+            <a:r>
+              <a:rPr lang="en-US" sz="3200" dirty="0">
+                <a:solidFill>
+                  <a:schemeClr val="bg1"/>
+                </a:solidFill>
+              </a:rPr>
+              <a:t>- extract bathymetry (shown previously)</a:t>
+            </a:r>
+          </a:p>
+          <a:p>
+            <a:pPr algn="l"/>
+            <a:r>
+              <a:rPr lang="en-US" sz="3200" dirty="0">
+                <a:solidFill>
+                  <a:schemeClr val="bg1"/>
+                </a:solidFill>
+              </a:rPr>
+              <a:t>- isolate training patch and train hyperparameters</a:t>
+            </a:r>
+          </a:p>
+          <a:p>
+            <a:pPr algn="l"/>
+            <a:r>
+              <a:rPr lang="en-US" sz="3200" dirty="0">
+                <a:solidFill>
+                  <a:schemeClr val="bg1"/>
+                </a:solidFill>
+              </a:rPr>
+              <a:t>- run algo with trained hyperparameters</a:t>
             </a:r>
           </a:p>
         </p:txBody>
       </p:sp>
-      <p:pic>
-        <p:nvPicPr>
-          <p:cNvPr id="12" name="Picture 11" descr="Chart&#10;&#10;Description automatically generated">
-            <a:extLst>
-              <a:ext uri="{FF2B5EF4-FFF2-40B4-BE49-F238E27FC236}">
-                <a16:creationId xmlns:a16="http://schemas.microsoft.com/office/drawing/2014/main" id="{7F17269C-A02B-FBEF-862E-8F60350F0645}"/>
-              </a:ext>
-            </a:extLst>
-          </p:cNvPr>
-          <p:cNvPicPr>
-            <a:picLocks noChangeAspect="1"/>
-          </p:cNvPicPr>
-          <p:nvPr/>
-        </p:nvPicPr>
-        <p:blipFill>
-          <a:blip r:embed="rId2">
-            <a:extLst>
-              <a:ext uri="{28A0092B-C50C-407E-A947-70E740481C1C}">
-                <a14:useLocalDpi xmlns:a14="http://schemas.microsoft.com/office/drawing/2010/main" val="0"/>
-              </a:ext>
-            </a:extLst>
-          </a:blip>
-          <a:stretch>
-            <a:fillRect/>
-          </a:stretch>
-        </p:blipFill>
-        <p:spPr>
-          <a:xfrm>
-            <a:off x="0" y="0"/>
-            <a:ext cx="8851604" cy="6858000"/>
-          </a:xfrm>
-          <a:prstGeom prst="rect">
-            <a:avLst/>
-          </a:prstGeom>
-        </p:spPr>
-      </p:pic>
       <p:sp>
         <p:nvSpPr>
-          <p:cNvPr id="2" name="TextBox 1">
-            <a:extLst>
-              <a:ext uri="{FF2B5EF4-FFF2-40B4-BE49-F238E27FC236}">
-                <a16:creationId xmlns:a16="http://schemas.microsoft.com/office/drawing/2014/main" id="{5131B1D2-97BA-57FB-6BD4-A21A1916DCD0}"/>
-              </a:ext>
-            </a:extLst>
-          </p:cNvPr>
-          <p:cNvSpPr txBox="1"/>
+          <p:cNvPr id="16" name="Rectangle 15">
+            <a:extLst>
+              <a:ext uri="{FF2B5EF4-FFF2-40B4-BE49-F238E27FC236}">
+                <a16:creationId xmlns:a16="http://schemas.microsoft.com/office/drawing/2014/main" id="{68122012-4A2F-E93B-4A98-03477E1803D8}"/>
+              </a:ext>
+            </a:extLst>
+          </p:cNvPr>
+          <p:cNvSpPr/>
           <p:nvPr/>
         </p:nvSpPr>
         <p:spPr>
-          <a:xfrm>
-            <a:off x="8943975" y="3244334"/>
-            <a:ext cx="3009899" cy="523220"/>
+          <a:xfrm rot="20442271">
+            <a:off x="246902" y="3153996"/>
+            <a:ext cx="1846980" cy="1446550"/>
           </a:xfrm>
           <a:prstGeom prst="rect">
             <a:avLst/>
@@ -10985,28 +13086,30 @@
           <a:noFill/>
         </p:spPr>
         <p:txBody>
-          <a:bodyPr wrap="square">
+          <a:bodyPr wrap="none" lIns="91440" tIns="45720" rIns="91440" bIns="45720">
             <a:spAutoFit/>
           </a:bodyPr>
           <a:lstStyle/>
           <a:p>
             <a:pPr algn="ctr"/>
             <a:r>
-              <a:rPr lang="en-US" sz="2800" dirty="0">
-                <a:solidFill>
-                  <a:schemeClr val="bg1"/>
-                </a:solidFill>
+              <a:rPr lang="en-US" sz="8800" b="1" cap="none" spc="0" dirty="0">
+                <a:ln w="6600">
+                  <a:solidFill>
+                    <a:schemeClr val="accent2"/>
+                  </a:solidFill>
+                  <a:prstDash val="solid"/>
+                </a:ln>
+                <a:solidFill>
+                  <a:srgbClr val="FFFFFF"/>
+                </a:solidFill>
+                <a:effectLst>
+                  <a:outerShdw dist="38100" dir="2700000" algn="tl" rotWithShape="0">
+                    <a:schemeClr val="accent2"/>
+                  </a:outerShdw>
+                </a:effectLst>
               </a:rPr>
-              <a:t>100 pts </a:t>
-            </a:r>
-            <a:r>
-              <a:rPr lang="en-US" sz="2800" dirty="0">
-                <a:solidFill>
-                  <a:schemeClr val="bg1"/>
-                </a:solidFill>
-                <a:sym typeface="Wingdings" panose="05000000000000000000" pitchFamily="2" charset="2"/>
-              </a:rPr>
-              <a:t> 20 pts</a:t>
+              <a:t>50x</a:t>
             </a:r>
           </a:p>
         </p:txBody>
@@ -11014,7 +13117,7 @@
     </p:spTree>
     <p:extLst>
       <p:ext uri="{BB962C8B-B14F-4D97-AF65-F5344CB8AC3E}">
-        <p14:creationId xmlns:p14="http://schemas.microsoft.com/office/powerpoint/2010/main" val="2176511082"/>
+        <p14:creationId xmlns:p14="http://schemas.microsoft.com/office/powerpoint/2010/main" val="855618941"/>
       </p:ext>
     </p:extLst>
   </p:cSld>
@@ -11049,12 +13152,80 @@
           <a:chExt cx="0" cy="0"/>
         </a:xfrm>
       </p:grpSpPr>
+      <p:sp>
+        <p:nvSpPr>
+          <p:cNvPr id="6" name="Title 1">
+            <a:extLst>
+              <a:ext uri="{FF2B5EF4-FFF2-40B4-BE49-F238E27FC236}">
+                <a16:creationId xmlns:a16="http://schemas.microsoft.com/office/drawing/2014/main" id="{920BDC64-3774-E74E-E04D-FD753F0BB7A4}"/>
+              </a:ext>
+            </a:extLst>
+          </p:cNvPr>
+          <p:cNvSpPr txBox="1">
+            <a:spLocks/>
+          </p:cNvSpPr>
+          <p:nvPr/>
+        </p:nvSpPr>
+        <p:spPr>
+          <a:xfrm>
+            <a:off x="9010650" y="0"/>
+            <a:ext cx="3009900" cy="1895405"/>
+          </a:xfrm>
+          <a:prstGeom prst="rect">
+            <a:avLst/>
+          </a:prstGeom>
+        </p:spPr>
+        <p:txBody>
+          <a:bodyPr vert="horz" lIns="91440" tIns="45720" rIns="91440" bIns="45720" rtlCol="0" anchor="b">
+            <a:normAutofit fontScale="75000" lnSpcReduction="20000"/>
+          </a:bodyPr>
+          <a:lstStyle>
+            <a:lvl1pPr algn="ctr" defTabSz="914400" rtl="0" eaLnBrk="1" latinLnBrk="0" hangingPunct="1">
+              <a:lnSpc>
+                <a:spcPct val="90000"/>
+              </a:lnSpc>
+              <a:spcBef>
+                <a:spcPct val="0"/>
+              </a:spcBef>
+              <a:buNone/>
+              <a:defRPr sz="6000" kern="1200">
+                <a:solidFill>
+                  <a:schemeClr val="tx1"/>
+                </a:solidFill>
+                <a:latin typeface="+mj-lt"/>
+                <a:ea typeface="+mj-ea"/>
+                <a:cs typeface="+mj-cs"/>
+              </a:defRPr>
+            </a:lvl1pPr>
+          </a:lstStyle>
+          <a:p>
+            <a:r>
+              <a:rPr lang="en-US" sz="8000" dirty="0">
+                <a:solidFill>
+                  <a:schemeClr val="bg1"/>
+                </a:solidFill>
+              </a:rPr>
+              <a:t>6</a:t>
+            </a:r>
+          </a:p>
+          <a:p>
+            <a:r>
+              <a:rPr lang="en-US" sz="8000" dirty="0">
+                <a:solidFill>
+                  <a:schemeClr val="bg1"/>
+                </a:solidFill>
+              </a:rPr>
+              <a:t>Methods</a:t>
+            </a:r>
+          </a:p>
+        </p:txBody>
+      </p:sp>
       <p:pic>
         <p:nvPicPr>
-          <p:cNvPr id="6" name="Picture 5">
-            <a:extLst>
-              <a:ext uri="{FF2B5EF4-FFF2-40B4-BE49-F238E27FC236}">
-                <a16:creationId xmlns:a16="http://schemas.microsoft.com/office/drawing/2014/main" id="{BC67A889-396B-65A0-89D0-C0B92DB4D1E3}"/>
+          <p:cNvPr id="12" name="Picture 11" descr="Chart&#10;&#10;Description automatically generated">
+            <a:extLst>
+              <a:ext uri="{FF2B5EF4-FFF2-40B4-BE49-F238E27FC236}">
+                <a16:creationId xmlns:a16="http://schemas.microsoft.com/office/drawing/2014/main" id="{7F17269C-A02B-FBEF-862E-8F60350F0645}"/>
               </a:ext>
             </a:extLst>
           </p:cNvPr>
@@ -11077,8 +13248,8 @@
         </p:blipFill>
         <p:spPr>
           <a:xfrm>
-            <a:off x="179464" y="1302026"/>
-            <a:ext cx="11805386" cy="5546035"/>
+            <a:off x="0" y="0"/>
+            <a:ext cx="8851604" cy="6858000"/>
           </a:xfrm>
           <a:prstGeom prst="rect">
             <a:avLst/>
@@ -11087,121 +13258,49 @@
       </p:pic>
       <p:sp>
         <p:nvSpPr>
-          <p:cNvPr id="2" name="Title 1">
-            <a:extLst>
-              <a:ext uri="{FF2B5EF4-FFF2-40B4-BE49-F238E27FC236}">
-                <a16:creationId xmlns:a16="http://schemas.microsoft.com/office/drawing/2014/main" id="{E5873187-2CEA-54B4-1797-36BDEA649102}"/>
-              </a:ext>
-            </a:extLst>
-          </p:cNvPr>
-          <p:cNvSpPr txBox="1">
-            <a:spLocks/>
-          </p:cNvSpPr>
+          <p:cNvPr id="2" name="TextBox 1">
+            <a:extLst>
+              <a:ext uri="{FF2B5EF4-FFF2-40B4-BE49-F238E27FC236}">
+                <a16:creationId xmlns:a16="http://schemas.microsoft.com/office/drawing/2014/main" id="{5131B1D2-97BA-57FB-6BD4-A21A1916DCD0}"/>
+              </a:ext>
+            </a:extLst>
+          </p:cNvPr>
+          <p:cNvSpPr txBox="1"/>
           <p:nvPr/>
         </p:nvSpPr>
         <p:spPr>
           <a:xfrm>
-            <a:off x="8948737" y="0"/>
-            <a:ext cx="3009900" cy="1676400"/>
+            <a:off x="8943975" y="3244334"/>
+            <a:ext cx="3009899" cy="523220"/>
           </a:xfrm>
           <a:prstGeom prst="rect">
             <a:avLst/>
           </a:prstGeom>
+          <a:noFill/>
         </p:spPr>
         <p:txBody>
-          <a:bodyPr vert="horz" lIns="91440" tIns="45720" rIns="91440" bIns="45720" rtlCol="0" anchor="b">
-            <a:normAutofit fontScale="97500"/>
+          <a:bodyPr wrap="square">
+            <a:spAutoFit/>
           </a:bodyPr>
-          <a:lstStyle>
-            <a:lvl1pPr algn="ctr" defTabSz="914400" rtl="0" eaLnBrk="1" latinLnBrk="0" hangingPunct="1">
-              <a:lnSpc>
-                <a:spcPct val="90000"/>
-              </a:lnSpc>
-              <a:spcBef>
-                <a:spcPct val="0"/>
-              </a:spcBef>
-              <a:buNone/>
-              <a:defRPr sz="6000" kern="1200">
-                <a:solidFill>
-                  <a:schemeClr val="tx1"/>
-                </a:solidFill>
-                <a:latin typeface="+mj-lt"/>
-                <a:ea typeface="+mj-ea"/>
-                <a:cs typeface="+mj-cs"/>
-              </a:defRPr>
-            </a:lvl1pPr>
-          </a:lstStyle>
-          <a:p>
-            <a:r>
-              <a:rPr lang="en-US" sz="5500" dirty="0">
+          <a:lstStyle/>
+          <a:p>
+            <a:pPr algn="ctr"/>
+            <a:r>
+              <a:rPr lang="en-US" sz="2800" dirty="0">
                 <a:solidFill>
                   <a:schemeClr val="bg1"/>
                 </a:solidFill>
               </a:rPr>
-              <a:t>Exact</a:t>
-            </a:r>
-            <a:endParaRPr lang="en-US" sz="8000" dirty="0">
-              <a:solidFill>
-                <a:schemeClr val="bg1"/>
-              </a:solidFill>
-            </a:endParaRPr>
-          </a:p>
-        </p:txBody>
-      </p:sp>
-      <p:sp>
-        <p:nvSpPr>
-          <p:cNvPr id="4" name="Title 1">
-            <a:extLst>
-              <a:ext uri="{FF2B5EF4-FFF2-40B4-BE49-F238E27FC236}">
-                <a16:creationId xmlns:a16="http://schemas.microsoft.com/office/drawing/2014/main" id="{F4D14457-D28C-8ADE-3B2D-0FE67AC39B9A}"/>
-              </a:ext>
-            </a:extLst>
-          </p:cNvPr>
-          <p:cNvSpPr txBox="1">
-            <a:spLocks/>
-          </p:cNvSpPr>
-          <p:nvPr/>
-        </p:nvSpPr>
-        <p:spPr>
-          <a:xfrm>
-            <a:off x="8948737" y="1676400"/>
-            <a:ext cx="3009900" cy="781050"/>
-          </a:xfrm>
-          <a:prstGeom prst="rect">
-            <a:avLst/>
-          </a:prstGeom>
-        </p:spPr>
-        <p:txBody>
-          <a:bodyPr vert="horz" lIns="91440" tIns="45720" rIns="91440" bIns="45720" rtlCol="0" anchor="b">
-            <a:normAutofit fontScale="97500"/>
-          </a:bodyPr>
-          <a:lstStyle>
-            <a:lvl1pPr algn="ctr" defTabSz="914400" rtl="0" eaLnBrk="1" latinLnBrk="0" hangingPunct="1">
-              <a:lnSpc>
-                <a:spcPct val="90000"/>
-              </a:lnSpc>
-              <a:spcBef>
-                <a:spcPct val="0"/>
-              </a:spcBef>
-              <a:buNone/>
-              <a:defRPr sz="6000" kern="1200">
-                <a:solidFill>
-                  <a:schemeClr val="tx1"/>
-                </a:solidFill>
-                <a:latin typeface="+mj-lt"/>
-                <a:ea typeface="+mj-ea"/>
-                <a:cs typeface="+mj-cs"/>
-              </a:defRPr>
-            </a:lvl1pPr>
-          </a:lstStyle>
-          <a:p>
-            <a:r>
-              <a:rPr lang="en-US" sz="4800" i="1" dirty="0">
+              <a:t>100 pts </a:t>
+            </a:r>
+            <a:r>
+              <a:rPr lang="en-US" sz="2800" dirty="0">
                 <a:solidFill>
                   <a:schemeClr val="bg1"/>
                 </a:solidFill>
+                <a:sym typeface="Wingdings" panose="05000000000000000000" pitchFamily="2" charset="2"/>
               </a:rPr>
-              <a:t>100%</a:t>
+              <a:t> 20 pts</a:t>
             </a:r>
           </a:p>
         </p:txBody>
@@ -11209,7 +13308,7 @@
     </p:spTree>
     <p:extLst>
       <p:ext uri="{BB962C8B-B14F-4D97-AF65-F5344CB8AC3E}">
-        <p14:creationId xmlns:p14="http://schemas.microsoft.com/office/powerpoint/2010/main" val="3602935374"/>
+        <p14:creationId xmlns:p14="http://schemas.microsoft.com/office/powerpoint/2010/main" val="2176511082"/>
       </p:ext>
     </p:extLst>
   </p:cSld>

--- a/presentations/28March2023_committee.pptx
+++ b/presentations/28March2023_committee.pptx
@@ -24,9 +24,10 @@
     <p:sldId id="318" r:id="rId18"/>
     <p:sldId id="319" r:id="rId19"/>
     <p:sldId id="264" r:id="rId20"/>
-    <p:sldId id="266" r:id="rId21"/>
-    <p:sldId id="267" r:id="rId22"/>
-    <p:sldId id="272" r:id="rId23"/>
+    <p:sldId id="320" r:id="rId21"/>
+    <p:sldId id="266" r:id="rId22"/>
+    <p:sldId id="267" r:id="rId23"/>
+    <p:sldId id="272" r:id="rId24"/>
   </p:sldIdLst>
   <p:sldSz cx="12192000" cy="6858000"/>
   <p:notesSz cx="6858000" cy="9144000"/>
@@ -280,7 +281,7 @@
           <a:p>
             <a:fld id="{5078ADB6-DBA4-4B07-934A-19FBAC1437FF}" type="datetimeFigureOut">
               <a:rPr lang="en-US" smtClean="0"/>
-              <a:t>3/27/2023</a:t>
+              <a:t>3/28/2023</a:t>
             </a:fld>
             <a:endParaRPr lang="en-US"/>
           </a:p>
@@ -478,7 +479,7 @@
           <a:p>
             <a:fld id="{5078ADB6-DBA4-4B07-934A-19FBAC1437FF}" type="datetimeFigureOut">
               <a:rPr lang="en-US" smtClean="0"/>
-              <a:t>3/27/2023</a:t>
+              <a:t>3/28/2023</a:t>
             </a:fld>
             <a:endParaRPr lang="en-US"/>
           </a:p>
@@ -686,7 +687,7 @@
           <a:p>
             <a:fld id="{5078ADB6-DBA4-4B07-934A-19FBAC1437FF}" type="datetimeFigureOut">
               <a:rPr lang="en-US" smtClean="0"/>
-              <a:t>3/27/2023</a:t>
+              <a:t>3/28/2023</a:t>
             </a:fld>
             <a:endParaRPr lang="en-US"/>
           </a:p>
@@ -884,7 +885,7 @@
           <a:p>
             <a:fld id="{5078ADB6-DBA4-4B07-934A-19FBAC1437FF}" type="datetimeFigureOut">
               <a:rPr lang="en-US" smtClean="0"/>
-              <a:t>3/27/2023</a:t>
+              <a:t>3/28/2023</a:t>
             </a:fld>
             <a:endParaRPr lang="en-US"/>
           </a:p>
@@ -1159,7 +1160,7 @@
           <a:p>
             <a:fld id="{5078ADB6-DBA4-4B07-934A-19FBAC1437FF}" type="datetimeFigureOut">
               <a:rPr lang="en-US" smtClean="0"/>
-              <a:t>3/27/2023</a:t>
+              <a:t>3/28/2023</a:t>
             </a:fld>
             <a:endParaRPr lang="en-US"/>
           </a:p>
@@ -1424,7 +1425,7 @@
           <a:p>
             <a:fld id="{5078ADB6-DBA4-4B07-934A-19FBAC1437FF}" type="datetimeFigureOut">
               <a:rPr lang="en-US" smtClean="0"/>
-              <a:t>3/27/2023</a:t>
+              <a:t>3/28/2023</a:t>
             </a:fld>
             <a:endParaRPr lang="en-US"/>
           </a:p>
@@ -1836,7 +1837,7 @@
           <a:p>
             <a:fld id="{5078ADB6-DBA4-4B07-934A-19FBAC1437FF}" type="datetimeFigureOut">
               <a:rPr lang="en-US" smtClean="0"/>
-              <a:t>3/27/2023</a:t>
+              <a:t>3/28/2023</a:t>
             </a:fld>
             <a:endParaRPr lang="en-US"/>
           </a:p>
@@ -1977,7 +1978,7 @@
           <a:p>
             <a:fld id="{5078ADB6-DBA4-4B07-934A-19FBAC1437FF}" type="datetimeFigureOut">
               <a:rPr lang="en-US" smtClean="0"/>
-              <a:t>3/27/2023</a:t>
+              <a:t>3/28/2023</a:t>
             </a:fld>
             <a:endParaRPr lang="en-US"/>
           </a:p>
@@ -2090,7 +2091,7 @@
           <a:p>
             <a:fld id="{5078ADB6-DBA4-4B07-934A-19FBAC1437FF}" type="datetimeFigureOut">
               <a:rPr lang="en-US" smtClean="0"/>
-              <a:t>3/27/2023</a:t>
+              <a:t>3/28/2023</a:t>
             </a:fld>
             <a:endParaRPr lang="en-US"/>
           </a:p>
@@ -2401,7 +2402,7 @@
           <a:p>
             <a:fld id="{5078ADB6-DBA4-4B07-934A-19FBAC1437FF}" type="datetimeFigureOut">
               <a:rPr lang="en-US" smtClean="0"/>
-              <a:t>3/27/2023</a:t>
+              <a:t>3/28/2023</a:t>
             </a:fld>
             <a:endParaRPr lang="en-US"/>
           </a:p>
@@ -2689,7 +2690,7 @@
           <a:p>
             <a:fld id="{5078ADB6-DBA4-4B07-934A-19FBAC1437FF}" type="datetimeFigureOut">
               <a:rPr lang="en-US" smtClean="0"/>
-              <a:t>3/27/2023</a:t>
+              <a:t>3/28/2023</a:t>
             </a:fld>
             <a:endParaRPr lang="en-US"/>
           </a:p>
@@ -2930,7 +2931,7 @@
           <a:p>
             <a:fld id="{5078ADB6-DBA4-4B07-934A-19FBAC1437FF}" type="datetimeFigureOut">
               <a:rPr lang="en-US" smtClean="0"/>
-              <a:t>3/27/2023</a:t>
+              <a:t>3/28/2023</a:t>
             </a:fld>
             <a:endParaRPr lang="en-US"/>
           </a:p>
@@ -8099,6 +8100,137 @@
           <a:chExt cx="0" cy="0"/>
         </a:xfrm>
       </p:grpSpPr>
+      <p:sp>
+        <p:nvSpPr>
+          <p:cNvPr id="4" name="Subtitle 2">
+            <a:extLst>
+              <a:ext uri="{FF2B5EF4-FFF2-40B4-BE49-F238E27FC236}">
+                <a16:creationId xmlns:a16="http://schemas.microsoft.com/office/drawing/2014/main" id="{E6CBF411-072C-CF3F-26DF-B042F88282BA}"/>
+              </a:ext>
+            </a:extLst>
+          </p:cNvPr>
+          <p:cNvSpPr>
+            <a:spLocks noGrp="1"/>
+          </p:cNvSpPr>
+          <p:nvPr>
+            <p:ph type="subTitle" idx="1"/>
+          </p:nvPr>
+        </p:nvSpPr>
+        <p:spPr>
+          <a:xfrm>
+            <a:off x="1038861" y="1319034"/>
+            <a:ext cx="9625825" cy="4614627"/>
+          </a:xfrm>
+        </p:spPr>
+        <p:txBody>
+          <a:bodyPr>
+            <a:normAutofit/>
+          </a:bodyPr>
+          <a:lstStyle/>
+          <a:p>
+            <a:pPr algn="l"/>
+            <a:r>
+              <a:rPr lang="en-US" sz="3600" dirty="0">
+                <a:solidFill>
+                  <a:schemeClr val="bg1"/>
+                </a:solidFill>
+              </a:rPr>
+              <a:t>Questions</a:t>
+            </a:r>
+          </a:p>
+          <a:p>
+            <a:pPr marL="571500" indent="-571500" algn="l">
+              <a:buFontTx/>
+              <a:buChar char="-"/>
+            </a:pPr>
+            <a:r>
+              <a:rPr lang="en-US" sz="3600" dirty="0">
+                <a:solidFill>
+                  <a:schemeClr val="bg1"/>
+                </a:solidFill>
+              </a:rPr>
+              <a:t>What errors to present?</a:t>
+            </a:r>
+          </a:p>
+          <a:p>
+            <a:pPr marL="571500" indent="-571500" algn="l">
+              <a:buFontTx/>
+              <a:buChar char="-"/>
+            </a:pPr>
+            <a:r>
+              <a:rPr lang="en-US" sz="3600" dirty="0">
+                <a:solidFill>
+                  <a:schemeClr val="bg1"/>
+                </a:solidFill>
+              </a:rPr>
+              <a:t>What time metric to present?</a:t>
+            </a:r>
+          </a:p>
+          <a:p>
+            <a:pPr marL="571500" indent="-571500" algn="l">
+              <a:buFontTx/>
+              <a:buChar char="-"/>
+            </a:pPr>
+            <a:endParaRPr lang="en-US" sz="3600" dirty="0">
+              <a:solidFill>
+                <a:schemeClr val="bg1"/>
+              </a:solidFill>
+            </a:endParaRPr>
+          </a:p>
+          <a:p>
+            <a:pPr marL="571500" indent="-571500" algn="l">
+              <a:buFontTx/>
+              <a:buChar char="-"/>
+            </a:pPr>
+            <a:r>
+              <a:rPr lang="en-US" sz="3600" dirty="0">
+                <a:solidFill>
+                  <a:schemeClr val="bg1"/>
+                </a:solidFill>
+              </a:rPr>
+              <a:t>Other open advice from committee</a:t>
+            </a:r>
+          </a:p>
+        </p:txBody>
+      </p:sp>
+    </p:spTree>
+    <p:extLst>
+      <p:ext uri="{BB962C8B-B14F-4D97-AF65-F5344CB8AC3E}">
+        <p14:creationId xmlns:p14="http://schemas.microsoft.com/office/powerpoint/2010/main" val="1082312482"/>
+      </p:ext>
+    </p:extLst>
+  </p:cSld>
+  <p:clrMapOvr>
+    <a:masterClrMapping/>
+  </p:clrMapOvr>
+</p:sld>
+</file>
+
+<file path=ppt/slides/slide21.xml><?xml version="1.0" encoding="utf-8"?>
+<p:sld xmlns:a="http://schemas.openxmlformats.org/drawingml/2006/main" xmlns:r="http://schemas.openxmlformats.org/officeDocument/2006/relationships" xmlns:p="http://schemas.openxmlformats.org/presentationml/2006/main">
+  <p:cSld>
+    <p:bg>
+      <p:bgPr>
+        <a:solidFill>
+          <a:schemeClr val="tx1"/>
+        </a:solidFill>
+        <a:effectLst/>
+      </p:bgPr>
+    </p:bg>
+    <p:spTree>
+      <p:nvGrpSpPr>
+        <p:cNvPr id="1" name=""/>
+        <p:cNvGrpSpPr/>
+        <p:nvPr/>
+      </p:nvGrpSpPr>
+      <p:grpSpPr>
+        <a:xfrm>
+          <a:off x="0" y="0"/>
+          <a:ext cx="0" cy="0"/>
+          <a:chOff x="0" y="0"/>
+          <a:chExt cx="0" cy="0"/>
+        </a:xfrm>
+      </p:grpSpPr>
       <p:pic>
         <p:nvPicPr>
           <p:cNvPr id="12" name="Picture 11">
@@ -8777,7 +8909,7 @@
 </p:sld>
 </file>
 
-<file path=ppt/slides/slide21.xml><?xml version="1.0" encoding="utf-8"?>
+<file path=ppt/slides/slide22.xml><?xml version="1.0" encoding="utf-8"?>
 <p:sld xmlns:a="http://schemas.openxmlformats.org/drawingml/2006/main" xmlns:r="http://schemas.openxmlformats.org/officeDocument/2006/relationships" xmlns:p="http://schemas.openxmlformats.org/presentationml/2006/main">
   <p:cSld>
     <p:bg>
@@ -9504,7 +9636,7 @@
 </p:sld>
 </file>
 
-<file path=ppt/slides/slide22.xml><?xml version="1.0" encoding="utf-8"?>
+<file path=ppt/slides/slide23.xml><?xml version="1.0" encoding="utf-8"?>
 <p:sld xmlns:a="http://schemas.openxmlformats.org/drawingml/2006/main" xmlns:r="http://schemas.openxmlformats.org/officeDocument/2006/relationships" xmlns:p="http://schemas.openxmlformats.org/presentationml/2006/main">
   <p:cSld>
     <p:bg>
